--- a/Final_presentation.pptx
+++ b/Final_presentation.pptx
@@ -12,6 +12,10 @@
     <p:sldId id="260" r:id="rId6"/>
     <p:sldId id="261" r:id="rId7"/>
     <p:sldId id="262" r:id="rId8"/>
+    <p:sldId id="263" r:id="rId9"/>
+    <p:sldId id="264" r:id="rId10"/>
+    <p:sldId id="265" r:id="rId11"/>
+    <p:sldId id="266" r:id="rId12"/>
   </p:sldIdLst>
   <p:sldSz cx="12192000" cy="6858000"/>
   <p:notesSz cx="6858000" cy="9144000"/>
@@ -110,6 +114,11 @@
       </a:defRPr>
     </a:lvl9pPr>
   </p:defaultTextStyle>
+  <p:extLst>
+    <p:ext uri="{EFAFB233-063F-42B5-8137-9DF3F51BA10A}">
+      <p15:sldGuideLst xmlns:p15="http://schemas.microsoft.com/office/powerpoint/2012/main"/>
+    </p:ext>
+  </p:extLst>
 </p:presentation>
 </file>
 
@@ -3400,6 +3409,208 @@
 </p:sld>
 </file>
 
+<file path=ppt/slides/slide10.xml><?xml version="1.0" encoding="utf-8"?>
+<p:sld xmlns:a="http://schemas.openxmlformats.org/drawingml/2006/main" xmlns:r="http://schemas.openxmlformats.org/officeDocument/2006/relationships" xmlns:p="http://schemas.openxmlformats.org/presentationml/2006/main">
+  <p:cSld>
+    <p:spTree>
+      <p:nvGrpSpPr>
+        <p:cNvPr id="1" name=""/>
+        <p:cNvGrpSpPr/>
+        <p:nvPr/>
+      </p:nvGrpSpPr>
+      <p:grpSpPr>
+        <a:xfrm>
+          <a:off x="0" y="0"/>
+          <a:ext cx="0" cy="0"/>
+          <a:chOff x="0" y="0"/>
+          <a:chExt cx="0" cy="0"/>
+        </a:xfrm>
+      </p:grpSpPr>
+      <p:sp>
+        <p:nvSpPr>
+          <p:cNvPr id="2" name="Title 1">
+            <a:extLst>
+              <a:ext uri="{FF2B5EF4-FFF2-40B4-BE49-F238E27FC236}">
+                <a16:creationId xmlns:a16="http://schemas.microsoft.com/office/drawing/2014/main" id="{5CFDB9A6-A9B1-6D4F-94E2-D1C61DCB983F}"/>
+              </a:ext>
+            </a:extLst>
+          </p:cNvPr>
+          <p:cNvSpPr>
+            <a:spLocks noGrp="1"/>
+          </p:cNvSpPr>
+          <p:nvPr>
+            <p:ph type="title"/>
+          </p:nvPr>
+        </p:nvSpPr>
+        <p:spPr/>
+        <p:txBody>
+          <a:bodyPr/>
+          <a:lstStyle/>
+          <a:p>
+            <a:r>
+              <a:rPr lang="en-US" dirty="0"/>
+              <a:t>Lessons Learned</a:t>
+            </a:r>
+          </a:p>
+        </p:txBody>
+      </p:sp>
+      <p:sp>
+        <p:nvSpPr>
+          <p:cNvPr id="3" name="Content Placeholder 2">
+            <a:extLst>
+              <a:ext uri="{FF2B5EF4-FFF2-40B4-BE49-F238E27FC236}">
+                <a16:creationId xmlns:a16="http://schemas.microsoft.com/office/drawing/2014/main" id="{BB5381C6-C449-C64C-BC8C-DAC372E613C9}"/>
+              </a:ext>
+            </a:extLst>
+          </p:cNvPr>
+          <p:cNvSpPr>
+            <a:spLocks noGrp="1"/>
+          </p:cNvSpPr>
+          <p:nvPr>
+            <p:ph idx="1"/>
+          </p:nvPr>
+        </p:nvSpPr>
+        <p:spPr/>
+        <p:txBody>
+          <a:bodyPr/>
+          <a:lstStyle/>
+          <a:p>
+            <a:r>
+              <a:rPr lang="en-US" dirty="0"/>
+              <a:t>Uploading ~800,000 </a:t>
+            </a:r>
+            <a:r>
+              <a:rPr lang="en-US" dirty="0" err="1"/>
+              <a:t>Covid</a:t>
+            </a:r>
+            <a:r>
+              <a:rPr lang="en-US" dirty="0"/>
+              <a:t> Records from counties, states, and US into Neo4j can be a computationally demanding process if not optimized correctly</a:t>
+            </a:r>
+          </a:p>
+          <a:p>
+            <a:pPr lvl="1"/>
+            <a:r>
+              <a:rPr lang="en-US" dirty="0"/>
+              <a:t>Learned to work around directly importing that much data into Neo4j directly and all at once, instead created constraints to help unwind created Python data structures to more quickly import and establish the data into Neo4j</a:t>
+            </a:r>
+          </a:p>
+          <a:p>
+            <a:endParaRPr lang="en-US" dirty="0"/>
+          </a:p>
+        </p:txBody>
+      </p:sp>
+    </p:spTree>
+    <p:extLst>
+      <p:ext uri="{BB962C8B-B14F-4D97-AF65-F5344CB8AC3E}">
+        <p14:creationId xmlns:p14="http://schemas.microsoft.com/office/powerpoint/2010/main" val="3166189442"/>
+      </p:ext>
+    </p:extLst>
+  </p:cSld>
+  <p:clrMapOvr>
+    <a:masterClrMapping/>
+  </p:clrMapOvr>
+</p:sld>
+</file>
+
+<file path=ppt/slides/slide11.xml><?xml version="1.0" encoding="utf-8"?>
+<p:sld xmlns:a="http://schemas.openxmlformats.org/drawingml/2006/main" xmlns:r="http://schemas.openxmlformats.org/officeDocument/2006/relationships" xmlns:p="http://schemas.openxmlformats.org/presentationml/2006/main">
+  <p:cSld>
+    <p:spTree>
+      <p:nvGrpSpPr>
+        <p:cNvPr id="1" name=""/>
+        <p:cNvGrpSpPr/>
+        <p:nvPr/>
+      </p:nvGrpSpPr>
+      <p:grpSpPr>
+        <a:xfrm>
+          <a:off x="0" y="0"/>
+          <a:ext cx="0" cy="0"/>
+          <a:chOff x="0" y="0"/>
+          <a:chExt cx="0" cy="0"/>
+        </a:xfrm>
+      </p:grpSpPr>
+      <p:sp>
+        <p:nvSpPr>
+          <p:cNvPr id="2" name="Title 1">
+            <a:extLst>
+              <a:ext uri="{FF2B5EF4-FFF2-40B4-BE49-F238E27FC236}">
+                <a16:creationId xmlns:a16="http://schemas.microsoft.com/office/drawing/2014/main" id="{AE8C31BE-5978-A247-B71B-0448DD3B619C}"/>
+              </a:ext>
+            </a:extLst>
+          </p:cNvPr>
+          <p:cNvSpPr>
+            <a:spLocks noGrp="1"/>
+          </p:cNvSpPr>
+          <p:nvPr>
+            <p:ph type="title"/>
+          </p:nvPr>
+        </p:nvSpPr>
+        <p:spPr/>
+        <p:txBody>
+          <a:bodyPr/>
+          <a:lstStyle/>
+          <a:p>
+            <a:r>
+              <a:rPr lang="en-US" dirty="0"/>
+              <a:t>Open Issues/Future Work</a:t>
+            </a:r>
+          </a:p>
+        </p:txBody>
+      </p:sp>
+      <p:sp>
+        <p:nvSpPr>
+          <p:cNvPr id="3" name="Content Placeholder 2">
+            <a:extLst>
+              <a:ext uri="{FF2B5EF4-FFF2-40B4-BE49-F238E27FC236}">
+                <a16:creationId xmlns:a16="http://schemas.microsoft.com/office/drawing/2014/main" id="{DA09F66C-C963-6645-A699-6C15BFBC2A29}"/>
+              </a:ext>
+            </a:extLst>
+          </p:cNvPr>
+          <p:cNvSpPr>
+            <a:spLocks noGrp="1"/>
+          </p:cNvSpPr>
+          <p:nvPr>
+            <p:ph idx="1"/>
+          </p:nvPr>
+        </p:nvSpPr>
+        <p:spPr/>
+        <p:txBody>
+          <a:bodyPr/>
+          <a:lstStyle/>
+          <a:p>
+            <a:r>
+              <a:rPr lang="en-US" dirty="0"/>
+              <a:t>Implement Clustering Algorithms to help predict where future cases or spikes may occur</a:t>
+            </a:r>
+          </a:p>
+          <a:p>
+            <a:r>
+              <a:rPr lang="en-US" dirty="0"/>
+              <a:t>Implement a recommendation system based on county attributes to compare different geographical regions of similar number of infections and population</a:t>
+            </a:r>
+          </a:p>
+          <a:p>
+            <a:r>
+              <a:rPr lang="en-US" dirty="0"/>
+              <a:t>Highlight trendlines out of the ordinary for specific geographical regions</a:t>
+            </a:r>
+          </a:p>
+        </p:txBody>
+      </p:sp>
+    </p:spTree>
+    <p:extLst>
+      <p:ext uri="{BB962C8B-B14F-4D97-AF65-F5344CB8AC3E}">
+        <p14:creationId xmlns:p14="http://schemas.microsoft.com/office/powerpoint/2010/main" val="3287585363"/>
+      </p:ext>
+    </p:extLst>
+  </p:cSld>
+  <p:clrMapOvr>
+    <a:masterClrMapping/>
+  </p:clrMapOvr>
+</p:sld>
+</file>
+
 <file path=ppt/slides/slide2.xml><?xml version="1.0" encoding="utf-8"?>
 <p:sld xmlns:a="http://schemas.openxmlformats.org/drawingml/2006/main" xmlns:r="http://schemas.openxmlformats.org/officeDocument/2006/relationships" xmlns:p="http://schemas.openxmlformats.org/presentationml/2006/main">
   <p:cSld>
@@ -4272,7 +4483,10 @@
           <a:bodyPr/>
           <a:lstStyle/>
           <a:p>
-            <a:endParaRPr lang="en-US"/>
+            <a:r>
+              <a:rPr lang="en-US" dirty="0"/>
+              <a:t>Tools used</a:t>
+            </a:r>
           </a:p>
         </p:txBody>
       </p:sp>
@@ -4297,7 +4511,44 @@
           <a:bodyPr/>
           <a:lstStyle/>
           <a:p>
-            <a:endParaRPr lang="en-US"/>
+            <a:r>
+              <a:rPr lang="en-US" dirty="0"/>
+              <a:t>Py2Neo</a:t>
+            </a:r>
+          </a:p>
+          <a:p>
+            <a:pPr lvl="1"/>
+            <a:r>
+              <a:rPr lang="en-US" dirty="0"/>
+              <a:t>Object-Graph Mapping</a:t>
+            </a:r>
+          </a:p>
+          <a:p>
+            <a:pPr lvl="2"/>
+            <a:r>
+              <a:rPr lang="en-US" dirty="0"/>
+              <a:t>Using OGM directly was very slow</a:t>
+            </a:r>
+          </a:p>
+          <a:p>
+            <a:pPr lvl="1"/>
+            <a:r>
+              <a:rPr lang="en-US" dirty="0"/>
+              <a:t>Created unique constraints on the Neo4j database, generated python data structure that unwinds based on the constraints in Neo4j (much quicker data upload)</a:t>
+            </a:r>
+          </a:p>
+          <a:p>
+            <a:r>
+              <a:rPr lang="en-US" dirty="0"/>
+              <a:t>Flask</a:t>
+            </a:r>
+          </a:p>
+          <a:p>
+            <a:r>
+              <a:rPr lang="en-US" dirty="0" err="1"/>
+              <a:t>MongoEngine</a:t>
+            </a:r>
+            <a:endParaRPr lang="en-US" dirty="0"/>
           </a:p>
         </p:txBody>
       </p:sp>
@@ -4305,6 +4556,193 @@
     <p:extLst>
       <p:ext uri="{BB962C8B-B14F-4D97-AF65-F5344CB8AC3E}">
         <p14:creationId xmlns:p14="http://schemas.microsoft.com/office/powerpoint/2010/main" val="2999973653"/>
+      </p:ext>
+    </p:extLst>
+  </p:cSld>
+  <p:clrMapOvr>
+    <a:masterClrMapping/>
+  </p:clrMapOvr>
+</p:sld>
+</file>
+
+<file path=ppt/slides/slide8.xml><?xml version="1.0" encoding="utf-8"?>
+<p:sld xmlns:a="http://schemas.openxmlformats.org/drawingml/2006/main" xmlns:r="http://schemas.openxmlformats.org/officeDocument/2006/relationships" xmlns:p="http://schemas.openxmlformats.org/presentationml/2006/main">
+  <p:cSld>
+    <p:spTree>
+      <p:nvGrpSpPr>
+        <p:cNvPr id="1" name=""/>
+        <p:cNvGrpSpPr/>
+        <p:nvPr/>
+      </p:nvGrpSpPr>
+      <p:grpSpPr>
+        <a:xfrm>
+          <a:off x="0" y="0"/>
+          <a:ext cx="0" cy="0"/>
+          <a:chOff x="0" y="0"/>
+          <a:chExt cx="0" cy="0"/>
+        </a:xfrm>
+      </p:grpSpPr>
+      <p:sp>
+        <p:nvSpPr>
+          <p:cNvPr id="2" name="Title 1">
+            <a:extLst>
+              <a:ext uri="{FF2B5EF4-FFF2-40B4-BE49-F238E27FC236}">
+                <a16:creationId xmlns:a16="http://schemas.microsoft.com/office/drawing/2014/main" id="{182EBFFC-EEE9-9F4D-94C1-2C65980313C8}"/>
+              </a:ext>
+            </a:extLst>
+          </p:cNvPr>
+          <p:cNvSpPr>
+            <a:spLocks noGrp="1"/>
+          </p:cNvSpPr>
+          <p:nvPr>
+            <p:ph type="title"/>
+          </p:nvPr>
+        </p:nvSpPr>
+        <p:spPr/>
+        <p:txBody>
+          <a:bodyPr/>
+          <a:lstStyle/>
+          <a:p>
+            <a:r>
+              <a:rPr lang="en-US" dirty="0"/>
+              <a:t>Features Designed/Implemented</a:t>
+            </a:r>
+          </a:p>
+        </p:txBody>
+      </p:sp>
+      <p:sp>
+        <p:nvSpPr>
+          <p:cNvPr id="3" name="Content Placeholder 2">
+            <a:extLst>
+              <a:ext uri="{FF2B5EF4-FFF2-40B4-BE49-F238E27FC236}">
+                <a16:creationId xmlns:a16="http://schemas.microsoft.com/office/drawing/2014/main" id="{5B9A3EAA-1499-A04B-AFBF-57A5E762F32C}"/>
+              </a:ext>
+            </a:extLst>
+          </p:cNvPr>
+          <p:cNvSpPr>
+            <a:spLocks noGrp="1"/>
+          </p:cNvSpPr>
+          <p:nvPr>
+            <p:ph idx="1"/>
+          </p:nvPr>
+        </p:nvSpPr>
+        <p:spPr/>
+        <p:txBody>
+          <a:bodyPr/>
+          <a:lstStyle/>
+          <a:p>
+            <a:endParaRPr lang="en-US" dirty="0"/>
+          </a:p>
+        </p:txBody>
+      </p:sp>
+    </p:spTree>
+    <p:extLst>
+      <p:ext uri="{BB962C8B-B14F-4D97-AF65-F5344CB8AC3E}">
+        <p14:creationId xmlns:p14="http://schemas.microsoft.com/office/powerpoint/2010/main" val="358119744"/>
+      </p:ext>
+    </p:extLst>
+  </p:cSld>
+  <p:clrMapOvr>
+    <a:masterClrMapping/>
+  </p:clrMapOvr>
+</p:sld>
+</file>
+
+<file path=ppt/slides/slide9.xml><?xml version="1.0" encoding="utf-8"?>
+<p:sld xmlns:a="http://schemas.openxmlformats.org/drawingml/2006/main" xmlns:r="http://schemas.openxmlformats.org/officeDocument/2006/relationships" xmlns:p="http://schemas.openxmlformats.org/presentationml/2006/main">
+  <p:cSld>
+    <p:spTree>
+      <p:nvGrpSpPr>
+        <p:cNvPr id="1" name=""/>
+        <p:cNvGrpSpPr/>
+        <p:nvPr/>
+      </p:nvGrpSpPr>
+      <p:grpSpPr>
+        <a:xfrm>
+          <a:off x="0" y="0"/>
+          <a:ext cx="0" cy="0"/>
+          <a:chOff x="0" y="0"/>
+          <a:chExt cx="0" cy="0"/>
+        </a:xfrm>
+      </p:grpSpPr>
+      <p:sp>
+        <p:nvSpPr>
+          <p:cNvPr id="2" name="Title 1">
+            <a:extLst>
+              <a:ext uri="{FF2B5EF4-FFF2-40B4-BE49-F238E27FC236}">
+                <a16:creationId xmlns:a16="http://schemas.microsoft.com/office/drawing/2014/main" id="{93F1E6D4-F460-1243-8BAB-FE04082DE61E}"/>
+              </a:ext>
+            </a:extLst>
+          </p:cNvPr>
+          <p:cNvSpPr>
+            <a:spLocks noGrp="1"/>
+          </p:cNvSpPr>
+          <p:nvPr>
+            <p:ph type="title"/>
+          </p:nvPr>
+        </p:nvSpPr>
+        <p:spPr/>
+        <p:txBody>
+          <a:bodyPr/>
+          <a:lstStyle/>
+          <a:p>
+            <a:r>
+              <a:rPr lang="en-US" dirty="0"/>
+              <a:t>Queries Performed</a:t>
+            </a:r>
+          </a:p>
+        </p:txBody>
+      </p:sp>
+      <p:sp>
+        <p:nvSpPr>
+          <p:cNvPr id="3" name="Content Placeholder 2">
+            <a:extLst>
+              <a:ext uri="{FF2B5EF4-FFF2-40B4-BE49-F238E27FC236}">
+                <a16:creationId xmlns:a16="http://schemas.microsoft.com/office/drawing/2014/main" id="{B1E55EAC-891F-D043-B943-FDFC94F79449}"/>
+              </a:ext>
+            </a:extLst>
+          </p:cNvPr>
+          <p:cNvSpPr>
+            <a:spLocks noGrp="1"/>
+          </p:cNvSpPr>
+          <p:nvPr>
+            <p:ph idx="1"/>
+          </p:nvPr>
+        </p:nvSpPr>
+        <p:spPr/>
+        <p:txBody>
+          <a:bodyPr/>
+          <a:lstStyle/>
+          <a:p>
+            <a:r>
+              <a:rPr lang="en-US" dirty="0"/>
+              <a:t>Number of cases in a state over a date range</a:t>
+            </a:r>
+          </a:p>
+          <a:p>
+            <a:r>
+              <a:rPr lang="en-US" dirty="0"/>
+              <a:t>Number of cases in a county over a date range</a:t>
+            </a:r>
+          </a:p>
+          <a:p>
+            <a:r>
+              <a:rPr lang="en-US" dirty="0"/>
+              <a:t>Rank counties by net cases over a date range</a:t>
+            </a:r>
+          </a:p>
+          <a:p>
+            <a:r>
+              <a:rPr lang="en-US" dirty="0"/>
+              <a:t>Rank counties by cases as percentage of population over a date range</a:t>
+            </a:r>
+          </a:p>
+        </p:txBody>
+      </p:sp>
+    </p:spTree>
+    <p:extLst>
+      <p:ext uri="{BB962C8B-B14F-4D97-AF65-F5344CB8AC3E}">
+        <p14:creationId xmlns:p14="http://schemas.microsoft.com/office/powerpoint/2010/main" val="3514309768"/>
       </p:ext>
     </p:extLst>
   </p:cSld>

--- a/Final_presentation.pptx
+++ b/Final_presentation.pptx
@@ -2,7 +2,7 @@
 <file path=ppt/presentation.xml><?xml version="1.0" encoding="utf-8"?>
 <p:presentation xmlns:a="http://schemas.openxmlformats.org/drawingml/2006/main" xmlns:r="http://schemas.openxmlformats.org/officeDocument/2006/relationships" xmlns:p="http://schemas.openxmlformats.org/presentationml/2006/main" saveSubsetFonts="1" autoCompressPictures="0">
   <p:sldMasterIdLst>
-    <p:sldMasterId id="2147483648" r:id="rId1"/>
+    <p:sldMasterId id="2147483740" r:id="rId1"/>
   </p:sldMasterIdLst>
   <p:sldIdLst>
     <p:sldId id="256" r:id="rId2"/>
@@ -11,11 +11,12 @@
     <p:sldId id="258" r:id="rId5"/>
     <p:sldId id="260" r:id="rId6"/>
     <p:sldId id="261" r:id="rId7"/>
-    <p:sldId id="262" r:id="rId8"/>
-    <p:sldId id="263" r:id="rId9"/>
-    <p:sldId id="264" r:id="rId10"/>
-    <p:sldId id="265" r:id="rId11"/>
-    <p:sldId id="266" r:id="rId12"/>
+    <p:sldId id="268" r:id="rId8"/>
+    <p:sldId id="262" r:id="rId9"/>
+    <p:sldId id="263" r:id="rId10"/>
+    <p:sldId id="264" r:id="rId11"/>
+    <p:sldId id="265" r:id="rId12"/>
+    <p:sldId id="266" r:id="rId13"/>
   </p:sldIdLst>
   <p:sldSz cx="12192000" cy="6858000"/>
   <p:notesSz cx="6858000" cy="9144000"/>
@@ -23,7 +24,7 @@
     <a:defPPr>
       <a:defRPr lang="en-US"/>
     </a:defPPr>
-    <a:lvl1pPr marL="0" algn="l" defTabSz="914400" rtl="0" eaLnBrk="1" latinLnBrk="0" hangingPunct="1">
+    <a:lvl1pPr marL="0" algn="l" defTabSz="457200" rtl="0" eaLnBrk="1" latinLnBrk="0" hangingPunct="1">
       <a:defRPr sz="1800" kern="1200">
         <a:solidFill>
           <a:schemeClr val="tx1"/>
@@ -33,7 +34,7 @@
         <a:cs typeface="+mn-cs"/>
       </a:defRPr>
     </a:lvl1pPr>
-    <a:lvl2pPr marL="457200" algn="l" defTabSz="914400" rtl="0" eaLnBrk="1" latinLnBrk="0" hangingPunct="1">
+    <a:lvl2pPr marL="457200" algn="l" defTabSz="457200" rtl="0" eaLnBrk="1" latinLnBrk="0" hangingPunct="1">
       <a:defRPr sz="1800" kern="1200">
         <a:solidFill>
           <a:schemeClr val="tx1"/>
@@ -43,7 +44,7 @@
         <a:cs typeface="+mn-cs"/>
       </a:defRPr>
     </a:lvl2pPr>
-    <a:lvl3pPr marL="914400" algn="l" defTabSz="914400" rtl="0" eaLnBrk="1" latinLnBrk="0" hangingPunct="1">
+    <a:lvl3pPr marL="914400" algn="l" defTabSz="457200" rtl="0" eaLnBrk="1" latinLnBrk="0" hangingPunct="1">
       <a:defRPr sz="1800" kern="1200">
         <a:solidFill>
           <a:schemeClr val="tx1"/>
@@ -53,7 +54,7 @@
         <a:cs typeface="+mn-cs"/>
       </a:defRPr>
     </a:lvl3pPr>
-    <a:lvl4pPr marL="1371600" algn="l" defTabSz="914400" rtl="0" eaLnBrk="1" latinLnBrk="0" hangingPunct="1">
+    <a:lvl4pPr marL="1371600" algn="l" defTabSz="457200" rtl="0" eaLnBrk="1" latinLnBrk="0" hangingPunct="1">
       <a:defRPr sz="1800" kern="1200">
         <a:solidFill>
           <a:schemeClr val="tx1"/>
@@ -63,7 +64,7 @@
         <a:cs typeface="+mn-cs"/>
       </a:defRPr>
     </a:lvl4pPr>
-    <a:lvl5pPr marL="1828800" algn="l" defTabSz="914400" rtl="0" eaLnBrk="1" latinLnBrk="0" hangingPunct="1">
+    <a:lvl5pPr marL="1828800" algn="l" defTabSz="457200" rtl="0" eaLnBrk="1" latinLnBrk="0" hangingPunct="1">
       <a:defRPr sz="1800" kern="1200">
         <a:solidFill>
           <a:schemeClr val="tx1"/>
@@ -73,7 +74,7 @@
         <a:cs typeface="+mn-cs"/>
       </a:defRPr>
     </a:lvl5pPr>
-    <a:lvl6pPr marL="2286000" algn="l" defTabSz="914400" rtl="0" eaLnBrk="1" latinLnBrk="0" hangingPunct="1">
+    <a:lvl6pPr marL="2286000" algn="l" defTabSz="457200" rtl="0" eaLnBrk="1" latinLnBrk="0" hangingPunct="1">
       <a:defRPr sz="1800" kern="1200">
         <a:solidFill>
           <a:schemeClr val="tx1"/>
@@ -83,7 +84,7 @@
         <a:cs typeface="+mn-cs"/>
       </a:defRPr>
     </a:lvl6pPr>
-    <a:lvl7pPr marL="2743200" algn="l" defTabSz="914400" rtl="0" eaLnBrk="1" latinLnBrk="0" hangingPunct="1">
+    <a:lvl7pPr marL="2743200" algn="l" defTabSz="457200" rtl="0" eaLnBrk="1" latinLnBrk="0" hangingPunct="1">
       <a:defRPr sz="1800" kern="1200">
         <a:solidFill>
           <a:schemeClr val="tx1"/>
@@ -93,7 +94,7 @@
         <a:cs typeface="+mn-cs"/>
       </a:defRPr>
     </a:lvl7pPr>
-    <a:lvl8pPr marL="3200400" algn="l" defTabSz="914400" rtl="0" eaLnBrk="1" latinLnBrk="0" hangingPunct="1">
+    <a:lvl8pPr marL="3200400" algn="l" defTabSz="457200" rtl="0" eaLnBrk="1" latinLnBrk="0" hangingPunct="1">
       <a:defRPr sz="1800" kern="1200">
         <a:solidFill>
           <a:schemeClr val="tx1"/>
@@ -103,7 +104,7 @@
         <a:cs typeface="+mn-cs"/>
       </a:defRPr>
     </a:lvl8pPr>
-    <a:lvl9pPr marL="3657600" algn="l" defTabSz="914400" rtl="0" eaLnBrk="1" latinLnBrk="0" hangingPunct="1">
+    <a:lvl9pPr marL="3657600" algn="l" defTabSz="457200" rtl="0" eaLnBrk="1" latinLnBrk="0" hangingPunct="1">
       <a:defRPr sz="1800" kern="1200">
         <a:solidFill>
           <a:schemeClr val="tx1"/>
@@ -139,15 +140,39 @@
           <a:chExt cx="0" cy="0"/>
         </a:xfrm>
       </p:grpSpPr>
-      <p:sp>
-        <p:nvSpPr>
-          <p:cNvPr id="2" name="Title 1">
+      <p:pic>
+        <p:nvPicPr>
+          <p:cNvPr id="7" name="Picture 6" descr="Droplets-HD-Title-R1d.png"/>
+          <p:cNvPicPr>
+            <a:picLocks noChangeAspect="1"/>
+          </p:cNvPicPr>
+          <p:nvPr/>
+        </p:nvPicPr>
+        <p:blipFill>
+          <a:blip r:embed="rId2">
             <a:extLst>
-              <a:ext uri="{FF2B5EF4-FFF2-40B4-BE49-F238E27FC236}">
-                <a16:creationId xmlns:a16="http://schemas.microsoft.com/office/drawing/2014/main" id="{C0168D3F-4C44-714B-B982-F14656E4C596}"/>
+              <a:ext uri="{28A0092B-C50C-407E-A947-70E740481C1C}">
+                <a14:useLocalDpi xmlns:a14="http://schemas.microsoft.com/office/drawing/2010/main" val="0"/>
               </a:ext>
             </a:extLst>
-          </p:cNvPr>
+          </a:blip>
+          <a:stretch>
+            <a:fillRect/>
+          </a:stretch>
+        </p:blipFill>
+        <p:spPr>
+          <a:xfrm>
+            <a:off x="0" y="0"/>
+            <a:ext cx="12192000" cy="6858000"/>
+          </a:xfrm>
+          <a:prstGeom prst="rect">
+            <a:avLst/>
+          </a:prstGeom>
+        </p:spPr>
+      </p:pic>
+      <p:sp>
+        <p:nvSpPr>
+          <p:cNvPr id="2" name="Title 1"/>
           <p:cNvSpPr>
             <a:spLocks noGrp="1"/>
           </p:cNvSpPr>
@@ -157,15 +182,17 @@
         </p:nvSpPr>
         <p:spPr>
           <a:xfrm>
-            <a:off x="1524000" y="1122363"/>
-            <a:ext cx="9144000" cy="2387600"/>
-          </a:xfrm>
-        </p:spPr>
-        <p:txBody>
-          <a:bodyPr anchor="b"/>
+            <a:off x="1751012" y="1300785"/>
+            <a:ext cx="8689976" cy="2509213"/>
+          </a:xfrm>
+        </p:spPr>
+        <p:txBody>
+          <a:bodyPr anchor="b">
+            <a:normAutofit/>
+          </a:bodyPr>
           <a:lstStyle>
             <a:lvl1pPr algn="ctr">
-              <a:defRPr sz="6000"/>
+              <a:defRPr sz="4800"/>
             </a:lvl1pPr>
           </a:lstStyle>
           <a:p>
@@ -173,18 +200,13 @@
               <a:rPr lang="en-US"/>
               <a:t>Click to edit Master title style</a:t>
             </a:r>
-          </a:p>
-        </p:txBody>
-      </p:sp>
-      <p:sp>
-        <p:nvSpPr>
-          <p:cNvPr id="3" name="Subtitle 2">
-            <a:extLst>
-              <a:ext uri="{FF2B5EF4-FFF2-40B4-BE49-F238E27FC236}">
-                <a16:creationId xmlns:a16="http://schemas.microsoft.com/office/drawing/2014/main" id="{71CB376D-40DF-5A47-B22E-AF7AF3C592C3}"/>
-              </a:ext>
-            </a:extLst>
-          </p:cNvPr>
+            <a:endParaRPr lang="en-US" dirty="0"/>
+          </a:p>
+        </p:txBody>
+      </p:sp>
+      <p:sp>
+        <p:nvSpPr>
+          <p:cNvPr id="3" name="Subtitle 2"/>
           <p:cNvSpPr>
             <a:spLocks noGrp="1"/>
           </p:cNvSpPr>
@@ -194,16 +216,24 @@
         </p:nvSpPr>
         <p:spPr>
           <a:xfrm>
-            <a:off x="1524000" y="3602038"/>
-            <a:ext cx="9144000" cy="1655762"/>
-          </a:xfrm>
-        </p:spPr>
-        <p:txBody>
-          <a:bodyPr/>
+            <a:off x="1751012" y="3886200"/>
+            <a:ext cx="8689976" cy="1371599"/>
+          </a:xfrm>
+        </p:spPr>
+        <p:txBody>
+          <a:bodyPr>
+            <a:normAutofit/>
+          </a:bodyPr>
           <a:lstStyle>
             <a:lvl1pPr marL="0" indent="0" algn="ctr">
               <a:buNone/>
-              <a:defRPr sz="2400"/>
+              <a:defRPr sz="2200">
+                <a:solidFill>
+                  <a:schemeClr val="bg1">
+                    <a:lumMod val="50000"/>
+                  </a:schemeClr>
+                </a:solidFill>
+              </a:defRPr>
             </a:lvl1pPr>
             <a:lvl2pPr marL="457200" indent="0" algn="ctr">
               <a:buNone/>
@@ -243,18 +273,13 @@
               <a:rPr lang="en-US"/>
               <a:t>Click to edit Master subtitle style</a:t>
             </a:r>
-          </a:p>
-        </p:txBody>
-      </p:sp>
-      <p:sp>
-        <p:nvSpPr>
-          <p:cNvPr id="4" name="Date Placeholder 3">
-            <a:extLst>
-              <a:ext uri="{FF2B5EF4-FFF2-40B4-BE49-F238E27FC236}">
-                <a16:creationId xmlns:a16="http://schemas.microsoft.com/office/drawing/2014/main" id="{382DF032-CDF8-1249-953D-F0CC3795F614}"/>
-              </a:ext>
-            </a:extLst>
-          </p:cNvPr>
+            <a:endParaRPr lang="en-US" dirty="0"/>
+          </a:p>
+        </p:txBody>
+      </p:sp>
+      <p:sp>
+        <p:nvSpPr>
+          <p:cNvPr id="4" name="Date Placeholder 3"/>
           <p:cNvSpPr>
             <a:spLocks noGrp="1"/>
           </p:cNvSpPr>
@@ -277,13 +302,7 @@
       </p:sp>
       <p:sp>
         <p:nvSpPr>
-          <p:cNvPr id="5" name="Footer Placeholder 4">
-            <a:extLst>
-              <a:ext uri="{FF2B5EF4-FFF2-40B4-BE49-F238E27FC236}">
-                <a16:creationId xmlns:a16="http://schemas.microsoft.com/office/drawing/2014/main" id="{DEAA89A1-9E15-824F-A081-6BC106262DE7}"/>
-              </a:ext>
-            </a:extLst>
-          </p:cNvPr>
+          <p:cNvPr id="5" name="Footer Placeholder 4"/>
           <p:cNvSpPr>
             <a:spLocks noGrp="1"/>
           </p:cNvSpPr>
@@ -302,13 +321,7 @@
       </p:sp>
       <p:sp>
         <p:nvSpPr>
-          <p:cNvPr id="6" name="Slide Number Placeholder 5">
-            <a:extLst>
-              <a:ext uri="{FF2B5EF4-FFF2-40B4-BE49-F238E27FC236}">
-                <a16:creationId xmlns:a16="http://schemas.microsoft.com/office/drawing/2014/main" id="{D2FBBBE2-4141-5A47-A1C8-8700C934E01E}"/>
-              </a:ext>
-            </a:extLst>
-          </p:cNvPr>
+          <p:cNvPr id="6" name="Slide Number Placeholder 5"/>
           <p:cNvSpPr>
             <a:spLocks noGrp="1"/>
           </p:cNvSpPr>
@@ -332,7 +345,7 @@
     </p:spTree>
     <p:extLst>
       <p:ext uri="{BB962C8B-B14F-4D97-AF65-F5344CB8AC3E}">
-        <p14:creationId xmlns:p14="http://schemas.microsoft.com/office/powerpoint/2010/main" val="938475391"/>
+        <p14:creationId xmlns:p14="http://schemas.microsoft.com/office/powerpoint/2010/main" val="2584158843"/>
       </p:ext>
     </p:extLst>
   </p:cSld>
@@ -343,6 +356,2713 @@
 </file>
 
 <file path=ppt/slideLayouts/slideLayout10.xml><?xml version="1.0" encoding="utf-8"?>
+<p:sldLayout xmlns:a="http://schemas.openxmlformats.org/drawingml/2006/main" xmlns:r="http://schemas.openxmlformats.org/officeDocument/2006/relationships" xmlns:p="http://schemas.openxmlformats.org/presentationml/2006/main" preserve="1">
+  <p:cSld name="Panoramic Picture with Caption">
+    <p:spTree>
+      <p:nvGrpSpPr>
+        <p:cNvPr id="1" name=""/>
+        <p:cNvGrpSpPr/>
+        <p:nvPr/>
+      </p:nvGrpSpPr>
+      <p:grpSpPr>
+        <a:xfrm>
+          <a:off x="0" y="0"/>
+          <a:ext cx="0" cy="0"/>
+          <a:chOff x="0" y="0"/>
+          <a:chExt cx="0" cy="0"/>
+        </a:xfrm>
+      </p:grpSpPr>
+      <p:pic>
+        <p:nvPicPr>
+          <p:cNvPr id="10" name="Picture 9" descr="Droplets-HD-Content-R1d.png"/>
+          <p:cNvPicPr>
+            <a:picLocks noChangeAspect="1"/>
+          </p:cNvPicPr>
+          <p:nvPr/>
+        </p:nvPicPr>
+        <p:blipFill>
+          <a:blip r:embed="rId2">
+            <a:extLst>
+              <a:ext uri="{28A0092B-C50C-407E-A947-70E740481C1C}">
+                <a14:useLocalDpi xmlns:a14="http://schemas.microsoft.com/office/drawing/2010/main" val="0"/>
+              </a:ext>
+            </a:extLst>
+          </a:blip>
+          <a:stretch>
+            <a:fillRect/>
+          </a:stretch>
+        </p:blipFill>
+        <p:spPr>
+          <a:xfrm>
+            <a:off x="0" y="0"/>
+            <a:ext cx="12192000" cy="6858000"/>
+          </a:xfrm>
+          <a:prstGeom prst="rect">
+            <a:avLst/>
+          </a:prstGeom>
+        </p:spPr>
+      </p:pic>
+      <p:sp>
+        <p:nvSpPr>
+          <p:cNvPr id="2" name="Title 1"/>
+          <p:cNvSpPr>
+            <a:spLocks noGrp="1"/>
+          </p:cNvSpPr>
+          <p:nvPr>
+            <p:ph type="title"/>
+          </p:nvPr>
+        </p:nvSpPr>
+        <p:spPr>
+          <a:xfrm>
+            <a:off x="913794" y="4289374"/>
+            <a:ext cx="10364432" cy="811610"/>
+          </a:xfrm>
+        </p:spPr>
+        <p:txBody>
+          <a:bodyPr anchor="b"/>
+          <a:lstStyle>
+            <a:lvl1pPr>
+              <a:defRPr sz="3200"/>
+            </a:lvl1pPr>
+          </a:lstStyle>
+          <a:p>
+            <a:r>
+              <a:rPr lang="en-US"/>
+              <a:t>Click to edit Master title style</a:t>
+            </a:r>
+            <a:endParaRPr lang="en-US" dirty="0"/>
+          </a:p>
+        </p:txBody>
+      </p:sp>
+      <p:sp>
+        <p:nvSpPr>
+          <p:cNvPr id="3" name="Picture Placeholder 2"/>
+          <p:cNvSpPr>
+            <a:spLocks noGrp="1" noChangeAspect="1"/>
+          </p:cNvSpPr>
+          <p:nvPr>
+            <p:ph type="pic" idx="1"/>
+          </p:nvPr>
+        </p:nvSpPr>
+        <p:spPr>
+          <a:xfrm>
+            <a:off x="1184744" y="698261"/>
+            <a:ext cx="9822532" cy="3214136"/>
+          </a:xfrm>
+          <a:prstGeom prst="roundRect">
+            <a:avLst>
+              <a:gd name="adj" fmla="val 4944"/>
+            </a:avLst>
+          </a:prstGeom>
+          <a:noFill/>
+          <a:ln w="82550" cap="sq">
+            <a:solidFill>
+              <a:srgbClr val="EAEAEA"/>
+            </a:solidFill>
+            <a:miter lim="800000"/>
+          </a:ln>
+          <a:effectLst/>
+          <a:scene3d>
+            <a:camera prst="orthographicFront"/>
+            <a:lightRig rig="threePt" dir="t">
+              <a:rot lat="0" lon="0" rev="2700000"/>
+            </a:lightRig>
+          </a:scene3d>
+          <a:sp3d contourW="6350">
+            <a:bevelT h="38100"/>
+            <a:contourClr>
+              <a:srgbClr val="C0C0C0"/>
+            </a:contourClr>
+          </a:sp3d>
+        </p:spPr>
+        <p:txBody>
+          <a:bodyPr anchor="t"/>
+          <a:lstStyle>
+            <a:lvl1pPr marL="0" indent="0" algn="ctr">
+              <a:buNone/>
+              <a:defRPr sz="3200"/>
+            </a:lvl1pPr>
+            <a:lvl2pPr marL="457200" indent="0">
+              <a:buNone/>
+              <a:defRPr sz="2800"/>
+            </a:lvl2pPr>
+            <a:lvl3pPr marL="914400" indent="0">
+              <a:buNone/>
+              <a:defRPr sz="2400"/>
+            </a:lvl3pPr>
+            <a:lvl4pPr marL="1371600" indent="0">
+              <a:buNone/>
+              <a:defRPr sz="2000"/>
+            </a:lvl4pPr>
+            <a:lvl5pPr marL="1828800" indent="0">
+              <a:buNone/>
+              <a:defRPr sz="2000"/>
+            </a:lvl5pPr>
+            <a:lvl6pPr marL="2286000" indent="0">
+              <a:buNone/>
+              <a:defRPr sz="2000"/>
+            </a:lvl6pPr>
+            <a:lvl7pPr marL="2743200" indent="0">
+              <a:buNone/>
+              <a:defRPr sz="2000"/>
+            </a:lvl7pPr>
+            <a:lvl8pPr marL="3200400" indent="0">
+              <a:buNone/>
+              <a:defRPr sz="2000"/>
+            </a:lvl8pPr>
+            <a:lvl9pPr marL="3657600" indent="0">
+              <a:buNone/>
+              <a:defRPr sz="2000"/>
+            </a:lvl9pPr>
+          </a:lstStyle>
+          <a:p>
+            <a:r>
+              <a:rPr lang="en-US"/>
+              <a:t>Click icon to add picture</a:t>
+            </a:r>
+            <a:endParaRPr lang="en-US" dirty="0"/>
+          </a:p>
+        </p:txBody>
+      </p:sp>
+      <p:sp>
+        <p:nvSpPr>
+          <p:cNvPr id="4" name="Text Placeholder 3"/>
+          <p:cNvSpPr>
+            <a:spLocks noGrp="1"/>
+          </p:cNvSpPr>
+          <p:nvPr>
+            <p:ph type="body" sz="half" idx="2"/>
+          </p:nvPr>
+        </p:nvSpPr>
+        <p:spPr>
+          <a:xfrm>
+            <a:off x="913774" y="5108728"/>
+            <a:ext cx="10364452" cy="682472"/>
+          </a:xfrm>
+        </p:spPr>
+        <p:txBody>
+          <a:bodyPr/>
+          <a:lstStyle>
+            <a:lvl1pPr marL="0" indent="0" algn="ctr">
+              <a:buNone/>
+              <a:defRPr sz="1600"/>
+            </a:lvl1pPr>
+            <a:lvl2pPr marL="457200" indent="0">
+              <a:buNone/>
+              <a:defRPr sz="1400"/>
+            </a:lvl2pPr>
+            <a:lvl3pPr marL="914400" indent="0">
+              <a:buNone/>
+              <a:defRPr sz="1200"/>
+            </a:lvl3pPr>
+            <a:lvl4pPr marL="1371600" indent="0">
+              <a:buNone/>
+              <a:defRPr sz="1000"/>
+            </a:lvl4pPr>
+            <a:lvl5pPr marL="1828800" indent="0">
+              <a:buNone/>
+              <a:defRPr sz="1000"/>
+            </a:lvl5pPr>
+            <a:lvl6pPr marL="2286000" indent="0">
+              <a:buNone/>
+              <a:defRPr sz="1000"/>
+            </a:lvl6pPr>
+            <a:lvl7pPr marL="2743200" indent="0">
+              <a:buNone/>
+              <a:defRPr sz="1000"/>
+            </a:lvl7pPr>
+            <a:lvl8pPr marL="3200400" indent="0">
+              <a:buNone/>
+              <a:defRPr sz="1000"/>
+            </a:lvl8pPr>
+            <a:lvl9pPr marL="3657600" indent="0">
+              <a:buNone/>
+              <a:defRPr sz="1000"/>
+            </a:lvl9pPr>
+          </a:lstStyle>
+          <a:p>
+            <a:pPr lvl="0"/>
+            <a:r>
+              <a:rPr lang="en-US"/>
+              <a:t>Click to edit Master text styles</a:t>
+            </a:r>
+          </a:p>
+        </p:txBody>
+      </p:sp>
+      <p:sp>
+        <p:nvSpPr>
+          <p:cNvPr id="5" name="Date Placeholder 4"/>
+          <p:cNvSpPr>
+            <a:spLocks noGrp="1"/>
+          </p:cNvSpPr>
+          <p:nvPr>
+            <p:ph type="dt" sz="half" idx="10"/>
+          </p:nvPr>
+        </p:nvSpPr>
+        <p:spPr/>
+        <p:txBody>
+          <a:bodyPr/>
+          <a:lstStyle/>
+          <a:p>
+            <a:fld id="{25A4C5CD-7CDA-4B45-9389-63D6419C972B}" type="datetimeFigureOut">
+              <a:rPr lang="en-US" smtClean="0"/>
+              <a:t>12/16/20</a:t>
+            </a:fld>
+            <a:endParaRPr lang="en-US"/>
+          </a:p>
+        </p:txBody>
+      </p:sp>
+      <p:sp>
+        <p:nvSpPr>
+          <p:cNvPr id="6" name="Footer Placeholder 5"/>
+          <p:cNvSpPr>
+            <a:spLocks noGrp="1"/>
+          </p:cNvSpPr>
+          <p:nvPr>
+            <p:ph type="ftr" sz="quarter" idx="11"/>
+          </p:nvPr>
+        </p:nvSpPr>
+        <p:spPr/>
+        <p:txBody>
+          <a:bodyPr/>
+          <a:lstStyle/>
+          <a:p>
+            <a:endParaRPr lang="en-US"/>
+          </a:p>
+        </p:txBody>
+      </p:sp>
+      <p:sp>
+        <p:nvSpPr>
+          <p:cNvPr id="7" name="Slide Number Placeholder 6"/>
+          <p:cNvSpPr>
+            <a:spLocks noGrp="1"/>
+          </p:cNvSpPr>
+          <p:nvPr>
+            <p:ph type="sldNum" sz="quarter" idx="12"/>
+          </p:nvPr>
+        </p:nvSpPr>
+        <p:spPr/>
+        <p:txBody>
+          <a:bodyPr/>
+          <a:lstStyle/>
+          <a:p>
+            <a:fld id="{7829B301-153F-1E4A-B60C-9EB5717F9A8E}" type="slidenum">
+              <a:rPr lang="en-US" smtClean="0"/>
+              <a:t>‹#›</a:t>
+            </a:fld>
+            <a:endParaRPr lang="en-US"/>
+          </a:p>
+        </p:txBody>
+      </p:sp>
+    </p:spTree>
+    <p:extLst>
+      <p:ext uri="{BB962C8B-B14F-4D97-AF65-F5344CB8AC3E}">
+        <p14:creationId xmlns:p14="http://schemas.microsoft.com/office/powerpoint/2010/main" val="1182720397"/>
+      </p:ext>
+    </p:extLst>
+  </p:cSld>
+  <p:clrMapOvr>
+    <a:masterClrMapping/>
+  </p:clrMapOvr>
+</p:sldLayout>
+</file>
+
+<file path=ppt/slideLayouts/slideLayout11.xml><?xml version="1.0" encoding="utf-8"?>
+<p:sldLayout xmlns:a="http://schemas.openxmlformats.org/drawingml/2006/main" xmlns:r="http://schemas.openxmlformats.org/officeDocument/2006/relationships" xmlns:p="http://schemas.openxmlformats.org/presentationml/2006/main" preserve="1">
+  <p:cSld name="Title and Caption">
+    <p:spTree>
+      <p:nvGrpSpPr>
+        <p:cNvPr id="1" name=""/>
+        <p:cNvGrpSpPr/>
+        <p:nvPr/>
+      </p:nvGrpSpPr>
+      <p:grpSpPr>
+        <a:xfrm>
+          <a:off x="0" y="0"/>
+          <a:ext cx="0" cy="0"/>
+          <a:chOff x="0" y="0"/>
+          <a:chExt cx="0" cy="0"/>
+        </a:xfrm>
+      </p:grpSpPr>
+      <p:pic>
+        <p:nvPicPr>
+          <p:cNvPr id="8" name="Picture 7" descr="Droplets-HD-Content-R1d.png"/>
+          <p:cNvPicPr>
+            <a:picLocks noChangeAspect="1"/>
+          </p:cNvPicPr>
+          <p:nvPr/>
+        </p:nvPicPr>
+        <p:blipFill>
+          <a:blip r:embed="rId2">
+            <a:extLst>
+              <a:ext uri="{28A0092B-C50C-407E-A947-70E740481C1C}">
+                <a14:useLocalDpi xmlns:a14="http://schemas.microsoft.com/office/drawing/2010/main" val="0"/>
+              </a:ext>
+            </a:extLst>
+          </a:blip>
+          <a:stretch>
+            <a:fillRect/>
+          </a:stretch>
+        </p:blipFill>
+        <p:spPr>
+          <a:xfrm>
+            <a:off x="0" y="0"/>
+            <a:ext cx="12192000" cy="6858000"/>
+          </a:xfrm>
+          <a:prstGeom prst="rect">
+            <a:avLst/>
+          </a:prstGeom>
+        </p:spPr>
+      </p:pic>
+      <p:sp>
+        <p:nvSpPr>
+          <p:cNvPr id="2" name="Title 1"/>
+          <p:cNvSpPr>
+            <a:spLocks noGrp="1"/>
+          </p:cNvSpPr>
+          <p:nvPr>
+            <p:ph type="title"/>
+          </p:nvPr>
+        </p:nvSpPr>
+        <p:spPr>
+          <a:xfrm>
+            <a:off x="913774" y="609599"/>
+            <a:ext cx="10364452" cy="3427245"/>
+          </a:xfrm>
+        </p:spPr>
+        <p:txBody>
+          <a:bodyPr anchor="ctr"/>
+          <a:lstStyle>
+            <a:lvl1pPr algn="ctr">
+              <a:defRPr sz="3200"/>
+            </a:lvl1pPr>
+          </a:lstStyle>
+          <a:p>
+            <a:r>
+              <a:rPr lang="en-US"/>
+              <a:t>Click to edit Master title style</a:t>
+            </a:r>
+            <a:endParaRPr lang="en-US" dirty="0"/>
+          </a:p>
+        </p:txBody>
+      </p:sp>
+      <p:sp>
+        <p:nvSpPr>
+          <p:cNvPr id="4" name="Text Placeholder 3"/>
+          <p:cNvSpPr>
+            <a:spLocks noGrp="1"/>
+          </p:cNvSpPr>
+          <p:nvPr>
+            <p:ph type="body" sz="half" idx="2"/>
+          </p:nvPr>
+        </p:nvSpPr>
+        <p:spPr>
+          <a:xfrm>
+            <a:off x="913775" y="4204821"/>
+            <a:ext cx="10364452" cy="1586380"/>
+          </a:xfrm>
+        </p:spPr>
+        <p:txBody>
+          <a:bodyPr anchor="ctr"/>
+          <a:lstStyle>
+            <a:lvl1pPr marL="0" indent="0" algn="ctr">
+              <a:buNone/>
+              <a:defRPr sz="1600"/>
+            </a:lvl1pPr>
+            <a:lvl2pPr marL="457200" indent="0">
+              <a:buNone/>
+              <a:defRPr sz="1400"/>
+            </a:lvl2pPr>
+            <a:lvl3pPr marL="914400" indent="0">
+              <a:buNone/>
+              <a:defRPr sz="1200"/>
+            </a:lvl3pPr>
+            <a:lvl4pPr marL="1371600" indent="0">
+              <a:buNone/>
+              <a:defRPr sz="1000"/>
+            </a:lvl4pPr>
+            <a:lvl5pPr marL="1828800" indent="0">
+              <a:buNone/>
+              <a:defRPr sz="1000"/>
+            </a:lvl5pPr>
+            <a:lvl6pPr marL="2286000" indent="0">
+              <a:buNone/>
+              <a:defRPr sz="1000"/>
+            </a:lvl6pPr>
+            <a:lvl7pPr marL="2743200" indent="0">
+              <a:buNone/>
+              <a:defRPr sz="1000"/>
+            </a:lvl7pPr>
+            <a:lvl8pPr marL="3200400" indent="0">
+              <a:buNone/>
+              <a:defRPr sz="1000"/>
+            </a:lvl8pPr>
+            <a:lvl9pPr marL="3657600" indent="0">
+              <a:buNone/>
+              <a:defRPr sz="1000"/>
+            </a:lvl9pPr>
+          </a:lstStyle>
+          <a:p>
+            <a:pPr lvl="0"/>
+            <a:r>
+              <a:rPr lang="en-US"/>
+              <a:t>Click to edit Master text styles</a:t>
+            </a:r>
+          </a:p>
+        </p:txBody>
+      </p:sp>
+      <p:sp>
+        <p:nvSpPr>
+          <p:cNvPr id="5" name="Date Placeholder 4"/>
+          <p:cNvSpPr>
+            <a:spLocks noGrp="1"/>
+          </p:cNvSpPr>
+          <p:nvPr>
+            <p:ph type="dt" sz="half" idx="10"/>
+          </p:nvPr>
+        </p:nvSpPr>
+        <p:spPr/>
+        <p:txBody>
+          <a:bodyPr/>
+          <a:lstStyle/>
+          <a:p>
+            <a:fld id="{25A4C5CD-7CDA-4B45-9389-63D6419C972B}" type="datetimeFigureOut">
+              <a:rPr lang="en-US" smtClean="0"/>
+              <a:t>12/16/20</a:t>
+            </a:fld>
+            <a:endParaRPr lang="en-US"/>
+          </a:p>
+        </p:txBody>
+      </p:sp>
+      <p:sp>
+        <p:nvSpPr>
+          <p:cNvPr id="6" name="Footer Placeholder 5"/>
+          <p:cNvSpPr>
+            <a:spLocks noGrp="1"/>
+          </p:cNvSpPr>
+          <p:nvPr>
+            <p:ph type="ftr" sz="quarter" idx="11"/>
+          </p:nvPr>
+        </p:nvSpPr>
+        <p:spPr/>
+        <p:txBody>
+          <a:bodyPr/>
+          <a:lstStyle/>
+          <a:p>
+            <a:endParaRPr lang="en-US"/>
+          </a:p>
+        </p:txBody>
+      </p:sp>
+      <p:sp>
+        <p:nvSpPr>
+          <p:cNvPr id="7" name="Slide Number Placeholder 6"/>
+          <p:cNvSpPr>
+            <a:spLocks noGrp="1"/>
+          </p:cNvSpPr>
+          <p:nvPr>
+            <p:ph type="sldNum" sz="quarter" idx="12"/>
+          </p:nvPr>
+        </p:nvSpPr>
+        <p:spPr/>
+        <p:txBody>
+          <a:bodyPr/>
+          <a:lstStyle/>
+          <a:p>
+            <a:fld id="{7829B301-153F-1E4A-B60C-9EB5717F9A8E}" type="slidenum">
+              <a:rPr lang="en-US" smtClean="0"/>
+              <a:t>‹#›</a:t>
+            </a:fld>
+            <a:endParaRPr lang="en-US"/>
+          </a:p>
+        </p:txBody>
+      </p:sp>
+    </p:spTree>
+    <p:extLst>
+      <p:ext uri="{BB962C8B-B14F-4D97-AF65-F5344CB8AC3E}">
+        <p14:creationId xmlns:p14="http://schemas.microsoft.com/office/powerpoint/2010/main" val="2292925048"/>
+      </p:ext>
+    </p:extLst>
+  </p:cSld>
+  <p:clrMapOvr>
+    <a:masterClrMapping/>
+  </p:clrMapOvr>
+</p:sldLayout>
+</file>
+
+<file path=ppt/slideLayouts/slideLayout12.xml><?xml version="1.0" encoding="utf-8"?>
+<p:sldLayout xmlns:a="http://schemas.openxmlformats.org/drawingml/2006/main" xmlns:r="http://schemas.openxmlformats.org/officeDocument/2006/relationships" xmlns:p="http://schemas.openxmlformats.org/presentationml/2006/main" preserve="1">
+  <p:cSld name="Quote with Caption">
+    <p:spTree>
+      <p:nvGrpSpPr>
+        <p:cNvPr id="1" name=""/>
+        <p:cNvGrpSpPr/>
+        <p:nvPr/>
+      </p:nvGrpSpPr>
+      <p:grpSpPr>
+        <a:xfrm>
+          <a:off x="0" y="0"/>
+          <a:ext cx="0" cy="0"/>
+          <a:chOff x="0" y="0"/>
+          <a:chExt cx="0" cy="0"/>
+        </a:xfrm>
+      </p:grpSpPr>
+      <p:pic>
+        <p:nvPicPr>
+          <p:cNvPr id="11" name="Picture 10" descr="Droplets-HD-Content-R1d.png"/>
+          <p:cNvPicPr>
+            <a:picLocks noChangeAspect="1"/>
+          </p:cNvPicPr>
+          <p:nvPr/>
+        </p:nvPicPr>
+        <p:blipFill>
+          <a:blip r:embed="rId2">
+            <a:extLst>
+              <a:ext uri="{28A0092B-C50C-407E-A947-70E740481C1C}">
+                <a14:useLocalDpi xmlns:a14="http://schemas.microsoft.com/office/drawing/2010/main" val="0"/>
+              </a:ext>
+            </a:extLst>
+          </a:blip>
+          <a:stretch>
+            <a:fillRect/>
+          </a:stretch>
+        </p:blipFill>
+        <p:spPr>
+          <a:xfrm>
+            <a:off x="0" y="0"/>
+            <a:ext cx="12192000" cy="6858000"/>
+          </a:xfrm>
+          <a:prstGeom prst="rect">
+            <a:avLst/>
+          </a:prstGeom>
+        </p:spPr>
+      </p:pic>
+      <p:sp>
+        <p:nvSpPr>
+          <p:cNvPr id="2" name="Title 1"/>
+          <p:cNvSpPr>
+            <a:spLocks noGrp="1"/>
+          </p:cNvSpPr>
+          <p:nvPr>
+            <p:ph type="title"/>
+          </p:nvPr>
+        </p:nvSpPr>
+        <p:spPr>
+          <a:xfrm>
+            <a:off x="1446212" y="609600"/>
+            <a:ext cx="9302752" cy="2992904"/>
+          </a:xfrm>
+        </p:spPr>
+        <p:txBody>
+          <a:bodyPr anchor="ctr"/>
+          <a:lstStyle>
+            <a:lvl1pPr>
+              <a:defRPr sz="3200"/>
+            </a:lvl1pPr>
+          </a:lstStyle>
+          <a:p>
+            <a:r>
+              <a:rPr lang="en-US"/>
+              <a:t>Click to edit Master title style</a:t>
+            </a:r>
+            <a:endParaRPr lang="en-US" dirty="0"/>
+          </a:p>
+        </p:txBody>
+      </p:sp>
+      <p:sp>
+        <p:nvSpPr>
+          <p:cNvPr id="12" name="Text Placeholder 3"/>
+          <p:cNvSpPr>
+            <a:spLocks noGrp="1"/>
+          </p:cNvSpPr>
+          <p:nvPr>
+            <p:ph type="body" sz="half" idx="13"/>
+          </p:nvPr>
+        </p:nvSpPr>
+        <p:spPr>
+          <a:xfrm>
+            <a:off x="1720644" y="3610032"/>
+            <a:ext cx="8752299" cy="594788"/>
+          </a:xfrm>
+        </p:spPr>
+        <p:txBody>
+          <a:bodyPr anchor="t">
+            <a:normAutofit/>
+          </a:bodyPr>
+          <a:lstStyle>
+            <a:lvl1pPr marL="0" indent="0">
+              <a:buNone/>
+              <a:defRPr sz="1400"/>
+            </a:lvl1pPr>
+            <a:lvl2pPr marL="457200" indent="0">
+              <a:buNone/>
+              <a:defRPr sz="1400"/>
+            </a:lvl2pPr>
+            <a:lvl3pPr marL="914400" indent="0">
+              <a:buNone/>
+              <a:defRPr sz="1200"/>
+            </a:lvl3pPr>
+            <a:lvl4pPr marL="1371600" indent="0">
+              <a:buNone/>
+              <a:defRPr sz="1000"/>
+            </a:lvl4pPr>
+            <a:lvl5pPr marL="1828800" indent="0">
+              <a:buNone/>
+              <a:defRPr sz="1000"/>
+            </a:lvl5pPr>
+            <a:lvl6pPr marL="2286000" indent="0">
+              <a:buNone/>
+              <a:defRPr sz="1000"/>
+            </a:lvl6pPr>
+            <a:lvl7pPr marL="2743200" indent="0">
+              <a:buNone/>
+              <a:defRPr sz="1000"/>
+            </a:lvl7pPr>
+            <a:lvl8pPr marL="3200400" indent="0">
+              <a:buNone/>
+              <a:defRPr sz="1000"/>
+            </a:lvl8pPr>
+            <a:lvl9pPr marL="3657600" indent="0">
+              <a:buNone/>
+              <a:defRPr sz="1000"/>
+            </a:lvl9pPr>
+          </a:lstStyle>
+          <a:p>
+            <a:pPr lvl="0"/>
+            <a:r>
+              <a:rPr lang="en-US"/>
+              <a:t>Click to edit Master text styles</a:t>
+            </a:r>
+          </a:p>
+        </p:txBody>
+      </p:sp>
+      <p:sp>
+        <p:nvSpPr>
+          <p:cNvPr id="4" name="Text Placeholder 3"/>
+          <p:cNvSpPr>
+            <a:spLocks noGrp="1"/>
+          </p:cNvSpPr>
+          <p:nvPr>
+            <p:ph type="body" sz="half" idx="2"/>
+          </p:nvPr>
+        </p:nvSpPr>
+        <p:spPr>
+          <a:xfrm>
+            <a:off x="913774" y="4372796"/>
+            <a:ext cx="10364452" cy="1421053"/>
+          </a:xfrm>
+        </p:spPr>
+        <p:txBody>
+          <a:bodyPr anchor="ctr">
+            <a:normAutofit/>
+          </a:bodyPr>
+          <a:lstStyle>
+            <a:lvl1pPr marL="0" indent="0" algn="ctr">
+              <a:buNone/>
+              <a:defRPr sz="1600"/>
+            </a:lvl1pPr>
+            <a:lvl2pPr marL="457200" indent="0">
+              <a:buNone/>
+              <a:defRPr sz="1400"/>
+            </a:lvl2pPr>
+            <a:lvl3pPr marL="914400" indent="0">
+              <a:buNone/>
+              <a:defRPr sz="1200"/>
+            </a:lvl3pPr>
+            <a:lvl4pPr marL="1371600" indent="0">
+              <a:buNone/>
+              <a:defRPr sz="1000"/>
+            </a:lvl4pPr>
+            <a:lvl5pPr marL="1828800" indent="0">
+              <a:buNone/>
+              <a:defRPr sz="1000"/>
+            </a:lvl5pPr>
+            <a:lvl6pPr marL="2286000" indent="0">
+              <a:buNone/>
+              <a:defRPr sz="1000"/>
+            </a:lvl6pPr>
+            <a:lvl7pPr marL="2743200" indent="0">
+              <a:buNone/>
+              <a:defRPr sz="1000"/>
+            </a:lvl7pPr>
+            <a:lvl8pPr marL="3200400" indent="0">
+              <a:buNone/>
+              <a:defRPr sz="1000"/>
+            </a:lvl8pPr>
+            <a:lvl9pPr marL="3657600" indent="0">
+              <a:buNone/>
+              <a:defRPr sz="1000"/>
+            </a:lvl9pPr>
+          </a:lstStyle>
+          <a:p>
+            <a:pPr lvl="0"/>
+            <a:r>
+              <a:rPr lang="en-US"/>
+              <a:t>Click to edit Master text styles</a:t>
+            </a:r>
+          </a:p>
+        </p:txBody>
+      </p:sp>
+      <p:sp>
+        <p:nvSpPr>
+          <p:cNvPr id="5" name="Date Placeholder 4"/>
+          <p:cNvSpPr>
+            <a:spLocks noGrp="1"/>
+          </p:cNvSpPr>
+          <p:nvPr>
+            <p:ph type="dt" sz="half" idx="10"/>
+          </p:nvPr>
+        </p:nvSpPr>
+        <p:spPr/>
+        <p:txBody>
+          <a:bodyPr/>
+          <a:lstStyle/>
+          <a:p>
+            <a:fld id="{25A4C5CD-7CDA-4B45-9389-63D6419C972B}" type="datetimeFigureOut">
+              <a:rPr lang="en-US" smtClean="0"/>
+              <a:t>12/16/20</a:t>
+            </a:fld>
+            <a:endParaRPr lang="en-US"/>
+          </a:p>
+        </p:txBody>
+      </p:sp>
+      <p:sp>
+        <p:nvSpPr>
+          <p:cNvPr id="6" name="Footer Placeholder 5"/>
+          <p:cNvSpPr>
+            <a:spLocks noGrp="1"/>
+          </p:cNvSpPr>
+          <p:nvPr>
+            <p:ph type="ftr" sz="quarter" idx="11"/>
+          </p:nvPr>
+        </p:nvSpPr>
+        <p:spPr/>
+        <p:txBody>
+          <a:bodyPr/>
+          <a:lstStyle/>
+          <a:p>
+            <a:endParaRPr lang="en-US"/>
+          </a:p>
+        </p:txBody>
+      </p:sp>
+      <p:sp>
+        <p:nvSpPr>
+          <p:cNvPr id="7" name="Slide Number Placeholder 6"/>
+          <p:cNvSpPr>
+            <a:spLocks noGrp="1"/>
+          </p:cNvSpPr>
+          <p:nvPr>
+            <p:ph type="sldNum" sz="quarter" idx="12"/>
+          </p:nvPr>
+        </p:nvSpPr>
+        <p:spPr/>
+        <p:txBody>
+          <a:bodyPr/>
+          <a:lstStyle/>
+          <a:p>
+            <a:fld id="{7829B301-153F-1E4A-B60C-9EB5717F9A8E}" type="slidenum">
+              <a:rPr lang="en-US" smtClean="0"/>
+              <a:t>‹#›</a:t>
+            </a:fld>
+            <a:endParaRPr lang="en-US"/>
+          </a:p>
+        </p:txBody>
+      </p:sp>
+      <p:sp>
+        <p:nvSpPr>
+          <p:cNvPr id="13" name="TextBox 12"/>
+          <p:cNvSpPr txBox="1"/>
+          <p:nvPr/>
+        </p:nvSpPr>
+        <p:spPr>
+          <a:xfrm>
+            <a:off x="1001488" y="754166"/>
+            <a:ext cx="609600" cy="584776"/>
+          </a:xfrm>
+          <a:prstGeom prst="rect">
+            <a:avLst/>
+          </a:prstGeom>
+        </p:spPr>
+        <p:txBody>
+          <a:bodyPr vert="horz" lIns="91440" tIns="45720" rIns="91440" bIns="45720" rtlCol="0" anchor="ctr">
+            <a:noAutofit/>
+          </a:bodyPr>
+          <a:lstStyle>
+            <a:lvl1pPr>
+              <a:spcBef>
+                <a:spcPct val="0"/>
+              </a:spcBef>
+              <a:buNone/>
+              <a:defRPr sz="3200" b="0" cap="all">
+                <a:ln w="3175" cmpd="sng">
+                  <a:noFill/>
+                </a:ln>
+                <a:effectLst>
+                  <a:glow rad="38100">
+                    <a:schemeClr val="bg1">
+                      <a:lumMod val="65000"/>
+                      <a:lumOff val="35000"/>
+                      <a:alpha val="40000"/>
+                    </a:schemeClr>
+                  </a:glow>
+                  <a:outerShdw blurRad="28575" dist="38100" dir="14040000" algn="tl" rotWithShape="0">
+                    <a:srgbClr val="000000">
+                      <a:alpha val="25000"/>
+                    </a:srgbClr>
+                  </a:outerShdw>
+                </a:effectLst>
+              </a:defRPr>
+            </a:lvl1pPr>
+            <a:lvl2pPr>
+              <a:defRPr>
+                <a:solidFill>
+                  <a:schemeClr val="tx2"/>
+                </a:solidFill>
+              </a:defRPr>
+            </a:lvl2pPr>
+            <a:lvl3pPr>
+              <a:defRPr>
+                <a:solidFill>
+                  <a:schemeClr val="tx2"/>
+                </a:solidFill>
+              </a:defRPr>
+            </a:lvl3pPr>
+            <a:lvl4pPr>
+              <a:defRPr>
+                <a:solidFill>
+                  <a:schemeClr val="tx2"/>
+                </a:solidFill>
+              </a:defRPr>
+            </a:lvl4pPr>
+            <a:lvl5pPr>
+              <a:defRPr>
+                <a:solidFill>
+                  <a:schemeClr val="tx2"/>
+                </a:solidFill>
+              </a:defRPr>
+            </a:lvl5pPr>
+            <a:lvl6pPr>
+              <a:defRPr>
+                <a:solidFill>
+                  <a:schemeClr val="tx2"/>
+                </a:solidFill>
+              </a:defRPr>
+            </a:lvl6pPr>
+            <a:lvl7pPr>
+              <a:defRPr>
+                <a:solidFill>
+                  <a:schemeClr val="tx2"/>
+                </a:solidFill>
+              </a:defRPr>
+            </a:lvl7pPr>
+            <a:lvl8pPr>
+              <a:defRPr>
+                <a:solidFill>
+                  <a:schemeClr val="tx2"/>
+                </a:solidFill>
+              </a:defRPr>
+            </a:lvl8pPr>
+            <a:lvl9pPr>
+              <a:defRPr>
+                <a:solidFill>
+                  <a:schemeClr val="tx2"/>
+                </a:solidFill>
+              </a:defRPr>
+            </a:lvl9pPr>
+          </a:lstStyle>
+          <a:p>
+            <a:pPr lvl="0"/>
+            <a:r>
+              <a:rPr lang="en-US" sz="8000" dirty="0">
+                <a:solidFill>
+                  <a:schemeClr val="tx1"/>
+                </a:solidFill>
+                <a:effectLst/>
+              </a:rPr>
+              <a:t>“</a:t>
+            </a:r>
+          </a:p>
+        </p:txBody>
+      </p:sp>
+      <p:sp>
+        <p:nvSpPr>
+          <p:cNvPr id="14" name="TextBox 13"/>
+          <p:cNvSpPr txBox="1"/>
+          <p:nvPr/>
+        </p:nvSpPr>
+        <p:spPr>
+          <a:xfrm>
+            <a:off x="10557558" y="2993578"/>
+            <a:ext cx="609600" cy="584776"/>
+          </a:xfrm>
+          <a:prstGeom prst="rect">
+            <a:avLst/>
+          </a:prstGeom>
+        </p:spPr>
+        <p:txBody>
+          <a:bodyPr vert="horz" lIns="91440" tIns="45720" rIns="91440" bIns="45720" rtlCol="0" anchor="ctr">
+            <a:noAutofit/>
+          </a:bodyPr>
+          <a:lstStyle>
+            <a:lvl1pPr>
+              <a:spcBef>
+                <a:spcPct val="0"/>
+              </a:spcBef>
+              <a:buNone/>
+              <a:defRPr sz="3200" b="0" cap="all">
+                <a:ln w="3175" cmpd="sng">
+                  <a:noFill/>
+                </a:ln>
+                <a:effectLst>
+                  <a:glow rad="38100">
+                    <a:schemeClr val="bg1">
+                      <a:lumMod val="65000"/>
+                      <a:lumOff val="35000"/>
+                      <a:alpha val="40000"/>
+                    </a:schemeClr>
+                  </a:glow>
+                  <a:outerShdw blurRad="28575" dist="38100" dir="14040000" algn="tl" rotWithShape="0">
+                    <a:srgbClr val="000000">
+                      <a:alpha val="25000"/>
+                    </a:srgbClr>
+                  </a:outerShdw>
+                </a:effectLst>
+              </a:defRPr>
+            </a:lvl1pPr>
+            <a:lvl2pPr>
+              <a:defRPr>
+                <a:solidFill>
+                  <a:schemeClr val="tx2"/>
+                </a:solidFill>
+              </a:defRPr>
+            </a:lvl2pPr>
+            <a:lvl3pPr>
+              <a:defRPr>
+                <a:solidFill>
+                  <a:schemeClr val="tx2"/>
+                </a:solidFill>
+              </a:defRPr>
+            </a:lvl3pPr>
+            <a:lvl4pPr>
+              <a:defRPr>
+                <a:solidFill>
+                  <a:schemeClr val="tx2"/>
+                </a:solidFill>
+              </a:defRPr>
+            </a:lvl4pPr>
+            <a:lvl5pPr>
+              <a:defRPr>
+                <a:solidFill>
+                  <a:schemeClr val="tx2"/>
+                </a:solidFill>
+              </a:defRPr>
+            </a:lvl5pPr>
+            <a:lvl6pPr>
+              <a:defRPr>
+                <a:solidFill>
+                  <a:schemeClr val="tx2"/>
+                </a:solidFill>
+              </a:defRPr>
+            </a:lvl6pPr>
+            <a:lvl7pPr>
+              <a:defRPr>
+                <a:solidFill>
+                  <a:schemeClr val="tx2"/>
+                </a:solidFill>
+              </a:defRPr>
+            </a:lvl7pPr>
+            <a:lvl8pPr>
+              <a:defRPr>
+                <a:solidFill>
+                  <a:schemeClr val="tx2"/>
+                </a:solidFill>
+              </a:defRPr>
+            </a:lvl8pPr>
+            <a:lvl9pPr>
+              <a:defRPr>
+                <a:solidFill>
+                  <a:schemeClr val="tx2"/>
+                </a:solidFill>
+              </a:defRPr>
+            </a:lvl9pPr>
+          </a:lstStyle>
+          <a:p>
+            <a:pPr lvl="0" algn="r"/>
+            <a:r>
+              <a:rPr lang="en-US" sz="8000" dirty="0">
+                <a:solidFill>
+                  <a:schemeClr val="tx1"/>
+                </a:solidFill>
+                <a:effectLst/>
+              </a:rPr>
+              <a:t>”</a:t>
+            </a:r>
+          </a:p>
+        </p:txBody>
+      </p:sp>
+    </p:spTree>
+    <p:extLst>
+      <p:ext uri="{BB962C8B-B14F-4D97-AF65-F5344CB8AC3E}">
+        <p14:creationId xmlns:p14="http://schemas.microsoft.com/office/powerpoint/2010/main" val="1027698534"/>
+      </p:ext>
+    </p:extLst>
+  </p:cSld>
+  <p:clrMapOvr>
+    <a:masterClrMapping/>
+  </p:clrMapOvr>
+</p:sldLayout>
+</file>
+
+<file path=ppt/slideLayouts/slideLayout13.xml><?xml version="1.0" encoding="utf-8"?>
+<p:sldLayout xmlns:a="http://schemas.openxmlformats.org/drawingml/2006/main" xmlns:r="http://schemas.openxmlformats.org/officeDocument/2006/relationships" xmlns:p="http://schemas.openxmlformats.org/presentationml/2006/main" preserve="1">
+  <p:cSld name="Name Card">
+    <p:spTree>
+      <p:nvGrpSpPr>
+        <p:cNvPr id="1" name=""/>
+        <p:cNvGrpSpPr/>
+        <p:nvPr/>
+      </p:nvGrpSpPr>
+      <p:grpSpPr>
+        <a:xfrm>
+          <a:off x="0" y="0"/>
+          <a:ext cx="0" cy="0"/>
+          <a:chOff x="0" y="0"/>
+          <a:chExt cx="0" cy="0"/>
+        </a:xfrm>
+      </p:grpSpPr>
+      <p:pic>
+        <p:nvPicPr>
+          <p:cNvPr id="8" name="Picture 7" descr="Droplets-HD-Content-R1d.png"/>
+          <p:cNvPicPr>
+            <a:picLocks noChangeAspect="1"/>
+          </p:cNvPicPr>
+          <p:nvPr/>
+        </p:nvPicPr>
+        <p:blipFill>
+          <a:blip r:embed="rId2">
+            <a:extLst>
+              <a:ext uri="{28A0092B-C50C-407E-A947-70E740481C1C}">
+                <a14:useLocalDpi xmlns:a14="http://schemas.microsoft.com/office/drawing/2010/main" val="0"/>
+              </a:ext>
+            </a:extLst>
+          </a:blip>
+          <a:stretch>
+            <a:fillRect/>
+          </a:stretch>
+        </p:blipFill>
+        <p:spPr>
+          <a:xfrm>
+            <a:off x="0" y="0"/>
+            <a:ext cx="12192000" cy="6858000"/>
+          </a:xfrm>
+          <a:prstGeom prst="rect">
+            <a:avLst/>
+          </a:prstGeom>
+        </p:spPr>
+      </p:pic>
+      <p:sp>
+        <p:nvSpPr>
+          <p:cNvPr id="2" name="Title 1"/>
+          <p:cNvSpPr>
+            <a:spLocks noGrp="1"/>
+          </p:cNvSpPr>
+          <p:nvPr>
+            <p:ph type="title"/>
+          </p:nvPr>
+        </p:nvSpPr>
+        <p:spPr>
+          <a:xfrm>
+            <a:off x="913775" y="2138721"/>
+            <a:ext cx="10364452" cy="2511835"/>
+          </a:xfrm>
+        </p:spPr>
+        <p:txBody>
+          <a:bodyPr anchor="b"/>
+          <a:lstStyle>
+            <a:lvl1pPr algn="ctr">
+              <a:defRPr sz="3200"/>
+            </a:lvl1pPr>
+          </a:lstStyle>
+          <a:p>
+            <a:r>
+              <a:rPr lang="en-US"/>
+              <a:t>Click to edit Master title style</a:t>
+            </a:r>
+            <a:endParaRPr lang="en-US" dirty="0"/>
+          </a:p>
+        </p:txBody>
+      </p:sp>
+      <p:sp>
+        <p:nvSpPr>
+          <p:cNvPr id="4" name="Text Placeholder 3"/>
+          <p:cNvSpPr>
+            <a:spLocks noGrp="1"/>
+          </p:cNvSpPr>
+          <p:nvPr>
+            <p:ph type="body" sz="half" idx="2"/>
+          </p:nvPr>
+        </p:nvSpPr>
+        <p:spPr>
+          <a:xfrm>
+            <a:off x="913775" y="4662335"/>
+            <a:ext cx="10364452" cy="1140644"/>
+          </a:xfrm>
+        </p:spPr>
+        <p:txBody>
+          <a:bodyPr anchor="t"/>
+          <a:lstStyle>
+            <a:lvl1pPr marL="0" indent="0" algn="ctr">
+              <a:buNone/>
+              <a:defRPr sz="1600"/>
+            </a:lvl1pPr>
+            <a:lvl2pPr marL="457200" indent="0">
+              <a:buNone/>
+              <a:defRPr sz="1400"/>
+            </a:lvl2pPr>
+            <a:lvl3pPr marL="914400" indent="0">
+              <a:buNone/>
+              <a:defRPr sz="1200"/>
+            </a:lvl3pPr>
+            <a:lvl4pPr marL="1371600" indent="0">
+              <a:buNone/>
+              <a:defRPr sz="1000"/>
+            </a:lvl4pPr>
+            <a:lvl5pPr marL="1828800" indent="0">
+              <a:buNone/>
+              <a:defRPr sz="1000"/>
+            </a:lvl5pPr>
+            <a:lvl6pPr marL="2286000" indent="0">
+              <a:buNone/>
+              <a:defRPr sz="1000"/>
+            </a:lvl6pPr>
+            <a:lvl7pPr marL="2743200" indent="0">
+              <a:buNone/>
+              <a:defRPr sz="1000"/>
+            </a:lvl7pPr>
+            <a:lvl8pPr marL="3200400" indent="0">
+              <a:buNone/>
+              <a:defRPr sz="1000"/>
+            </a:lvl8pPr>
+            <a:lvl9pPr marL="3657600" indent="0">
+              <a:buNone/>
+              <a:defRPr sz="1000"/>
+            </a:lvl9pPr>
+          </a:lstStyle>
+          <a:p>
+            <a:pPr lvl="0"/>
+            <a:r>
+              <a:rPr lang="en-US"/>
+              <a:t>Click to edit Master text styles</a:t>
+            </a:r>
+          </a:p>
+        </p:txBody>
+      </p:sp>
+      <p:sp>
+        <p:nvSpPr>
+          <p:cNvPr id="5" name="Date Placeholder 4"/>
+          <p:cNvSpPr>
+            <a:spLocks noGrp="1"/>
+          </p:cNvSpPr>
+          <p:nvPr>
+            <p:ph type="dt" sz="half" idx="10"/>
+          </p:nvPr>
+        </p:nvSpPr>
+        <p:spPr/>
+        <p:txBody>
+          <a:bodyPr/>
+          <a:lstStyle/>
+          <a:p>
+            <a:fld id="{25A4C5CD-7CDA-4B45-9389-63D6419C972B}" type="datetimeFigureOut">
+              <a:rPr lang="en-US" smtClean="0"/>
+              <a:t>12/16/20</a:t>
+            </a:fld>
+            <a:endParaRPr lang="en-US"/>
+          </a:p>
+        </p:txBody>
+      </p:sp>
+      <p:sp>
+        <p:nvSpPr>
+          <p:cNvPr id="6" name="Footer Placeholder 5"/>
+          <p:cNvSpPr>
+            <a:spLocks noGrp="1"/>
+          </p:cNvSpPr>
+          <p:nvPr>
+            <p:ph type="ftr" sz="quarter" idx="11"/>
+          </p:nvPr>
+        </p:nvSpPr>
+        <p:spPr/>
+        <p:txBody>
+          <a:bodyPr/>
+          <a:lstStyle/>
+          <a:p>
+            <a:endParaRPr lang="en-US"/>
+          </a:p>
+        </p:txBody>
+      </p:sp>
+      <p:sp>
+        <p:nvSpPr>
+          <p:cNvPr id="7" name="Slide Number Placeholder 6"/>
+          <p:cNvSpPr>
+            <a:spLocks noGrp="1"/>
+          </p:cNvSpPr>
+          <p:nvPr>
+            <p:ph type="sldNum" sz="quarter" idx="12"/>
+          </p:nvPr>
+        </p:nvSpPr>
+        <p:spPr/>
+        <p:txBody>
+          <a:bodyPr/>
+          <a:lstStyle/>
+          <a:p>
+            <a:fld id="{7829B301-153F-1E4A-B60C-9EB5717F9A8E}" type="slidenum">
+              <a:rPr lang="en-US" smtClean="0"/>
+              <a:t>‹#›</a:t>
+            </a:fld>
+            <a:endParaRPr lang="en-US"/>
+          </a:p>
+        </p:txBody>
+      </p:sp>
+    </p:spTree>
+    <p:extLst>
+      <p:ext uri="{BB962C8B-B14F-4D97-AF65-F5344CB8AC3E}">
+        <p14:creationId xmlns:p14="http://schemas.microsoft.com/office/powerpoint/2010/main" val="952060079"/>
+      </p:ext>
+    </p:extLst>
+  </p:cSld>
+  <p:clrMapOvr>
+    <a:masterClrMapping/>
+  </p:clrMapOvr>
+</p:sldLayout>
+</file>
+
+<file path=ppt/slideLayouts/slideLayout14.xml><?xml version="1.0" encoding="utf-8"?>
+<p:sldLayout xmlns:a="http://schemas.openxmlformats.org/drawingml/2006/main" xmlns:r="http://schemas.openxmlformats.org/officeDocument/2006/relationships" xmlns:p="http://schemas.openxmlformats.org/presentationml/2006/main" preserve="1">
+  <p:cSld name="3 Column">
+    <p:spTree>
+      <p:nvGrpSpPr>
+        <p:cNvPr id="1" name=""/>
+        <p:cNvGrpSpPr/>
+        <p:nvPr/>
+      </p:nvGrpSpPr>
+      <p:grpSpPr>
+        <a:xfrm>
+          <a:off x="0" y="0"/>
+          <a:ext cx="0" cy="0"/>
+          <a:chOff x="0" y="0"/>
+          <a:chExt cx="0" cy="0"/>
+        </a:xfrm>
+      </p:grpSpPr>
+      <p:pic>
+        <p:nvPicPr>
+          <p:cNvPr id="13" name="Picture 12" descr="Droplets-HD-Content-R1d.png"/>
+          <p:cNvPicPr>
+            <a:picLocks noChangeAspect="1"/>
+          </p:cNvPicPr>
+          <p:nvPr/>
+        </p:nvPicPr>
+        <p:blipFill>
+          <a:blip r:embed="rId2">
+            <a:extLst>
+              <a:ext uri="{28A0092B-C50C-407E-A947-70E740481C1C}">
+                <a14:useLocalDpi xmlns:a14="http://schemas.microsoft.com/office/drawing/2010/main" val="0"/>
+              </a:ext>
+            </a:extLst>
+          </a:blip>
+          <a:stretch>
+            <a:fillRect/>
+          </a:stretch>
+        </p:blipFill>
+        <p:spPr>
+          <a:xfrm>
+            <a:off x="0" y="0"/>
+            <a:ext cx="12192000" cy="6858000"/>
+          </a:xfrm>
+          <a:prstGeom prst="rect">
+            <a:avLst/>
+          </a:prstGeom>
+        </p:spPr>
+      </p:pic>
+      <p:sp>
+        <p:nvSpPr>
+          <p:cNvPr id="15" name="Title 1"/>
+          <p:cNvSpPr>
+            <a:spLocks noGrp="1"/>
+          </p:cNvSpPr>
+          <p:nvPr>
+            <p:ph type="title"/>
+          </p:nvPr>
+        </p:nvSpPr>
+        <p:spPr>
+          <a:xfrm>
+            <a:off x="913774" y="609600"/>
+            <a:ext cx="10364452" cy="1605094"/>
+          </a:xfrm>
+        </p:spPr>
+        <p:txBody>
+          <a:bodyPr/>
+          <a:lstStyle/>
+          <a:p>
+            <a:r>
+              <a:rPr lang="en-US"/>
+              <a:t>Click to edit Master title style</a:t>
+            </a:r>
+            <a:endParaRPr lang="en-US" dirty="0"/>
+          </a:p>
+        </p:txBody>
+      </p:sp>
+      <p:sp>
+        <p:nvSpPr>
+          <p:cNvPr id="7" name="Text Placeholder 2"/>
+          <p:cNvSpPr>
+            <a:spLocks noGrp="1"/>
+          </p:cNvSpPr>
+          <p:nvPr>
+            <p:ph type="body" idx="1"/>
+          </p:nvPr>
+        </p:nvSpPr>
+        <p:spPr>
+          <a:xfrm>
+            <a:off x="913774" y="2367093"/>
+            <a:ext cx="3298976" cy="576262"/>
+          </a:xfrm>
+        </p:spPr>
+        <p:txBody>
+          <a:bodyPr anchor="b">
+            <a:noAutofit/>
+          </a:bodyPr>
+          <a:lstStyle>
+            <a:lvl1pPr marL="0" indent="0" algn="ctr">
+              <a:lnSpc>
+                <a:spcPct val="85000"/>
+              </a:lnSpc>
+              <a:buNone/>
+              <a:defRPr sz="2400" b="0">
+                <a:solidFill>
+                  <a:schemeClr val="tx1"/>
+                </a:solidFill>
+              </a:defRPr>
+            </a:lvl1pPr>
+            <a:lvl2pPr marL="457200" indent="0">
+              <a:buNone/>
+              <a:defRPr sz="2000" b="1"/>
+            </a:lvl2pPr>
+            <a:lvl3pPr marL="914400" indent="0">
+              <a:buNone/>
+              <a:defRPr sz="1800" b="1"/>
+            </a:lvl3pPr>
+            <a:lvl4pPr marL="1371600" indent="0">
+              <a:buNone/>
+              <a:defRPr sz="1600" b="1"/>
+            </a:lvl4pPr>
+            <a:lvl5pPr marL="1828800" indent="0">
+              <a:buNone/>
+              <a:defRPr sz="1600" b="1"/>
+            </a:lvl5pPr>
+            <a:lvl6pPr marL="2286000" indent="0">
+              <a:buNone/>
+              <a:defRPr sz="1600" b="1"/>
+            </a:lvl6pPr>
+            <a:lvl7pPr marL="2743200" indent="0">
+              <a:buNone/>
+              <a:defRPr sz="1600" b="1"/>
+            </a:lvl7pPr>
+            <a:lvl8pPr marL="3200400" indent="0">
+              <a:buNone/>
+              <a:defRPr sz="1600" b="1"/>
+            </a:lvl8pPr>
+            <a:lvl9pPr marL="3657600" indent="0">
+              <a:buNone/>
+              <a:defRPr sz="1600" b="1"/>
+            </a:lvl9pPr>
+          </a:lstStyle>
+          <a:p>
+            <a:pPr lvl="0"/>
+            <a:r>
+              <a:rPr lang="en-US"/>
+              <a:t>Click to edit Master text styles</a:t>
+            </a:r>
+          </a:p>
+        </p:txBody>
+      </p:sp>
+      <p:sp>
+        <p:nvSpPr>
+          <p:cNvPr id="8" name="Text Placeholder 3"/>
+          <p:cNvSpPr>
+            <a:spLocks noGrp="1"/>
+          </p:cNvSpPr>
+          <p:nvPr>
+            <p:ph type="body" sz="half" idx="15"/>
+          </p:nvPr>
+        </p:nvSpPr>
+        <p:spPr>
+          <a:xfrm>
+            <a:off x="913774" y="2943355"/>
+            <a:ext cx="3298976" cy="2847845"/>
+          </a:xfrm>
+        </p:spPr>
+        <p:txBody>
+          <a:bodyPr anchor="t">
+            <a:normAutofit/>
+          </a:bodyPr>
+          <a:lstStyle>
+            <a:lvl1pPr marL="0" indent="0" algn="ctr">
+              <a:buNone/>
+              <a:defRPr sz="1400"/>
+            </a:lvl1pPr>
+            <a:lvl2pPr marL="457200" indent="0">
+              <a:buNone/>
+              <a:defRPr sz="1200"/>
+            </a:lvl2pPr>
+            <a:lvl3pPr marL="914400" indent="0">
+              <a:buNone/>
+              <a:defRPr sz="1000"/>
+            </a:lvl3pPr>
+            <a:lvl4pPr marL="1371600" indent="0">
+              <a:buNone/>
+              <a:defRPr sz="900"/>
+            </a:lvl4pPr>
+            <a:lvl5pPr marL="1828800" indent="0">
+              <a:buNone/>
+              <a:defRPr sz="900"/>
+            </a:lvl5pPr>
+            <a:lvl6pPr marL="2286000" indent="0">
+              <a:buNone/>
+              <a:defRPr sz="900"/>
+            </a:lvl6pPr>
+            <a:lvl7pPr marL="2743200" indent="0">
+              <a:buNone/>
+              <a:defRPr sz="900"/>
+            </a:lvl7pPr>
+            <a:lvl8pPr marL="3200400" indent="0">
+              <a:buNone/>
+              <a:defRPr sz="900"/>
+            </a:lvl8pPr>
+            <a:lvl9pPr marL="3657600" indent="0">
+              <a:buNone/>
+              <a:defRPr sz="900"/>
+            </a:lvl9pPr>
+          </a:lstStyle>
+          <a:p>
+            <a:pPr lvl="0"/>
+            <a:r>
+              <a:rPr lang="en-US"/>
+              <a:t>Click to edit Master text styles</a:t>
+            </a:r>
+          </a:p>
+        </p:txBody>
+      </p:sp>
+      <p:sp>
+        <p:nvSpPr>
+          <p:cNvPr id="9" name="Text Placeholder 4"/>
+          <p:cNvSpPr>
+            <a:spLocks noGrp="1"/>
+          </p:cNvSpPr>
+          <p:nvPr>
+            <p:ph type="body" sz="quarter" idx="3"/>
+          </p:nvPr>
+        </p:nvSpPr>
+        <p:spPr>
+          <a:xfrm>
+            <a:off x="4452389" y="2367093"/>
+            <a:ext cx="3291521" cy="576262"/>
+          </a:xfrm>
+        </p:spPr>
+        <p:txBody>
+          <a:bodyPr anchor="b">
+            <a:noAutofit/>
+          </a:bodyPr>
+          <a:lstStyle>
+            <a:lvl1pPr marL="0" indent="0" algn="ctr">
+              <a:lnSpc>
+                <a:spcPct val="85000"/>
+              </a:lnSpc>
+              <a:buNone/>
+              <a:defRPr sz="2400" b="0">
+                <a:solidFill>
+                  <a:schemeClr val="tx1"/>
+                </a:solidFill>
+              </a:defRPr>
+            </a:lvl1pPr>
+            <a:lvl2pPr marL="457200" indent="0">
+              <a:buNone/>
+              <a:defRPr sz="2000" b="1"/>
+            </a:lvl2pPr>
+            <a:lvl3pPr marL="914400" indent="0">
+              <a:buNone/>
+              <a:defRPr sz="1800" b="1"/>
+            </a:lvl3pPr>
+            <a:lvl4pPr marL="1371600" indent="0">
+              <a:buNone/>
+              <a:defRPr sz="1600" b="1"/>
+            </a:lvl4pPr>
+            <a:lvl5pPr marL="1828800" indent="0">
+              <a:buNone/>
+              <a:defRPr sz="1600" b="1"/>
+            </a:lvl5pPr>
+            <a:lvl6pPr marL="2286000" indent="0">
+              <a:buNone/>
+              <a:defRPr sz="1600" b="1"/>
+            </a:lvl6pPr>
+            <a:lvl7pPr marL="2743200" indent="0">
+              <a:buNone/>
+              <a:defRPr sz="1600" b="1"/>
+            </a:lvl7pPr>
+            <a:lvl8pPr marL="3200400" indent="0">
+              <a:buNone/>
+              <a:defRPr sz="1600" b="1"/>
+            </a:lvl8pPr>
+            <a:lvl9pPr marL="3657600" indent="0">
+              <a:buNone/>
+              <a:defRPr sz="1600" b="1"/>
+            </a:lvl9pPr>
+          </a:lstStyle>
+          <a:p>
+            <a:pPr lvl="0"/>
+            <a:r>
+              <a:rPr lang="en-US"/>
+              <a:t>Click to edit Master text styles</a:t>
+            </a:r>
+          </a:p>
+        </p:txBody>
+      </p:sp>
+      <p:sp>
+        <p:nvSpPr>
+          <p:cNvPr id="10" name="Text Placeholder 3"/>
+          <p:cNvSpPr>
+            <a:spLocks noGrp="1"/>
+          </p:cNvSpPr>
+          <p:nvPr>
+            <p:ph type="body" sz="half" idx="16"/>
+          </p:nvPr>
+        </p:nvSpPr>
+        <p:spPr>
+          <a:xfrm>
+            <a:off x="4441348" y="2943355"/>
+            <a:ext cx="3303351" cy="2847845"/>
+          </a:xfrm>
+        </p:spPr>
+        <p:txBody>
+          <a:bodyPr anchor="t">
+            <a:normAutofit/>
+          </a:bodyPr>
+          <a:lstStyle>
+            <a:lvl1pPr marL="0" indent="0" algn="ctr">
+              <a:buNone/>
+              <a:defRPr sz="1400"/>
+            </a:lvl1pPr>
+            <a:lvl2pPr marL="457200" indent="0">
+              <a:buNone/>
+              <a:defRPr sz="1200"/>
+            </a:lvl2pPr>
+            <a:lvl3pPr marL="914400" indent="0">
+              <a:buNone/>
+              <a:defRPr sz="1000"/>
+            </a:lvl3pPr>
+            <a:lvl4pPr marL="1371600" indent="0">
+              <a:buNone/>
+              <a:defRPr sz="900"/>
+            </a:lvl4pPr>
+            <a:lvl5pPr marL="1828800" indent="0">
+              <a:buNone/>
+              <a:defRPr sz="900"/>
+            </a:lvl5pPr>
+            <a:lvl6pPr marL="2286000" indent="0">
+              <a:buNone/>
+              <a:defRPr sz="900"/>
+            </a:lvl6pPr>
+            <a:lvl7pPr marL="2743200" indent="0">
+              <a:buNone/>
+              <a:defRPr sz="900"/>
+            </a:lvl7pPr>
+            <a:lvl8pPr marL="3200400" indent="0">
+              <a:buNone/>
+              <a:defRPr sz="900"/>
+            </a:lvl8pPr>
+            <a:lvl9pPr marL="3657600" indent="0">
+              <a:buNone/>
+              <a:defRPr sz="900"/>
+            </a:lvl9pPr>
+          </a:lstStyle>
+          <a:p>
+            <a:pPr lvl="0"/>
+            <a:r>
+              <a:rPr lang="en-US"/>
+              <a:t>Click to edit Master text styles</a:t>
+            </a:r>
+          </a:p>
+        </p:txBody>
+      </p:sp>
+      <p:sp>
+        <p:nvSpPr>
+          <p:cNvPr id="11" name="Text Placeholder 4"/>
+          <p:cNvSpPr>
+            <a:spLocks noGrp="1"/>
+          </p:cNvSpPr>
+          <p:nvPr>
+            <p:ph type="body" sz="quarter" idx="13"/>
+          </p:nvPr>
+        </p:nvSpPr>
+        <p:spPr>
+          <a:xfrm>
+            <a:off x="7973298" y="2367093"/>
+            <a:ext cx="3304928" cy="576262"/>
+          </a:xfrm>
+        </p:spPr>
+        <p:txBody>
+          <a:bodyPr anchor="b">
+            <a:noAutofit/>
+          </a:bodyPr>
+          <a:lstStyle>
+            <a:lvl1pPr marL="0" indent="0" algn="ctr">
+              <a:lnSpc>
+                <a:spcPct val="85000"/>
+              </a:lnSpc>
+              <a:buNone/>
+              <a:defRPr sz="2400" b="0">
+                <a:solidFill>
+                  <a:schemeClr val="tx1"/>
+                </a:solidFill>
+              </a:defRPr>
+            </a:lvl1pPr>
+            <a:lvl2pPr marL="457200" indent="0">
+              <a:buNone/>
+              <a:defRPr sz="2000" b="1"/>
+            </a:lvl2pPr>
+            <a:lvl3pPr marL="914400" indent="0">
+              <a:buNone/>
+              <a:defRPr sz="1800" b="1"/>
+            </a:lvl3pPr>
+            <a:lvl4pPr marL="1371600" indent="0">
+              <a:buNone/>
+              <a:defRPr sz="1600" b="1"/>
+            </a:lvl4pPr>
+            <a:lvl5pPr marL="1828800" indent="0">
+              <a:buNone/>
+              <a:defRPr sz="1600" b="1"/>
+            </a:lvl5pPr>
+            <a:lvl6pPr marL="2286000" indent="0">
+              <a:buNone/>
+              <a:defRPr sz="1600" b="1"/>
+            </a:lvl6pPr>
+            <a:lvl7pPr marL="2743200" indent="0">
+              <a:buNone/>
+              <a:defRPr sz="1600" b="1"/>
+            </a:lvl7pPr>
+            <a:lvl8pPr marL="3200400" indent="0">
+              <a:buNone/>
+              <a:defRPr sz="1600" b="1"/>
+            </a:lvl8pPr>
+            <a:lvl9pPr marL="3657600" indent="0">
+              <a:buNone/>
+              <a:defRPr sz="1600" b="1"/>
+            </a:lvl9pPr>
+          </a:lstStyle>
+          <a:p>
+            <a:pPr lvl="0"/>
+            <a:r>
+              <a:rPr lang="en-US"/>
+              <a:t>Click to edit Master text styles</a:t>
+            </a:r>
+          </a:p>
+        </p:txBody>
+      </p:sp>
+      <p:sp>
+        <p:nvSpPr>
+          <p:cNvPr id="12" name="Text Placeholder 3"/>
+          <p:cNvSpPr>
+            <a:spLocks noGrp="1"/>
+          </p:cNvSpPr>
+          <p:nvPr>
+            <p:ph type="body" sz="half" idx="17"/>
+          </p:nvPr>
+        </p:nvSpPr>
+        <p:spPr>
+          <a:xfrm>
+            <a:off x="7973298" y="2943355"/>
+            <a:ext cx="3304928" cy="2847845"/>
+          </a:xfrm>
+        </p:spPr>
+        <p:txBody>
+          <a:bodyPr anchor="t">
+            <a:normAutofit/>
+          </a:bodyPr>
+          <a:lstStyle>
+            <a:lvl1pPr marL="0" indent="0" algn="ctr">
+              <a:buNone/>
+              <a:defRPr sz="1400"/>
+            </a:lvl1pPr>
+            <a:lvl2pPr marL="457200" indent="0">
+              <a:buNone/>
+              <a:defRPr sz="1200"/>
+            </a:lvl2pPr>
+            <a:lvl3pPr marL="914400" indent="0">
+              <a:buNone/>
+              <a:defRPr sz="1000"/>
+            </a:lvl3pPr>
+            <a:lvl4pPr marL="1371600" indent="0">
+              <a:buNone/>
+              <a:defRPr sz="900"/>
+            </a:lvl4pPr>
+            <a:lvl5pPr marL="1828800" indent="0">
+              <a:buNone/>
+              <a:defRPr sz="900"/>
+            </a:lvl5pPr>
+            <a:lvl6pPr marL="2286000" indent="0">
+              <a:buNone/>
+              <a:defRPr sz="900"/>
+            </a:lvl6pPr>
+            <a:lvl7pPr marL="2743200" indent="0">
+              <a:buNone/>
+              <a:defRPr sz="900"/>
+            </a:lvl7pPr>
+            <a:lvl8pPr marL="3200400" indent="0">
+              <a:buNone/>
+              <a:defRPr sz="900"/>
+            </a:lvl8pPr>
+            <a:lvl9pPr marL="3657600" indent="0">
+              <a:buNone/>
+              <a:defRPr sz="900"/>
+            </a:lvl9pPr>
+          </a:lstStyle>
+          <a:p>
+            <a:pPr lvl="0"/>
+            <a:r>
+              <a:rPr lang="en-US"/>
+              <a:t>Click to edit Master text styles</a:t>
+            </a:r>
+          </a:p>
+        </p:txBody>
+      </p:sp>
+      <p:sp>
+        <p:nvSpPr>
+          <p:cNvPr id="3" name="Date Placeholder 2"/>
+          <p:cNvSpPr>
+            <a:spLocks noGrp="1"/>
+          </p:cNvSpPr>
+          <p:nvPr>
+            <p:ph type="dt" sz="half" idx="10"/>
+          </p:nvPr>
+        </p:nvSpPr>
+        <p:spPr/>
+        <p:txBody>
+          <a:bodyPr/>
+          <a:lstStyle/>
+          <a:p>
+            <a:fld id="{25A4C5CD-7CDA-4B45-9389-63D6419C972B}" type="datetimeFigureOut">
+              <a:rPr lang="en-US" smtClean="0"/>
+              <a:t>12/16/20</a:t>
+            </a:fld>
+            <a:endParaRPr lang="en-US"/>
+          </a:p>
+        </p:txBody>
+      </p:sp>
+      <p:sp>
+        <p:nvSpPr>
+          <p:cNvPr id="4" name="Footer Placeholder 3"/>
+          <p:cNvSpPr>
+            <a:spLocks noGrp="1"/>
+          </p:cNvSpPr>
+          <p:nvPr>
+            <p:ph type="ftr" sz="quarter" idx="11"/>
+          </p:nvPr>
+        </p:nvSpPr>
+        <p:spPr/>
+        <p:txBody>
+          <a:bodyPr/>
+          <a:lstStyle/>
+          <a:p>
+            <a:endParaRPr lang="en-US"/>
+          </a:p>
+        </p:txBody>
+      </p:sp>
+      <p:sp>
+        <p:nvSpPr>
+          <p:cNvPr id="5" name="Slide Number Placeholder 4"/>
+          <p:cNvSpPr>
+            <a:spLocks noGrp="1"/>
+          </p:cNvSpPr>
+          <p:nvPr>
+            <p:ph type="sldNum" sz="quarter" idx="12"/>
+          </p:nvPr>
+        </p:nvSpPr>
+        <p:spPr/>
+        <p:txBody>
+          <a:bodyPr/>
+          <a:lstStyle/>
+          <a:p>
+            <a:fld id="{7829B301-153F-1E4A-B60C-9EB5717F9A8E}" type="slidenum">
+              <a:rPr lang="en-US" smtClean="0"/>
+              <a:t>‹#›</a:t>
+            </a:fld>
+            <a:endParaRPr lang="en-US"/>
+          </a:p>
+        </p:txBody>
+      </p:sp>
+    </p:spTree>
+    <p:extLst>
+      <p:ext uri="{BB962C8B-B14F-4D97-AF65-F5344CB8AC3E}">
+        <p14:creationId xmlns:p14="http://schemas.microsoft.com/office/powerpoint/2010/main" val="3773711553"/>
+      </p:ext>
+    </p:extLst>
+  </p:cSld>
+  <p:clrMapOvr>
+    <a:masterClrMapping/>
+  </p:clrMapOvr>
+</p:sldLayout>
+</file>
+
+<file path=ppt/slideLayouts/slideLayout15.xml><?xml version="1.0" encoding="utf-8"?>
+<p:sldLayout xmlns:a="http://schemas.openxmlformats.org/drawingml/2006/main" xmlns:r="http://schemas.openxmlformats.org/officeDocument/2006/relationships" xmlns:p="http://schemas.openxmlformats.org/presentationml/2006/main" preserve="1">
+  <p:cSld name="3 Picture Column">
+    <p:spTree>
+      <p:nvGrpSpPr>
+        <p:cNvPr id="1" name=""/>
+        <p:cNvGrpSpPr/>
+        <p:nvPr/>
+      </p:nvGrpSpPr>
+      <p:grpSpPr>
+        <a:xfrm>
+          <a:off x="0" y="0"/>
+          <a:ext cx="0" cy="0"/>
+          <a:chOff x="0" y="0"/>
+          <a:chExt cx="0" cy="0"/>
+        </a:xfrm>
+      </p:grpSpPr>
+      <p:pic>
+        <p:nvPicPr>
+          <p:cNvPr id="16" name="Picture 15" descr="Droplets-HD-Content-R1d.png"/>
+          <p:cNvPicPr>
+            <a:picLocks noChangeAspect="1"/>
+          </p:cNvPicPr>
+          <p:nvPr/>
+        </p:nvPicPr>
+        <p:blipFill>
+          <a:blip r:embed="rId2">
+            <a:extLst>
+              <a:ext uri="{28A0092B-C50C-407E-A947-70E740481C1C}">
+                <a14:useLocalDpi xmlns:a14="http://schemas.microsoft.com/office/drawing/2010/main" val="0"/>
+              </a:ext>
+            </a:extLst>
+          </a:blip>
+          <a:stretch>
+            <a:fillRect/>
+          </a:stretch>
+        </p:blipFill>
+        <p:spPr>
+          <a:xfrm>
+            <a:off x="0" y="0"/>
+            <a:ext cx="12192000" cy="6858000"/>
+          </a:xfrm>
+          <a:prstGeom prst="rect">
+            <a:avLst/>
+          </a:prstGeom>
+        </p:spPr>
+      </p:pic>
+      <p:sp>
+        <p:nvSpPr>
+          <p:cNvPr id="30" name="Title 1"/>
+          <p:cNvSpPr>
+            <a:spLocks noGrp="1"/>
+          </p:cNvSpPr>
+          <p:nvPr>
+            <p:ph type="title"/>
+          </p:nvPr>
+        </p:nvSpPr>
+        <p:spPr>
+          <a:xfrm>
+            <a:off x="913774" y="610772"/>
+            <a:ext cx="10364452" cy="1603922"/>
+          </a:xfrm>
+        </p:spPr>
+        <p:txBody>
+          <a:bodyPr/>
+          <a:lstStyle/>
+          <a:p>
+            <a:r>
+              <a:rPr lang="en-US"/>
+              <a:t>Click to edit Master title style</a:t>
+            </a:r>
+            <a:endParaRPr lang="en-US" dirty="0"/>
+          </a:p>
+        </p:txBody>
+      </p:sp>
+      <p:sp>
+        <p:nvSpPr>
+          <p:cNvPr id="19" name="Text Placeholder 2"/>
+          <p:cNvSpPr>
+            <a:spLocks noGrp="1"/>
+          </p:cNvSpPr>
+          <p:nvPr>
+            <p:ph type="body" idx="1"/>
+          </p:nvPr>
+        </p:nvSpPr>
+        <p:spPr>
+          <a:xfrm>
+            <a:off x="913774" y="4204820"/>
+            <a:ext cx="3296409" cy="576262"/>
+          </a:xfrm>
+        </p:spPr>
+        <p:txBody>
+          <a:bodyPr anchor="b">
+            <a:noAutofit/>
+          </a:bodyPr>
+          <a:lstStyle>
+            <a:lvl1pPr marL="0" indent="0" algn="ctr">
+              <a:lnSpc>
+                <a:spcPct val="85000"/>
+              </a:lnSpc>
+              <a:buNone/>
+              <a:defRPr sz="2200" b="0">
+                <a:solidFill>
+                  <a:schemeClr val="tx1"/>
+                </a:solidFill>
+              </a:defRPr>
+            </a:lvl1pPr>
+            <a:lvl2pPr marL="457200" indent="0">
+              <a:buNone/>
+              <a:defRPr sz="2000" b="1"/>
+            </a:lvl2pPr>
+            <a:lvl3pPr marL="914400" indent="0">
+              <a:buNone/>
+              <a:defRPr sz="1800" b="1"/>
+            </a:lvl3pPr>
+            <a:lvl4pPr marL="1371600" indent="0">
+              <a:buNone/>
+              <a:defRPr sz="1600" b="1"/>
+            </a:lvl4pPr>
+            <a:lvl5pPr marL="1828800" indent="0">
+              <a:buNone/>
+              <a:defRPr sz="1600" b="1"/>
+            </a:lvl5pPr>
+            <a:lvl6pPr marL="2286000" indent="0">
+              <a:buNone/>
+              <a:defRPr sz="1600" b="1"/>
+            </a:lvl6pPr>
+            <a:lvl7pPr marL="2743200" indent="0">
+              <a:buNone/>
+              <a:defRPr sz="1600" b="1"/>
+            </a:lvl7pPr>
+            <a:lvl8pPr marL="3200400" indent="0">
+              <a:buNone/>
+              <a:defRPr sz="1600" b="1"/>
+            </a:lvl8pPr>
+            <a:lvl9pPr marL="3657600" indent="0">
+              <a:buNone/>
+              <a:defRPr sz="1600" b="1"/>
+            </a:lvl9pPr>
+          </a:lstStyle>
+          <a:p>
+            <a:pPr lvl="0"/>
+            <a:r>
+              <a:rPr lang="en-US"/>
+              <a:t>Click to edit Master text styles</a:t>
+            </a:r>
+          </a:p>
+        </p:txBody>
+      </p:sp>
+      <p:sp>
+        <p:nvSpPr>
+          <p:cNvPr id="20" name="Picture Placeholder 2"/>
+          <p:cNvSpPr>
+            <a:spLocks noGrp="1" noChangeAspect="1"/>
+          </p:cNvSpPr>
+          <p:nvPr>
+            <p:ph type="pic" idx="15"/>
+          </p:nvPr>
+        </p:nvSpPr>
+        <p:spPr>
+          <a:xfrm>
+            <a:off x="913774" y="2367093"/>
+            <a:ext cx="3296409" cy="1524000"/>
+          </a:xfrm>
+          <a:prstGeom prst="roundRect">
+            <a:avLst>
+              <a:gd name="adj" fmla="val 9363"/>
+            </a:avLst>
+          </a:prstGeom>
+          <a:noFill/>
+          <a:ln w="82550" cap="sq">
+            <a:solidFill>
+              <a:srgbClr val="EAEAEA"/>
+            </a:solidFill>
+            <a:miter lim="800000"/>
+          </a:ln>
+          <a:effectLst/>
+          <a:scene3d>
+            <a:camera prst="orthographicFront"/>
+            <a:lightRig rig="threePt" dir="t">
+              <a:rot lat="0" lon="0" rev="2700000"/>
+            </a:lightRig>
+          </a:scene3d>
+          <a:sp3d contourW="6350">
+            <a:bevelT h="38100"/>
+            <a:contourClr>
+              <a:srgbClr val="C0C0C0"/>
+            </a:contourClr>
+          </a:sp3d>
+        </p:spPr>
+        <p:txBody>
+          <a:bodyPr anchor="t">
+            <a:normAutofit/>
+          </a:bodyPr>
+          <a:lstStyle>
+            <a:lvl1pPr marL="0" indent="0" algn="ctr">
+              <a:buNone/>
+              <a:defRPr sz="1600"/>
+            </a:lvl1pPr>
+            <a:lvl2pPr marL="457200" indent="0">
+              <a:buNone/>
+              <a:defRPr sz="1600"/>
+            </a:lvl2pPr>
+            <a:lvl3pPr marL="914400" indent="0">
+              <a:buNone/>
+              <a:defRPr sz="1600"/>
+            </a:lvl3pPr>
+            <a:lvl4pPr marL="1371600" indent="0">
+              <a:buNone/>
+              <a:defRPr sz="1600"/>
+            </a:lvl4pPr>
+            <a:lvl5pPr marL="1828800" indent="0">
+              <a:buNone/>
+              <a:defRPr sz="1600"/>
+            </a:lvl5pPr>
+            <a:lvl6pPr marL="2286000" indent="0">
+              <a:buNone/>
+              <a:defRPr sz="1600"/>
+            </a:lvl6pPr>
+            <a:lvl7pPr marL="2743200" indent="0">
+              <a:buNone/>
+              <a:defRPr sz="1600"/>
+            </a:lvl7pPr>
+            <a:lvl8pPr marL="3200400" indent="0">
+              <a:buNone/>
+              <a:defRPr sz="1600"/>
+            </a:lvl8pPr>
+            <a:lvl9pPr marL="3657600" indent="0">
+              <a:buNone/>
+              <a:defRPr sz="1600"/>
+            </a:lvl9pPr>
+          </a:lstStyle>
+          <a:p>
+            <a:r>
+              <a:rPr lang="en-US"/>
+              <a:t>Click icon to add picture</a:t>
+            </a:r>
+            <a:endParaRPr lang="en-US" dirty="0"/>
+          </a:p>
+        </p:txBody>
+      </p:sp>
+      <p:sp>
+        <p:nvSpPr>
+          <p:cNvPr id="21" name="Text Placeholder 3"/>
+          <p:cNvSpPr>
+            <a:spLocks noGrp="1"/>
+          </p:cNvSpPr>
+          <p:nvPr>
+            <p:ph type="body" sz="half" idx="18"/>
+          </p:nvPr>
+        </p:nvSpPr>
+        <p:spPr>
+          <a:xfrm>
+            <a:off x="913774" y="4781082"/>
+            <a:ext cx="3296409" cy="1010118"/>
+          </a:xfrm>
+        </p:spPr>
+        <p:txBody>
+          <a:bodyPr anchor="t">
+            <a:normAutofit/>
+          </a:bodyPr>
+          <a:lstStyle>
+            <a:lvl1pPr marL="0" indent="0" algn="ctr">
+              <a:buNone/>
+              <a:defRPr sz="1400"/>
+            </a:lvl1pPr>
+            <a:lvl2pPr marL="457200" indent="0">
+              <a:buNone/>
+              <a:defRPr sz="1200"/>
+            </a:lvl2pPr>
+            <a:lvl3pPr marL="914400" indent="0">
+              <a:buNone/>
+              <a:defRPr sz="1000"/>
+            </a:lvl3pPr>
+            <a:lvl4pPr marL="1371600" indent="0">
+              <a:buNone/>
+              <a:defRPr sz="900"/>
+            </a:lvl4pPr>
+            <a:lvl5pPr marL="1828800" indent="0">
+              <a:buNone/>
+              <a:defRPr sz="900"/>
+            </a:lvl5pPr>
+            <a:lvl6pPr marL="2286000" indent="0">
+              <a:buNone/>
+              <a:defRPr sz="900"/>
+            </a:lvl6pPr>
+            <a:lvl7pPr marL="2743200" indent="0">
+              <a:buNone/>
+              <a:defRPr sz="900"/>
+            </a:lvl7pPr>
+            <a:lvl8pPr marL="3200400" indent="0">
+              <a:buNone/>
+              <a:defRPr sz="900"/>
+            </a:lvl8pPr>
+            <a:lvl9pPr marL="3657600" indent="0">
+              <a:buNone/>
+              <a:defRPr sz="900"/>
+            </a:lvl9pPr>
+          </a:lstStyle>
+          <a:p>
+            <a:pPr lvl="0"/>
+            <a:r>
+              <a:rPr lang="en-US"/>
+              <a:t>Click to edit Master text styles</a:t>
+            </a:r>
+          </a:p>
+        </p:txBody>
+      </p:sp>
+      <p:sp>
+        <p:nvSpPr>
+          <p:cNvPr id="22" name="Text Placeholder 4"/>
+          <p:cNvSpPr>
+            <a:spLocks noGrp="1"/>
+          </p:cNvSpPr>
+          <p:nvPr>
+            <p:ph type="body" sz="quarter" idx="3"/>
+          </p:nvPr>
+        </p:nvSpPr>
+        <p:spPr>
+          <a:xfrm>
+            <a:off x="4442759" y="4204820"/>
+            <a:ext cx="3301828" cy="576262"/>
+          </a:xfrm>
+        </p:spPr>
+        <p:txBody>
+          <a:bodyPr anchor="b">
+            <a:noAutofit/>
+          </a:bodyPr>
+          <a:lstStyle>
+            <a:lvl1pPr marL="0" indent="0" algn="ctr">
+              <a:lnSpc>
+                <a:spcPct val="85000"/>
+              </a:lnSpc>
+              <a:buNone/>
+              <a:defRPr sz="2200" b="0">
+                <a:solidFill>
+                  <a:schemeClr val="tx1"/>
+                </a:solidFill>
+              </a:defRPr>
+            </a:lvl1pPr>
+            <a:lvl2pPr marL="457200" indent="0">
+              <a:buNone/>
+              <a:defRPr sz="2000" b="1"/>
+            </a:lvl2pPr>
+            <a:lvl3pPr marL="914400" indent="0">
+              <a:buNone/>
+              <a:defRPr sz="1800" b="1"/>
+            </a:lvl3pPr>
+            <a:lvl4pPr marL="1371600" indent="0">
+              <a:buNone/>
+              <a:defRPr sz="1600" b="1"/>
+            </a:lvl4pPr>
+            <a:lvl5pPr marL="1828800" indent="0">
+              <a:buNone/>
+              <a:defRPr sz="1600" b="1"/>
+            </a:lvl5pPr>
+            <a:lvl6pPr marL="2286000" indent="0">
+              <a:buNone/>
+              <a:defRPr sz="1600" b="1"/>
+            </a:lvl6pPr>
+            <a:lvl7pPr marL="2743200" indent="0">
+              <a:buNone/>
+              <a:defRPr sz="1600" b="1"/>
+            </a:lvl7pPr>
+            <a:lvl8pPr marL="3200400" indent="0">
+              <a:buNone/>
+              <a:defRPr sz="1600" b="1"/>
+            </a:lvl8pPr>
+            <a:lvl9pPr marL="3657600" indent="0">
+              <a:buNone/>
+              <a:defRPr sz="1600" b="1"/>
+            </a:lvl9pPr>
+          </a:lstStyle>
+          <a:p>
+            <a:pPr lvl="0"/>
+            <a:r>
+              <a:rPr lang="en-US"/>
+              <a:t>Click to edit Master text styles</a:t>
+            </a:r>
+          </a:p>
+        </p:txBody>
+      </p:sp>
+      <p:sp>
+        <p:nvSpPr>
+          <p:cNvPr id="23" name="Picture Placeholder 2"/>
+          <p:cNvSpPr>
+            <a:spLocks noGrp="1" noChangeAspect="1"/>
+          </p:cNvSpPr>
+          <p:nvPr>
+            <p:ph type="pic" idx="21"/>
+          </p:nvPr>
+        </p:nvSpPr>
+        <p:spPr>
+          <a:xfrm>
+            <a:off x="4441348" y="2367093"/>
+            <a:ext cx="3303352" cy="1524000"/>
+          </a:xfrm>
+          <a:prstGeom prst="roundRect">
+            <a:avLst>
+              <a:gd name="adj" fmla="val 8841"/>
+            </a:avLst>
+          </a:prstGeom>
+          <a:noFill/>
+          <a:ln w="82550" cap="sq">
+            <a:solidFill>
+              <a:srgbClr val="EAEAEA"/>
+            </a:solidFill>
+            <a:miter lim="800000"/>
+          </a:ln>
+          <a:effectLst/>
+          <a:scene3d>
+            <a:camera prst="orthographicFront"/>
+            <a:lightRig rig="threePt" dir="t">
+              <a:rot lat="0" lon="0" rev="2700000"/>
+            </a:lightRig>
+          </a:scene3d>
+          <a:sp3d contourW="6350">
+            <a:bevelT h="38100"/>
+            <a:contourClr>
+              <a:srgbClr val="C0C0C0"/>
+            </a:contourClr>
+          </a:sp3d>
+        </p:spPr>
+        <p:txBody>
+          <a:bodyPr anchor="t">
+            <a:normAutofit/>
+          </a:bodyPr>
+          <a:lstStyle>
+            <a:lvl1pPr marL="0" indent="0" algn="ctr">
+              <a:buNone/>
+              <a:defRPr sz="1600"/>
+            </a:lvl1pPr>
+            <a:lvl2pPr marL="457200" indent="0">
+              <a:buNone/>
+              <a:defRPr sz="1600"/>
+            </a:lvl2pPr>
+            <a:lvl3pPr marL="914400" indent="0">
+              <a:buNone/>
+              <a:defRPr sz="1600"/>
+            </a:lvl3pPr>
+            <a:lvl4pPr marL="1371600" indent="0">
+              <a:buNone/>
+              <a:defRPr sz="1600"/>
+            </a:lvl4pPr>
+            <a:lvl5pPr marL="1828800" indent="0">
+              <a:buNone/>
+              <a:defRPr sz="1600"/>
+            </a:lvl5pPr>
+            <a:lvl6pPr marL="2286000" indent="0">
+              <a:buNone/>
+              <a:defRPr sz="1600"/>
+            </a:lvl6pPr>
+            <a:lvl7pPr marL="2743200" indent="0">
+              <a:buNone/>
+              <a:defRPr sz="1600"/>
+            </a:lvl7pPr>
+            <a:lvl8pPr marL="3200400" indent="0">
+              <a:buNone/>
+              <a:defRPr sz="1600"/>
+            </a:lvl8pPr>
+            <a:lvl9pPr marL="3657600" indent="0">
+              <a:buNone/>
+              <a:defRPr sz="1600"/>
+            </a:lvl9pPr>
+          </a:lstStyle>
+          <a:p>
+            <a:r>
+              <a:rPr lang="en-US"/>
+              <a:t>Click icon to add picture</a:t>
+            </a:r>
+            <a:endParaRPr lang="en-US" dirty="0"/>
+          </a:p>
+        </p:txBody>
+      </p:sp>
+      <p:sp>
+        <p:nvSpPr>
+          <p:cNvPr id="24" name="Text Placeholder 3"/>
+          <p:cNvSpPr>
+            <a:spLocks noGrp="1"/>
+          </p:cNvSpPr>
+          <p:nvPr>
+            <p:ph type="body" sz="half" idx="19"/>
+          </p:nvPr>
+        </p:nvSpPr>
+        <p:spPr>
+          <a:xfrm>
+            <a:off x="4441348" y="4781080"/>
+            <a:ext cx="3303352" cy="1010119"/>
+          </a:xfrm>
+        </p:spPr>
+        <p:txBody>
+          <a:bodyPr anchor="t">
+            <a:normAutofit/>
+          </a:bodyPr>
+          <a:lstStyle>
+            <a:lvl1pPr marL="0" indent="0" algn="ctr">
+              <a:buNone/>
+              <a:defRPr sz="1400"/>
+            </a:lvl1pPr>
+            <a:lvl2pPr marL="457200" indent="0">
+              <a:buNone/>
+              <a:defRPr sz="1200"/>
+            </a:lvl2pPr>
+            <a:lvl3pPr marL="914400" indent="0">
+              <a:buNone/>
+              <a:defRPr sz="1000"/>
+            </a:lvl3pPr>
+            <a:lvl4pPr marL="1371600" indent="0">
+              <a:buNone/>
+              <a:defRPr sz="900"/>
+            </a:lvl4pPr>
+            <a:lvl5pPr marL="1828800" indent="0">
+              <a:buNone/>
+              <a:defRPr sz="900"/>
+            </a:lvl5pPr>
+            <a:lvl6pPr marL="2286000" indent="0">
+              <a:buNone/>
+              <a:defRPr sz="900"/>
+            </a:lvl6pPr>
+            <a:lvl7pPr marL="2743200" indent="0">
+              <a:buNone/>
+              <a:defRPr sz="900"/>
+            </a:lvl7pPr>
+            <a:lvl8pPr marL="3200400" indent="0">
+              <a:buNone/>
+              <a:defRPr sz="900"/>
+            </a:lvl8pPr>
+            <a:lvl9pPr marL="3657600" indent="0">
+              <a:buNone/>
+              <a:defRPr sz="900"/>
+            </a:lvl9pPr>
+          </a:lstStyle>
+          <a:p>
+            <a:pPr lvl="0"/>
+            <a:r>
+              <a:rPr lang="en-US"/>
+              <a:t>Click to edit Master text styles</a:t>
+            </a:r>
+          </a:p>
+        </p:txBody>
+      </p:sp>
+      <p:sp>
+        <p:nvSpPr>
+          <p:cNvPr id="25" name="Text Placeholder 4"/>
+          <p:cNvSpPr>
+            <a:spLocks noGrp="1"/>
+          </p:cNvSpPr>
+          <p:nvPr>
+            <p:ph type="body" sz="quarter" idx="13"/>
+          </p:nvPr>
+        </p:nvSpPr>
+        <p:spPr>
+          <a:xfrm>
+            <a:off x="7973298" y="4204820"/>
+            <a:ext cx="3300681" cy="576262"/>
+          </a:xfrm>
+        </p:spPr>
+        <p:txBody>
+          <a:bodyPr anchor="b">
+            <a:noAutofit/>
+          </a:bodyPr>
+          <a:lstStyle>
+            <a:lvl1pPr marL="0" indent="0" algn="ctr">
+              <a:lnSpc>
+                <a:spcPct val="85000"/>
+              </a:lnSpc>
+              <a:buNone/>
+              <a:defRPr sz="2200" b="0">
+                <a:solidFill>
+                  <a:schemeClr val="tx1"/>
+                </a:solidFill>
+              </a:defRPr>
+            </a:lvl1pPr>
+            <a:lvl2pPr marL="457200" indent="0">
+              <a:buNone/>
+              <a:defRPr sz="2000" b="1"/>
+            </a:lvl2pPr>
+            <a:lvl3pPr marL="914400" indent="0">
+              <a:buNone/>
+              <a:defRPr sz="1800" b="1"/>
+            </a:lvl3pPr>
+            <a:lvl4pPr marL="1371600" indent="0">
+              <a:buNone/>
+              <a:defRPr sz="1600" b="1"/>
+            </a:lvl4pPr>
+            <a:lvl5pPr marL="1828800" indent="0">
+              <a:buNone/>
+              <a:defRPr sz="1600" b="1"/>
+            </a:lvl5pPr>
+            <a:lvl6pPr marL="2286000" indent="0">
+              <a:buNone/>
+              <a:defRPr sz="1600" b="1"/>
+            </a:lvl6pPr>
+            <a:lvl7pPr marL="2743200" indent="0">
+              <a:buNone/>
+              <a:defRPr sz="1600" b="1"/>
+            </a:lvl7pPr>
+            <a:lvl8pPr marL="3200400" indent="0">
+              <a:buNone/>
+              <a:defRPr sz="1600" b="1"/>
+            </a:lvl8pPr>
+            <a:lvl9pPr marL="3657600" indent="0">
+              <a:buNone/>
+              <a:defRPr sz="1600" b="1"/>
+            </a:lvl9pPr>
+          </a:lstStyle>
+          <a:p>
+            <a:pPr lvl="0"/>
+            <a:r>
+              <a:rPr lang="en-US"/>
+              <a:t>Click to edit Master text styles</a:t>
+            </a:r>
+          </a:p>
+        </p:txBody>
+      </p:sp>
+      <p:sp>
+        <p:nvSpPr>
+          <p:cNvPr id="26" name="Picture Placeholder 2"/>
+          <p:cNvSpPr>
+            <a:spLocks noGrp="1" noChangeAspect="1"/>
+          </p:cNvSpPr>
+          <p:nvPr>
+            <p:ph type="pic" idx="22"/>
+          </p:nvPr>
+        </p:nvSpPr>
+        <p:spPr>
+          <a:xfrm>
+            <a:off x="7973298" y="2367093"/>
+            <a:ext cx="3304928" cy="1524000"/>
+          </a:xfrm>
+          <a:prstGeom prst="roundRect">
+            <a:avLst>
+              <a:gd name="adj" fmla="val 8841"/>
+            </a:avLst>
+          </a:prstGeom>
+          <a:noFill/>
+          <a:ln w="82550" cap="sq">
+            <a:solidFill>
+              <a:srgbClr val="EAEAEA"/>
+            </a:solidFill>
+            <a:miter lim="800000"/>
+          </a:ln>
+          <a:effectLst/>
+          <a:scene3d>
+            <a:camera prst="orthographicFront"/>
+            <a:lightRig rig="threePt" dir="t">
+              <a:rot lat="0" lon="0" rev="2700000"/>
+            </a:lightRig>
+          </a:scene3d>
+          <a:sp3d contourW="6350">
+            <a:bevelT h="38100"/>
+            <a:contourClr>
+              <a:srgbClr val="C0C0C0"/>
+            </a:contourClr>
+          </a:sp3d>
+        </p:spPr>
+        <p:txBody>
+          <a:bodyPr anchor="t">
+            <a:normAutofit/>
+          </a:bodyPr>
+          <a:lstStyle>
+            <a:lvl1pPr marL="0" indent="0" algn="ctr">
+              <a:buNone/>
+              <a:defRPr sz="1600"/>
+            </a:lvl1pPr>
+            <a:lvl2pPr marL="457200" indent="0">
+              <a:buNone/>
+              <a:defRPr sz="1600"/>
+            </a:lvl2pPr>
+            <a:lvl3pPr marL="914400" indent="0">
+              <a:buNone/>
+              <a:defRPr sz="1600"/>
+            </a:lvl3pPr>
+            <a:lvl4pPr marL="1371600" indent="0">
+              <a:buNone/>
+              <a:defRPr sz="1600"/>
+            </a:lvl4pPr>
+            <a:lvl5pPr marL="1828800" indent="0">
+              <a:buNone/>
+              <a:defRPr sz="1600"/>
+            </a:lvl5pPr>
+            <a:lvl6pPr marL="2286000" indent="0">
+              <a:buNone/>
+              <a:defRPr sz="1600"/>
+            </a:lvl6pPr>
+            <a:lvl7pPr marL="2743200" indent="0">
+              <a:buNone/>
+              <a:defRPr sz="1600"/>
+            </a:lvl7pPr>
+            <a:lvl8pPr marL="3200400" indent="0">
+              <a:buNone/>
+              <a:defRPr sz="1600"/>
+            </a:lvl8pPr>
+            <a:lvl9pPr marL="3657600" indent="0">
+              <a:buNone/>
+              <a:defRPr sz="1600"/>
+            </a:lvl9pPr>
+          </a:lstStyle>
+          <a:p>
+            <a:r>
+              <a:rPr lang="en-US"/>
+              <a:t>Click icon to add picture</a:t>
+            </a:r>
+            <a:endParaRPr lang="en-US" dirty="0"/>
+          </a:p>
+        </p:txBody>
+      </p:sp>
+      <p:sp>
+        <p:nvSpPr>
+          <p:cNvPr id="27" name="Text Placeholder 3"/>
+          <p:cNvSpPr>
+            <a:spLocks noGrp="1"/>
+          </p:cNvSpPr>
+          <p:nvPr>
+            <p:ph type="body" sz="half" idx="20"/>
+          </p:nvPr>
+        </p:nvSpPr>
+        <p:spPr>
+          <a:xfrm>
+            <a:off x="7973173" y="4781078"/>
+            <a:ext cx="3305053" cy="1010121"/>
+          </a:xfrm>
+        </p:spPr>
+        <p:txBody>
+          <a:bodyPr anchor="t">
+            <a:normAutofit/>
+          </a:bodyPr>
+          <a:lstStyle>
+            <a:lvl1pPr marL="0" indent="0" algn="ctr">
+              <a:buNone/>
+              <a:defRPr sz="1400"/>
+            </a:lvl1pPr>
+            <a:lvl2pPr marL="457200" indent="0">
+              <a:buNone/>
+              <a:defRPr sz="1200"/>
+            </a:lvl2pPr>
+            <a:lvl3pPr marL="914400" indent="0">
+              <a:buNone/>
+              <a:defRPr sz="1000"/>
+            </a:lvl3pPr>
+            <a:lvl4pPr marL="1371600" indent="0">
+              <a:buNone/>
+              <a:defRPr sz="900"/>
+            </a:lvl4pPr>
+            <a:lvl5pPr marL="1828800" indent="0">
+              <a:buNone/>
+              <a:defRPr sz="900"/>
+            </a:lvl5pPr>
+            <a:lvl6pPr marL="2286000" indent="0">
+              <a:buNone/>
+              <a:defRPr sz="900"/>
+            </a:lvl6pPr>
+            <a:lvl7pPr marL="2743200" indent="0">
+              <a:buNone/>
+              <a:defRPr sz="900"/>
+            </a:lvl7pPr>
+            <a:lvl8pPr marL="3200400" indent="0">
+              <a:buNone/>
+              <a:defRPr sz="900"/>
+            </a:lvl8pPr>
+            <a:lvl9pPr marL="3657600" indent="0">
+              <a:buNone/>
+              <a:defRPr sz="900"/>
+            </a:lvl9pPr>
+          </a:lstStyle>
+          <a:p>
+            <a:pPr lvl="0"/>
+            <a:r>
+              <a:rPr lang="en-US"/>
+              <a:t>Click to edit Master text styles</a:t>
+            </a:r>
+          </a:p>
+        </p:txBody>
+      </p:sp>
+      <p:sp>
+        <p:nvSpPr>
+          <p:cNvPr id="3" name="Date Placeholder 2"/>
+          <p:cNvSpPr>
+            <a:spLocks noGrp="1"/>
+          </p:cNvSpPr>
+          <p:nvPr>
+            <p:ph type="dt" sz="half" idx="10"/>
+          </p:nvPr>
+        </p:nvSpPr>
+        <p:spPr/>
+        <p:txBody>
+          <a:bodyPr/>
+          <a:lstStyle/>
+          <a:p>
+            <a:fld id="{25A4C5CD-7CDA-4B45-9389-63D6419C972B}" type="datetimeFigureOut">
+              <a:rPr lang="en-US" smtClean="0"/>
+              <a:t>12/16/20</a:t>
+            </a:fld>
+            <a:endParaRPr lang="en-US"/>
+          </a:p>
+        </p:txBody>
+      </p:sp>
+      <p:sp>
+        <p:nvSpPr>
+          <p:cNvPr id="4" name="Footer Placeholder 3"/>
+          <p:cNvSpPr>
+            <a:spLocks noGrp="1"/>
+          </p:cNvSpPr>
+          <p:nvPr>
+            <p:ph type="ftr" sz="quarter" idx="11"/>
+          </p:nvPr>
+        </p:nvSpPr>
+        <p:spPr/>
+        <p:txBody>
+          <a:bodyPr/>
+          <a:lstStyle/>
+          <a:p>
+            <a:endParaRPr lang="en-US"/>
+          </a:p>
+        </p:txBody>
+      </p:sp>
+      <p:sp>
+        <p:nvSpPr>
+          <p:cNvPr id="5" name="Slide Number Placeholder 4"/>
+          <p:cNvSpPr>
+            <a:spLocks noGrp="1"/>
+          </p:cNvSpPr>
+          <p:nvPr>
+            <p:ph type="sldNum" sz="quarter" idx="12"/>
+          </p:nvPr>
+        </p:nvSpPr>
+        <p:spPr/>
+        <p:txBody>
+          <a:bodyPr/>
+          <a:lstStyle/>
+          <a:p>
+            <a:fld id="{7829B301-153F-1E4A-B60C-9EB5717F9A8E}" type="slidenum">
+              <a:rPr lang="en-US" smtClean="0"/>
+              <a:t>‹#›</a:t>
+            </a:fld>
+            <a:endParaRPr lang="en-US"/>
+          </a:p>
+        </p:txBody>
+      </p:sp>
+    </p:spTree>
+    <p:extLst>
+      <p:ext uri="{BB962C8B-B14F-4D97-AF65-F5344CB8AC3E}">
+        <p14:creationId xmlns:p14="http://schemas.microsoft.com/office/powerpoint/2010/main" val="2048472697"/>
+      </p:ext>
+    </p:extLst>
+  </p:cSld>
+  <p:clrMapOvr>
+    <a:masterClrMapping/>
+  </p:clrMapOvr>
+</p:sldLayout>
+</file>
+
+<file path=ppt/slideLayouts/slideLayout16.xml><?xml version="1.0" encoding="utf-8"?>
 <p:sldLayout xmlns:a="http://schemas.openxmlformats.org/drawingml/2006/main" xmlns:r="http://schemas.openxmlformats.org/officeDocument/2006/relationships" xmlns:p="http://schemas.openxmlformats.org/presentationml/2006/main" type="vertTx" preserve="1">
   <p:cSld name="Title and Vertical Text">
     <p:spTree>
@@ -359,15 +3079,39 @@
           <a:chExt cx="0" cy="0"/>
         </a:xfrm>
       </p:grpSpPr>
-      <p:sp>
-        <p:nvSpPr>
-          <p:cNvPr id="2" name="Title 1">
+      <p:pic>
+        <p:nvPicPr>
+          <p:cNvPr id="8" name="Picture 7" descr="Droplets-HD-Content-R1d.png"/>
+          <p:cNvPicPr>
+            <a:picLocks noChangeAspect="1"/>
+          </p:cNvPicPr>
+          <p:nvPr/>
+        </p:nvPicPr>
+        <p:blipFill>
+          <a:blip r:embed="rId2">
             <a:extLst>
-              <a:ext uri="{FF2B5EF4-FFF2-40B4-BE49-F238E27FC236}">
-                <a16:creationId xmlns:a16="http://schemas.microsoft.com/office/drawing/2014/main" id="{7A1A9004-C326-B840-8F8E-DFFA0FD6FA29}"/>
+              <a:ext uri="{28A0092B-C50C-407E-A947-70E740481C1C}">
+                <a14:useLocalDpi xmlns:a14="http://schemas.microsoft.com/office/drawing/2010/main" val="0"/>
               </a:ext>
             </a:extLst>
-          </p:cNvPr>
+          </a:blip>
+          <a:stretch>
+            <a:fillRect/>
+          </a:stretch>
+        </p:blipFill>
+        <p:spPr>
+          <a:xfrm>
+            <a:off x="0" y="0"/>
+            <a:ext cx="12192000" cy="6858000"/>
+          </a:xfrm>
+          <a:prstGeom prst="rect">
+            <a:avLst/>
+          </a:prstGeom>
+        </p:spPr>
+      </p:pic>
+      <p:sp>
+        <p:nvSpPr>
+          <p:cNvPr id="2" name="Title 1"/>
           <p:cNvSpPr>
             <a:spLocks noGrp="1"/>
           </p:cNvSpPr>
@@ -384,26 +3128,26 @@
               <a:rPr lang="en-US"/>
               <a:t>Click to edit Master title style</a:t>
             </a:r>
-          </a:p>
-        </p:txBody>
-      </p:sp>
-      <p:sp>
-        <p:nvSpPr>
-          <p:cNvPr id="3" name="Vertical Text Placeholder 2">
-            <a:extLst>
-              <a:ext uri="{FF2B5EF4-FFF2-40B4-BE49-F238E27FC236}">
-                <a16:creationId xmlns:a16="http://schemas.microsoft.com/office/drawing/2014/main" id="{9F8B1B52-5B28-5B48-BCAB-B566A1EE60A4}"/>
-              </a:ext>
-            </a:extLst>
-          </p:cNvPr>
-          <p:cNvSpPr>
-            <a:spLocks noGrp="1"/>
-          </p:cNvSpPr>
-          <p:nvPr>
-            <p:ph type="body" orient="vert" idx="1"/>
-          </p:nvPr>
-        </p:nvSpPr>
-        <p:spPr/>
+            <a:endParaRPr lang="en-US" dirty="0"/>
+          </a:p>
+        </p:txBody>
+      </p:sp>
+      <p:sp>
+        <p:nvSpPr>
+          <p:cNvPr id="11" name="Vertical Text Placeholder 2"/>
+          <p:cNvSpPr>
+            <a:spLocks noGrp="1"/>
+          </p:cNvSpPr>
+          <p:nvPr>
+            <p:ph type="body" orient="vert" sz="quarter" idx="13"/>
+          </p:nvPr>
+        </p:nvSpPr>
+        <p:spPr>
+          <a:xfrm>
+            <a:off x="913775" y="2367093"/>
+            <a:ext cx="10364452" cy="3424107"/>
+          </a:xfrm>
+        </p:spPr>
         <p:txBody>
           <a:bodyPr vert="eaVert"/>
           <a:lstStyle/>
@@ -441,18 +3185,13 @@
               <a:rPr lang="en-US"/>
               <a:t>Fifth level</a:t>
             </a:r>
-          </a:p>
-        </p:txBody>
-      </p:sp>
-      <p:sp>
-        <p:nvSpPr>
-          <p:cNvPr id="4" name="Date Placeholder 3">
-            <a:extLst>
-              <a:ext uri="{FF2B5EF4-FFF2-40B4-BE49-F238E27FC236}">
-                <a16:creationId xmlns:a16="http://schemas.microsoft.com/office/drawing/2014/main" id="{C63EE29F-EE05-7E47-A158-9D8ED58894CB}"/>
-              </a:ext>
-            </a:extLst>
-          </p:cNvPr>
+            <a:endParaRPr lang="en-US" dirty="0"/>
+          </a:p>
+        </p:txBody>
+      </p:sp>
+      <p:sp>
+        <p:nvSpPr>
+          <p:cNvPr id="4" name="Date Placeholder 3"/>
           <p:cNvSpPr>
             <a:spLocks noGrp="1"/>
           </p:cNvSpPr>
@@ -475,13 +3214,7 @@
       </p:sp>
       <p:sp>
         <p:nvSpPr>
-          <p:cNvPr id="5" name="Footer Placeholder 4">
-            <a:extLst>
-              <a:ext uri="{FF2B5EF4-FFF2-40B4-BE49-F238E27FC236}">
-                <a16:creationId xmlns:a16="http://schemas.microsoft.com/office/drawing/2014/main" id="{4A746D0E-F24F-D84B-9553-B9AE208FC619}"/>
-              </a:ext>
-            </a:extLst>
-          </p:cNvPr>
+          <p:cNvPr id="5" name="Footer Placeholder 4"/>
           <p:cNvSpPr>
             <a:spLocks noGrp="1"/>
           </p:cNvSpPr>
@@ -500,13 +3233,7 @@
       </p:sp>
       <p:sp>
         <p:nvSpPr>
-          <p:cNvPr id="6" name="Slide Number Placeholder 5">
-            <a:extLst>
-              <a:ext uri="{FF2B5EF4-FFF2-40B4-BE49-F238E27FC236}">
-                <a16:creationId xmlns:a16="http://schemas.microsoft.com/office/drawing/2014/main" id="{67F98F13-064E-5947-92FD-2F34E276F338}"/>
-              </a:ext>
-            </a:extLst>
-          </p:cNvPr>
+          <p:cNvPr id="6" name="Slide Number Placeholder 5"/>
           <p:cNvSpPr>
             <a:spLocks noGrp="1"/>
           </p:cNvSpPr>
@@ -530,7 +3257,7 @@
     </p:spTree>
     <p:extLst>
       <p:ext uri="{BB962C8B-B14F-4D97-AF65-F5344CB8AC3E}">
-        <p14:creationId xmlns:p14="http://schemas.microsoft.com/office/powerpoint/2010/main" val="4139529636"/>
+        <p14:creationId xmlns:p14="http://schemas.microsoft.com/office/powerpoint/2010/main" val="2375110336"/>
       </p:ext>
     </p:extLst>
   </p:cSld>
@@ -540,7 +3267,7 @@
 </p:sldLayout>
 </file>
 
-<file path=ppt/slideLayouts/slideLayout11.xml><?xml version="1.0" encoding="utf-8"?>
+<file path=ppt/slideLayouts/slideLayout17.xml><?xml version="1.0" encoding="utf-8"?>
 <p:sldLayout xmlns:a="http://schemas.openxmlformats.org/drawingml/2006/main" xmlns:r="http://schemas.openxmlformats.org/officeDocument/2006/relationships" xmlns:p="http://schemas.openxmlformats.org/presentationml/2006/main" type="vertTitleAndTx" preserve="1">
   <p:cSld name="Vertical Title and Text">
     <p:spTree>
@@ -557,15 +3284,39 @@
           <a:chExt cx="0" cy="0"/>
         </a:xfrm>
       </p:grpSpPr>
-      <p:sp>
-        <p:nvSpPr>
-          <p:cNvPr id="2" name="Vertical Title 1">
+      <p:pic>
+        <p:nvPicPr>
+          <p:cNvPr id="9" name="Picture 8" descr="Droplets-HD-Content-R1d.png"/>
+          <p:cNvPicPr>
+            <a:picLocks noChangeAspect="1"/>
+          </p:cNvPicPr>
+          <p:nvPr/>
+        </p:nvPicPr>
+        <p:blipFill>
+          <a:blip r:embed="rId2">
             <a:extLst>
-              <a:ext uri="{FF2B5EF4-FFF2-40B4-BE49-F238E27FC236}">
-                <a16:creationId xmlns:a16="http://schemas.microsoft.com/office/drawing/2014/main" id="{35EBE836-DC4B-8547-B599-103F8CA8CC09}"/>
+              <a:ext uri="{28A0092B-C50C-407E-A947-70E740481C1C}">
+                <a14:useLocalDpi xmlns:a14="http://schemas.microsoft.com/office/drawing/2010/main" val="0"/>
               </a:ext>
             </a:extLst>
-          </p:cNvPr>
+          </a:blip>
+          <a:stretch>
+            <a:fillRect/>
+          </a:stretch>
+        </p:blipFill>
+        <p:spPr>
+          <a:xfrm>
+            <a:off x="0" y="0"/>
+            <a:ext cx="12192000" cy="6858000"/>
+          </a:xfrm>
+          <a:prstGeom prst="rect">
+            <a:avLst/>
+          </a:prstGeom>
+        </p:spPr>
+      </p:pic>
+      <p:sp>
+        <p:nvSpPr>
+          <p:cNvPr id="2" name="Vertical Title 1"/>
           <p:cNvSpPr>
             <a:spLocks noGrp="1"/>
           </p:cNvSpPr>
@@ -575,41 +3326,40 @@
         </p:nvSpPr>
         <p:spPr>
           <a:xfrm>
-            <a:off x="8724900" y="365125"/>
-            <a:ext cx="2628900" cy="5811838"/>
+            <a:off x="8724900" y="609601"/>
+            <a:ext cx="2553326" cy="5181599"/>
           </a:xfrm>
         </p:spPr>
         <p:txBody>
           <a:bodyPr vert="eaVert"/>
-          <a:lstStyle/>
+          <a:lstStyle>
+            <a:lvl1pPr algn="l">
+              <a:defRPr/>
+            </a:lvl1pPr>
+          </a:lstStyle>
           <a:p>
             <a:r>
               <a:rPr lang="en-US"/>
               <a:t>Click to edit Master title style</a:t>
             </a:r>
-          </a:p>
-        </p:txBody>
-      </p:sp>
-      <p:sp>
-        <p:nvSpPr>
-          <p:cNvPr id="3" name="Vertical Text Placeholder 2">
-            <a:extLst>
-              <a:ext uri="{FF2B5EF4-FFF2-40B4-BE49-F238E27FC236}">
-                <a16:creationId xmlns:a16="http://schemas.microsoft.com/office/drawing/2014/main" id="{294D28A7-C2D1-9648-916B-01166E20487E}"/>
-              </a:ext>
-            </a:extLst>
-          </p:cNvPr>
-          <p:cNvSpPr>
-            <a:spLocks noGrp="1"/>
-          </p:cNvSpPr>
-          <p:nvPr>
-            <p:ph type="body" orient="vert" idx="1"/>
-          </p:nvPr>
-        </p:nvSpPr>
-        <p:spPr>
-          <a:xfrm>
-            <a:off x="838200" y="365125"/>
-            <a:ext cx="7734300" cy="5811838"/>
+            <a:endParaRPr lang="en-US" dirty="0"/>
+          </a:p>
+        </p:txBody>
+      </p:sp>
+      <p:sp>
+        <p:nvSpPr>
+          <p:cNvPr id="8" name="Vertical Text Placeholder 2"/>
+          <p:cNvSpPr>
+            <a:spLocks noGrp="1"/>
+          </p:cNvSpPr>
+          <p:nvPr>
+            <p:ph type="body" orient="vert" sz="quarter" idx="13"/>
+          </p:nvPr>
+        </p:nvSpPr>
+        <p:spPr>
+          <a:xfrm>
+            <a:off x="913775" y="609601"/>
+            <a:ext cx="7658724" cy="5181599"/>
           </a:xfrm>
         </p:spPr>
         <p:txBody>
@@ -649,18 +3399,13 @@
               <a:rPr lang="en-US"/>
               <a:t>Fifth level</a:t>
             </a:r>
-          </a:p>
-        </p:txBody>
-      </p:sp>
-      <p:sp>
-        <p:nvSpPr>
-          <p:cNvPr id="4" name="Date Placeholder 3">
-            <a:extLst>
-              <a:ext uri="{FF2B5EF4-FFF2-40B4-BE49-F238E27FC236}">
-                <a16:creationId xmlns:a16="http://schemas.microsoft.com/office/drawing/2014/main" id="{B8D23370-80F8-FC45-8FE1-6EBA80CEC0B6}"/>
-              </a:ext>
-            </a:extLst>
-          </p:cNvPr>
+            <a:endParaRPr lang="en-US" dirty="0"/>
+          </a:p>
+        </p:txBody>
+      </p:sp>
+      <p:sp>
+        <p:nvSpPr>
+          <p:cNvPr id="4" name="Date Placeholder 3"/>
           <p:cNvSpPr>
             <a:spLocks noGrp="1"/>
           </p:cNvSpPr>
@@ -683,13 +3428,7 @@
       </p:sp>
       <p:sp>
         <p:nvSpPr>
-          <p:cNvPr id="5" name="Footer Placeholder 4">
-            <a:extLst>
-              <a:ext uri="{FF2B5EF4-FFF2-40B4-BE49-F238E27FC236}">
-                <a16:creationId xmlns:a16="http://schemas.microsoft.com/office/drawing/2014/main" id="{1186BB4F-3F18-E945-8125-B924E976A48B}"/>
-              </a:ext>
-            </a:extLst>
-          </p:cNvPr>
+          <p:cNvPr id="5" name="Footer Placeholder 4"/>
           <p:cNvSpPr>
             <a:spLocks noGrp="1"/>
           </p:cNvSpPr>
@@ -708,13 +3447,7 @@
       </p:sp>
       <p:sp>
         <p:nvSpPr>
-          <p:cNvPr id="6" name="Slide Number Placeholder 5">
-            <a:extLst>
-              <a:ext uri="{FF2B5EF4-FFF2-40B4-BE49-F238E27FC236}">
-                <a16:creationId xmlns:a16="http://schemas.microsoft.com/office/drawing/2014/main" id="{5251DE94-246A-9D4A-80D0-D92FE58D70A9}"/>
-              </a:ext>
-            </a:extLst>
-          </p:cNvPr>
+          <p:cNvPr id="6" name="Slide Number Placeholder 5"/>
           <p:cNvSpPr>
             <a:spLocks noGrp="1"/>
           </p:cNvSpPr>
@@ -738,7 +3471,469 @@
     </p:spTree>
     <p:extLst>
       <p:ext uri="{BB962C8B-B14F-4D97-AF65-F5344CB8AC3E}">
-        <p14:creationId xmlns:p14="http://schemas.microsoft.com/office/powerpoint/2010/main" val="1380299100"/>
+        <p14:creationId xmlns:p14="http://schemas.microsoft.com/office/powerpoint/2010/main" val="3144658430"/>
+      </p:ext>
+    </p:extLst>
+  </p:cSld>
+  <p:clrMapOvr>
+    <a:masterClrMapping/>
+  </p:clrMapOvr>
+</p:sldLayout>
+</file>
+
+<file path=ppt/slideLayouts/slideLayout18.xml><?xml version="1.0" encoding="utf-8"?>
+<p:sldLayout xmlns:a="http://schemas.openxmlformats.org/drawingml/2006/main" xmlns:r="http://schemas.openxmlformats.org/officeDocument/2006/relationships" xmlns:p="http://schemas.openxmlformats.org/presentationml/2006/main" type="obj">
+  <p:cSld name="1_Title and Content">
+    <p:spTree>
+      <p:nvGrpSpPr>
+        <p:cNvPr id="1" name=""/>
+        <p:cNvGrpSpPr/>
+        <p:nvPr/>
+      </p:nvGrpSpPr>
+      <p:grpSpPr>
+        <a:xfrm>
+          <a:off x="0" y="0"/>
+          <a:ext cx="0" cy="0"/>
+          <a:chOff x="0" y="0"/>
+          <a:chExt cx="0" cy="0"/>
+        </a:xfrm>
+      </p:grpSpPr>
+      <p:sp>
+        <p:nvSpPr>
+          <p:cNvPr id="2" name="Title 1"/>
+          <p:cNvSpPr>
+            <a:spLocks noGrp="1"/>
+          </p:cNvSpPr>
+          <p:nvPr>
+            <p:ph type="title"/>
+          </p:nvPr>
+        </p:nvSpPr>
+        <p:spPr/>
+        <p:txBody>
+          <a:bodyPr/>
+          <a:lstStyle/>
+          <a:p>
+            <a:r>
+              <a:rPr lang="en-US"/>
+              <a:t>Click to edit Master title style</a:t>
+            </a:r>
+            <a:endParaRPr lang="en-US" dirty="0"/>
+          </a:p>
+        </p:txBody>
+      </p:sp>
+      <p:sp>
+        <p:nvSpPr>
+          <p:cNvPr id="3" name="Content Placeholder 2"/>
+          <p:cNvSpPr>
+            <a:spLocks noGrp="1"/>
+          </p:cNvSpPr>
+          <p:nvPr>
+            <p:ph idx="1"/>
+          </p:nvPr>
+        </p:nvSpPr>
+        <p:spPr/>
+        <p:txBody>
+          <a:bodyPr/>
+          <a:lstStyle/>
+          <a:p>
+            <a:pPr lvl="0"/>
+            <a:r>
+              <a:rPr lang="en-US"/>
+              <a:t>Click to edit Master text styles</a:t>
+            </a:r>
+          </a:p>
+          <a:p>
+            <a:pPr lvl="1"/>
+            <a:r>
+              <a:rPr lang="en-US"/>
+              <a:t>Second level</a:t>
+            </a:r>
+          </a:p>
+          <a:p>
+            <a:pPr lvl="2"/>
+            <a:r>
+              <a:rPr lang="en-US"/>
+              <a:t>Third level</a:t>
+            </a:r>
+          </a:p>
+          <a:p>
+            <a:pPr lvl="3"/>
+            <a:r>
+              <a:rPr lang="en-US"/>
+              <a:t>Fourth level</a:t>
+            </a:r>
+          </a:p>
+          <a:p>
+            <a:pPr lvl="4"/>
+            <a:r>
+              <a:rPr lang="en-US"/>
+              <a:t>Fifth level</a:t>
+            </a:r>
+            <a:endParaRPr lang="en-US" dirty="0"/>
+          </a:p>
+        </p:txBody>
+      </p:sp>
+      <p:sp>
+        <p:nvSpPr>
+          <p:cNvPr id="7" name="Date Placeholder 3"/>
+          <p:cNvSpPr>
+            <a:spLocks noGrp="1"/>
+          </p:cNvSpPr>
+          <p:nvPr>
+            <p:ph type="dt" sz="half" idx="10"/>
+          </p:nvPr>
+        </p:nvSpPr>
+        <p:spPr/>
+        <p:txBody>
+          <a:bodyPr/>
+          <a:lstStyle/>
+          <a:p>
+            <a:fld id="{25A4C5CD-7CDA-4B45-9389-63D6419C972B}" type="datetimeFigureOut">
+              <a:rPr lang="en-US" smtClean="0"/>
+              <a:t>12/16/20</a:t>
+            </a:fld>
+            <a:endParaRPr lang="en-US"/>
+          </a:p>
+        </p:txBody>
+      </p:sp>
+      <p:sp>
+        <p:nvSpPr>
+          <p:cNvPr id="5" name="Footer Placeholder 4"/>
+          <p:cNvSpPr>
+            <a:spLocks noGrp="1"/>
+          </p:cNvSpPr>
+          <p:nvPr>
+            <p:ph type="ftr" sz="quarter" idx="11"/>
+          </p:nvPr>
+        </p:nvSpPr>
+        <p:spPr/>
+        <p:txBody>
+          <a:bodyPr/>
+          <a:lstStyle/>
+          <a:p>
+            <a:endParaRPr lang="en-US"/>
+          </a:p>
+        </p:txBody>
+      </p:sp>
+      <p:sp>
+        <p:nvSpPr>
+          <p:cNvPr id="6" name="Slide Number Placeholder 5"/>
+          <p:cNvSpPr>
+            <a:spLocks noGrp="1"/>
+          </p:cNvSpPr>
+          <p:nvPr>
+            <p:ph type="sldNum" sz="quarter" idx="12"/>
+          </p:nvPr>
+        </p:nvSpPr>
+        <p:spPr/>
+        <p:txBody>
+          <a:bodyPr/>
+          <a:lstStyle/>
+          <a:p>
+            <a:fld id="{7829B301-153F-1E4A-B60C-9EB5717F9A8E}" type="slidenum">
+              <a:rPr lang="en-US" smtClean="0"/>
+              <a:t>‹#›</a:t>
+            </a:fld>
+            <a:endParaRPr lang="en-US"/>
+          </a:p>
+        </p:txBody>
+      </p:sp>
+    </p:spTree>
+    <p:extLst>
+      <p:ext uri="{BB962C8B-B14F-4D97-AF65-F5344CB8AC3E}">
+        <p14:creationId xmlns:p14="http://schemas.microsoft.com/office/powerpoint/2010/main" val="17626429"/>
+      </p:ext>
+    </p:extLst>
+  </p:cSld>
+  <p:clrMapOvr>
+    <a:masterClrMapping/>
+  </p:clrMapOvr>
+</p:sldLayout>
+</file>
+
+<file path=ppt/slideLayouts/slideLayout19.xml><?xml version="1.0" encoding="utf-8"?>
+<p:sldLayout xmlns:a="http://schemas.openxmlformats.org/drawingml/2006/main" xmlns:r="http://schemas.openxmlformats.org/officeDocument/2006/relationships" xmlns:p="http://schemas.openxmlformats.org/presentationml/2006/main" type="twoObj">
+  <p:cSld name="1_Two Content">
+    <p:spTree>
+      <p:nvGrpSpPr>
+        <p:cNvPr id="1" name=""/>
+        <p:cNvGrpSpPr/>
+        <p:nvPr/>
+      </p:nvGrpSpPr>
+      <p:grpSpPr>
+        <a:xfrm>
+          <a:off x="0" y="0"/>
+          <a:ext cx="0" cy="0"/>
+          <a:chOff x="0" y="0"/>
+          <a:chExt cx="0" cy="0"/>
+        </a:xfrm>
+      </p:grpSpPr>
+      <p:sp>
+        <p:nvSpPr>
+          <p:cNvPr id="2" name="Title 1"/>
+          <p:cNvSpPr>
+            <a:spLocks noGrp="1"/>
+          </p:cNvSpPr>
+          <p:nvPr>
+            <p:ph type="title"/>
+          </p:nvPr>
+        </p:nvSpPr>
+        <p:spPr/>
+        <p:txBody>
+          <a:bodyPr/>
+          <a:lstStyle/>
+          <a:p>
+            <a:r>
+              <a:rPr lang="en-US"/>
+              <a:t>Click to edit Master title style</a:t>
+            </a:r>
+            <a:endParaRPr lang="en-US" dirty="0"/>
+          </a:p>
+        </p:txBody>
+      </p:sp>
+      <p:sp>
+        <p:nvSpPr>
+          <p:cNvPr id="3" name="Content Placeholder 2"/>
+          <p:cNvSpPr>
+            <a:spLocks noGrp="1"/>
+          </p:cNvSpPr>
+          <p:nvPr>
+            <p:ph sz="half" idx="1"/>
+          </p:nvPr>
+        </p:nvSpPr>
+        <p:spPr>
+          <a:xfrm>
+            <a:off x="1103312" y="2060575"/>
+            <a:ext cx="4396339" cy="4195763"/>
+          </a:xfrm>
+        </p:spPr>
+        <p:txBody>
+          <a:bodyPr>
+            <a:normAutofit/>
+          </a:bodyPr>
+          <a:lstStyle>
+            <a:lvl1pPr>
+              <a:defRPr sz="1800"/>
+            </a:lvl1pPr>
+            <a:lvl2pPr>
+              <a:defRPr sz="1600"/>
+            </a:lvl2pPr>
+            <a:lvl3pPr>
+              <a:defRPr sz="1400"/>
+            </a:lvl3pPr>
+            <a:lvl4pPr>
+              <a:defRPr sz="1200"/>
+            </a:lvl4pPr>
+            <a:lvl5pPr>
+              <a:defRPr sz="1200"/>
+            </a:lvl5pPr>
+            <a:lvl6pPr>
+              <a:defRPr sz="1200"/>
+            </a:lvl6pPr>
+            <a:lvl7pPr>
+              <a:defRPr sz="1200"/>
+            </a:lvl7pPr>
+            <a:lvl8pPr>
+              <a:defRPr sz="1200"/>
+            </a:lvl8pPr>
+            <a:lvl9pPr>
+              <a:defRPr sz="1200"/>
+            </a:lvl9pPr>
+          </a:lstStyle>
+          <a:p>
+            <a:pPr lvl="0"/>
+            <a:r>
+              <a:rPr lang="en-US"/>
+              <a:t>Click to edit Master text styles</a:t>
+            </a:r>
+          </a:p>
+          <a:p>
+            <a:pPr lvl="1"/>
+            <a:r>
+              <a:rPr lang="en-US"/>
+              <a:t>Second level</a:t>
+            </a:r>
+          </a:p>
+          <a:p>
+            <a:pPr lvl="2"/>
+            <a:r>
+              <a:rPr lang="en-US"/>
+              <a:t>Third level</a:t>
+            </a:r>
+          </a:p>
+          <a:p>
+            <a:pPr lvl="3"/>
+            <a:r>
+              <a:rPr lang="en-US"/>
+              <a:t>Fourth level</a:t>
+            </a:r>
+          </a:p>
+          <a:p>
+            <a:pPr lvl="4"/>
+            <a:r>
+              <a:rPr lang="en-US"/>
+              <a:t>Fifth level</a:t>
+            </a:r>
+            <a:endParaRPr lang="en-US" dirty="0"/>
+          </a:p>
+        </p:txBody>
+      </p:sp>
+      <p:sp>
+        <p:nvSpPr>
+          <p:cNvPr id="4" name="Content Placeholder 3"/>
+          <p:cNvSpPr>
+            <a:spLocks noGrp="1"/>
+          </p:cNvSpPr>
+          <p:nvPr>
+            <p:ph sz="half" idx="2"/>
+          </p:nvPr>
+        </p:nvSpPr>
+        <p:spPr>
+          <a:xfrm>
+            <a:off x="5654493" y="2056092"/>
+            <a:ext cx="4396341" cy="4200245"/>
+          </a:xfrm>
+        </p:spPr>
+        <p:txBody>
+          <a:bodyPr>
+            <a:normAutofit/>
+          </a:bodyPr>
+          <a:lstStyle>
+            <a:lvl1pPr>
+              <a:defRPr sz="1800"/>
+            </a:lvl1pPr>
+            <a:lvl2pPr>
+              <a:defRPr sz="1600"/>
+            </a:lvl2pPr>
+            <a:lvl3pPr>
+              <a:defRPr sz="1400"/>
+            </a:lvl3pPr>
+            <a:lvl4pPr>
+              <a:defRPr sz="1200"/>
+            </a:lvl4pPr>
+            <a:lvl5pPr>
+              <a:defRPr sz="1200"/>
+            </a:lvl5pPr>
+            <a:lvl6pPr>
+              <a:defRPr sz="1200"/>
+            </a:lvl6pPr>
+            <a:lvl7pPr>
+              <a:defRPr sz="1200"/>
+            </a:lvl7pPr>
+            <a:lvl8pPr>
+              <a:defRPr sz="1200"/>
+            </a:lvl8pPr>
+            <a:lvl9pPr>
+              <a:defRPr sz="1200"/>
+            </a:lvl9pPr>
+          </a:lstStyle>
+          <a:p>
+            <a:pPr lvl="0"/>
+            <a:r>
+              <a:rPr lang="en-US"/>
+              <a:t>Click to edit Master text styles</a:t>
+            </a:r>
+          </a:p>
+          <a:p>
+            <a:pPr lvl="1"/>
+            <a:r>
+              <a:rPr lang="en-US"/>
+              <a:t>Second level</a:t>
+            </a:r>
+          </a:p>
+          <a:p>
+            <a:pPr lvl="2"/>
+            <a:r>
+              <a:rPr lang="en-US"/>
+              <a:t>Third level</a:t>
+            </a:r>
+          </a:p>
+          <a:p>
+            <a:pPr lvl="3"/>
+            <a:r>
+              <a:rPr lang="en-US"/>
+              <a:t>Fourth level</a:t>
+            </a:r>
+          </a:p>
+          <a:p>
+            <a:pPr lvl="4"/>
+            <a:r>
+              <a:rPr lang="en-US"/>
+              <a:t>Fifth level</a:t>
+            </a:r>
+            <a:endParaRPr lang="en-US" dirty="0"/>
+          </a:p>
+        </p:txBody>
+      </p:sp>
+      <p:sp>
+        <p:nvSpPr>
+          <p:cNvPr id="5" name="Date Placeholder 4"/>
+          <p:cNvSpPr>
+            <a:spLocks noGrp="1"/>
+          </p:cNvSpPr>
+          <p:nvPr>
+            <p:ph type="dt" sz="half" idx="10"/>
+          </p:nvPr>
+        </p:nvSpPr>
+        <p:spPr/>
+        <p:txBody>
+          <a:bodyPr/>
+          <a:lstStyle/>
+          <a:p>
+            <a:fld id="{25A4C5CD-7CDA-4B45-9389-63D6419C972B}" type="datetimeFigureOut">
+              <a:rPr lang="en-US" smtClean="0"/>
+              <a:t>12/16/20</a:t>
+            </a:fld>
+            <a:endParaRPr lang="en-US"/>
+          </a:p>
+        </p:txBody>
+      </p:sp>
+      <p:sp>
+        <p:nvSpPr>
+          <p:cNvPr id="6" name="Footer Placeholder 5"/>
+          <p:cNvSpPr>
+            <a:spLocks noGrp="1"/>
+          </p:cNvSpPr>
+          <p:nvPr>
+            <p:ph type="ftr" sz="quarter" idx="11"/>
+          </p:nvPr>
+        </p:nvSpPr>
+        <p:spPr/>
+        <p:txBody>
+          <a:bodyPr/>
+          <a:lstStyle/>
+          <a:p>
+            <a:endParaRPr lang="en-US"/>
+          </a:p>
+        </p:txBody>
+      </p:sp>
+      <p:sp>
+        <p:nvSpPr>
+          <p:cNvPr id="7" name="Slide Number Placeholder 6"/>
+          <p:cNvSpPr>
+            <a:spLocks noGrp="1"/>
+          </p:cNvSpPr>
+          <p:nvPr>
+            <p:ph type="sldNum" sz="quarter" idx="12"/>
+          </p:nvPr>
+        </p:nvSpPr>
+        <p:spPr/>
+        <p:txBody>
+          <a:bodyPr/>
+          <a:lstStyle/>
+          <a:p>
+            <a:fld id="{7829B301-153F-1E4A-B60C-9EB5717F9A8E}" type="slidenum">
+              <a:rPr lang="en-US" smtClean="0"/>
+              <a:t>‹#›</a:t>
+            </a:fld>
+            <a:endParaRPr lang="en-US"/>
+          </a:p>
+        </p:txBody>
+      </p:sp>
+    </p:spTree>
+    <p:extLst>
+      <p:ext uri="{BB962C8B-B14F-4D97-AF65-F5344CB8AC3E}">
+        <p14:creationId xmlns:p14="http://schemas.microsoft.com/office/powerpoint/2010/main" val="3657136083"/>
       </p:ext>
     </p:extLst>
   </p:cSld>
@@ -765,15 +3960,39 @@
           <a:chExt cx="0" cy="0"/>
         </a:xfrm>
       </p:grpSpPr>
-      <p:sp>
-        <p:nvSpPr>
-          <p:cNvPr id="2" name="Title 1">
+      <p:pic>
+        <p:nvPicPr>
+          <p:cNvPr id="3" name="Picture 2" descr="Droplets-HD-Content-R1d.png"/>
+          <p:cNvPicPr>
+            <a:picLocks noChangeAspect="1"/>
+          </p:cNvPicPr>
+          <p:nvPr/>
+        </p:nvPicPr>
+        <p:blipFill>
+          <a:blip r:embed="rId2">
             <a:extLst>
-              <a:ext uri="{FF2B5EF4-FFF2-40B4-BE49-F238E27FC236}">
-                <a16:creationId xmlns:a16="http://schemas.microsoft.com/office/drawing/2014/main" id="{D280A426-FB6F-4341-9E3E-EF1DB4AC0554}"/>
+              <a:ext uri="{28A0092B-C50C-407E-A947-70E740481C1C}">
+                <a14:useLocalDpi xmlns:a14="http://schemas.microsoft.com/office/drawing/2010/main" val="0"/>
               </a:ext>
             </a:extLst>
-          </p:cNvPr>
+          </a:blip>
+          <a:stretch>
+            <a:fillRect/>
+          </a:stretch>
+        </p:blipFill>
+        <p:spPr>
+          <a:xfrm>
+            <a:off x="0" y="0"/>
+            <a:ext cx="12192000" cy="6858000"/>
+          </a:xfrm>
+          <a:prstGeom prst="rect">
+            <a:avLst/>
+          </a:prstGeom>
+        </p:spPr>
+      </p:pic>
+      <p:sp>
+        <p:nvSpPr>
+          <p:cNvPr id="2" name="Title 1"/>
           <p:cNvSpPr>
             <a:spLocks noGrp="1"/>
           </p:cNvSpPr>
@@ -790,26 +4009,26 @@
               <a:rPr lang="en-US"/>
               <a:t>Click to edit Master title style</a:t>
             </a:r>
-          </a:p>
-        </p:txBody>
-      </p:sp>
-      <p:sp>
-        <p:nvSpPr>
-          <p:cNvPr id="3" name="Content Placeholder 2">
-            <a:extLst>
-              <a:ext uri="{FF2B5EF4-FFF2-40B4-BE49-F238E27FC236}">
-                <a16:creationId xmlns:a16="http://schemas.microsoft.com/office/drawing/2014/main" id="{2852ED38-B587-F049-9D1A-AC8B7BC6C49F}"/>
-              </a:ext>
-            </a:extLst>
-          </p:cNvPr>
-          <p:cNvSpPr>
-            <a:spLocks noGrp="1"/>
-          </p:cNvSpPr>
-          <p:nvPr>
-            <p:ph idx="1"/>
-          </p:nvPr>
-        </p:nvSpPr>
-        <p:spPr/>
+            <a:endParaRPr lang="en-US" dirty="0"/>
+          </a:p>
+        </p:txBody>
+      </p:sp>
+      <p:sp>
+        <p:nvSpPr>
+          <p:cNvPr id="12" name="Content Placeholder 2"/>
+          <p:cNvSpPr>
+            <a:spLocks noGrp="1"/>
+          </p:cNvSpPr>
+          <p:nvPr>
+            <p:ph sz="quarter" idx="13"/>
+          </p:nvPr>
+        </p:nvSpPr>
+        <p:spPr>
+          <a:xfrm>
+            <a:off x="913774" y="2367092"/>
+            <a:ext cx="10363826" cy="3424107"/>
+          </a:xfrm>
+        </p:spPr>
         <p:txBody>
           <a:bodyPr/>
           <a:lstStyle/>
@@ -847,18 +4066,13 @@
               <a:rPr lang="en-US"/>
               <a:t>Fifth level</a:t>
             </a:r>
-          </a:p>
-        </p:txBody>
-      </p:sp>
-      <p:sp>
-        <p:nvSpPr>
-          <p:cNvPr id="4" name="Date Placeholder 3">
-            <a:extLst>
-              <a:ext uri="{FF2B5EF4-FFF2-40B4-BE49-F238E27FC236}">
-                <a16:creationId xmlns:a16="http://schemas.microsoft.com/office/drawing/2014/main" id="{BB847CAB-2DB1-D54A-9909-7B17ECC142F5}"/>
-              </a:ext>
-            </a:extLst>
-          </p:cNvPr>
+            <a:endParaRPr lang="en-US" dirty="0"/>
+          </a:p>
+        </p:txBody>
+      </p:sp>
+      <p:sp>
+        <p:nvSpPr>
+          <p:cNvPr id="4" name="Date Placeholder 3"/>
           <p:cNvSpPr>
             <a:spLocks noGrp="1"/>
           </p:cNvSpPr>
@@ -881,13 +4095,7 @@
       </p:sp>
       <p:sp>
         <p:nvSpPr>
-          <p:cNvPr id="5" name="Footer Placeholder 4">
-            <a:extLst>
-              <a:ext uri="{FF2B5EF4-FFF2-40B4-BE49-F238E27FC236}">
-                <a16:creationId xmlns:a16="http://schemas.microsoft.com/office/drawing/2014/main" id="{BF2FFC67-F0D7-1945-B0DC-0C754849E79F}"/>
-              </a:ext>
-            </a:extLst>
-          </p:cNvPr>
+          <p:cNvPr id="5" name="Footer Placeholder 4"/>
           <p:cNvSpPr>
             <a:spLocks noGrp="1"/>
           </p:cNvSpPr>
@@ -906,13 +4114,7 @@
       </p:sp>
       <p:sp>
         <p:nvSpPr>
-          <p:cNvPr id="6" name="Slide Number Placeholder 5">
-            <a:extLst>
-              <a:ext uri="{FF2B5EF4-FFF2-40B4-BE49-F238E27FC236}">
-                <a16:creationId xmlns:a16="http://schemas.microsoft.com/office/drawing/2014/main" id="{6088E917-7516-E444-B9E0-326CCC687AD8}"/>
-              </a:ext>
-            </a:extLst>
-          </p:cNvPr>
+          <p:cNvPr id="6" name="Slide Number Placeholder 5"/>
           <p:cNvSpPr>
             <a:spLocks noGrp="1"/>
           </p:cNvSpPr>
@@ -936,7 +4138,7 @@
     </p:spTree>
     <p:extLst>
       <p:ext uri="{BB962C8B-B14F-4D97-AF65-F5344CB8AC3E}">
-        <p14:creationId xmlns:p14="http://schemas.microsoft.com/office/powerpoint/2010/main" val="1903620889"/>
+        <p14:creationId xmlns:p14="http://schemas.microsoft.com/office/powerpoint/2010/main" val="3519911000"/>
       </p:ext>
     </p:extLst>
   </p:cSld>
@@ -963,15 +4165,39 @@
           <a:chExt cx="0" cy="0"/>
         </a:xfrm>
       </p:grpSpPr>
-      <p:sp>
-        <p:nvSpPr>
-          <p:cNvPr id="2" name="Title 1">
+      <p:pic>
+        <p:nvPicPr>
+          <p:cNvPr id="9" name="Picture 8" descr="Droplets-HD-Content-R1d.png"/>
+          <p:cNvPicPr>
+            <a:picLocks noChangeAspect="1"/>
+          </p:cNvPicPr>
+          <p:nvPr/>
+        </p:nvPicPr>
+        <p:blipFill>
+          <a:blip r:embed="rId2">
             <a:extLst>
-              <a:ext uri="{FF2B5EF4-FFF2-40B4-BE49-F238E27FC236}">
-                <a16:creationId xmlns:a16="http://schemas.microsoft.com/office/drawing/2014/main" id="{38D49E6A-C5D5-1A45-A92A-4A113C63A24E}"/>
+              <a:ext uri="{28A0092B-C50C-407E-A947-70E740481C1C}">
+                <a14:useLocalDpi xmlns:a14="http://schemas.microsoft.com/office/drawing/2010/main" val="0"/>
               </a:ext>
             </a:extLst>
-          </p:cNvPr>
+          </a:blip>
+          <a:stretch>
+            <a:fillRect/>
+          </a:stretch>
+        </p:blipFill>
+        <p:spPr>
+          <a:xfrm>
+            <a:off x="0" y="0"/>
+            <a:ext cx="12192000" cy="6858000"/>
+          </a:xfrm>
+          <a:prstGeom prst="rect">
+            <a:avLst/>
+          </a:prstGeom>
+        </p:spPr>
+      </p:pic>
+      <p:sp>
+        <p:nvSpPr>
+          <p:cNvPr id="2" name="Title 1"/>
           <p:cNvSpPr>
             <a:spLocks noGrp="1"/>
           </p:cNvSpPr>
@@ -981,15 +4207,17 @@
         </p:nvSpPr>
         <p:spPr>
           <a:xfrm>
-            <a:off x="831850" y="1709738"/>
-            <a:ext cx="10515600" cy="2852737"/>
-          </a:xfrm>
-        </p:spPr>
-        <p:txBody>
-          <a:bodyPr anchor="b"/>
+            <a:off x="913774" y="828563"/>
+            <a:ext cx="10351752" cy="2736819"/>
+          </a:xfrm>
+        </p:spPr>
+        <p:txBody>
+          <a:bodyPr anchor="b">
+            <a:normAutofit/>
+          </a:bodyPr>
           <a:lstStyle>
             <a:lvl1pPr>
-              <a:defRPr sz="6000"/>
+              <a:defRPr sz="4000"/>
             </a:lvl1pPr>
           </a:lstStyle>
           <a:p>
@@ -997,18 +4225,13 @@
               <a:rPr lang="en-US"/>
               <a:t>Click to edit Master title style</a:t>
             </a:r>
-          </a:p>
-        </p:txBody>
-      </p:sp>
-      <p:sp>
-        <p:nvSpPr>
-          <p:cNvPr id="3" name="Text Placeholder 2">
-            <a:extLst>
-              <a:ext uri="{FF2B5EF4-FFF2-40B4-BE49-F238E27FC236}">
-                <a16:creationId xmlns:a16="http://schemas.microsoft.com/office/drawing/2014/main" id="{EB63B698-E179-B04E-B7C7-A52F9C7D61C5}"/>
-              </a:ext>
-            </a:extLst>
-          </p:cNvPr>
+            <a:endParaRPr lang="en-US" dirty="0"/>
+          </a:p>
+        </p:txBody>
+      </p:sp>
+      <p:sp>
+        <p:nvSpPr>
+          <p:cNvPr id="3" name="Text Placeholder 2"/>
           <p:cNvSpPr>
             <a:spLocks noGrp="1"/>
           </p:cNvSpPr>
@@ -1018,19 +4241,21 @@
         </p:nvSpPr>
         <p:spPr>
           <a:xfrm>
-            <a:off x="831850" y="4589463"/>
-            <a:ext cx="10515600" cy="1500187"/>
-          </a:xfrm>
-        </p:spPr>
-        <p:txBody>
-          <a:bodyPr/>
+            <a:off x="913774" y="3657457"/>
+            <a:ext cx="10351752" cy="1368183"/>
+          </a:xfrm>
+        </p:spPr>
+        <p:txBody>
+          <a:bodyPr>
+            <a:normAutofit/>
+          </a:bodyPr>
           <a:lstStyle>
-            <a:lvl1pPr marL="0" indent="0">
-              <a:buNone/>
-              <a:defRPr sz="2400">
+            <a:lvl1pPr marL="0" indent="0" algn="ctr">
+              <a:buNone/>
+              <a:defRPr sz="2000">
                 <a:solidFill>
-                  <a:schemeClr val="tx1">
-                    <a:tint val="75000"/>
+                  <a:schemeClr val="bg1">
+                    <a:lumMod val="50000"/>
                   </a:schemeClr>
                 </a:solidFill>
               </a:defRPr>
@@ -1127,13 +4352,7 @@
       </p:sp>
       <p:sp>
         <p:nvSpPr>
-          <p:cNvPr id="4" name="Date Placeholder 3">
-            <a:extLst>
-              <a:ext uri="{FF2B5EF4-FFF2-40B4-BE49-F238E27FC236}">
-                <a16:creationId xmlns:a16="http://schemas.microsoft.com/office/drawing/2014/main" id="{52E166CB-B95C-5143-907F-66EF88BCDD91}"/>
-              </a:ext>
-            </a:extLst>
-          </p:cNvPr>
+          <p:cNvPr id="4" name="Date Placeholder 3"/>
           <p:cNvSpPr>
             <a:spLocks noGrp="1"/>
           </p:cNvSpPr>
@@ -1156,13 +4375,7 @@
       </p:sp>
       <p:sp>
         <p:nvSpPr>
-          <p:cNvPr id="5" name="Footer Placeholder 4">
-            <a:extLst>
-              <a:ext uri="{FF2B5EF4-FFF2-40B4-BE49-F238E27FC236}">
-                <a16:creationId xmlns:a16="http://schemas.microsoft.com/office/drawing/2014/main" id="{1A386799-EAEF-5346-B62C-7C36C46C39D8}"/>
-              </a:ext>
-            </a:extLst>
-          </p:cNvPr>
+          <p:cNvPr id="5" name="Footer Placeholder 4"/>
           <p:cNvSpPr>
             <a:spLocks noGrp="1"/>
           </p:cNvSpPr>
@@ -1181,13 +4394,7 @@
       </p:sp>
       <p:sp>
         <p:nvSpPr>
-          <p:cNvPr id="6" name="Slide Number Placeholder 5">
-            <a:extLst>
-              <a:ext uri="{FF2B5EF4-FFF2-40B4-BE49-F238E27FC236}">
-                <a16:creationId xmlns:a16="http://schemas.microsoft.com/office/drawing/2014/main" id="{CE9182E4-1131-AF4F-B474-B78C0CE3B9F8}"/>
-              </a:ext>
-            </a:extLst>
-          </p:cNvPr>
+          <p:cNvPr id="6" name="Slide Number Placeholder 5"/>
           <p:cNvSpPr>
             <a:spLocks noGrp="1"/>
           </p:cNvSpPr>
@@ -1211,7 +4418,7 @@
     </p:spTree>
     <p:extLst>
       <p:ext uri="{BB962C8B-B14F-4D97-AF65-F5344CB8AC3E}">
-        <p14:creationId xmlns:p14="http://schemas.microsoft.com/office/powerpoint/2010/main" val="3550830273"/>
+        <p14:creationId xmlns:p14="http://schemas.microsoft.com/office/powerpoint/2010/main" val="2785133004"/>
       </p:ext>
     </p:extLst>
   </p:cSld>
@@ -1238,15 +4445,39 @@
           <a:chExt cx="0" cy="0"/>
         </a:xfrm>
       </p:grpSpPr>
-      <p:sp>
-        <p:nvSpPr>
-          <p:cNvPr id="2" name="Title 1">
+      <p:pic>
+        <p:nvPicPr>
+          <p:cNvPr id="10" name="Picture 9" descr="Droplets-HD-Content-R1d.png"/>
+          <p:cNvPicPr>
+            <a:picLocks noChangeAspect="1"/>
+          </p:cNvPicPr>
+          <p:nvPr/>
+        </p:nvPicPr>
+        <p:blipFill>
+          <a:blip r:embed="rId2">
             <a:extLst>
-              <a:ext uri="{FF2B5EF4-FFF2-40B4-BE49-F238E27FC236}">
-                <a16:creationId xmlns:a16="http://schemas.microsoft.com/office/drawing/2014/main" id="{4387EC2D-6D2A-F449-A0EC-68FB03094F6B}"/>
+              <a:ext uri="{28A0092B-C50C-407E-A947-70E740481C1C}">
+                <a14:useLocalDpi xmlns:a14="http://schemas.microsoft.com/office/drawing/2010/main" val="0"/>
               </a:ext>
             </a:extLst>
-          </p:cNvPr>
+          </a:blip>
+          <a:stretch>
+            <a:fillRect/>
+          </a:stretch>
+        </p:blipFill>
+        <p:spPr>
+          <a:xfrm>
+            <a:off x="0" y="0"/>
+            <a:ext cx="12192000" cy="6858000"/>
+          </a:xfrm>
+          <a:prstGeom prst="rect">
+            <a:avLst/>
+          </a:prstGeom>
+        </p:spPr>
+      </p:pic>
+      <p:sp>
+        <p:nvSpPr>
+          <p:cNvPr id="14" name="Title 1"/>
           <p:cNvSpPr>
             <a:spLocks noGrp="1"/>
           </p:cNvSpPr>
@@ -1254,7 +4485,12 @@
             <p:ph type="title"/>
           </p:nvPr>
         </p:nvSpPr>
-        <p:spPr/>
+        <p:spPr>
+          <a:xfrm>
+            <a:off x="913775" y="618517"/>
+            <a:ext cx="10364451" cy="1596177"/>
+          </a:xfrm>
+        </p:spPr>
         <p:txBody>
           <a:bodyPr/>
           <a:lstStyle/>
@@ -1263,29 +4499,24 @@
               <a:rPr lang="en-US"/>
               <a:t>Click to edit Master title style</a:t>
             </a:r>
-          </a:p>
-        </p:txBody>
-      </p:sp>
-      <p:sp>
-        <p:nvSpPr>
-          <p:cNvPr id="3" name="Content Placeholder 2">
-            <a:extLst>
-              <a:ext uri="{FF2B5EF4-FFF2-40B4-BE49-F238E27FC236}">
-                <a16:creationId xmlns:a16="http://schemas.microsoft.com/office/drawing/2014/main" id="{237745D0-1C24-1D49-9DA3-F7C14C906019}"/>
-              </a:ext>
-            </a:extLst>
-          </p:cNvPr>
-          <p:cNvSpPr>
-            <a:spLocks noGrp="1"/>
-          </p:cNvSpPr>
-          <p:nvPr>
-            <p:ph sz="half" idx="1"/>
-          </p:nvPr>
-        </p:nvSpPr>
-        <p:spPr>
-          <a:xfrm>
-            <a:off x="838200" y="1825625"/>
-            <a:ext cx="5181600" cy="4351338"/>
+            <a:endParaRPr lang="en-US" dirty="0"/>
+          </a:p>
+        </p:txBody>
+      </p:sp>
+      <p:sp>
+        <p:nvSpPr>
+          <p:cNvPr id="12" name="Content Placeholder 2"/>
+          <p:cNvSpPr>
+            <a:spLocks noGrp="1"/>
+          </p:cNvSpPr>
+          <p:nvPr>
+            <p:ph sz="quarter" idx="13"/>
+          </p:nvPr>
+        </p:nvSpPr>
+        <p:spPr>
+          <a:xfrm>
+            <a:off x="913774" y="2367092"/>
+            <a:ext cx="5106026" cy="3424107"/>
           </a:xfrm>
         </p:spPr>
         <p:txBody>
@@ -1325,29 +4556,24 @@
               <a:rPr lang="en-US"/>
               <a:t>Fifth level</a:t>
             </a:r>
-          </a:p>
-        </p:txBody>
-      </p:sp>
-      <p:sp>
-        <p:nvSpPr>
-          <p:cNvPr id="4" name="Content Placeholder 3">
-            <a:extLst>
-              <a:ext uri="{FF2B5EF4-FFF2-40B4-BE49-F238E27FC236}">
-                <a16:creationId xmlns:a16="http://schemas.microsoft.com/office/drawing/2014/main" id="{86CA5367-4A41-4942-BA6D-9D1FA6E9C529}"/>
-              </a:ext>
-            </a:extLst>
-          </p:cNvPr>
-          <p:cNvSpPr>
-            <a:spLocks noGrp="1"/>
-          </p:cNvSpPr>
-          <p:nvPr>
-            <p:ph sz="half" idx="2"/>
-          </p:nvPr>
-        </p:nvSpPr>
-        <p:spPr>
-          <a:xfrm>
-            <a:off x="6172200" y="1825625"/>
-            <a:ext cx="5181600" cy="4351338"/>
+            <a:endParaRPr lang="en-US" dirty="0"/>
+          </a:p>
+        </p:txBody>
+      </p:sp>
+      <p:sp>
+        <p:nvSpPr>
+          <p:cNvPr id="13" name="Content Placeholder 3"/>
+          <p:cNvSpPr>
+            <a:spLocks noGrp="1"/>
+          </p:cNvSpPr>
+          <p:nvPr>
+            <p:ph sz="quarter" idx="14"/>
+          </p:nvPr>
+        </p:nvSpPr>
+        <p:spPr>
+          <a:xfrm>
+            <a:off x="6172200" y="2367092"/>
+            <a:ext cx="5105400" cy="3424107"/>
           </a:xfrm>
         </p:spPr>
         <p:txBody>
@@ -1387,18 +4613,13 @@
               <a:rPr lang="en-US"/>
               <a:t>Fifth level</a:t>
             </a:r>
-          </a:p>
-        </p:txBody>
-      </p:sp>
-      <p:sp>
-        <p:nvSpPr>
-          <p:cNvPr id="5" name="Date Placeholder 4">
-            <a:extLst>
-              <a:ext uri="{FF2B5EF4-FFF2-40B4-BE49-F238E27FC236}">
-                <a16:creationId xmlns:a16="http://schemas.microsoft.com/office/drawing/2014/main" id="{02135AEF-F24F-7D49-B5E3-4145043F6AAB}"/>
-              </a:ext>
-            </a:extLst>
-          </p:cNvPr>
+            <a:endParaRPr lang="en-US" dirty="0"/>
+          </a:p>
+        </p:txBody>
+      </p:sp>
+      <p:sp>
+        <p:nvSpPr>
+          <p:cNvPr id="5" name="Date Placeholder 4"/>
           <p:cNvSpPr>
             <a:spLocks noGrp="1"/>
           </p:cNvSpPr>
@@ -1421,13 +4642,7 @@
       </p:sp>
       <p:sp>
         <p:nvSpPr>
-          <p:cNvPr id="6" name="Footer Placeholder 5">
-            <a:extLst>
-              <a:ext uri="{FF2B5EF4-FFF2-40B4-BE49-F238E27FC236}">
-                <a16:creationId xmlns:a16="http://schemas.microsoft.com/office/drawing/2014/main" id="{72D9A01C-0908-2B4E-B3A1-4A1320B4D58A}"/>
-              </a:ext>
-            </a:extLst>
-          </p:cNvPr>
+          <p:cNvPr id="6" name="Footer Placeholder 5"/>
           <p:cNvSpPr>
             <a:spLocks noGrp="1"/>
           </p:cNvSpPr>
@@ -1446,13 +4661,7 @@
       </p:sp>
       <p:sp>
         <p:nvSpPr>
-          <p:cNvPr id="7" name="Slide Number Placeholder 6">
-            <a:extLst>
-              <a:ext uri="{FF2B5EF4-FFF2-40B4-BE49-F238E27FC236}">
-                <a16:creationId xmlns:a16="http://schemas.microsoft.com/office/drawing/2014/main" id="{029B1615-F211-3F49-8ADF-32DD3C5AC625}"/>
-              </a:ext>
-            </a:extLst>
-          </p:cNvPr>
+          <p:cNvPr id="7" name="Slide Number Placeholder 6"/>
           <p:cNvSpPr>
             <a:spLocks noGrp="1"/>
           </p:cNvSpPr>
@@ -1476,7 +4685,7 @@
     </p:spTree>
     <p:extLst>
       <p:ext uri="{BB962C8B-B14F-4D97-AF65-F5344CB8AC3E}">
-        <p14:creationId xmlns:p14="http://schemas.microsoft.com/office/powerpoint/2010/main" val="702876545"/>
+        <p14:creationId xmlns:p14="http://schemas.microsoft.com/office/powerpoint/2010/main" val="479776622"/>
       </p:ext>
     </p:extLst>
   </p:cSld>
@@ -1503,15 +4712,39 @@
           <a:chExt cx="0" cy="0"/>
         </a:xfrm>
       </p:grpSpPr>
-      <p:sp>
-        <p:nvSpPr>
-          <p:cNvPr id="2" name="Title 1">
+      <p:pic>
+        <p:nvPicPr>
+          <p:cNvPr id="15" name="Picture 14" descr="Droplets-HD-Content-R1d.png"/>
+          <p:cNvPicPr>
+            <a:picLocks noChangeAspect="1"/>
+          </p:cNvPicPr>
+          <p:nvPr/>
+        </p:nvPicPr>
+        <p:blipFill>
+          <a:blip r:embed="rId2">
             <a:extLst>
-              <a:ext uri="{FF2B5EF4-FFF2-40B4-BE49-F238E27FC236}">
-                <a16:creationId xmlns:a16="http://schemas.microsoft.com/office/drawing/2014/main" id="{76AC7F6C-5FCA-4E4D-A274-7CB11FCB091A}"/>
+              <a:ext uri="{28A0092B-C50C-407E-A947-70E740481C1C}">
+                <a14:useLocalDpi xmlns:a14="http://schemas.microsoft.com/office/drawing/2010/main" val="0"/>
               </a:ext>
             </a:extLst>
-          </p:cNvPr>
+          </a:blip>
+          <a:stretch>
+            <a:fillRect/>
+          </a:stretch>
+        </p:blipFill>
+        <p:spPr>
+          <a:xfrm>
+            <a:off x="0" y="0"/>
+            <a:ext cx="12192000" cy="6858000"/>
+          </a:xfrm>
+          <a:prstGeom prst="rect">
+            <a:avLst/>
+          </a:prstGeom>
+        </p:spPr>
+      </p:pic>
+      <p:sp>
+        <p:nvSpPr>
+          <p:cNvPr id="14" name="Title 1"/>
           <p:cNvSpPr>
             <a:spLocks noGrp="1"/>
           </p:cNvSpPr>
@@ -1521,8 +4754,8 @@
         </p:nvSpPr>
         <p:spPr>
           <a:xfrm>
-            <a:off x="839788" y="365125"/>
-            <a:ext cx="10515600" cy="1325563"/>
+            <a:off x="913775" y="618517"/>
+            <a:ext cx="10364451" cy="1596177"/>
           </a:xfrm>
         </p:spPr>
         <p:txBody>
@@ -1533,18 +4766,13 @@
               <a:rPr lang="en-US"/>
               <a:t>Click to edit Master title style</a:t>
             </a:r>
-          </a:p>
-        </p:txBody>
-      </p:sp>
-      <p:sp>
-        <p:nvSpPr>
-          <p:cNvPr id="3" name="Text Placeholder 2">
-            <a:extLst>
-              <a:ext uri="{FF2B5EF4-FFF2-40B4-BE49-F238E27FC236}">
-                <a16:creationId xmlns:a16="http://schemas.microsoft.com/office/drawing/2014/main" id="{D54989B3-3718-F140-9940-89EE154032D4}"/>
-              </a:ext>
-            </a:extLst>
-          </p:cNvPr>
+            <a:endParaRPr lang="en-US" dirty="0"/>
+          </a:p>
+        </p:txBody>
+      </p:sp>
+      <p:sp>
+        <p:nvSpPr>
+          <p:cNvPr id="3" name="Text Placeholder 2"/>
           <p:cNvSpPr>
             <a:spLocks noGrp="1"/>
           </p:cNvSpPr>
@@ -1554,16 +4782,25 @@
         </p:nvSpPr>
         <p:spPr>
           <a:xfrm>
-            <a:off x="839788" y="1681163"/>
-            <a:ext cx="5157787" cy="823912"/>
-          </a:xfrm>
-        </p:spPr>
-        <p:txBody>
-          <a:bodyPr anchor="b"/>
+            <a:off x="1146328" y="2371018"/>
+            <a:ext cx="4873474" cy="679994"/>
+          </a:xfrm>
+        </p:spPr>
+        <p:txBody>
+          <a:bodyPr anchor="b">
+            <a:noAutofit/>
+          </a:bodyPr>
           <a:lstStyle>
             <a:lvl1pPr marL="0" indent="0">
-              <a:buNone/>
-              <a:defRPr sz="2400" b="1"/>
+              <a:lnSpc>
+                <a:spcPct val="85000"/>
+              </a:lnSpc>
+              <a:buNone/>
+              <a:defRPr sz="2600" b="0">
+                <a:solidFill>
+                  <a:schemeClr val="tx1"/>
+                </a:solidFill>
+              </a:defRPr>
             </a:lvl1pPr>
             <a:lvl2pPr marL="457200" indent="0">
               <a:buNone/>
@@ -1609,24 +4846,18 @@
       </p:sp>
       <p:sp>
         <p:nvSpPr>
-          <p:cNvPr id="4" name="Content Placeholder 3">
-            <a:extLst>
-              <a:ext uri="{FF2B5EF4-FFF2-40B4-BE49-F238E27FC236}">
-                <a16:creationId xmlns:a16="http://schemas.microsoft.com/office/drawing/2014/main" id="{254F84A9-70D4-4247-82F0-A460D76F3A2A}"/>
-              </a:ext>
-            </a:extLst>
-          </p:cNvPr>
-          <p:cNvSpPr>
-            <a:spLocks noGrp="1"/>
-          </p:cNvSpPr>
-          <p:nvPr>
-            <p:ph sz="half" idx="2"/>
-          </p:nvPr>
-        </p:nvSpPr>
-        <p:spPr>
-          <a:xfrm>
-            <a:off x="839788" y="2505075"/>
-            <a:ext cx="5157787" cy="3684588"/>
+          <p:cNvPr id="12" name="Content Placeholder 3"/>
+          <p:cNvSpPr>
+            <a:spLocks noGrp="1"/>
+          </p:cNvSpPr>
+          <p:nvPr>
+            <p:ph sz="quarter" idx="13"/>
+          </p:nvPr>
+        </p:nvSpPr>
+        <p:spPr>
+          <a:xfrm>
+            <a:off x="913774" y="3051012"/>
+            <a:ext cx="5106027" cy="2740187"/>
           </a:xfrm>
         </p:spPr>
         <p:txBody>
@@ -1666,18 +4897,13 @@
               <a:rPr lang="en-US"/>
               <a:t>Fifth level</a:t>
             </a:r>
-          </a:p>
-        </p:txBody>
-      </p:sp>
-      <p:sp>
-        <p:nvSpPr>
-          <p:cNvPr id="5" name="Text Placeholder 4">
-            <a:extLst>
-              <a:ext uri="{FF2B5EF4-FFF2-40B4-BE49-F238E27FC236}">
-                <a16:creationId xmlns:a16="http://schemas.microsoft.com/office/drawing/2014/main" id="{61510380-A213-C04D-806B-681E3EB2ED70}"/>
-              </a:ext>
-            </a:extLst>
-          </p:cNvPr>
+            <a:endParaRPr lang="en-US" dirty="0"/>
+          </a:p>
+        </p:txBody>
+      </p:sp>
+      <p:sp>
+        <p:nvSpPr>
+          <p:cNvPr id="5" name="Text Placeholder 4"/>
           <p:cNvSpPr>
             <a:spLocks noGrp="1"/>
           </p:cNvSpPr>
@@ -1687,16 +4913,25 @@
         </p:nvSpPr>
         <p:spPr>
           <a:xfrm>
-            <a:off x="6172200" y="1681163"/>
-            <a:ext cx="5183188" cy="823912"/>
-          </a:xfrm>
-        </p:spPr>
-        <p:txBody>
-          <a:bodyPr anchor="b"/>
+            <a:off x="6396423" y="2371018"/>
+            <a:ext cx="4881804" cy="679994"/>
+          </a:xfrm>
+        </p:spPr>
+        <p:txBody>
+          <a:bodyPr anchor="b">
+            <a:noAutofit/>
+          </a:bodyPr>
           <a:lstStyle>
             <a:lvl1pPr marL="0" indent="0">
-              <a:buNone/>
-              <a:defRPr sz="2400" b="1"/>
+              <a:lnSpc>
+                <a:spcPct val="85000"/>
+              </a:lnSpc>
+              <a:buNone/>
+              <a:defRPr sz="2600" b="0">
+                <a:solidFill>
+                  <a:schemeClr val="tx1"/>
+                </a:solidFill>
+              </a:defRPr>
             </a:lvl1pPr>
             <a:lvl2pPr marL="457200" indent="0">
               <a:buNone/>
@@ -1742,24 +4977,18 @@
       </p:sp>
       <p:sp>
         <p:nvSpPr>
-          <p:cNvPr id="6" name="Content Placeholder 5">
-            <a:extLst>
-              <a:ext uri="{FF2B5EF4-FFF2-40B4-BE49-F238E27FC236}">
-                <a16:creationId xmlns:a16="http://schemas.microsoft.com/office/drawing/2014/main" id="{6E7B0B3F-63DB-9B4C-9A1E-C630C2989B76}"/>
-              </a:ext>
-            </a:extLst>
-          </p:cNvPr>
-          <p:cNvSpPr>
-            <a:spLocks noGrp="1"/>
-          </p:cNvSpPr>
-          <p:nvPr>
-            <p:ph sz="quarter" idx="4"/>
-          </p:nvPr>
-        </p:nvSpPr>
-        <p:spPr>
-          <a:xfrm>
-            <a:off x="6172200" y="2505075"/>
-            <a:ext cx="5183188" cy="3684588"/>
+          <p:cNvPr id="13" name="Content Placeholder 5"/>
+          <p:cNvSpPr>
+            <a:spLocks noGrp="1"/>
+          </p:cNvSpPr>
+          <p:nvPr>
+            <p:ph sz="quarter" idx="14"/>
+          </p:nvPr>
+        </p:nvSpPr>
+        <p:spPr>
+          <a:xfrm>
+            <a:off x="6172200" y="3051012"/>
+            <a:ext cx="5105401" cy="2740187"/>
           </a:xfrm>
         </p:spPr>
         <p:txBody>
@@ -1799,18 +5028,13 @@
               <a:rPr lang="en-US"/>
               <a:t>Fifth level</a:t>
             </a:r>
-          </a:p>
-        </p:txBody>
-      </p:sp>
-      <p:sp>
-        <p:nvSpPr>
-          <p:cNvPr id="7" name="Date Placeholder 6">
-            <a:extLst>
-              <a:ext uri="{FF2B5EF4-FFF2-40B4-BE49-F238E27FC236}">
-                <a16:creationId xmlns:a16="http://schemas.microsoft.com/office/drawing/2014/main" id="{16A38A1B-10E7-A24D-898E-6D7A7B15F097}"/>
-              </a:ext>
-            </a:extLst>
-          </p:cNvPr>
+            <a:endParaRPr lang="en-US" dirty="0"/>
+          </a:p>
+        </p:txBody>
+      </p:sp>
+      <p:sp>
+        <p:nvSpPr>
+          <p:cNvPr id="7" name="Date Placeholder 6"/>
           <p:cNvSpPr>
             <a:spLocks noGrp="1"/>
           </p:cNvSpPr>
@@ -1833,13 +5057,7 @@
       </p:sp>
       <p:sp>
         <p:nvSpPr>
-          <p:cNvPr id="8" name="Footer Placeholder 7">
-            <a:extLst>
-              <a:ext uri="{FF2B5EF4-FFF2-40B4-BE49-F238E27FC236}">
-                <a16:creationId xmlns:a16="http://schemas.microsoft.com/office/drawing/2014/main" id="{5D9D2A3C-54BA-1644-8C01-013182FAA37E}"/>
-              </a:ext>
-            </a:extLst>
-          </p:cNvPr>
+          <p:cNvPr id="8" name="Footer Placeholder 7"/>
           <p:cNvSpPr>
             <a:spLocks noGrp="1"/>
           </p:cNvSpPr>
@@ -1858,13 +5076,7 @@
       </p:sp>
       <p:sp>
         <p:nvSpPr>
-          <p:cNvPr id="9" name="Slide Number Placeholder 8">
-            <a:extLst>
-              <a:ext uri="{FF2B5EF4-FFF2-40B4-BE49-F238E27FC236}">
-                <a16:creationId xmlns:a16="http://schemas.microsoft.com/office/drawing/2014/main" id="{FE03C7D9-2668-B24A-93B1-093279951A32}"/>
-              </a:ext>
-            </a:extLst>
-          </p:cNvPr>
+          <p:cNvPr id="9" name="Slide Number Placeholder 8"/>
           <p:cNvSpPr>
             <a:spLocks noGrp="1"/>
           </p:cNvSpPr>
@@ -1888,7 +5100,7 @@
     </p:spTree>
     <p:extLst>
       <p:ext uri="{BB962C8B-B14F-4D97-AF65-F5344CB8AC3E}">
-        <p14:creationId xmlns:p14="http://schemas.microsoft.com/office/powerpoint/2010/main" val="3065471375"/>
+        <p14:creationId xmlns:p14="http://schemas.microsoft.com/office/powerpoint/2010/main" val="577081189"/>
       </p:ext>
     </p:extLst>
   </p:cSld>
@@ -1915,15 +5127,39 @@
           <a:chExt cx="0" cy="0"/>
         </a:xfrm>
       </p:grpSpPr>
-      <p:sp>
-        <p:nvSpPr>
-          <p:cNvPr id="2" name="Title 1">
+      <p:pic>
+        <p:nvPicPr>
+          <p:cNvPr id="8" name="Picture 7" descr="Droplets-HD-Content-R1d.png"/>
+          <p:cNvPicPr>
+            <a:picLocks noChangeAspect="1"/>
+          </p:cNvPicPr>
+          <p:nvPr/>
+        </p:nvPicPr>
+        <p:blipFill>
+          <a:blip r:embed="rId2">
             <a:extLst>
-              <a:ext uri="{FF2B5EF4-FFF2-40B4-BE49-F238E27FC236}">
-                <a16:creationId xmlns:a16="http://schemas.microsoft.com/office/drawing/2014/main" id="{945104BF-8C0B-AA41-B67E-6B64A8667D6A}"/>
+              <a:ext uri="{28A0092B-C50C-407E-A947-70E740481C1C}">
+                <a14:useLocalDpi xmlns:a14="http://schemas.microsoft.com/office/drawing/2010/main" val="0"/>
               </a:ext>
             </a:extLst>
-          </p:cNvPr>
+          </a:blip>
+          <a:stretch>
+            <a:fillRect/>
+          </a:stretch>
+        </p:blipFill>
+        <p:spPr>
+          <a:xfrm>
+            <a:off x="0" y="0"/>
+            <a:ext cx="12192000" cy="6858000"/>
+          </a:xfrm>
+          <a:prstGeom prst="rect">
+            <a:avLst/>
+          </a:prstGeom>
+        </p:spPr>
+      </p:pic>
+      <p:sp>
+        <p:nvSpPr>
+          <p:cNvPr id="2" name="Title 1"/>
           <p:cNvSpPr>
             <a:spLocks noGrp="1"/>
           </p:cNvSpPr>
@@ -1940,18 +5176,13 @@
               <a:rPr lang="en-US"/>
               <a:t>Click to edit Master title style</a:t>
             </a:r>
-          </a:p>
-        </p:txBody>
-      </p:sp>
-      <p:sp>
-        <p:nvSpPr>
-          <p:cNvPr id="3" name="Date Placeholder 2">
-            <a:extLst>
-              <a:ext uri="{FF2B5EF4-FFF2-40B4-BE49-F238E27FC236}">
-                <a16:creationId xmlns:a16="http://schemas.microsoft.com/office/drawing/2014/main" id="{13143C07-3D68-F448-9451-EDD554BC06F9}"/>
-              </a:ext>
-            </a:extLst>
-          </p:cNvPr>
+            <a:endParaRPr lang="en-US" dirty="0"/>
+          </a:p>
+        </p:txBody>
+      </p:sp>
+      <p:sp>
+        <p:nvSpPr>
+          <p:cNvPr id="3" name="Date Placeholder 2"/>
           <p:cNvSpPr>
             <a:spLocks noGrp="1"/>
           </p:cNvSpPr>
@@ -1974,13 +5205,7 @@
       </p:sp>
       <p:sp>
         <p:nvSpPr>
-          <p:cNvPr id="4" name="Footer Placeholder 3">
-            <a:extLst>
-              <a:ext uri="{FF2B5EF4-FFF2-40B4-BE49-F238E27FC236}">
-                <a16:creationId xmlns:a16="http://schemas.microsoft.com/office/drawing/2014/main" id="{BE1254FC-B03B-DF47-9C8C-4D07476C71D0}"/>
-              </a:ext>
-            </a:extLst>
-          </p:cNvPr>
+          <p:cNvPr id="4" name="Footer Placeholder 3"/>
           <p:cNvSpPr>
             <a:spLocks noGrp="1"/>
           </p:cNvSpPr>
@@ -1999,13 +5224,7 @@
       </p:sp>
       <p:sp>
         <p:nvSpPr>
-          <p:cNvPr id="5" name="Slide Number Placeholder 4">
-            <a:extLst>
-              <a:ext uri="{FF2B5EF4-FFF2-40B4-BE49-F238E27FC236}">
-                <a16:creationId xmlns:a16="http://schemas.microsoft.com/office/drawing/2014/main" id="{33EA7111-846C-E348-BD0E-14C04E034634}"/>
-              </a:ext>
-            </a:extLst>
-          </p:cNvPr>
+          <p:cNvPr id="5" name="Slide Number Placeholder 4"/>
           <p:cNvSpPr>
             <a:spLocks noGrp="1"/>
           </p:cNvSpPr>
@@ -2029,7 +5248,7 @@
     </p:spTree>
     <p:extLst>
       <p:ext uri="{BB962C8B-B14F-4D97-AF65-F5344CB8AC3E}">
-        <p14:creationId xmlns:p14="http://schemas.microsoft.com/office/powerpoint/2010/main" val="3511410909"/>
+        <p14:creationId xmlns:p14="http://schemas.microsoft.com/office/powerpoint/2010/main" val="3448986368"/>
       </p:ext>
     </p:extLst>
   </p:cSld>
@@ -2056,15 +5275,39 @@
           <a:chExt cx="0" cy="0"/>
         </a:xfrm>
       </p:grpSpPr>
-      <p:sp>
-        <p:nvSpPr>
-          <p:cNvPr id="2" name="Date Placeholder 1">
+      <p:pic>
+        <p:nvPicPr>
+          <p:cNvPr id="7" name="Picture 6" descr="Droplets-HD-Content-R1d.png"/>
+          <p:cNvPicPr>
+            <a:picLocks noChangeAspect="1"/>
+          </p:cNvPicPr>
+          <p:nvPr/>
+        </p:nvPicPr>
+        <p:blipFill>
+          <a:blip r:embed="rId2">
             <a:extLst>
-              <a:ext uri="{FF2B5EF4-FFF2-40B4-BE49-F238E27FC236}">
-                <a16:creationId xmlns:a16="http://schemas.microsoft.com/office/drawing/2014/main" id="{CFD1DC28-C918-5549-9AE4-637B56F682F9}"/>
+              <a:ext uri="{28A0092B-C50C-407E-A947-70E740481C1C}">
+                <a14:useLocalDpi xmlns:a14="http://schemas.microsoft.com/office/drawing/2010/main" val="0"/>
               </a:ext>
             </a:extLst>
-          </p:cNvPr>
+          </a:blip>
+          <a:stretch>
+            <a:fillRect/>
+          </a:stretch>
+        </p:blipFill>
+        <p:spPr>
+          <a:xfrm>
+            <a:off x="0" y="0"/>
+            <a:ext cx="12192000" cy="6858000"/>
+          </a:xfrm>
+          <a:prstGeom prst="rect">
+            <a:avLst/>
+          </a:prstGeom>
+        </p:spPr>
+      </p:pic>
+      <p:sp>
+        <p:nvSpPr>
+          <p:cNvPr id="2" name="Date Placeholder 1"/>
           <p:cNvSpPr>
             <a:spLocks noGrp="1"/>
           </p:cNvSpPr>
@@ -2087,13 +5330,7 @@
       </p:sp>
       <p:sp>
         <p:nvSpPr>
-          <p:cNvPr id="3" name="Footer Placeholder 2">
-            <a:extLst>
-              <a:ext uri="{FF2B5EF4-FFF2-40B4-BE49-F238E27FC236}">
-                <a16:creationId xmlns:a16="http://schemas.microsoft.com/office/drawing/2014/main" id="{6E1ACED2-07E7-754A-A45A-1C8C8F96F512}"/>
-              </a:ext>
-            </a:extLst>
-          </p:cNvPr>
+          <p:cNvPr id="3" name="Footer Placeholder 2"/>
           <p:cNvSpPr>
             <a:spLocks noGrp="1"/>
           </p:cNvSpPr>
@@ -2112,13 +5349,7 @@
       </p:sp>
       <p:sp>
         <p:nvSpPr>
-          <p:cNvPr id="4" name="Slide Number Placeholder 3">
-            <a:extLst>
-              <a:ext uri="{FF2B5EF4-FFF2-40B4-BE49-F238E27FC236}">
-                <a16:creationId xmlns:a16="http://schemas.microsoft.com/office/drawing/2014/main" id="{1D26A777-D854-0047-ADA8-D7D21BC427C0}"/>
-              </a:ext>
-            </a:extLst>
-          </p:cNvPr>
+          <p:cNvPr id="4" name="Slide Number Placeholder 3"/>
           <p:cNvSpPr>
             <a:spLocks noGrp="1"/>
           </p:cNvSpPr>
@@ -2142,7 +5373,7 @@
     </p:spTree>
     <p:extLst>
       <p:ext uri="{BB962C8B-B14F-4D97-AF65-F5344CB8AC3E}">
-        <p14:creationId xmlns:p14="http://schemas.microsoft.com/office/powerpoint/2010/main" val="1066028137"/>
+        <p14:creationId xmlns:p14="http://schemas.microsoft.com/office/powerpoint/2010/main" val="3754938322"/>
       </p:ext>
     </p:extLst>
   </p:cSld>
@@ -2169,15 +5400,39 @@
           <a:chExt cx="0" cy="0"/>
         </a:xfrm>
       </p:grpSpPr>
-      <p:sp>
-        <p:nvSpPr>
-          <p:cNvPr id="2" name="Title 1">
+      <p:pic>
+        <p:nvPicPr>
+          <p:cNvPr id="11" name="Picture 10" descr="Droplets-HD-Content-R1d.png"/>
+          <p:cNvPicPr>
+            <a:picLocks noChangeAspect="1"/>
+          </p:cNvPicPr>
+          <p:nvPr/>
+        </p:nvPicPr>
+        <p:blipFill>
+          <a:blip r:embed="rId2">
             <a:extLst>
-              <a:ext uri="{FF2B5EF4-FFF2-40B4-BE49-F238E27FC236}">
-                <a16:creationId xmlns:a16="http://schemas.microsoft.com/office/drawing/2014/main" id="{44D1619E-9DA2-EB43-B146-A13CCB8017E5}"/>
+              <a:ext uri="{28A0092B-C50C-407E-A947-70E740481C1C}">
+                <a14:useLocalDpi xmlns:a14="http://schemas.microsoft.com/office/drawing/2010/main" val="0"/>
               </a:ext>
             </a:extLst>
-          </p:cNvPr>
+          </a:blip>
+          <a:stretch>
+            <a:fillRect/>
+          </a:stretch>
+        </p:blipFill>
+        <p:spPr>
+          <a:xfrm>
+            <a:off x="0" y="0"/>
+            <a:ext cx="12192000" cy="6858000"/>
+          </a:xfrm>
+          <a:prstGeom prst="rect">
+            <a:avLst/>
+          </a:prstGeom>
+        </p:spPr>
+      </p:pic>
+      <p:sp>
+        <p:nvSpPr>
+          <p:cNvPr id="2" name="Title 1"/>
           <p:cNvSpPr>
             <a:spLocks noGrp="1"/>
           </p:cNvSpPr>
@@ -2187,14 +5442,14 @@
         </p:nvSpPr>
         <p:spPr>
           <a:xfrm>
-            <a:off x="839788" y="457200"/>
-            <a:ext cx="3932237" cy="1600200"/>
+            <a:off x="913775" y="609600"/>
+            <a:ext cx="3935688" cy="2023252"/>
           </a:xfrm>
         </p:spPr>
         <p:txBody>
           <a:bodyPr anchor="b"/>
           <a:lstStyle>
-            <a:lvl1pPr>
+            <a:lvl1pPr algn="ctr">
               <a:defRPr sz="3200"/>
             </a:lvl1pPr>
           </a:lstStyle>
@@ -2203,125 +5458,87 @@
               <a:rPr lang="en-US"/>
               <a:t>Click to edit Master title style</a:t>
             </a:r>
-          </a:p>
-        </p:txBody>
-      </p:sp>
-      <p:sp>
-        <p:nvSpPr>
-          <p:cNvPr id="3" name="Content Placeholder 2">
-            <a:extLst>
-              <a:ext uri="{FF2B5EF4-FFF2-40B4-BE49-F238E27FC236}">
-                <a16:creationId xmlns:a16="http://schemas.microsoft.com/office/drawing/2014/main" id="{4DF07665-EDB9-FB42-88A1-64FC2CFBD8A6}"/>
-              </a:ext>
-            </a:extLst>
-          </p:cNvPr>
-          <p:cNvSpPr>
-            <a:spLocks noGrp="1"/>
-          </p:cNvSpPr>
-          <p:nvPr>
-            <p:ph idx="1"/>
-          </p:nvPr>
-        </p:nvSpPr>
-        <p:spPr>
-          <a:xfrm>
-            <a:off x="5183188" y="987425"/>
-            <a:ext cx="6172200" cy="4873625"/>
+            <a:endParaRPr lang="en-US" dirty="0"/>
+          </a:p>
+        </p:txBody>
+      </p:sp>
+      <p:sp>
+        <p:nvSpPr>
+          <p:cNvPr id="10" name="Content Placeholder 2"/>
+          <p:cNvSpPr>
+            <a:spLocks noGrp="1"/>
+          </p:cNvSpPr>
+          <p:nvPr>
+            <p:ph sz="quarter" idx="13"/>
+          </p:nvPr>
+        </p:nvSpPr>
+        <p:spPr>
+          <a:xfrm>
+            <a:off x="5078062" y="609600"/>
+            <a:ext cx="6200163" cy="5181599"/>
+          </a:xfrm>
+        </p:spPr>
+        <p:txBody>
+          <a:bodyPr/>
+          <a:lstStyle/>
+          <a:p>
+            <a:pPr lvl="0"/>
+            <a:r>
+              <a:rPr lang="en-US"/>
+              <a:t>Click to edit Master text styles</a:t>
+            </a:r>
+          </a:p>
+          <a:p>
+            <a:pPr lvl="1"/>
+            <a:r>
+              <a:rPr lang="en-US"/>
+              <a:t>Second level</a:t>
+            </a:r>
+          </a:p>
+          <a:p>
+            <a:pPr lvl="2"/>
+            <a:r>
+              <a:rPr lang="en-US"/>
+              <a:t>Third level</a:t>
+            </a:r>
+          </a:p>
+          <a:p>
+            <a:pPr lvl="3"/>
+            <a:r>
+              <a:rPr lang="en-US"/>
+              <a:t>Fourth level</a:t>
+            </a:r>
+          </a:p>
+          <a:p>
+            <a:pPr lvl="4"/>
+            <a:r>
+              <a:rPr lang="en-US"/>
+              <a:t>Fifth level</a:t>
+            </a:r>
+            <a:endParaRPr lang="en-US" dirty="0"/>
+          </a:p>
+        </p:txBody>
+      </p:sp>
+      <p:sp>
+        <p:nvSpPr>
+          <p:cNvPr id="4" name="Text Placeholder 3"/>
+          <p:cNvSpPr>
+            <a:spLocks noGrp="1"/>
+          </p:cNvSpPr>
+          <p:nvPr>
+            <p:ph type="body" sz="half" idx="2"/>
+          </p:nvPr>
+        </p:nvSpPr>
+        <p:spPr>
+          <a:xfrm>
+            <a:off x="913774" y="2632852"/>
+            <a:ext cx="3935689" cy="3158348"/>
           </a:xfrm>
         </p:spPr>
         <p:txBody>
           <a:bodyPr/>
           <a:lstStyle>
-            <a:lvl1pPr>
-              <a:defRPr sz="3200"/>
-            </a:lvl1pPr>
-            <a:lvl2pPr>
-              <a:defRPr sz="2800"/>
-            </a:lvl2pPr>
-            <a:lvl3pPr>
-              <a:defRPr sz="2400"/>
-            </a:lvl3pPr>
-            <a:lvl4pPr>
-              <a:defRPr sz="2000"/>
-            </a:lvl4pPr>
-            <a:lvl5pPr>
-              <a:defRPr sz="2000"/>
-            </a:lvl5pPr>
-            <a:lvl6pPr>
-              <a:defRPr sz="2000"/>
-            </a:lvl6pPr>
-            <a:lvl7pPr>
-              <a:defRPr sz="2000"/>
-            </a:lvl7pPr>
-            <a:lvl8pPr>
-              <a:defRPr sz="2000"/>
-            </a:lvl8pPr>
-            <a:lvl9pPr>
-              <a:defRPr sz="2000"/>
-            </a:lvl9pPr>
-          </a:lstStyle>
-          <a:p>
-            <a:pPr lvl="0"/>
-            <a:r>
-              <a:rPr lang="en-US"/>
-              <a:t>Click to edit Master text styles</a:t>
-            </a:r>
-          </a:p>
-          <a:p>
-            <a:pPr lvl="1"/>
-            <a:r>
-              <a:rPr lang="en-US"/>
-              <a:t>Second level</a:t>
-            </a:r>
-          </a:p>
-          <a:p>
-            <a:pPr lvl="2"/>
-            <a:r>
-              <a:rPr lang="en-US"/>
-              <a:t>Third level</a:t>
-            </a:r>
-          </a:p>
-          <a:p>
-            <a:pPr lvl="3"/>
-            <a:r>
-              <a:rPr lang="en-US"/>
-              <a:t>Fourth level</a:t>
-            </a:r>
-          </a:p>
-          <a:p>
-            <a:pPr lvl="4"/>
-            <a:r>
-              <a:rPr lang="en-US"/>
-              <a:t>Fifth level</a:t>
-            </a:r>
-          </a:p>
-        </p:txBody>
-      </p:sp>
-      <p:sp>
-        <p:nvSpPr>
-          <p:cNvPr id="4" name="Text Placeholder 3">
-            <a:extLst>
-              <a:ext uri="{FF2B5EF4-FFF2-40B4-BE49-F238E27FC236}">
-                <a16:creationId xmlns:a16="http://schemas.microsoft.com/office/drawing/2014/main" id="{30E21FCD-F759-0346-8457-57C955AC95E0}"/>
-              </a:ext>
-            </a:extLst>
-          </p:cNvPr>
-          <p:cNvSpPr>
-            <a:spLocks noGrp="1"/>
-          </p:cNvSpPr>
-          <p:nvPr>
-            <p:ph type="body" sz="half" idx="2"/>
-          </p:nvPr>
-        </p:nvSpPr>
-        <p:spPr>
-          <a:xfrm>
-            <a:off x="839788" y="2057400"/>
-            <a:ext cx="3932237" cy="3811588"/>
-          </a:xfrm>
-        </p:spPr>
-        <p:txBody>
-          <a:bodyPr/>
-          <a:lstStyle>
-            <a:lvl1pPr marL="0" indent="0">
+            <a:lvl1pPr marL="0" indent="0" algn="ctr">
               <a:buNone/>
               <a:defRPr sz="1600"/>
             </a:lvl1pPr>
@@ -2369,13 +5586,7 @@
       </p:sp>
       <p:sp>
         <p:nvSpPr>
-          <p:cNvPr id="5" name="Date Placeholder 4">
-            <a:extLst>
-              <a:ext uri="{FF2B5EF4-FFF2-40B4-BE49-F238E27FC236}">
-                <a16:creationId xmlns:a16="http://schemas.microsoft.com/office/drawing/2014/main" id="{802E22D1-6E31-FF4C-AE23-08B23FDA5507}"/>
-              </a:ext>
-            </a:extLst>
-          </p:cNvPr>
+          <p:cNvPr id="5" name="Date Placeholder 4"/>
           <p:cNvSpPr>
             <a:spLocks noGrp="1"/>
           </p:cNvSpPr>
@@ -2398,13 +5609,7 @@
       </p:sp>
       <p:sp>
         <p:nvSpPr>
-          <p:cNvPr id="6" name="Footer Placeholder 5">
-            <a:extLst>
-              <a:ext uri="{FF2B5EF4-FFF2-40B4-BE49-F238E27FC236}">
-                <a16:creationId xmlns:a16="http://schemas.microsoft.com/office/drawing/2014/main" id="{DB1A035E-7969-3C4A-9441-643AF257DDDF}"/>
-              </a:ext>
-            </a:extLst>
-          </p:cNvPr>
+          <p:cNvPr id="6" name="Footer Placeholder 5"/>
           <p:cNvSpPr>
             <a:spLocks noGrp="1"/>
           </p:cNvSpPr>
@@ -2423,13 +5628,7 @@
       </p:sp>
       <p:sp>
         <p:nvSpPr>
-          <p:cNvPr id="7" name="Slide Number Placeholder 6">
-            <a:extLst>
-              <a:ext uri="{FF2B5EF4-FFF2-40B4-BE49-F238E27FC236}">
-                <a16:creationId xmlns:a16="http://schemas.microsoft.com/office/drawing/2014/main" id="{09A5AF8F-918C-6C4D-A566-770ACBB2ABBA}"/>
-              </a:ext>
-            </a:extLst>
-          </p:cNvPr>
+          <p:cNvPr id="7" name="Slide Number Placeholder 6"/>
           <p:cNvSpPr>
             <a:spLocks noGrp="1"/>
           </p:cNvSpPr>
@@ -2453,7 +5652,7 @@
     </p:spTree>
     <p:extLst>
       <p:ext uri="{BB962C8B-B14F-4D97-AF65-F5344CB8AC3E}">
-        <p14:creationId xmlns:p14="http://schemas.microsoft.com/office/powerpoint/2010/main" val="2540478003"/>
+        <p14:creationId xmlns:p14="http://schemas.microsoft.com/office/powerpoint/2010/main" val="818056526"/>
       </p:ext>
     </p:extLst>
   </p:cSld>
@@ -2480,15 +5679,39 @@
           <a:chExt cx="0" cy="0"/>
         </a:xfrm>
       </p:grpSpPr>
-      <p:sp>
-        <p:nvSpPr>
-          <p:cNvPr id="2" name="Title 1">
+      <p:pic>
+        <p:nvPicPr>
+          <p:cNvPr id="10" name="Picture 9" descr="Droplets-HD-Content-R1d.png"/>
+          <p:cNvPicPr>
+            <a:picLocks noChangeAspect="1"/>
+          </p:cNvPicPr>
+          <p:nvPr/>
+        </p:nvPicPr>
+        <p:blipFill>
+          <a:blip r:embed="rId2">
             <a:extLst>
-              <a:ext uri="{FF2B5EF4-FFF2-40B4-BE49-F238E27FC236}">
-                <a16:creationId xmlns:a16="http://schemas.microsoft.com/office/drawing/2014/main" id="{2AEC4071-85FB-DC41-8761-AF39183451A0}"/>
+              <a:ext uri="{28A0092B-C50C-407E-A947-70E740481C1C}">
+                <a14:useLocalDpi xmlns:a14="http://schemas.microsoft.com/office/drawing/2010/main" val="0"/>
               </a:ext>
             </a:extLst>
-          </p:cNvPr>
+          </a:blip>
+          <a:stretch>
+            <a:fillRect/>
+          </a:stretch>
+        </p:blipFill>
+        <p:spPr>
+          <a:xfrm>
+            <a:off x="0" y="0"/>
+            <a:ext cx="12192000" cy="6858000"/>
+          </a:xfrm>
+          <a:prstGeom prst="rect">
+            <a:avLst/>
+          </a:prstGeom>
+        </p:spPr>
+      </p:pic>
+      <p:sp>
+        <p:nvSpPr>
+          <p:cNvPr id="2" name="Title 1"/>
           <p:cNvSpPr>
             <a:spLocks noGrp="1"/>
           </p:cNvSpPr>
@@ -2498,14 +5721,14 @@
         </p:nvSpPr>
         <p:spPr>
           <a:xfrm>
-            <a:off x="839788" y="457200"/>
-            <a:ext cx="3932237" cy="1600200"/>
+            <a:off x="913774" y="609600"/>
+            <a:ext cx="5934969" cy="2023254"/>
           </a:xfrm>
         </p:spPr>
         <p:txBody>
           <a:bodyPr anchor="b"/>
           <a:lstStyle>
-            <a:lvl1pPr>
+            <a:lvl1pPr algn="ctr">
               <a:defRPr sz="3200"/>
             </a:lvl1pPr>
           </a:lstStyle>
@@ -2514,20 +5737,15 @@
               <a:rPr lang="en-US"/>
               <a:t>Click to edit Master title style</a:t>
             </a:r>
-          </a:p>
-        </p:txBody>
-      </p:sp>
-      <p:sp>
-        <p:nvSpPr>
-          <p:cNvPr id="3" name="Picture Placeholder 2">
-            <a:extLst>
-              <a:ext uri="{FF2B5EF4-FFF2-40B4-BE49-F238E27FC236}">
-                <a16:creationId xmlns:a16="http://schemas.microsoft.com/office/drawing/2014/main" id="{01859ADC-EFB0-D44E-BA05-7F4FC3457C46}"/>
-              </a:ext>
-            </a:extLst>
-          </p:cNvPr>
-          <p:cNvSpPr>
-            <a:spLocks noGrp="1"/>
+            <a:endParaRPr lang="en-US" dirty="0"/>
+          </a:p>
+        </p:txBody>
+      </p:sp>
+      <p:sp>
+        <p:nvSpPr>
+          <p:cNvPr id="3" name="Picture Placeholder 2"/>
+          <p:cNvSpPr>
+            <a:spLocks noGrp="1" noChangeAspect="1"/>
           </p:cNvSpPr>
           <p:nvPr>
             <p:ph type="pic" idx="1"/>
@@ -2535,12 +5753,37 @@
         </p:nvSpPr>
         <p:spPr>
           <a:xfrm>
-            <a:off x="5183188" y="987425"/>
-            <a:ext cx="6172200" cy="4873625"/>
-          </a:xfrm>
-        </p:spPr>
-        <p:txBody>
-          <a:bodyPr/>
+            <a:off x="7424803" y="609601"/>
+            <a:ext cx="3255358" cy="5181600"/>
+          </a:xfrm>
+          <a:prstGeom prst="roundRect">
+            <a:avLst>
+              <a:gd name="adj" fmla="val 4943"/>
+            </a:avLst>
+          </a:prstGeom>
+          <a:noFill/>
+          <a:ln w="82550" cap="sq">
+            <a:solidFill>
+              <a:srgbClr val="EAEAEA"/>
+            </a:solidFill>
+            <a:miter lim="800000"/>
+          </a:ln>
+          <a:effectLst/>
+          <a:scene3d>
+            <a:camera prst="orthographicFront"/>
+            <a:lightRig rig="threePt" dir="t">
+              <a:rot lat="0" lon="0" rev="2700000"/>
+            </a:lightRig>
+          </a:scene3d>
+          <a:sp3d contourW="6350">
+            <a:bevelT h="38100"/>
+            <a:contourClr>
+              <a:srgbClr val="C0C0C0"/>
+            </a:contourClr>
+          </a:sp3d>
+        </p:spPr>
+        <p:txBody>
+          <a:bodyPr anchor="t"/>
           <a:lstStyle>
             <a:lvl1pPr marL="0" indent="0">
               <a:buNone/>
@@ -2580,19 +5823,17 @@
             </a:lvl9pPr>
           </a:lstStyle>
           <a:p>
-            <a:endParaRPr lang="en-US"/>
-          </a:p>
-        </p:txBody>
-      </p:sp>
-      <p:sp>
-        <p:nvSpPr>
-          <p:cNvPr id="4" name="Text Placeholder 3">
-            <a:extLst>
-              <a:ext uri="{FF2B5EF4-FFF2-40B4-BE49-F238E27FC236}">
-                <a16:creationId xmlns:a16="http://schemas.microsoft.com/office/drawing/2014/main" id="{9672DFAD-6B2C-1C43-AD70-2801CE7601D0}"/>
-              </a:ext>
-            </a:extLst>
-          </p:cNvPr>
+            <a:r>
+              <a:rPr lang="en-US"/>
+              <a:t>Click icon to add picture</a:t>
+            </a:r>
+            <a:endParaRPr lang="en-US" dirty="0"/>
+          </a:p>
+        </p:txBody>
+      </p:sp>
+      <p:sp>
+        <p:nvSpPr>
+          <p:cNvPr id="4" name="Text Placeholder 3"/>
           <p:cNvSpPr>
             <a:spLocks noGrp="1"/>
           </p:cNvSpPr>
@@ -2602,14 +5843,14 @@
         </p:nvSpPr>
         <p:spPr>
           <a:xfrm>
-            <a:off x="839788" y="2057400"/>
-            <a:ext cx="3932237" cy="3811588"/>
+            <a:off x="913794" y="2632852"/>
+            <a:ext cx="5934949" cy="3158347"/>
           </a:xfrm>
         </p:spPr>
         <p:txBody>
           <a:bodyPr/>
           <a:lstStyle>
-            <a:lvl1pPr marL="0" indent="0">
+            <a:lvl1pPr marL="0" indent="0" algn="ctr">
               <a:buNone/>
               <a:defRPr sz="1600"/>
             </a:lvl1pPr>
@@ -2657,13 +5898,7 @@
       </p:sp>
       <p:sp>
         <p:nvSpPr>
-          <p:cNvPr id="5" name="Date Placeholder 4">
-            <a:extLst>
-              <a:ext uri="{FF2B5EF4-FFF2-40B4-BE49-F238E27FC236}">
-                <a16:creationId xmlns:a16="http://schemas.microsoft.com/office/drawing/2014/main" id="{8A8EDBD9-AD25-FE46-8BED-53F83C32223D}"/>
-              </a:ext>
-            </a:extLst>
-          </p:cNvPr>
+          <p:cNvPr id="5" name="Date Placeholder 4"/>
           <p:cNvSpPr>
             <a:spLocks noGrp="1"/>
           </p:cNvSpPr>
@@ -2686,13 +5921,7 @@
       </p:sp>
       <p:sp>
         <p:nvSpPr>
-          <p:cNvPr id="6" name="Footer Placeholder 5">
-            <a:extLst>
-              <a:ext uri="{FF2B5EF4-FFF2-40B4-BE49-F238E27FC236}">
-                <a16:creationId xmlns:a16="http://schemas.microsoft.com/office/drawing/2014/main" id="{2CA57674-D1A7-F148-8BB2-4F3B684AEFB2}"/>
-              </a:ext>
-            </a:extLst>
-          </p:cNvPr>
+          <p:cNvPr id="6" name="Footer Placeholder 5"/>
           <p:cNvSpPr>
             <a:spLocks noGrp="1"/>
           </p:cNvSpPr>
@@ -2705,19 +5934,13 @@
           <a:bodyPr/>
           <a:lstStyle/>
           <a:p>
-            <a:endParaRPr lang="en-US"/>
-          </a:p>
-        </p:txBody>
-      </p:sp>
-      <p:sp>
-        <p:nvSpPr>
-          <p:cNvPr id="7" name="Slide Number Placeholder 6">
-            <a:extLst>
-              <a:ext uri="{FF2B5EF4-FFF2-40B4-BE49-F238E27FC236}">
-                <a16:creationId xmlns:a16="http://schemas.microsoft.com/office/drawing/2014/main" id="{B3B57020-5892-8047-A7D2-CADE525BF5A9}"/>
-              </a:ext>
-            </a:extLst>
-          </p:cNvPr>
+            <a:endParaRPr lang="en-US" dirty="0"/>
+          </a:p>
+        </p:txBody>
+      </p:sp>
+      <p:sp>
+        <p:nvSpPr>
+          <p:cNvPr id="7" name="Slide Number Placeholder 6"/>
           <p:cNvSpPr>
             <a:spLocks noGrp="1"/>
           </p:cNvSpPr>
@@ -2741,7 +5964,7 @@
     </p:spTree>
     <p:extLst>
       <p:ext uri="{BB962C8B-B14F-4D97-AF65-F5344CB8AC3E}">
-        <p14:creationId xmlns:p14="http://schemas.microsoft.com/office/powerpoint/2010/main" val="3275167360"/>
+        <p14:creationId xmlns:p14="http://schemas.microsoft.com/office/powerpoint/2010/main" val="3489596257"/>
       </p:ext>
     </p:extLst>
   </p:cSld>
@@ -2755,7 +5978,7 @@
 <p:sldMaster xmlns:a="http://schemas.openxmlformats.org/drawingml/2006/main" xmlns:r="http://schemas.openxmlformats.org/officeDocument/2006/relationships" xmlns:p="http://schemas.openxmlformats.org/presentationml/2006/main">
   <p:cSld>
     <p:bg>
-      <p:bgRef idx="1001">
+      <p:bgRef idx="1002">
         <a:schemeClr val="bg1"/>
       </p:bgRef>
     </p:bg>
@@ -2773,30 +5996,66 @@
           <a:chExt cx="0" cy="0"/>
         </a:xfrm>
       </p:grpSpPr>
-      <p:sp>
-        <p:nvSpPr>
-          <p:cNvPr id="2" name="Title Placeholder 1">
+      <p:pic>
+        <p:nvPicPr>
+          <p:cNvPr id="1026" name="Picture 2" descr="\\DROBO-FS\QuickDrops\JB\PPTX NG\Droplets\LightingOverlay.png"/>
+          <p:cNvPicPr>
+            <a:picLocks noChangeAspect="1" noChangeArrowheads="1"/>
+          </p:cNvPicPr>
+          <p:nvPr/>
+        </p:nvPicPr>
+        <p:blipFill>
+          <a:blip r:embed="rId21">
+            <a:alphaModFix/>
             <a:extLst>
-              <a:ext uri="{FF2B5EF4-FFF2-40B4-BE49-F238E27FC236}">
-                <a16:creationId xmlns:a16="http://schemas.microsoft.com/office/drawing/2014/main" id="{51F3B3BE-29CE-9D4E-80C5-74379464C655}"/>
+              <a:ext uri="{28A0092B-C50C-407E-A947-70E740481C1C}">
+                <a14:useLocalDpi xmlns:a14="http://schemas.microsoft.com/office/drawing/2010/main" val="0"/>
               </a:ext>
             </a:extLst>
-          </p:cNvPr>
-          <p:cNvSpPr>
-            <a:spLocks noGrp="1"/>
-          </p:cNvSpPr>
-          <p:nvPr>
-            <p:ph type="title"/>
-          </p:nvPr>
-        </p:nvSpPr>
-        <p:spPr>
-          <a:xfrm>
-            <a:off x="838200" y="365125"/>
-            <a:ext cx="10515600" cy="1325563"/>
+          </a:blip>
+          <a:srcRect/>
+          <a:stretch>
+            <a:fillRect/>
+          </a:stretch>
+        </p:blipFill>
+        <p:spPr bwMode="auto">
+          <a:xfrm>
+            <a:off x="0" y="-1"/>
+            <a:ext cx="12192003" cy="6858001"/>
           </a:xfrm>
           <a:prstGeom prst="rect">
             <a:avLst/>
           </a:prstGeom>
+          <a:noFill/>
+          <a:extLst>
+            <a:ext uri="{909E8E84-426E-40DD-AFC4-6F175D3DCCD1}">
+              <a14:hiddenFill xmlns:a14="http://schemas.microsoft.com/office/drawing/2010/main">
+                <a:solidFill>
+                  <a:srgbClr val="FFFFFF"/>
+                </a:solidFill>
+              </a14:hiddenFill>
+            </a:ext>
+          </a:extLst>
+        </p:spPr>
+      </p:pic>
+      <p:sp>
+        <p:nvSpPr>
+          <p:cNvPr id="2" name="Title Placeholder 1"/>
+          <p:cNvSpPr>
+            <a:spLocks noGrp="1"/>
+          </p:cNvSpPr>
+          <p:nvPr>
+            <p:ph type="title"/>
+          </p:nvPr>
+        </p:nvSpPr>
+        <p:spPr>
+          <a:xfrm>
+            <a:off x="913775" y="618517"/>
+            <a:ext cx="10364451" cy="1596177"/>
+          </a:xfrm>
+          <a:prstGeom prst="rect">
+            <a:avLst/>
+          </a:prstGeom>
         </p:spPr>
         <p:txBody>
           <a:bodyPr vert="horz" lIns="91440" tIns="45720" rIns="91440" bIns="45720" rtlCol="0" anchor="ctr">
@@ -2808,18 +6067,13 @@
               <a:rPr lang="en-US"/>
               <a:t>Click to edit Master title style</a:t>
             </a:r>
-          </a:p>
-        </p:txBody>
-      </p:sp>
-      <p:sp>
-        <p:nvSpPr>
-          <p:cNvPr id="3" name="Text Placeholder 2">
-            <a:extLst>
-              <a:ext uri="{FF2B5EF4-FFF2-40B4-BE49-F238E27FC236}">
-                <a16:creationId xmlns:a16="http://schemas.microsoft.com/office/drawing/2014/main" id="{ECB6158E-E001-8942-91E7-EF0E4488C2BE}"/>
-              </a:ext>
-            </a:extLst>
-          </p:cNvPr>
+            <a:endParaRPr lang="en-US" dirty="0"/>
+          </a:p>
+        </p:txBody>
+      </p:sp>
+      <p:sp>
+        <p:nvSpPr>
+          <p:cNvPr id="3" name="Text Placeholder 2"/>
           <p:cNvSpPr>
             <a:spLocks noGrp="1"/>
           </p:cNvSpPr>
@@ -2829,8 +6083,8 @@
         </p:nvSpPr>
         <p:spPr>
           <a:xfrm>
-            <a:off x="838200" y="1825625"/>
-            <a:ext cx="10515600" cy="4351338"/>
+            <a:off x="913775" y="2367093"/>
+            <a:ext cx="10364452" cy="3424107"/>
           </a:xfrm>
           <a:prstGeom prst="rect">
             <a:avLst/>
@@ -2875,18 +6129,13 @@
               <a:rPr lang="en-US"/>
               <a:t>Fifth level</a:t>
             </a:r>
-          </a:p>
-        </p:txBody>
-      </p:sp>
-      <p:sp>
-        <p:nvSpPr>
-          <p:cNvPr id="4" name="Date Placeholder 3">
-            <a:extLst>
-              <a:ext uri="{FF2B5EF4-FFF2-40B4-BE49-F238E27FC236}">
-                <a16:creationId xmlns:a16="http://schemas.microsoft.com/office/drawing/2014/main" id="{490B862C-4160-1547-B0C7-5AA3078095FD}"/>
-              </a:ext>
-            </a:extLst>
-          </p:cNvPr>
+            <a:endParaRPr lang="en-US" dirty="0"/>
+          </a:p>
+        </p:txBody>
+      </p:sp>
+      <p:sp>
+        <p:nvSpPr>
+          <p:cNvPr id="4" name="Date Placeholder 3"/>
           <p:cNvSpPr>
             <a:spLocks noGrp="1"/>
           </p:cNvSpPr>
@@ -2896,7 +6145,7 @@
         </p:nvSpPr>
         <p:spPr>
           <a:xfrm>
-            <a:off x="838200" y="6356350"/>
+            <a:off x="7678737" y="5883275"/>
             <a:ext cx="2743200" cy="365125"/>
           </a:xfrm>
           <a:prstGeom prst="rect">
@@ -2906,12 +6155,10 @@
         <p:txBody>
           <a:bodyPr vert="horz" lIns="91440" tIns="45720" rIns="91440" bIns="45720" rtlCol="0" anchor="ctr"/>
           <a:lstStyle>
-            <a:lvl1pPr algn="l">
-              <a:defRPr sz="1200">
+            <a:lvl1pPr algn="r">
+              <a:defRPr sz="1000">
                 <a:solidFill>
-                  <a:schemeClr val="tx1">
-                    <a:tint val="75000"/>
-                  </a:schemeClr>
+                  <a:schemeClr val="tx1"/>
                 </a:solidFill>
               </a:defRPr>
             </a:lvl1pPr>
@@ -2927,13 +6174,7 @@
       </p:sp>
       <p:sp>
         <p:nvSpPr>
-          <p:cNvPr id="5" name="Footer Placeholder 4">
-            <a:extLst>
-              <a:ext uri="{FF2B5EF4-FFF2-40B4-BE49-F238E27FC236}">
-                <a16:creationId xmlns:a16="http://schemas.microsoft.com/office/drawing/2014/main" id="{F2BAA9F7-3453-524C-9637-F4F55A1E3BAE}"/>
-              </a:ext>
-            </a:extLst>
-          </p:cNvPr>
+          <p:cNvPr id="5" name="Footer Placeholder 4"/>
           <p:cNvSpPr>
             <a:spLocks noGrp="1"/>
           </p:cNvSpPr>
@@ -2943,8 +6184,8 @@
         </p:nvSpPr>
         <p:spPr>
           <a:xfrm>
-            <a:off x="4038600" y="6356350"/>
-            <a:ext cx="4114800" cy="365125"/>
+            <a:off x="913774" y="5883275"/>
+            <a:ext cx="6672887" cy="365125"/>
           </a:xfrm>
           <a:prstGeom prst="rect">
             <a:avLst/>
@@ -2953,12 +6194,10 @@
         <p:txBody>
           <a:bodyPr vert="horz" lIns="91440" tIns="45720" rIns="91440" bIns="45720" rtlCol="0" anchor="ctr"/>
           <a:lstStyle>
-            <a:lvl1pPr algn="ctr">
-              <a:defRPr sz="1200">
+            <a:lvl1pPr algn="l">
+              <a:defRPr sz="1000">
                 <a:solidFill>
-                  <a:schemeClr val="tx1">
-                    <a:tint val="75000"/>
-                  </a:schemeClr>
+                  <a:schemeClr val="tx1"/>
                 </a:solidFill>
               </a:defRPr>
             </a:lvl1pPr>
@@ -2970,13 +6209,7 @@
       </p:sp>
       <p:sp>
         <p:nvSpPr>
-          <p:cNvPr id="6" name="Slide Number Placeholder 5">
-            <a:extLst>
-              <a:ext uri="{FF2B5EF4-FFF2-40B4-BE49-F238E27FC236}">
-                <a16:creationId xmlns:a16="http://schemas.microsoft.com/office/drawing/2014/main" id="{B807110E-CEA6-7B49-BAD3-A2FED415322C}"/>
-              </a:ext>
-            </a:extLst>
-          </p:cNvPr>
+          <p:cNvPr id="6" name="Slide Number Placeholder 5"/>
           <p:cNvSpPr>
             <a:spLocks noGrp="1"/>
           </p:cNvSpPr>
@@ -2986,8 +6219,8 @@
         </p:nvSpPr>
         <p:spPr>
           <a:xfrm>
-            <a:off x="8610600" y="6356350"/>
-            <a:ext cx="2743200" cy="365125"/>
+            <a:off x="10514011" y="5883275"/>
+            <a:ext cx="764215" cy="365125"/>
           </a:xfrm>
           <a:prstGeom prst="rect">
             <a:avLst/>
@@ -2997,11 +6230,9 @@
           <a:bodyPr vert="horz" lIns="91440" tIns="45720" rIns="91440" bIns="45720" rtlCol="0" anchor="ctr"/>
           <a:lstStyle>
             <a:lvl1pPr algn="r">
-              <a:defRPr sz="1200">
+              <a:defRPr sz="1000">
                 <a:solidFill>
-                  <a:schemeClr val="tx1">
-                    <a:tint val="75000"/>
-                  </a:schemeClr>
+                  <a:schemeClr val="tx1"/>
                 </a:solidFill>
               </a:defRPr>
             </a:lvl1pPr>
@@ -3018,27 +6249,35 @@
     </p:spTree>
     <p:extLst>
       <p:ext uri="{BB962C8B-B14F-4D97-AF65-F5344CB8AC3E}">
-        <p14:creationId xmlns:p14="http://schemas.microsoft.com/office/powerpoint/2010/main" val="1757398843"/>
+        <p14:creationId xmlns:p14="http://schemas.microsoft.com/office/powerpoint/2010/main" val="1166176046"/>
       </p:ext>
     </p:extLst>
   </p:cSld>
   <p:clrMap bg1="lt1" tx1="dk1" bg2="lt2" tx2="dk2" accent1="accent1" accent2="accent2" accent3="accent3" accent4="accent4" accent5="accent5" accent6="accent6" hlink="hlink" folHlink="folHlink"/>
   <p:sldLayoutIdLst>
-    <p:sldLayoutId id="2147483649" r:id="rId1"/>
-    <p:sldLayoutId id="2147483650" r:id="rId2"/>
-    <p:sldLayoutId id="2147483651" r:id="rId3"/>
-    <p:sldLayoutId id="2147483652" r:id="rId4"/>
-    <p:sldLayoutId id="2147483653" r:id="rId5"/>
-    <p:sldLayoutId id="2147483654" r:id="rId6"/>
-    <p:sldLayoutId id="2147483655" r:id="rId7"/>
-    <p:sldLayoutId id="2147483656" r:id="rId8"/>
-    <p:sldLayoutId id="2147483657" r:id="rId9"/>
-    <p:sldLayoutId id="2147483658" r:id="rId10"/>
-    <p:sldLayoutId id="2147483659" r:id="rId11"/>
+    <p:sldLayoutId id="2147483741" r:id="rId1"/>
+    <p:sldLayoutId id="2147483742" r:id="rId2"/>
+    <p:sldLayoutId id="2147483743" r:id="rId3"/>
+    <p:sldLayoutId id="2147483744" r:id="rId4"/>
+    <p:sldLayoutId id="2147483745" r:id="rId5"/>
+    <p:sldLayoutId id="2147483746" r:id="rId6"/>
+    <p:sldLayoutId id="2147483747" r:id="rId7"/>
+    <p:sldLayoutId id="2147483748" r:id="rId8"/>
+    <p:sldLayoutId id="2147483749" r:id="rId9"/>
+    <p:sldLayoutId id="2147483750" r:id="rId10"/>
+    <p:sldLayoutId id="2147483751" r:id="rId11"/>
+    <p:sldLayoutId id="2147483752" r:id="rId12"/>
+    <p:sldLayoutId id="2147483753" r:id="rId13"/>
+    <p:sldLayoutId id="2147483754" r:id="rId14"/>
+    <p:sldLayoutId id="2147483755" r:id="rId15"/>
+    <p:sldLayoutId id="2147483756" r:id="rId16"/>
+    <p:sldLayoutId id="2147483757" r:id="rId17"/>
+    <p:sldLayoutId id="2147483758" r:id="rId18"/>
+    <p:sldLayoutId id="2147483759" r:id="rId19"/>
   </p:sldLayoutIdLst>
   <p:txStyles>
     <p:titleStyle>
-      <a:lvl1pPr algn="l" defTabSz="914400" rtl="0" eaLnBrk="1" latinLnBrk="0" hangingPunct="1">
+      <a:lvl1pPr algn="ctr" defTabSz="914400" rtl="0" eaLnBrk="1" latinLnBrk="0" hangingPunct="1">
         <a:lnSpc>
           <a:spcPct val="90000"/>
         </a:lnSpc>
@@ -3046,10 +6285,11 @@
           <a:spcPct val="0"/>
         </a:spcBef>
         <a:buNone/>
-        <a:defRPr sz="4400" kern="1200">
+        <a:defRPr sz="3600" kern="1200" cap="all" baseline="0">
           <a:solidFill>
             <a:schemeClr val="tx1"/>
           </a:solidFill>
+          <a:effectLst/>
           <a:latin typeface="+mj-lt"/>
           <a:ea typeface="+mj-ea"/>
           <a:cs typeface="+mj-cs"/>
@@ -3059,17 +6299,21 @@
     <p:bodyStyle>
       <a:lvl1pPr marL="228600" indent="-228600" algn="l" defTabSz="914400" rtl="0" eaLnBrk="1" latinLnBrk="0" hangingPunct="1">
         <a:lnSpc>
-          <a:spcPct val="90000"/>
+          <a:spcPct val="120000"/>
         </a:lnSpc>
         <a:spcBef>
           <a:spcPts val="1000"/>
         </a:spcBef>
+        <a:buClr>
+          <a:schemeClr val="tx1"/>
+        </a:buClr>
         <a:buFont typeface="Arial" panose="020B0604020202020204" pitchFamily="34" charset="0"/>
         <a:buChar char="•"/>
-        <a:defRPr sz="2800" kern="1200">
+        <a:defRPr sz="2000" kern="1200" cap="all" baseline="0">
           <a:solidFill>
             <a:schemeClr val="tx1"/>
           </a:solidFill>
+          <a:effectLst/>
           <a:latin typeface="+mn-lt"/>
           <a:ea typeface="+mn-ea"/>
           <a:cs typeface="+mn-cs"/>
@@ -3077,17 +6321,21 @@
       </a:lvl1pPr>
       <a:lvl2pPr marL="685800" indent="-228600" algn="l" defTabSz="914400" rtl="0" eaLnBrk="1" latinLnBrk="0" hangingPunct="1">
         <a:lnSpc>
-          <a:spcPct val="90000"/>
+          <a:spcPct val="120000"/>
         </a:lnSpc>
         <a:spcBef>
           <a:spcPts val="500"/>
         </a:spcBef>
+        <a:buClr>
+          <a:schemeClr val="tx1"/>
+        </a:buClr>
         <a:buFont typeface="Arial" panose="020B0604020202020204" pitchFamily="34" charset="0"/>
         <a:buChar char="•"/>
-        <a:defRPr sz="2400" kern="1200">
+        <a:defRPr sz="1800" kern="1200" cap="all" baseline="0">
           <a:solidFill>
             <a:schemeClr val="tx1"/>
           </a:solidFill>
+          <a:effectLst/>
           <a:latin typeface="+mn-lt"/>
           <a:ea typeface="+mn-ea"/>
           <a:cs typeface="+mn-cs"/>
@@ -3095,17 +6343,21 @@
       </a:lvl2pPr>
       <a:lvl3pPr marL="1143000" indent="-228600" algn="l" defTabSz="914400" rtl="0" eaLnBrk="1" latinLnBrk="0" hangingPunct="1">
         <a:lnSpc>
-          <a:spcPct val="90000"/>
+          <a:spcPct val="120000"/>
         </a:lnSpc>
         <a:spcBef>
           <a:spcPts val="500"/>
         </a:spcBef>
+        <a:buClr>
+          <a:schemeClr val="tx1"/>
+        </a:buClr>
         <a:buFont typeface="Arial" panose="020B0604020202020204" pitchFamily="34" charset="0"/>
         <a:buChar char="•"/>
-        <a:defRPr sz="2000" kern="1200">
+        <a:defRPr sz="1600" kern="1200" cap="all" baseline="0">
           <a:solidFill>
             <a:schemeClr val="tx1"/>
           </a:solidFill>
+          <a:effectLst/>
           <a:latin typeface="+mn-lt"/>
           <a:ea typeface="+mn-ea"/>
           <a:cs typeface="+mn-cs"/>
@@ -3113,17 +6365,21 @@
       </a:lvl3pPr>
       <a:lvl4pPr marL="1600200" indent="-228600" algn="l" defTabSz="914400" rtl="0" eaLnBrk="1" latinLnBrk="0" hangingPunct="1">
         <a:lnSpc>
-          <a:spcPct val="90000"/>
+          <a:spcPct val="120000"/>
         </a:lnSpc>
         <a:spcBef>
           <a:spcPts val="500"/>
         </a:spcBef>
+        <a:buClr>
+          <a:schemeClr val="tx1"/>
+        </a:buClr>
         <a:buFont typeface="Arial" panose="020B0604020202020204" pitchFamily="34" charset="0"/>
         <a:buChar char="•"/>
-        <a:defRPr sz="1800" kern="1200">
+        <a:defRPr sz="1400" kern="1200" cap="all" baseline="0">
           <a:solidFill>
             <a:schemeClr val="tx1"/>
           </a:solidFill>
+          <a:effectLst/>
           <a:latin typeface="+mn-lt"/>
           <a:ea typeface="+mn-ea"/>
           <a:cs typeface="+mn-cs"/>
@@ -3131,17 +6387,21 @@
       </a:lvl4pPr>
       <a:lvl5pPr marL="2057400" indent="-228600" algn="l" defTabSz="914400" rtl="0" eaLnBrk="1" latinLnBrk="0" hangingPunct="1">
         <a:lnSpc>
-          <a:spcPct val="90000"/>
+          <a:spcPct val="120000"/>
         </a:lnSpc>
         <a:spcBef>
           <a:spcPts val="500"/>
         </a:spcBef>
+        <a:buClr>
+          <a:schemeClr val="tx1"/>
+        </a:buClr>
         <a:buFont typeface="Arial" panose="020B0604020202020204" pitchFamily="34" charset="0"/>
         <a:buChar char="•"/>
-        <a:defRPr sz="1800" kern="1200">
+        <a:defRPr sz="1400" kern="1200" cap="all" baseline="0">
           <a:solidFill>
             <a:schemeClr val="tx1"/>
           </a:solidFill>
+          <a:effectLst/>
           <a:latin typeface="+mn-lt"/>
           <a:ea typeface="+mn-ea"/>
           <a:cs typeface="+mn-cs"/>
@@ -3149,17 +6409,21 @@
       </a:lvl5pPr>
       <a:lvl6pPr marL="2514600" indent="-228600" algn="l" defTabSz="914400" rtl="0" eaLnBrk="1" latinLnBrk="0" hangingPunct="1">
         <a:lnSpc>
-          <a:spcPct val="90000"/>
+          <a:spcPct val="120000"/>
         </a:lnSpc>
         <a:spcBef>
           <a:spcPts val="500"/>
         </a:spcBef>
+        <a:buClr>
+          <a:schemeClr val="tx1"/>
+        </a:buClr>
         <a:buFont typeface="Arial" panose="020B0604020202020204" pitchFamily="34" charset="0"/>
         <a:buChar char="•"/>
-        <a:defRPr sz="1800" kern="1200">
+        <a:defRPr sz="1400" kern="1200" cap="all" baseline="0">
           <a:solidFill>
             <a:schemeClr val="tx1"/>
           </a:solidFill>
+          <a:effectLst/>
           <a:latin typeface="+mn-lt"/>
           <a:ea typeface="+mn-ea"/>
           <a:cs typeface="+mn-cs"/>
@@ -3167,17 +6431,21 @@
       </a:lvl6pPr>
       <a:lvl7pPr marL="2971800" indent="-228600" algn="l" defTabSz="914400" rtl="0" eaLnBrk="1" latinLnBrk="0" hangingPunct="1">
         <a:lnSpc>
-          <a:spcPct val="90000"/>
+          <a:spcPct val="120000"/>
         </a:lnSpc>
         <a:spcBef>
           <a:spcPts val="500"/>
         </a:spcBef>
+        <a:buClr>
+          <a:schemeClr val="tx1"/>
+        </a:buClr>
         <a:buFont typeface="Arial" panose="020B0604020202020204" pitchFamily="34" charset="0"/>
         <a:buChar char="•"/>
-        <a:defRPr sz="1800" kern="1200">
+        <a:defRPr sz="1400" kern="1200" cap="all" baseline="0">
           <a:solidFill>
             <a:schemeClr val="tx1"/>
           </a:solidFill>
+          <a:effectLst/>
           <a:latin typeface="+mn-lt"/>
           <a:ea typeface="+mn-ea"/>
           <a:cs typeface="+mn-cs"/>
@@ -3185,17 +6453,21 @@
       </a:lvl7pPr>
       <a:lvl8pPr marL="3429000" indent="-228600" algn="l" defTabSz="914400" rtl="0" eaLnBrk="1" latinLnBrk="0" hangingPunct="1">
         <a:lnSpc>
-          <a:spcPct val="90000"/>
+          <a:spcPct val="120000"/>
         </a:lnSpc>
         <a:spcBef>
           <a:spcPts val="500"/>
         </a:spcBef>
+        <a:buClr>
+          <a:schemeClr val="tx1"/>
+        </a:buClr>
         <a:buFont typeface="Arial" panose="020B0604020202020204" pitchFamily="34" charset="0"/>
         <a:buChar char="•"/>
-        <a:defRPr sz="1800" kern="1200">
+        <a:defRPr sz="1400" kern="1200" cap="all" baseline="0">
           <a:solidFill>
             <a:schemeClr val="tx1"/>
           </a:solidFill>
+          <a:effectLst/>
           <a:latin typeface="+mn-lt"/>
           <a:ea typeface="+mn-ea"/>
           <a:cs typeface="+mn-cs"/>
@@ -3203,17 +6475,21 @@
       </a:lvl8pPr>
       <a:lvl9pPr marL="3886200" indent="-228600" algn="l" defTabSz="914400" rtl="0" eaLnBrk="1" latinLnBrk="0" hangingPunct="1">
         <a:lnSpc>
-          <a:spcPct val="90000"/>
+          <a:spcPct val="120000"/>
         </a:lnSpc>
         <a:spcBef>
           <a:spcPts val="500"/>
         </a:spcBef>
+        <a:buClr>
+          <a:schemeClr val="tx1"/>
+        </a:buClr>
         <a:buFont typeface="Arial" panose="020B0604020202020204" pitchFamily="34" charset="0"/>
         <a:buChar char="•"/>
-        <a:defRPr sz="1800" kern="1200">
+        <a:defRPr sz="1400" kern="1200" cap="all" baseline="0">
           <a:solidFill>
             <a:schemeClr val="tx1"/>
           </a:solidFill>
+          <a:effectLst/>
           <a:latin typeface="+mn-lt"/>
           <a:ea typeface="+mn-ea"/>
           <a:cs typeface="+mn-cs"/>
@@ -3431,6 +6707,122 @@
           <p:cNvPr id="2" name="Title 1">
             <a:extLst>
               <a:ext uri="{FF2B5EF4-FFF2-40B4-BE49-F238E27FC236}">
+                <a16:creationId xmlns:a16="http://schemas.microsoft.com/office/drawing/2014/main" id="{93F1E6D4-F460-1243-8BAB-FE04082DE61E}"/>
+              </a:ext>
+            </a:extLst>
+          </p:cNvPr>
+          <p:cNvSpPr>
+            <a:spLocks noGrp="1"/>
+          </p:cNvSpPr>
+          <p:nvPr>
+            <p:ph type="title"/>
+          </p:nvPr>
+        </p:nvSpPr>
+        <p:spPr/>
+        <p:txBody>
+          <a:bodyPr/>
+          <a:lstStyle/>
+          <a:p>
+            <a:r>
+              <a:rPr lang="en-US" dirty="0"/>
+              <a:t>Queries Performed</a:t>
+            </a:r>
+          </a:p>
+        </p:txBody>
+      </p:sp>
+      <p:sp>
+        <p:nvSpPr>
+          <p:cNvPr id="3" name="Content Placeholder 2">
+            <a:extLst>
+              <a:ext uri="{FF2B5EF4-FFF2-40B4-BE49-F238E27FC236}">
+                <a16:creationId xmlns:a16="http://schemas.microsoft.com/office/drawing/2014/main" id="{B1E55EAC-891F-D043-B943-FDFC94F79449}"/>
+              </a:ext>
+            </a:extLst>
+          </p:cNvPr>
+          <p:cNvSpPr>
+            <a:spLocks noGrp="1"/>
+          </p:cNvSpPr>
+          <p:nvPr>
+            <p:ph idx="1"/>
+          </p:nvPr>
+        </p:nvSpPr>
+        <p:spPr/>
+        <p:txBody>
+          <a:bodyPr/>
+          <a:lstStyle/>
+          <a:p>
+            <a:r>
+              <a:rPr lang="en-US" dirty="0"/>
+              <a:t>Number of cases in a state over a date range</a:t>
+            </a:r>
+          </a:p>
+          <a:p>
+            <a:r>
+              <a:rPr lang="en-US" dirty="0"/>
+              <a:t>Number of cases in a county over a date range</a:t>
+            </a:r>
+          </a:p>
+          <a:p>
+            <a:r>
+              <a:rPr lang="en-US" dirty="0"/>
+              <a:t>Rank states by net cases over a date range</a:t>
+            </a:r>
+          </a:p>
+          <a:p>
+            <a:r>
+              <a:rPr lang="en-US" dirty="0"/>
+              <a:t>Rank states by cases as percentage of population over a date range</a:t>
+            </a:r>
+          </a:p>
+          <a:p>
+            <a:r>
+              <a:rPr lang="en-US" dirty="0"/>
+              <a:t>Rank counties by net cases over a date range</a:t>
+            </a:r>
+          </a:p>
+          <a:p>
+            <a:r>
+              <a:rPr lang="en-US" dirty="0"/>
+              <a:t>Rank counties by cases as percentage of population over a date range</a:t>
+            </a:r>
+          </a:p>
+        </p:txBody>
+      </p:sp>
+    </p:spTree>
+    <p:extLst>
+      <p:ext uri="{BB962C8B-B14F-4D97-AF65-F5344CB8AC3E}">
+        <p14:creationId xmlns:p14="http://schemas.microsoft.com/office/powerpoint/2010/main" val="3514309768"/>
+      </p:ext>
+    </p:extLst>
+  </p:cSld>
+  <p:clrMapOvr>
+    <a:masterClrMapping/>
+  </p:clrMapOvr>
+</p:sld>
+</file>
+
+<file path=ppt/slides/slide11.xml><?xml version="1.0" encoding="utf-8"?>
+<p:sld xmlns:a="http://schemas.openxmlformats.org/drawingml/2006/main" xmlns:r="http://schemas.openxmlformats.org/officeDocument/2006/relationships" xmlns:p="http://schemas.openxmlformats.org/presentationml/2006/main">
+  <p:cSld>
+    <p:spTree>
+      <p:nvGrpSpPr>
+        <p:cNvPr id="1" name=""/>
+        <p:cNvGrpSpPr/>
+        <p:nvPr/>
+      </p:nvGrpSpPr>
+      <p:grpSpPr>
+        <a:xfrm>
+          <a:off x="0" y="0"/>
+          <a:ext cx="0" cy="0"/>
+          <a:chOff x="0" y="0"/>
+          <a:chExt cx="0" cy="0"/>
+        </a:xfrm>
+      </p:grpSpPr>
+      <p:sp>
+        <p:nvSpPr>
+          <p:cNvPr id="2" name="Title 1">
+            <a:extLst>
+              <a:ext uri="{FF2B5EF4-FFF2-40B4-BE49-F238E27FC236}">
                 <a16:creationId xmlns:a16="http://schemas.microsoft.com/office/drawing/2014/main" id="{5CFDB9A6-A9B1-6D4F-94E2-D1C61DCB983F}"/>
               </a:ext>
             </a:extLst>
@@ -3494,6 +6886,10 @@
               <a:rPr lang="en-US" dirty="0"/>
               <a:t>Learned to work around directly importing that much data into Neo4j directly and all at once, instead created constraints to help unwind created Python data structures to more quickly import and establish the data into Neo4j</a:t>
             </a:r>
+          </a:p>
+          <a:p>
+            <a:pPr lvl="1"/>
+            <a:endParaRPr lang="en-US" dirty="0"/>
           </a:p>
           <a:p>
             <a:endParaRPr lang="en-US" dirty="0"/>
@@ -3513,7 +6909,7 @@
 </p:sld>
 </file>
 
-<file path=ppt/slides/slide11.xml><?xml version="1.0" encoding="utf-8"?>
+<file path=ppt/slides/slide12.xml><?xml version="1.0" encoding="utf-8"?>
 <p:sld xmlns:a="http://schemas.openxmlformats.org/drawingml/2006/main" xmlns:r="http://schemas.openxmlformats.org/officeDocument/2006/relationships" xmlns:p="http://schemas.openxmlformats.org/presentationml/2006/main">
   <p:cSld>
     <p:spTree>
@@ -3754,7 +7150,12 @@
             <p:ph type="title"/>
           </p:nvPr>
         </p:nvSpPr>
-        <p:spPr/>
+        <p:spPr>
+          <a:xfrm>
+            <a:off x="913774" y="0"/>
+            <a:ext cx="10364451" cy="1596177"/>
+          </a:xfrm>
+        </p:spPr>
         <p:txBody>
           <a:bodyPr/>
           <a:lstStyle/>
@@ -3784,13 +7185,12 @@
         </p:nvPicPr>
         <p:blipFill rotWithShape="1">
           <a:blip r:embed="rId2"/>
-          <a:srcRect r="953"/>
           <a:stretch/>
         </p:blipFill>
         <p:spPr>
           <a:xfrm>
-            <a:off x="4163303" y="1359523"/>
-            <a:ext cx="7338136" cy="5227743"/>
+            <a:off x="5303495" y="2020529"/>
+            <a:ext cx="6689978" cy="4829982"/>
           </a:xfrm>
         </p:spPr>
       </p:pic>
@@ -3812,7 +7212,7 @@
         </p:nvSpPr>
         <p:spPr>
           <a:xfrm>
-            <a:off x="1126960" y="1690688"/>
+            <a:off x="7616251" y="1355238"/>
             <a:ext cx="2644940" cy="651934"/>
           </a:xfrm>
         </p:spPr>
@@ -3820,9 +7220,12 @@
           <a:bodyPr/>
           <a:lstStyle/>
           <a:p>
-            <a:r>
-              <a:rPr lang="en-US" dirty="0"/>
-              <a:t>Neo4j Model</a:t>
+            <a:pPr marL="0" indent="0">
+              <a:buNone/>
+            </a:pPr>
+            <a:r>
+              <a:rPr lang="en-US" b="1" dirty="0"/>
+              <a:t>Neo4j Data Model</a:t>
             </a:r>
           </a:p>
           <a:p>
@@ -3830,63 +7233,279 @@
           </a:p>
         </p:txBody>
       </p:sp>
-      <p:sp>
-        <p:nvSpPr>
-          <p:cNvPr id="10" name="Frame 9">
+      <p:pic>
+        <p:nvPicPr>
+          <p:cNvPr id="5" name="Picture 4">
             <a:extLst>
               <a:ext uri="{FF2B5EF4-FFF2-40B4-BE49-F238E27FC236}">
-                <a16:creationId xmlns:a16="http://schemas.microsoft.com/office/drawing/2014/main" id="{AFE33290-A64D-3746-BC70-46220D30B7D0}"/>
+                <a16:creationId xmlns:a16="http://schemas.microsoft.com/office/drawing/2014/main" id="{448FBD03-6CE7-5F4A-9899-9CA84EA448E6}"/>
               </a:ext>
             </a:extLst>
           </p:cNvPr>
-          <p:cNvSpPr/>
+          <p:cNvPicPr>
+            <a:picLocks noChangeAspect="1"/>
+          </p:cNvPicPr>
           <p:nvPr/>
-        </p:nvSpPr>
-        <p:spPr>
-          <a:xfrm>
-            <a:off x="4060660" y="1453917"/>
-            <a:ext cx="7729538" cy="5038957"/>
-          </a:xfrm>
-          <a:prstGeom prst="frame">
-            <a:avLst>
-              <a:gd name="adj1" fmla="val 2639"/>
-            </a:avLst>
+        </p:nvPicPr>
+        <p:blipFill>
+          <a:blip r:embed="rId3"/>
+          <a:stretch>
+            <a:fillRect/>
+          </a:stretch>
+        </p:blipFill>
+        <p:spPr>
+          <a:xfrm>
+            <a:off x="429658" y="2244191"/>
+            <a:ext cx="3804018" cy="4606320"/>
+          </a:xfrm>
+          <a:prstGeom prst="rect">
+            <a:avLst/>
           </a:prstGeom>
-          <a:solidFill>
-            <a:srgbClr val="FF0000"/>
-          </a:solidFill>
-          <a:ln>
-            <a:solidFill>
-              <a:srgbClr val="FF0000"/>
-            </a:solidFill>
-          </a:ln>
-        </p:spPr>
-        <p:style>
-          <a:lnRef idx="2">
-            <a:schemeClr val="accent1">
-              <a:shade val="50000"/>
-            </a:schemeClr>
-          </a:lnRef>
-          <a:fillRef idx="1">
-            <a:schemeClr val="accent1"/>
-          </a:fillRef>
-          <a:effectRef idx="0">
-            <a:schemeClr val="accent1"/>
-          </a:effectRef>
-          <a:fontRef idx="minor">
-            <a:schemeClr val="lt1"/>
-          </a:fontRef>
-        </p:style>
-        <p:txBody>
-          <a:bodyPr rtlCol="0" anchor="ctr"/>
-          <a:lstStyle/>
-          <a:p>
-            <a:pPr algn="ctr"/>
-            <a:endParaRPr lang="en-US">
-              <a:solidFill>
+        </p:spPr>
+      </p:pic>
+      <p:sp>
+        <p:nvSpPr>
+          <p:cNvPr id="12" name="Content Placeholder 10">
+            <a:extLst>
+              <a:ext uri="{FF2B5EF4-FFF2-40B4-BE49-F238E27FC236}">
+                <a16:creationId xmlns:a16="http://schemas.microsoft.com/office/drawing/2014/main" id="{F47A2342-9109-2940-9A35-247E2EDA99E8}"/>
+              </a:ext>
+            </a:extLst>
+          </p:cNvPr>
+          <p:cNvSpPr txBox="1">
+            <a:spLocks/>
+          </p:cNvSpPr>
+          <p:nvPr/>
+        </p:nvSpPr>
+        <p:spPr>
+          <a:xfrm>
+            <a:off x="718419" y="1245955"/>
+            <a:ext cx="3461519" cy="998236"/>
+          </a:xfrm>
+          <a:prstGeom prst="rect">
+            <a:avLst/>
+          </a:prstGeom>
+        </p:spPr>
+        <p:txBody>
+          <a:bodyPr vert="horz" lIns="91440" tIns="45720" rIns="91440" bIns="45720" rtlCol="0">
+            <a:normAutofit fontScale="77500" lnSpcReduction="20000"/>
+          </a:bodyPr>
+          <a:lstStyle>
+            <a:lvl1pPr marL="228600" indent="-228600" algn="l" defTabSz="914400" rtl="0" eaLnBrk="1" latinLnBrk="0" hangingPunct="1">
+              <a:lnSpc>
+                <a:spcPct val="120000"/>
+              </a:lnSpc>
+              <a:spcBef>
+                <a:spcPts val="1000"/>
+              </a:spcBef>
+              <a:buClr>
                 <a:schemeClr val="tx1"/>
-              </a:solidFill>
-            </a:endParaRPr>
+              </a:buClr>
+              <a:buFont typeface="Arial" panose="020B0604020202020204" pitchFamily="34" charset="0"/>
+              <a:buChar char="•"/>
+              <a:defRPr sz="1800" kern="1200" cap="all" baseline="0">
+                <a:solidFill>
+                  <a:schemeClr val="tx1"/>
+                </a:solidFill>
+                <a:effectLst/>
+                <a:latin typeface="+mn-lt"/>
+                <a:ea typeface="+mn-ea"/>
+                <a:cs typeface="+mn-cs"/>
+              </a:defRPr>
+            </a:lvl1pPr>
+            <a:lvl2pPr marL="685800" indent="-228600" algn="l" defTabSz="914400" rtl="0" eaLnBrk="1" latinLnBrk="0" hangingPunct="1">
+              <a:lnSpc>
+                <a:spcPct val="120000"/>
+              </a:lnSpc>
+              <a:spcBef>
+                <a:spcPts val="500"/>
+              </a:spcBef>
+              <a:buClr>
+                <a:schemeClr val="tx1"/>
+              </a:buClr>
+              <a:buFont typeface="Arial" panose="020B0604020202020204" pitchFamily="34" charset="0"/>
+              <a:buChar char="•"/>
+              <a:defRPr sz="1600" kern="1200" cap="all" baseline="0">
+                <a:solidFill>
+                  <a:schemeClr val="tx1"/>
+                </a:solidFill>
+                <a:effectLst/>
+                <a:latin typeface="+mn-lt"/>
+                <a:ea typeface="+mn-ea"/>
+                <a:cs typeface="+mn-cs"/>
+              </a:defRPr>
+            </a:lvl2pPr>
+            <a:lvl3pPr marL="1143000" indent="-228600" algn="l" defTabSz="914400" rtl="0" eaLnBrk="1" latinLnBrk="0" hangingPunct="1">
+              <a:lnSpc>
+                <a:spcPct val="120000"/>
+              </a:lnSpc>
+              <a:spcBef>
+                <a:spcPts val="500"/>
+              </a:spcBef>
+              <a:buClr>
+                <a:schemeClr val="tx1"/>
+              </a:buClr>
+              <a:buFont typeface="Arial" panose="020B0604020202020204" pitchFamily="34" charset="0"/>
+              <a:buChar char="•"/>
+              <a:defRPr sz="1400" kern="1200" cap="all" baseline="0">
+                <a:solidFill>
+                  <a:schemeClr val="tx1"/>
+                </a:solidFill>
+                <a:effectLst/>
+                <a:latin typeface="+mn-lt"/>
+                <a:ea typeface="+mn-ea"/>
+                <a:cs typeface="+mn-cs"/>
+              </a:defRPr>
+            </a:lvl3pPr>
+            <a:lvl4pPr marL="1600200" indent="-228600" algn="l" defTabSz="914400" rtl="0" eaLnBrk="1" latinLnBrk="0" hangingPunct="1">
+              <a:lnSpc>
+                <a:spcPct val="120000"/>
+              </a:lnSpc>
+              <a:spcBef>
+                <a:spcPts val="500"/>
+              </a:spcBef>
+              <a:buClr>
+                <a:schemeClr val="tx1"/>
+              </a:buClr>
+              <a:buFont typeface="Arial" panose="020B0604020202020204" pitchFamily="34" charset="0"/>
+              <a:buChar char="•"/>
+              <a:defRPr sz="1200" kern="1200" cap="all" baseline="0">
+                <a:solidFill>
+                  <a:schemeClr val="tx1"/>
+                </a:solidFill>
+                <a:effectLst/>
+                <a:latin typeface="+mn-lt"/>
+                <a:ea typeface="+mn-ea"/>
+                <a:cs typeface="+mn-cs"/>
+              </a:defRPr>
+            </a:lvl4pPr>
+            <a:lvl5pPr marL="2057400" indent="-228600" algn="l" defTabSz="914400" rtl="0" eaLnBrk="1" latinLnBrk="0" hangingPunct="1">
+              <a:lnSpc>
+                <a:spcPct val="120000"/>
+              </a:lnSpc>
+              <a:spcBef>
+                <a:spcPts val="500"/>
+              </a:spcBef>
+              <a:buClr>
+                <a:schemeClr val="tx1"/>
+              </a:buClr>
+              <a:buFont typeface="Arial" panose="020B0604020202020204" pitchFamily="34" charset="0"/>
+              <a:buChar char="•"/>
+              <a:defRPr sz="1200" kern="1200" cap="all" baseline="0">
+                <a:solidFill>
+                  <a:schemeClr val="tx1"/>
+                </a:solidFill>
+                <a:effectLst/>
+                <a:latin typeface="+mn-lt"/>
+                <a:ea typeface="+mn-ea"/>
+                <a:cs typeface="+mn-cs"/>
+              </a:defRPr>
+            </a:lvl5pPr>
+            <a:lvl6pPr marL="2514600" indent="-228600" algn="l" defTabSz="914400" rtl="0" eaLnBrk="1" latinLnBrk="0" hangingPunct="1">
+              <a:lnSpc>
+                <a:spcPct val="120000"/>
+              </a:lnSpc>
+              <a:spcBef>
+                <a:spcPts val="500"/>
+              </a:spcBef>
+              <a:buClr>
+                <a:schemeClr val="tx1"/>
+              </a:buClr>
+              <a:buFont typeface="Arial" panose="020B0604020202020204" pitchFamily="34" charset="0"/>
+              <a:buChar char="•"/>
+              <a:defRPr sz="1200" kern="1200" cap="all" baseline="0">
+                <a:solidFill>
+                  <a:schemeClr val="tx1"/>
+                </a:solidFill>
+                <a:effectLst/>
+                <a:latin typeface="+mn-lt"/>
+                <a:ea typeface="+mn-ea"/>
+                <a:cs typeface="+mn-cs"/>
+              </a:defRPr>
+            </a:lvl6pPr>
+            <a:lvl7pPr marL="2971800" indent="-228600" algn="l" defTabSz="914400" rtl="0" eaLnBrk="1" latinLnBrk="0" hangingPunct="1">
+              <a:lnSpc>
+                <a:spcPct val="120000"/>
+              </a:lnSpc>
+              <a:spcBef>
+                <a:spcPts val="500"/>
+              </a:spcBef>
+              <a:buClr>
+                <a:schemeClr val="tx1"/>
+              </a:buClr>
+              <a:buFont typeface="Arial" panose="020B0604020202020204" pitchFamily="34" charset="0"/>
+              <a:buChar char="•"/>
+              <a:defRPr sz="1200" kern="1200" cap="all" baseline="0">
+                <a:solidFill>
+                  <a:schemeClr val="tx1"/>
+                </a:solidFill>
+                <a:effectLst/>
+                <a:latin typeface="+mn-lt"/>
+                <a:ea typeface="+mn-ea"/>
+                <a:cs typeface="+mn-cs"/>
+              </a:defRPr>
+            </a:lvl7pPr>
+            <a:lvl8pPr marL="3429000" indent="-228600" algn="l" defTabSz="914400" rtl="0" eaLnBrk="1" latinLnBrk="0" hangingPunct="1">
+              <a:lnSpc>
+                <a:spcPct val="120000"/>
+              </a:lnSpc>
+              <a:spcBef>
+                <a:spcPts val="500"/>
+              </a:spcBef>
+              <a:buClr>
+                <a:schemeClr val="tx1"/>
+              </a:buClr>
+              <a:buFont typeface="Arial" panose="020B0604020202020204" pitchFamily="34" charset="0"/>
+              <a:buChar char="•"/>
+              <a:defRPr sz="1200" kern="1200" cap="all" baseline="0">
+                <a:solidFill>
+                  <a:schemeClr val="tx1"/>
+                </a:solidFill>
+                <a:effectLst/>
+                <a:latin typeface="+mn-lt"/>
+                <a:ea typeface="+mn-ea"/>
+                <a:cs typeface="+mn-cs"/>
+              </a:defRPr>
+            </a:lvl8pPr>
+            <a:lvl9pPr marL="3886200" indent="-228600" algn="l" defTabSz="914400" rtl="0" eaLnBrk="1" latinLnBrk="0" hangingPunct="1">
+              <a:lnSpc>
+                <a:spcPct val="120000"/>
+              </a:lnSpc>
+              <a:spcBef>
+                <a:spcPts val="500"/>
+              </a:spcBef>
+              <a:buClr>
+                <a:schemeClr val="tx1"/>
+              </a:buClr>
+              <a:buFont typeface="Arial" panose="020B0604020202020204" pitchFamily="34" charset="0"/>
+              <a:buChar char="•"/>
+              <a:defRPr sz="1200" kern="1200" cap="all" baseline="0">
+                <a:solidFill>
+                  <a:schemeClr val="tx1"/>
+                </a:solidFill>
+                <a:effectLst/>
+                <a:latin typeface="+mn-lt"/>
+                <a:ea typeface="+mn-ea"/>
+                <a:cs typeface="+mn-cs"/>
+              </a:defRPr>
+            </a:lvl9pPr>
+          </a:lstStyle>
+          <a:p>
+            <a:pPr marL="0" indent="0" algn="ctr">
+              <a:buFont typeface="Arial" panose="020B0604020202020204" pitchFamily="34" charset="0"/>
+              <a:buNone/>
+            </a:pPr>
+            <a:r>
+              <a:rPr lang="en-US" sz="2100" b="1" dirty="0"/>
+              <a:t>Mongo Data Model </a:t>
+            </a:r>
+            <a:r>
+              <a:rPr lang="en-US" dirty="0"/>
+              <a:t>(Collections are loaded separately, arrows are just helping to visualize how the data is manipulated in future steps </a:t>
+            </a:r>
+          </a:p>
+          <a:p>
+            <a:endParaRPr lang="en-US" dirty="0"/>
           </a:p>
         </p:txBody>
       </p:sp>
@@ -4205,14 +7824,49 @@
             <p:ph idx="1"/>
           </p:nvPr>
         </p:nvSpPr>
-        <p:spPr/>
-        <p:txBody>
-          <a:bodyPr/>
+        <p:spPr>
+          <a:xfrm>
+            <a:off x="838200" y="1690688"/>
+            <a:ext cx="10515600" cy="4351338"/>
+          </a:xfrm>
+        </p:spPr>
+        <p:txBody>
+          <a:bodyPr>
+            <a:normAutofit fontScale="92500" lnSpcReduction="20000"/>
+          </a:bodyPr>
           <a:lstStyle/>
           <a:p>
             <a:r>
               <a:rPr lang="en-US" dirty="0"/>
-              <a:t>MongoDB: quick and efficient querying on geospatial locations</a:t>
+              <a:t>MongoDB: quick and efficient initial location for uploading our data</a:t>
+            </a:r>
+          </a:p>
+          <a:p>
+            <a:pPr lvl="1"/>
+            <a:r>
+              <a:rPr lang="en-US" dirty="0"/>
+              <a:t>Quicker to upload directly to mongo than Neo4j</a:t>
+            </a:r>
+          </a:p>
+          <a:p>
+            <a:pPr lvl="1"/>
+            <a:r>
+              <a:rPr lang="en-US" dirty="0"/>
+              <a:t>Easy to load data from MongoDB into Neo4j with Python (Py2Neo)</a:t>
+            </a:r>
+          </a:p>
+          <a:p>
+            <a:pPr lvl="1"/>
+            <a:r>
+              <a:rPr lang="en-US" dirty="0"/>
+              <a:t>Collections are separated (each csv is own table during initial upload)</a:t>
+            </a:r>
+          </a:p>
+          <a:p>
+            <a:pPr lvl="1"/>
+            <a:r>
+              <a:rPr lang="en-US" dirty="0"/>
+              <a:t>Data transformation occurs in py2neo and neo4j</a:t>
             </a:r>
           </a:p>
           <a:p>
@@ -4371,7 +8025,9 @@
         </p:nvSpPr>
         <p:spPr/>
         <p:txBody>
-          <a:bodyPr/>
+          <a:bodyPr>
+            <a:normAutofit fontScale="92500" lnSpcReduction="20000"/>
+          </a:bodyPr>
           <a:lstStyle/>
           <a:p>
             <a:r>
@@ -4393,6 +8049,27 @@
             <a:r>
               <a:rPr lang="en-US" dirty="0"/>
               <a:t> codes using Zips2Fips.json dataset, starts creation of Neo4j data model</a:t>
+            </a:r>
+          </a:p>
+          <a:p>
+            <a:r>
+              <a:rPr lang="en-US" dirty="0"/>
+              <a:t>Converting data from MongoDB into Neo4j</a:t>
+            </a:r>
+          </a:p>
+          <a:p>
+            <a:pPr lvl="1"/>
+            <a:r>
+              <a:rPr lang="en-US" dirty="0"/>
+              <a:t>Removes county duplicates, state duplicates, creates relationships between states &lt;- counties &lt;- zips, whereas in Mongo, this data stored contains duplicate county/state </a:t>
+            </a:r>
+            <a:r>
+              <a:rPr lang="en-US" dirty="0" err="1"/>
+              <a:t>covid</a:t>
+            </a:r>
+            <a:r>
+              <a:rPr lang="en-US" dirty="0"/>
+              <a:t> records</a:t>
             </a:r>
           </a:p>
           <a:p>
@@ -4467,7 +8144,7 @@
           <p:cNvPr id="2" name="Title 1">
             <a:extLst>
               <a:ext uri="{FF2B5EF4-FFF2-40B4-BE49-F238E27FC236}">
-                <a16:creationId xmlns:a16="http://schemas.microsoft.com/office/drawing/2014/main" id="{9DD8C5FB-FF41-FB45-B43F-A475DF6FEB4E}"/>
+                <a16:creationId xmlns:a16="http://schemas.microsoft.com/office/drawing/2014/main" id="{F317B4C0-DAA3-0844-A5B7-C850FB64BE5C}"/>
               </a:ext>
             </a:extLst>
           </p:cNvPr>
@@ -4478,84 +8155,908 @@
             <p:ph type="title"/>
           </p:nvPr>
         </p:nvSpPr>
-        <p:spPr/>
-        <p:txBody>
-          <a:bodyPr/>
+        <p:spPr>
+          <a:xfrm>
+            <a:off x="161609" y="111455"/>
+            <a:ext cx="3776212" cy="989842"/>
+          </a:xfrm>
+        </p:spPr>
+        <p:txBody>
+          <a:bodyPr>
+            <a:normAutofit fontScale="90000"/>
+          </a:bodyPr>
           <a:lstStyle/>
           <a:p>
             <a:r>
               <a:rPr lang="en-US" dirty="0"/>
-              <a:t>Tools used</a:t>
-            </a:r>
-          </a:p>
-        </p:txBody>
-      </p:sp>
-      <p:sp>
-        <p:nvSpPr>
-          <p:cNvPr id="3" name="Content Placeholder 2">
+              <a:t>Tools used/</a:t>
+            </a:r>
+            <a:r>
+              <a:rPr lang="en-US" dirty="0" err="1"/>
+              <a:t>WorkFlow</a:t>
+            </a:r>
+            <a:endParaRPr lang="en-US" dirty="0"/>
+          </a:p>
+        </p:txBody>
+      </p:sp>
+      <p:pic>
+        <p:nvPicPr>
+          <p:cNvPr id="15" name="Picture 14" descr="Logo&#10;&#10;Description automatically generated">
             <a:extLst>
               <a:ext uri="{FF2B5EF4-FFF2-40B4-BE49-F238E27FC236}">
-                <a16:creationId xmlns:a16="http://schemas.microsoft.com/office/drawing/2014/main" id="{6F4000CC-1284-9046-B3F4-B70B01AA0DF9}"/>
+                <a16:creationId xmlns:a16="http://schemas.microsoft.com/office/drawing/2014/main" id="{CBDCF8FF-B4B9-5046-B342-B169990BF254}"/>
               </a:ext>
             </a:extLst>
           </p:cNvPr>
-          <p:cNvSpPr>
-            <a:spLocks noGrp="1"/>
-          </p:cNvSpPr>
-          <p:nvPr>
-            <p:ph idx="1"/>
-          </p:nvPr>
-        </p:nvSpPr>
-        <p:spPr/>
-        <p:txBody>
-          <a:bodyPr/>
-          <a:lstStyle/>
-          <a:p>
+          <p:cNvPicPr>
+            <a:picLocks noChangeAspect="1"/>
+          </p:cNvPicPr>
+          <p:nvPr/>
+        </p:nvPicPr>
+        <p:blipFill>
+          <a:blip r:embed="rId2"/>
+          <a:stretch>
+            <a:fillRect/>
+          </a:stretch>
+        </p:blipFill>
+        <p:spPr>
+          <a:xfrm>
+            <a:off x="10110638" y="2380840"/>
+            <a:ext cx="964621" cy="1306257"/>
+          </a:xfrm>
+          <a:prstGeom prst="rect">
+            <a:avLst/>
+          </a:prstGeom>
+        </p:spPr>
+      </p:pic>
+      <p:pic>
+        <p:nvPicPr>
+          <p:cNvPr id="17" name="Picture 16" descr="Icon&#10;&#10;Description automatically generated">
+            <a:extLst>
+              <a:ext uri="{FF2B5EF4-FFF2-40B4-BE49-F238E27FC236}">
+                <a16:creationId xmlns:a16="http://schemas.microsoft.com/office/drawing/2014/main" id="{838C4A4C-94BF-B142-8FBD-2D6C10B6CA36}"/>
+              </a:ext>
+            </a:extLst>
+          </p:cNvPr>
+          <p:cNvPicPr>
+            <a:picLocks noChangeAspect="1"/>
+          </p:cNvPicPr>
+          <p:nvPr/>
+        </p:nvPicPr>
+        <p:blipFill>
+          <a:blip r:embed="rId3"/>
+          <a:stretch>
+            <a:fillRect/>
+          </a:stretch>
+        </p:blipFill>
+        <p:spPr>
+          <a:xfrm>
+            <a:off x="5473700" y="2375309"/>
+            <a:ext cx="984717" cy="1286161"/>
+          </a:xfrm>
+          <a:prstGeom prst="rect">
+            <a:avLst/>
+          </a:prstGeom>
+        </p:spPr>
+      </p:pic>
+      <p:pic>
+        <p:nvPicPr>
+          <p:cNvPr id="19" name="Picture 18" descr="A picture containing icon&#10;&#10;Description automatically generated">
+            <a:extLst>
+              <a:ext uri="{FF2B5EF4-FFF2-40B4-BE49-F238E27FC236}">
+                <a16:creationId xmlns:a16="http://schemas.microsoft.com/office/drawing/2014/main" id="{BBB20492-D175-6246-A462-AB2AC507D0F1}"/>
+              </a:ext>
+            </a:extLst>
+          </p:cNvPr>
+          <p:cNvPicPr>
+            <a:picLocks noChangeAspect="1"/>
+          </p:cNvPicPr>
+          <p:nvPr/>
+        </p:nvPicPr>
+        <p:blipFill>
+          <a:blip r:embed="rId4"/>
+          <a:stretch>
+            <a:fillRect/>
+          </a:stretch>
+        </p:blipFill>
+        <p:spPr>
+          <a:xfrm>
+            <a:off x="7825042" y="2455693"/>
+            <a:ext cx="1125391" cy="1125391"/>
+          </a:xfrm>
+          <a:prstGeom prst="rect">
+            <a:avLst/>
+          </a:prstGeom>
+        </p:spPr>
+      </p:pic>
+      <p:pic>
+        <p:nvPicPr>
+          <p:cNvPr id="21" name="Picture 20" descr="Icon&#10;&#10;Description automatically generated">
+            <a:extLst>
+              <a:ext uri="{FF2B5EF4-FFF2-40B4-BE49-F238E27FC236}">
+                <a16:creationId xmlns:a16="http://schemas.microsoft.com/office/drawing/2014/main" id="{827BFBE2-1B37-0B41-BCFA-302AE02C8C4E}"/>
+              </a:ext>
+            </a:extLst>
+          </p:cNvPr>
+          <p:cNvPicPr>
+            <a:picLocks noChangeAspect="1"/>
+          </p:cNvPicPr>
+          <p:nvPr/>
+        </p:nvPicPr>
+        <p:blipFill>
+          <a:blip r:embed="rId5"/>
+          <a:stretch>
+            <a:fillRect/>
+          </a:stretch>
+        </p:blipFill>
+        <p:spPr>
+          <a:xfrm>
+            <a:off x="2981684" y="2471272"/>
+            <a:ext cx="1125391" cy="1125391"/>
+          </a:xfrm>
+          <a:prstGeom prst="rect">
+            <a:avLst/>
+          </a:prstGeom>
+        </p:spPr>
+      </p:pic>
+      <p:pic>
+        <p:nvPicPr>
+          <p:cNvPr id="23" name="Picture 22" descr="Logo, company name&#10;&#10;Description automatically generated">
+            <a:extLst>
+              <a:ext uri="{FF2B5EF4-FFF2-40B4-BE49-F238E27FC236}">
+                <a16:creationId xmlns:a16="http://schemas.microsoft.com/office/drawing/2014/main" id="{77580462-CA4A-BA4D-BAEC-9304C5FBBE4E}"/>
+              </a:ext>
+            </a:extLst>
+          </p:cNvPr>
+          <p:cNvPicPr>
+            <a:picLocks noChangeAspect="1"/>
+          </p:cNvPicPr>
+          <p:nvPr/>
+        </p:nvPicPr>
+        <p:blipFill>
+          <a:blip r:embed="rId6"/>
+          <a:stretch>
+            <a:fillRect/>
+          </a:stretch>
+        </p:blipFill>
+        <p:spPr>
+          <a:xfrm>
+            <a:off x="675966" y="2380840"/>
+            <a:ext cx="1111937" cy="1306257"/>
+          </a:xfrm>
+          <a:prstGeom prst="rect">
+            <a:avLst/>
+          </a:prstGeom>
+        </p:spPr>
+      </p:pic>
+      <p:pic>
+        <p:nvPicPr>
+          <p:cNvPr id="25" name="Picture 24" descr="Icon&#10;&#10;Description automatically generated">
+            <a:extLst>
+              <a:ext uri="{FF2B5EF4-FFF2-40B4-BE49-F238E27FC236}">
+                <a16:creationId xmlns:a16="http://schemas.microsoft.com/office/drawing/2014/main" id="{47016658-C802-724B-ADE0-0D3849A6C78D}"/>
+              </a:ext>
+            </a:extLst>
+          </p:cNvPr>
+          <p:cNvPicPr>
+            <a:picLocks noChangeAspect="1"/>
+          </p:cNvPicPr>
+          <p:nvPr/>
+        </p:nvPicPr>
+        <p:blipFill>
+          <a:blip r:embed="rId7"/>
+          <a:stretch>
+            <a:fillRect/>
+          </a:stretch>
+        </p:blipFill>
+        <p:spPr>
+          <a:xfrm>
+            <a:off x="672382" y="5339939"/>
+            <a:ext cx="1109589" cy="1125391"/>
+          </a:xfrm>
+          <a:prstGeom prst="rect">
+            <a:avLst/>
+          </a:prstGeom>
+        </p:spPr>
+      </p:pic>
+      <p:pic>
+        <p:nvPicPr>
+          <p:cNvPr id="27" name="Picture 26" descr="Icon&#10;&#10;Description automatically generated">
+            <a:extLst>
+              <a:ext uri="{FF2B5EF4-FFF2-40B4-BE49-F238E27FC236}">
+                <a16:creationId xmlns:a16="http://schemas.microsoft.com/office/drawing/2014/main" id="{09FCB748-AE36-F04E-94C5-738D52B38F56}"/>
+              </a:ext>
+            </a:extLst>
+          </p:cNvPr>
+          <p:cNvPicPr>
+            <a:picLocks noChangeAspect="1"/>
+          </p:cNvPicPr>
+          <p:nvPr/>
+        </p:nvPicPr>
+        <p:blipFill>
+          <a:blip r:embed="rId8"/>
+          <a:stretch>
+            <a:fillRect/>
+          </a:stretch>
+        </p:blipFill>
+        <p:spPr>
+          <a:xfrm>
+            <a:off x="672383" y="3917540"/>
+            <a:ext cx="1109590" cy="1125391"/>
+          </a:xfrm>
+          <a:prstGeom prst="rect">
+            <a:avLst/>
+          </a:prstGeom>
+        </p:spPr>
+      </p:pic>
+      <p:cxnSp>
+        <p:nvCxnSpPr>
+          <p:cNvPr id="29" name="Straight Arrow Connector 28">
+            <a:extLst>
+              <a:ext uri="{FF2B5EF4-FFF2-40B4-BE49-F238E27FC236}">
+                <a16:creationId xmlns:a16="http://schemas.microsoft.com/office/drawing/2014/main" id="{FB324477-19CD-254C-BE49-4BBDD51265AD}"/>
+              </a:ext>
+            </a:extLst>
+          </p:cNvPr>
+          <p:cNvCxnSpPr>
+            <a:stCxn id="23" idx="3"/>
+            <a:endCxn id="21" idx="1"/>
+          </p:cNvCxnSpPr>
+          <p:nvPr/>
+        </p:nvCxnSpPr>
+        <p:spPr>
+          <a:xfrm flipV="1">
+            <a:off x="1787903" y="3033968"/>
+            <a:ext cx="1193781" cy="1"/>
+          </a:xfrm>
+          <a:prstGeom prst="straightConnector1">
+            <a:avLst/>
+          </a:prstGeom>
+          <a:ln w="69850">
+            <a:solidFill>
+              <a:schemeClr val="tx1"/>
+            </a:solidFill>
+            <a:tailEnd type="triangle"/>
+          </a:ln>
+        </p:spPr>
+        <p:style>
+          <a:lnRef idx="1">
+            <a:schemeClr val="accent1"/>
+          </a:lnRef>
+          <a:fillRef idx="0">
+            <a:schemeClr val="accent1"/>
+          </a:fillRef>
+          <a:effectRef idx="0">
+            <a:schemeClr val="accent1"/>
+          </a:effectRef>
+          <a:fontRef idx="minor">
+            <a:schemeClr val="tx1"/>
+          </a:fontRef>
+        </p:style>
+      </p:cxnSp>
+      <p:cxnSp>
+        <p:nvCxnSpPr>
+          <p:cNvPr id="32" name="Straight Arrow Connector 31">
+            <a:extLst>
+              <a:ext uri="{FF2B5EF4-FFF2-40B4-BE49-F238E27FC236}">
+                <a16:creationId xmlns:a16="http://schemas.microsoft.com/office/drawing/2014/main" id="{C38D8394-AE65-DC46-9F22-331AAE9F394E}"/>
+              </a:ext>
+            </a:extLst>
+          </p:cNvPr>
+          <p:cNvCxnSpPr>
+            <a:stCxn id="21" idx="3"/>
+            <a:endCxn id="17" idx="1"/>
+          </p:cNvCxnSpPr>
+          <p:nvPr/>
+        </p:nvCxnSpPr>
+        <p:spPr>
+          <a:xfrm flipV="1">
+            <a:off x="4107075" y="3018390"/>
+            <a:ext cx="1366625" cy="15578"/>
+          </a:xfrm>
+          <a:prstGeom prst="straightConnector1">
+            <a:avLst/>
+          </a:prstGeom>
+          <a:ln w="69850">
+            <a:solidFill>
+              <a:schemeClr val="tx1"/>
+            </a:solidFill>
+            <a:tailEnd type="triangle"/>
+          </a:ln>
+        </p:spPr>
+        <p:style>
+          <a:lnRef idx="1">
+            <a:schemeClr val="accent1"/>
+          </a:lnRef>
+          <a:fillRef idx="0">
+            <a:schemeClr val="accent1"/>
+          </a:fillRef>
+          <a:effectRef idx="0">
+            <a:schemeClr val="accent1"/>
+          </a:effectRef>
+          <a:fontRef idx="minor">
+            <a:schemeClr val="tx1"/>
+          </a:fontRef>
+        </p:style>
+      </p:cxnSp>
+      <p:cxnSp>
+        <p:nvCxnSpPr>
+          <p:cNvPr id="33" name="Straight Arrow Connector 32">
+            <a:extLst>
+              <a:ext uri="{FF2B5EF4-FFF2-40B4-BE49-F238E27FC236}">
+                <a16:creationId xmlns:a16="http://schemas.microsoft.com/office/drawing/2014/main" id="{62BD9A6D-6E1C-0546-B041-EA58E5B4933D}"/>
+              </a:ext>
+            </a:extLst>
+          </p:cNvPr>
+          <p:cNvCxnSpPr>
+            <a:cxnSpLocks/>
+            <a:stCxn id="17" idx="3"/>
+            <a:endCxn id="19" idx="1"/>
+          </p:cNvCxnSpPr>
+          <p:nvPr/>
+        </p:nvCxnSpPr>
+        <p:spPr>
+          <a:xfrm flipV="1">
+            <a:off x="6458417" y="3018389"/>
+            <a:ext cx="1366625" cy="1"/>
+          </a:xfrm>
+          <a:prstGeom prst="straightConnector1">
+            <a:avLst/>
+          </a:prstGeom>
+          <a:ln w="69850">
+            <a:solidFill>
+              <a:schemeClr val="tx1"/>
+            </a:solidFill>
+            <a:tailEnd type="triangle"/>
+          </a:ln>
+        </p:spPr>
+        <p:style>
+          <a:lnRef idx="1">
+            <a:schemeClr val="accent1"/>
+          </a:lnRef>
+          <a:fillRef idx="0">
+            <a:schemeClr val="accent1"/>
+          </a:fillRef>
+          <a:effectRef idx="0">
+            <a:schemeClr val="accent1"/>
+          </a:effectRef>
+          <a:fontRef idx="minor">
+            <a:schemeClr val="tx1"/>
+          </a:fontRef>
+        </p:style>
+      </p:cxnSp>
+      <p:cxnSp>
+        <p:nvCxnSpPr>
+          <p:cNvPr id="37" name="Straight Arrow Connector 36">
+            <a:extLst>
+              <a:ext uri="{FF2B5EF4-FFF2-40B4-BE49-F238E27FC236}">
+                <a16:creationId xmlns:a16="http://schemas.microsoft.com/office/drawing/2014/main" id="{40CF9B49-E21D-2D4E-905C-83C4C4C51E7E}"/>
+              </a:ext>
+            </a:extLst>
+          </p:cNvPr>
+          <p:cNvCxnSpPr>
+            <a:cxnSpLocks/>
+            <a:endCxn id="15" idx="1"/>
+          </p:cNvCxnSpPr>
+          <p:nvPr/>
+        </p:nvCxnSpPr>
+        <p:spPr>
+          <a:xfrm>
+            <a:off x="8950433" y="3018389"/>
+            <a:ext cx="1160205" cy="15580"/>
+          </a:xfrm>
+          <a:prstGeom prst="straightConnector1">
+            <a:avLst/>
+          </a:prstGeom>
+          <a:ln w="69850">
+            <a:solidFill>
+              <a:schemeClr val="tx1"/>
+            </a:solidFill>
+            <a:tailEnd type="triangle"/>
+          </a:ln>
+        </p:spPr>
+        <p:style>
+          <a:lnRef idx="1">
+            <a:schemeClr val="accent1"/>
+          </a:lnRef>
+          <a:fillRef idx="0">
+            <a:schemeClr val="accent1"/>
+          </a:fillRef>
+          <a:effectRef idx="0">
+            <a:schemeClr val="accent1"/>
+          </a:effectRef>
+          <a:fontRef idx="minor">
+            <a:schemeClr val="tx1"/>
+          </a:fontRef>
+        </p:style>
+      </p:cxnSp>
+      <p:pic>
+        <p:nvPicPr>
+          <p:cNvPr id="40" name="Picture 39" descr="A picture containing window, grate&#10;&#10;Description automatically generated">
+            <a:extLst>
+              <a:ext uri="{FF2B5EF4-FFF2-40B4-BE49-F238E27FC236}">
+                <a16:creationId xmlns:a16="http://schemas.microsoft.com/office/drawing/2014/main" id="{1E42F4EE-BB71-8441-862C-D1F3817E4F38}"/>
+              </a:ext>
+            </a:extLst>
+          </p:cNvPr>
+          <p:cNvPicPr>
+            <a:picLocks noChangeAspect="1"/>
+          </p:cNvPicPr>
+          <p:nvPr/>
+        </p:nvPicPr>
+        <p:blipFill>
+          <a:blip r:embed="rId9"/>
+          <a:stretch>
+            <a:fillRect/>
+          </a:stretch>
+        </p:blipFill>
+        <p:spPr>
+          <a:xfrm>
+            <a:off x="9829084" y="71402"/>
+            <a:ext cx="1069949" cy="1069949"/>
+          </a:xfrm>
+          <a:prstGeom prst="rect">
+            <a:avLst/>
+          </a:prstGeom>
+        </p:spPr>
+      </p:pic>
+      <p:sp>
+        <p:nvSpPr>
+          <p:cNvPr id="41" name="Double Brace 40">
+            <a:extLst>
+              <a:ext uri="{FF2B5EF4-FFF2-40B4-BE49-F238E27FC236}">
+                <a16:creationId xmlns:a16="http://schemas.microsoft.com/office/drawing/2014/main" id="{E3B2AE46-591B-E748-ADC4-62AB0C41958C}"/>
+              </a:ext>
+            </a:extLst>
+          </p:cNvPr>
+          <p:cNvSpPr/>
+          <p:nvPr/>
+        </p:nvSpPr>
+        <p:spPr>
+          <a:xfrm>
+            <a:off x="9462057" y="1746273"/>
+            <a:ext cx="1802619" cy="585715"/>
+          </a:xfrm>
+          <a:prstGeom prst="bracePair">
+            <a:avLst/>
+          </a:prstGeom>
+          <a:ln w="69850"/>
+        </p:spPr>
+        <p:style>
+          <a:lnRef idx="1">
+            <a:schemeClr val="dk1"/>
+          </a:lnRef>
+          <a:fillRef idx="0">
+            <a:schemeClr val="dk1"/>
+          </a:fillRef>
+          <a:effectRef idx="0">
+            <a:schemeClr val="dk1"/>
+          </a:effectRef>
+          <a:fontRef idx="minor">
+            <a:schemeClr val="tx1"/>
+          </a:fontRef>
+        </p:style>
+        <p:txBody>
+          <a:bodyPr rtlCol="0" anchor="ctr"/>
+          <a:lstStyle/>
+          <a:p>
+            <a:pPr algn="ctr"/>
             <a:r>
               <a:rPr lang="en-US" dirty="0"/>
-              <a:t>Py2Neo</a:t>
-            </a:r>
-          </a:p>
-          <a:p>
-            <a:pPr lvl="1"/>
+              <a:t>localhost</a:t>
+            </a:r>
+          </a:p>
+        </p:txBody>
+      </p:sp>
+      <p:cxnSp>
+        <p:nvCxnSpPr>
+          <p:cNvPr id="42" name="Straight Arrow Connector 41">
+            <a:extLst>
+              <a:ext uri="{FF2B5EF4-FFF2-40B4-BE49-F238E27FC236}">
+                <a16:creationId xmlns:a16="http://schemas.microsoft.com/office/drawing/2014/main" id="{77DCA631-B1F5-B24D-A8B8-5BA678995A32}"/>
+              </a:ext>
+            </a:extLst>
+          </p:cNvPr>
+          <p:cNvCxnSpPr>
+            <a:cxnSpLocks/>
+          </p:cNvCxnSpPr>
+          <p:nvPr/>
+        </p:nvCxnSpPr>
+        <p:spPr>
+          <a:xfrm flipV="1">
+            <a:off x="10364058" y="1254060"/>
+            <a:ext cx="0" cy="354300"/>
+          </a:xfrm>
+          <a:prstGeom prst="straightConnector1">
+            <a:avLst/>
+          </a:prstGeom>
+          <a:ln w="69850">
+            <a:solidFill>
+              <a:schemeClr val="tx1"/>
+            </a:solidFill>
+            <a:tailEnd type="triangle"/>
+          </a:ln>
+        </p:spPr>
+        <p:style>
+          <a:lnRef idx="1">
+            <a:schemeClr val="accent1"/>
+          </a:lnRef>
+          <a:fillRef idx="0">
+            <a:schemeClr val="accent1"/>
+          </a:fillRef>
+          <a:effectRef idx="0">
+            <a:schemeClr val="accent1"/>
+          </a:effectRef>
+          <a:fontRef idx="minor">
+            <a:schemeClr val="tx1"/>
+          </a:fontRef>
+        </p:style>
+      </p:cxnSp>
+      <p:pic>
+        <p:nvPicPr>
+          <p:cNvPr id="45" name="Picture 44" descr="Icon&#10;&#10;Description automatically generated">
+            <a:extLst>
+              <a:ext uri="{FF2B5EF4-FFF2-40B4-BE49-F238E27FC236}">
+                <a16:creationId xmlns:a16="http://schemas.microsoft.com/office/drawing/2014/main" id="{06D273B1-134C-984C-84EF-024468912698}"/>
+              </a:ext>
+            </a:extLst>
+          </p:cNvPr>
+          <p:cNvPicPr>
+            <a:picLocks noChangeAspect="1"/>
+          </p:cNvPicPr>
+          <p:nvPr/>
+        </p:nvPicPr>
+        <p:blipFill>
+          <a:blip r:embed="rId10"/>
+          <a:stretch>
+            <a:fillRect/>
+          </a:stretch>
+        </p:blipFill>
+        <p:spPr>
+          <a:xfrm>
+            <a:off x="5267558" y="4208588"/>
+            <a:ext cx="1397000" cy="1447800"/>
+          </a:xfrm>
+          <a:prstGeom prst="rect">
+            <a:avLst/>
+          </a:prstGeom>
+        </p:spPr>
+      </p:pic>
+      <p:cxnSp>
+        <p:nvCxnSpPr>
+          <p:cNvPr id="47" name="Curved Connector 46">
+            <a:extLst>
+              <a:ext uri="{FF2B5EF4-FFF2-40B4-BE49-F238E27FC236}">
+                <a16:creationId xmlns:a16="http://schemas.microsoft.com/office/drawing/2014/main" id="{5353EB59-3F7D-8443-86F9-0183AE911C6D}"/>
+              </a:ext>
+            </a:extLst>
+          </p:cNvPr>
+          <p:cNvCxnSpPr>
+            <a:cxnSpLocks/>
+            <a:stCxn id="40" idx="1"/>
+            <a:endCxn id="21" idx="0"/>
+          </p:cNvCxnSpPr>
+          <p:nvPr/>
+        </p:nvCxnSpPr>
+        <p:spPr>
+          <a:xfrm rot="10800000" flipV="1">
+            <a:off x="3544380" y="606376"/>
+            <a:ext cx="6284704" cy="1864895"/>
+          </a:xfrm>
+          <a:prstGeom prst="curvedConnector2">
+            <a:avLst/>
+          </a:prstGeom>
+          <a:ln w="69850">
+            <a:solidFill>
+              <a:schemeClr val="tx1"/>
+            </a:solidFill>
+            <a:tailEnd type="triangle"/>
+          </a:ln>
+        </p:spPr>
+        <p:style>
+          <a:lnRef idx="1">
+            <a:schemeClr val="accent1"/>
+          </a:lnRef>
+          <a:fillRef idx="0">
+            <a:schemeClr val="accent1"/>
+          </a:fillRef>
+          <a:effectRef idx="0">
+            <a:schemeClr val="accent1"/>
+          </a:effectRef>
+          <a:fontRef idx="minor">
+            <a:schemeClr val="tx1"/>
+          </a:fontRef>
+        </p:style>
+      </p:cxnSp>
+      <p:cxnSp>
+        <p:nvCxnSpPr>
+          <p:cNvPr id="65" name="Curved Connector 64">
+            <a:extLst>
+              <a:ext uri="{FF2B5EF4-FFF2-40B4-BE49-F238E27FC236}">
+                <a16:creationId xmlns:a16="http://schemas.microsoft.com/office/drawing/2014/main" id="{776D7903-D75F-E74E-BA67-B2BD8C2F88C7}"/>
+              </a:ext>
+            </a:extLst>
+          </p:cNvPr>
+          <p:cNvCxnSpPr>
+            <a:stCxn id="21" idx="2"/>
+            <a:endCxn id="45" idx="1"/>
+          </p:cNvCxnSpPr>
+          <p:nvPr/>
+        </p:nvCxnSpPr>
+        <p:spPr>
+          <a:xfrm rot="16200000" flipH="1">
+            <a:off x="3738057" y="3402986"/>
+            <a:ext cx="1335825" cy="1723178"/>
+          </a:xfrm>
+          <a:prstGeom prst="curvedConnector2">
+            <a:avLst/>
+          </a:prstGeom>
+          <a:ln w="69850">
+            <a:tailEnd type="triangle"/>
+          </a:ln>
+        </p:spPr>
+        <p:style>
+          <a:lnRef idx="1">
+            <a:schemeClr val="dk1"/>
+          </a:lnRef>
+          <a:fillRef idx="0">
+            <a:schemeClr val="dk1"/>
+          </a:fillRef>
+          <a:effectRef idx="0">
+            <a:schemeClr val="dk1"/>
+          </a:effectRef>
+          <a:fontRef idx="minor">
+            <a:schemeClr val="tx1"/>
+          </a:fontRef>
+        </p:style>
+      </p:cxnSp>
+      <p:cxnSp>
+        <p:nvCxnSpPr>
+          <p:cNvPr id="66" name="Curved Connector 65">
+            <a:extLst>
+              <a:ext uri="{FF2B5EF4-FFF2-40B4-BE49-F238E27FC236}">
+                <a16:creationId xmlns:a16="http://schemas.microsoft.com/office/drawing/2014/main" id="{4FE7DDD7-A555-9A48-9345-5F1A214AF827}"/>
+              </a:ext>
+            </a:extLst>
+          </p:cNvPr>
+          <p:cNvCxnSpPr>
+            <a:cxnSpLocks/>
+            <a:stCxn id="45" idx="3"/>
+            <a:endCxn id="19" idx="2"/>
+          </p:cNvCxnSpPr>
+          <p:nvPr/>
+        </p:nvCxnSpPr>
+        <p:spPr>
+          <a:xfrm flipV="1">
+            <a:off x="6664558" y="3581084"/>
+            <a:ext cx="1723180" cy="1351404"/>
+          </a:xfrm>
+          <a:prstGeom prst="curvedConnector2">
+            <a:avLst/>
+          </a:prstGeom>
+          <a:ln w="69850">
+            <a:tailEnd type="triangle"/>
+          </a:ln>
+        </p:spPr>
+        <p:style>
+          <a:lnRef idx="1">
+            <a:schemeClr val="dk1"/>
+          </a:lnRef>
+          <a:fillRef idx="0">
+            <a:schemeClr val="dk1"/>
+          </a:fillRef>
+          <a:effectRef idx="0">
+            <a:schemeClr val="dk1"/>
+          </a:effectRef>
+          <a:fontRef idx="minor">
+            <a:schemeClr val="tx1"/>
+          </a:fontRef>
+        </p:style>
+      </p:cxnSp>
+      <p:sp>
+        <p:nvSpPr>
+          <p:cNvPr id="69" name="Double Brace 68">
+            <a:extLst>
+              <a:ext uri="{FF2B5EF4-FFF2-40B4-BE49-F238E27FC236}">
+                <a16:creationId xmlns:a16="http://schemas.microsoft.com/office/drawing/2014/main" id="{AE3CCE5A-D9FF-F840-803D-1A3B952CDF06}"/>
+              </a:ext>
+            </a:extLst>
+          </p:cNvPr>
+          <p:cNvSpPr/>
+          <p:nvPr/>
+        </p:nvSpPr>
+        <p:spPr>
+          <a:xfrm>
+            <a:off x="4685854" y="1608360"/>
+            <a:ext cx="2455875" cy="585715"/>
+          </a:xfrm>
+          <a:prstGeom prst="bracePair">
+            <a:avLst/>
+          </a:prstGeom>
+          <a:ln w="69850"/>
+        </p:spPr>
+        <p:style>
+          <a:lnRef idx="1">
+            <a:schemeClr val="dk1"/>
+          </a:lnRef>
+          <a:fillRef idx="0">
+            <a:schemeClr val="dk1"/>
+          </a:fillRef>
+          <a:effectRef idx="0">
+            <a:schemeClr val="dk1"/>
+          </a:effectRef>
+          <a:fontRef idx="minor">
+            <a:schemeClr val="tx1"/>
+          </a:fontRef>
+        </p:style>
+        <p:txBody>
+          <a:bodyPr rtlCol="0" anchor="ctr"/>
+          <a:lstStyle/>
+          <a:p>
+            <a:pPr algn="ctr"/>
             <a:r>
               <a:rPr lang="en-US" dirty="0"/>
-              <a:t>Object-Graph Mapping</a:t>
-            </a:r>
-          </a:p>
-          <a:p>
-            <a:pPr lvl="2"/>
+              <a:t>Python data structure conversion to Neo4j property graph</a:t>
+            </a:r>
+          </a:p>
+        </p:txBody>
+      </p:sp>
+      <p:sp>
+        <p:nvSpPr>
+          <p:cNvPr id="70" name="Double Brace 69">
+            <a:extLst>
+              <a:ext uri="{FF2B5EF4-FFF2-40B4-BE49-F238E27FC236}">
+                <a16:creationId xmlns:a16="http://schemas.microsoft.com/office/drawing/2014/main" id="{864C0997-F4C3-4248-AD3C-7970D70E52B1}"/>
+              </a:ext>
+            </a:extLst>
+          </p:cNvPr>
+          <p:cNvSpPr/>
+          <p:nvPr/>
+        </p:nvSpPr>
+        <p:spPr>
+          <a:xfrm>
+            <a:off x="1905412" y="4208588"/>
+            <a:ext cx="1545222" cy="585715"/>
+          </a:xfrm>
+          <a:prstGeom prst="bracePair">
+            <a:avLst/>
+          </a:prstGeom>
+          <a:ln w="69850"/>
+        </p:spPr>
+        <p:style>
+          <a:lnRef idx="1">
+            <a:schemeClr val="dk1"/>
+          </a:lnRef>
+          <a:fillRef idx="0">
+            <a:schemeClr val="dk1"/>
+          </a:fillRef>
+          <a:effectRef idx="0">
+            <a:schemeClr val="dk1"/>
+          </a:effectRef>
+          <a:fontRef idx="minor">
+            <a:schemeClr val="tx1"/>
+          </a:fontRef>
+        </p:style>
+        <p:txBody>
+          <a:bodyPr rtlCol="0" anchor="ctr"/>
+          <a:lstStyle/>
+          <a:p>
+            <a:pPr algn="ctr"/>
             <a:r>
               <a:rPr lang="en-US" dirty="0"/>
-              <a:t>Using OGM directly was very slow</a:t>
-            </a:r>
-          </a:p>
-          <a:p>
-            <a:pPr lvl="1"/>
+              <a:t>Initial data upload</a:t>
+            </a:r>
+          </a:p>
+        </p:txBody>
+      </p:sp>
+      <p:sp>
+        <p:nvSpPr>
+          <p:cNvPr id="71" name="Double Brace 70">
+            <a:extLst>
+              <a:ext uri="{FF2B5EF4-FFF2-40B4-BE49-F238E27FC236}">
+                <a16:creationId xmlns:a16="http://schemas.microsoft.com/office/drawing/2014/main" id="{95B4EE61-AC11-BD46-99F8-B83A7EDADFD2}"/>
+              </a:ext>
+            </a:extLst>
+          </p:cNvPr>
+          <p:cNvSpPr/>
+          <p:nvPr/>
+        </p:nvSpPr>
+        <p:spPr>
+          <a:xfrm>
+            <a:off x="1590305" y="1663993"/>
+            <a:ext cx="1545222" cy="585715"/>
+          </a:xfrm>
+          <a:prstGeom prst="bracePair">
+            <a:avLst/>
+          </a:prstGeom>
+          <a:ln w="69850"/>
+        </p:spPr>
+        <p:style>
+          <a:lnRef idx="1">
+            <a:schemeClr val="dk1"/>
+          </a:lnRef>
+          <a:fillRef idx="0">
+            <a:schemeClr val="dk1"/>
+          </a:fillRef>
+          <a:effectRef idx="0">
+            <a:schemeClr val="dk1"/>
+          </a:effectRef>
+          <a:fontRef idx="minor">
+            <a:schemeClr val="tx1"/>
+          </a:fontRef>
+        </p:style>
+        <p:txBody>
+          <a:bodyPr rtlCol="0" anchor="ctr"/>
+          <a:lstStyle/>
+          <a:p>
+            <a:pPr algn="ctr"/>
             <a:r>
               <a:rPr lang="en-US" dirty="0"/>
-              <a:t>Created unique constraints on the Neo4j database, generated python data structure that unwinds based on the constraints in Neo4j (much quicker data upload)</a:t>
-            </a:r>
-          </a:p>
-          <a:p>
+              <a:t>Cast data as python data structures</a:t>
+            </a:r>
+          </a:p>
+        </p:txBody>
+      </p:sp>
+      <p:sp>
+        <p:nvSpPr>
+          <p:cNvPr id="72" name="Double Brace 71">
+            <a:extLst>
+              <a:ext uri="{FF2B5EF4-FFF2-40B4-BE49-F238E27FC236}">
+                <a16:creationId xmlns:a16="http://schemas.microsoft.com/office/drawing/2014/main" id="{DA975532-6411-854E-8F6D-54570C989751}"/>
+              </a:ext>
+            </a:extLst>
+          </p:cNvPr>
+          <p:cNvSpPr/>
+          <p:nvPr/>
+        </p:nvSpPr>
+        <p:spPr>
+          <a:xfrm>
+            <a:off x="4790387" y="5829828"/>
+            <a:ext cx="2513234" cy="585715"/>
+          </a:xfrm>
+          <a:prstGeom prst="bracePair">
+            <a:avLst/>
+          </a:prstGeom>
+          <a:ln w="69850"/>
+        </p:spPr>
+        <p:style>
+          <a:lnRef idx="1">
+            <a:schemeClr val="dk1"/>
+          </a:lnRef>
+          <a:fillRef idx="0">
+            <a:schemeClr val="dk1"/>
+          </a:fillRef>
+          <a:effectRef idx="0">
+            <a:schemeClr val="dk1"/>
+          </a:effectRef>
+          <a:fontRef idx="minor">
+            <a:schemeClr val="tx1"/>
+          </a:fontRef>
+        </p:style>
+        <p:txBody>
+          <a:bodyPr rtlCol="0" anchor="ctr"/>
+          <a:lstStyle/>
+          <a:p>
+            <a:pPr algn="ctr"/>
             <a:r>
               <a:rPr lang="en-US" dirty="0"/>
-              <a:t>Flask</a:t>
-            </a:r>
-          </a:p>
-          <a:p>
+              <a:t>Code written in </a:t>
+            </a:r>
             <a:r>
               <a:rPr lang="en-US" dirty="0" err="1"/>
-              <a:t>MongoEngine</a:t>
-            </a:r>
-            <a:endParaRPr lang="en-US" dirty="0"/>
+              <a:t>queries.py</a:t>
+            </a:r>
+            <a:r>
+              <a:rPr lang="en-US" dirty="0"/>
+              <a:t> to query Neo4j DB</a:t>
+            </a:r>
           </a:p>
         </p:txBody>
       </p:sp>
     </p:spTree>
     <p:extLst>
       <p:ext uri="{BB962C8B-B14F-4D97-AF65-F5344CB8AC3E}">
-        <p14:creationId xmlns:p14="http://schemas.microsoft.com/office/powerpoint/2010/main" val="2999973653"/>
+        <p14:creationId xmlns:p14="http://schemas.microsoft.com/office/powerpoint/2010/main" val="700434957"/>
       </p:ext>
     </p:extLst>
   </p:cSld>
@@ -4587,7 +9088,7 @@
           <p:cNvPr id="2" name="Title 1">
             <a:extLst>
               <a:ext uri="{FF2B5EF4-FFF2-40B4-BE49-F238E27FC236}">
-                <a16:creationId xmlns:a16="http://schemas.microsoft.com/office/drawing/2014/main" id="{182EBFFC-EEE9-9F4D-94C1-2C65980313C8}"/>
+                <a16:creationId xmlns:a16="http://schemas.microsoft.com/office/drawing/2014/main" id="{9DD8C5FB-FF41-FB45-B43F-A475DF6FEB4E}"/>
               </a:ext>
             </a:extLst>
           </p:cNvPr>
@@ -4605,7 +9106,7 @@
           <a:p>
             <a:r>
               <a:rPr lang="en-US" dirty="0"/>
-              <a:t>Features Designed/Implemented</a:t>
+              <a:t>Tools used</a:t>
             </a:r>
           </a:p>
         </p:txBody>
@@ -4615,7 +9116,7 @@
           <p:cNvPr id="3" name="Content Placeholder 2">
             <a:extLst>
               <a:ext uri="{FF2B5EF4-FFF2-40B4-BE49-F238E27FC236}">
-                <a16:creationId xmlns:a16="http://schemas.microsoft.com/office/drawing/2014/main" id="{5B9A3EAA-1499-A04B-AFBF-57A5E762F32C}"/>
+                <a16:creationId xmlns:a16="http://schemas.microsoft.com/office/drawing/2014/main" id="{6F4000CC-1284-9046-B3F4-B70B01AA0DF9}"/>
               </a:ext>
             </a:extLst>
           </p:cNvPr>
@@ -4628,9 +9129,66 @@
         </p:nvSpPr>
         <p:spPr/>
         <p:txBody>
-          <a:bodyPr/>
-          <a:lstStyle/>
-          <a:p>
+          <a:bodyPr>
+            <a:normAutofit fontScale="92500" lnSpcReduction="10000"/>
+          </a:bodyPr>
+          <a:lstStyle/>
+          <a:p>
+            <a:r>
+              <a:rPr lang="en-US" dirty="0"/>
+              <a:t>Py2Neo</a:t>
+            </a:r>
+          </a:p>
+          <a:p>
+            <a:pPr lvl="1"/>
+            <a:r>
+              <a:rPr lang="en-US" dirty="0"/>
+              <a:t>Object-Graph Mapping</a:t>
+            </a:r>
+          </a:p>
+          <a:p>
+            <a:pPr lvl="2"/>
+            <a:r>
+              <a:rPr lang="en-US" dirty="0"/>
+              <a:t>Using OGM directly was very slow</a:t>
+            </a:r>
+          </a:p>
+          <a:p>
+            <a:pPr lvl="1"/>
+            <a:r>
+              <a:rPr lang="en-US" dirty="0"/>
+              <a:t>Created unique constraints on the Neo4j database, generated python data structure that unwinds based on the constraints in Neo4j (much quicker data upload)</a:t>
+            </a:r>
+          </a:p>
+          <a:p>
+            <a:pPr lvl="1"/>
+            <a:r>
+              <a:rPr lang="en-US" dirty="0"/>
+              <a:t>Main way for going from Mongo-&gt;Neo4j</a:t>
+            </a:r>
+          </a:p>
+          <a:p>
+            <a:r>
+              <a:rPr lang="en-US" dirty="0"/>
+              <a:t>Flask</a:t>
+            </a:r>
+          </a:p>
+          <a:p>
+            <a:pPr lvl="1"/>
+            <a:r>
+              <a:rPr lang="en-US" dirty="0"/>
+              <a:t>Python Front-end</a:t>
+            </a:r>
+          </a:p>
+          <a:p>
+            <a:r>
+              <a:rPr lang="en-US" dirty="0" err="1"/>
+              <a:t>MongoEngine</a:t>
+            </a:r>
+            <a:endParaRPr lang="en-US" dirty="0"/>
+          </a:p>
+          <a:p>
+            <a:pPr lvl="1"/>
             <a:endParaRPr lang="en-US" dirty="0"/>
           </a:p>
         </p:txBody>
@@ -4638,7 +9196,7 @@
     </p:spTree>
     <p:extLst>
       <p:ext uri="{BB962C8B-B14F-4D97-AF65-F5344CB8AC3E}">
-        <p14:creationId xmlns:p14="http://schemas.microsoft.com/office/powerpoint/2010/main" val="358119744"/>
+        <p14:creationId xmlns:p14="http://schemas.microsoft.com/office/powerpoint/2010/main" val="2999973653"/>
       </p:ext>
     </p:extLst>
   </p:cSld>
@@ -4670,7 +9228,7 @@
           <p:cNvPr id="2" name="Title 1">
             <a:extLst>
               <a:ext uri="{FF2B5EF4-FFF2-40B4-BE49-F238E27FC236}">
-                <a16:creationId xmlns:a16="http://schemas.microsoft.com/office/drawing/2014/main" id="{93F1E6D4-F460-1243-8BAB-FE04082DE61E}"/>
+                <a16:creationId xmlns:a16="http://schemas.microsoft.com/office/drawing/2014/main" id="{182EBFFC-EEE9-9F4D-94C1-2C65980313C8}"/>
               </a:ext>
             </a:extLst>
           </p:cNvPr>
@@ -4688,7 +9246,7 @@
           <a:p>
             <a:r>
               <a:rPr lang="en-US" dirty="0"/>
-              <a:t>Queries Performed</a:t>
+              <a:t>Features Designed/Implemented</a:t>
             </a:r>
           </a:p>
         </p:txBody>
@@ -4698,7 +9256,7 @@
           <p:cNvPr id="3" name="Content Placeholder 2">
             <a:extLst>
               <a:ext uri="{FF2B5EF4-FFF2-40B4-BE49-F238E27FC236}">
-                <a16:creationId xmlns:a16="http://schemas.microsoft.com/office/drawing/2014/main" id="{B1E55EAC-891F-D043-B943-FDFC94F79449}"/>
+                <a16:creationId xmlns:a16="http://schemas.microsoft.com/office/drawing/2014/main" id="{5B9A3EAA-1499-A04B-AFBF-57A5E762F32C}"/>
               </a:ext>
             </a:extLst>
           </p:cNvPr>
@@ -4716,33 +9274,36 @@
           <a:p>
             <a:r>
               <a:rPr lang="en-US" dirty="0"/>
-              <a:t>Number of cases in a state over a date range</a:t>
+              <a:t>Dropdown menu on Home page for query selection</a:t>
             </a:r>
           </a:p>
           <a:p>
             <a:r>
               <a:rPr lang="en-US" dirty="0"/>
-              <a:t>Number of cases in a county over a date range</a:t>
+              <a:t>Each query page contains dropdown menus for user input parameters for each specific query</a:t>
             </a:r>
           </a:p>
           <a:p>
             <a:r>
               <a:rPr lang="en-US" dirty="0"/>
-              <a:t>Rank counties by net cases over a date range</a:t>
+              <a:t>Results displayed from the query</a:t>
             </a:r>
           </a:p>
           <a:p>
             <a:r>
               <a:rPr lang="en-US" dirty="0"/>
-              <a:t>Rank counties by cases as percentage of population over a date range</a:t>
-            </a:r>
+              <a:t>Dynamically load county data in a dropdown menu based on state selected</a:t>
+            </a:r>
+          </a:p>
+          <a:p>
+            <a:endParaRPr lang="en-US" dirty="0"/>
           </a:p>
         </p:txBody>
       </p:sp>
     </p:spTree>
     <p:extLst>
       <p:ext uri="{BB962C8B-B14F-4D97-AF65-F5344CB8AC3E}">
-        <p14:creationId xmlns:p14="http://schemas.microsoft.com/office/powerpoint/2010/main" val="3514309768"/>
+        <p14:creationId xmlns:p14="http://schemas.microsoft.com/office/powerpoint/2010/main" val="358119744"/>
       </p:ext>
     </p:extLst>
   </p:cSld>
@@ -4753,9 +9314,9 @@
 </file>
 
 <file path=ppt/theme/theme1.xml><?xml version="1.0" encoding="utf-8"?>
-<a:theme xmlns:a="http://schemas.openxmlformats.org/drawingml/2006/main" name="Office Theme">
+<a:theme xmlns:a="http://schemas.openxmlformats.org/drawingml/2006/main" name="Droplet">
   <a:themeElements>
-    <a:clrScheme name="Office">
+    <a:clrScheme name="Droplet">
       <a:dk1>
         <a:sysClr val="windowText" lastClr="000000"/>
       </a:dk1>
@@ -4763,44 +9324,44 @@
         <a:sysClr val="window" lastClr="FFFFFF"/>
       </a:lt1>
       <a:dk2>
-        <a:srgbClr val="44546A"/>
+        <a:srgbClr val="355071"/>
       </a:dk2>
       <a:lt2>
-        <a:srgbClr val="E7E6E6"/>
+        <a:srgbClr val="AABED7"/>
       </a:lt2>
       <a:accent1>
-        <a:srgbClr val="4472C4"/>
+        <a:srgbClr val="2FA3EE"/>
       </a:accent1>
       <a:accent2>
-        <a:srgbClr val="ED7D31"/>
+        <a:srgbClr val="4BCAAD"/>
       </a:accent2>
       <a:accent3>
-        <a:srgbClr val="A5A5A5"/>
+        <a:srgbClr val="86C157"/>
       </a:accent3>
       <a:accent4>
-        <a:srgbClr val="FFC000"/>
+        <a:srgbClr val="D99C3F"/>
       </a:accent4>
       <a:accent5>
-        <a:srgbClr val="5B9BD5"/>
+        <a:srgbClr val="CE6633"/>
       </a:accent5>
       <a:accent6>
-        <a:srgbClr val="70AD47"/>
+        <a:srgbClr val="A35DD1"/>
       </a:accent6>
       <a:hlink>
-        <a:srgbClr val="0563C1"/>
+        <a:srgbClr val="56BCFE"/>
       </a:hlink>
       <a:folHlink>
-        <a:srgbClr val="954F72"/>
+        <a:srgbClr val="97C5E3"/>
       </a:folHlink>
     </a:clrScheme>
-    <a:fontScheme name="Office">
+    <a:fontScheme name="Droplet">
       <a:majorFont>
-        <a:latin typeface="Calibri Light" panose="020F0302020204030204"/>
+        <a:latin typeface="Tw Cen MT" panose="020B0602020104020603"/>
         <a:ea typeface=""/>
         <a:cs typeface=""/>
-        <a:font script="Jpan" typeface="游ゴシック Light"/>
+        <a:font script="Jpan" typeface="ＭＳ Ｐゴシック"/>
         <a:font script="Hang" typeface="맑은 고딕"/>
-        <a:font script="Hans" typeface="等线 Light"/>
+        <a:font script="Hans" typeface="宋体"/>
         <a:font script="Hant" typeface="新細明體"/>
         <a:font script="Arab" typeface="Times New Roman"/>
         <a:font script="Hebr" typeface="Times New Roman"/>
@@ -4828,31 +9389,14 @@
         <a:font script="Viet" typeface="Times New Roman"/>
         <a:font script="Uigh" typeface="Microsoft Uighur"/>
         <a:font script="Geor" typeface="Sylfaen"/>
-        <a:font script="Armn" typeface="Arial"/>
-        <a:font script="Bugi" typeface="Leelawadee UI"/>
-        <a:font script="Bopo" typeface="Microsoft JhengHei"/>
-        <a:font script="Java" typeface="Javanese Text"/>
-        <a:font script="Lisu" typeface="Segoe UI"/>
-        <a:font script="Mymr" typeface="Myanmar Text"/>
-        <a:font script="Nkoo" typeface="Ebrima"/>
-        <a:font script="Olck" typeface="Nirmala UI"/>
-        <a:font script="Osma" typeface="Ebrima"/>
-        <a:font script="Phag" typeface="Phagspa"/>
-        <a:font script="Syrn" typeface="Estrangelo Edessa"/>
-        <a:font script="Syrj" typeface="Estrangelo Edessa"/>
-        <a:font script="Syre" typeface="Estrangelo Edessa"/>
-        <a:font script="Sora" typeface="Nirmala UI"/>
-        <a:font script="Tale" typeface="Microsoft Tai Le"/>
-        <a:font script="Talu" typeface="Microsoft New Tai Lue"/>
-        <a:font script="Tfng" typeface="Ebrima"/>
       </a:majorFont>
       <a:minorFont>
-        <a:latin typeface="Calibri" panose="020F0502020204030204"/>
+        <a:latin typeface="Tw Cen MT" panose="020B0602020104020603"/>
         <a:ea typeface=""/>
         <a:cs typeface=""/>
-        <a:font script="Jpan" typeface="游ゴシック"/>
+        <a:font script="Jpan" typeface="ＭＳ Ｐゴシック"/>
         <a:font script="Hang" typeface="맑은 고딕"/>
-        <a:font script="Hans" typeface="等线"/>
+        <a:font script="Hans" typeface="宋体"/>
         <a:font script="Hant" typeface="新細明體"/>
         <a:font script="Arab" typeface="Arial"/>
         <a:font script="Hebr" typeface="Arial"/>
@@ -4880,27 +9424,105 @@
         <a:font script="Viet" typeface="Arial"/>
         <a:font script="Uigh" typeface="Microsoft Uighur"/>
         <a:font script="Geor" typeface="Sylfaen"/>
-        <a:font script="Armn" typeface="Arial"/>
-        <a:font script="Bugi" typeface="Leelawadee UI"/>
-        <a:font script="Bopo" typeface="Microsoft JhengHei"/>
-        <a:font script="Java" typeface="Javanese Text"/>
-        <a:font script="Lisu" typeface="Segoe UI"/>
-        <a:font script="Mymr" typeface="Myanmar Text"/>
-        <a:font script="Nkoo" typeface="Ebrima"/>
-        <a:font script="Olck" typeface="Nirmala UI"/>
-        <a:font script="Osma" typeface="Ebrima"/>
-        <a:font script="Phag" typeface="Phagspa"/>
-        <a:font script="Syrn" typeface="Estrangelo Edessa"/>
-        <a:font script="Syrj" typeface="Estrangelo Edessa"/>
-        <a:font script="Syre" typeface="Estrangelo Edessa"/>
-        <a:font script="Sora" typeface="Nirmala UI"/>
-        <a:font script="Tale" typeface="Microsoft Tai Le"/>
-        <a:font script="Talu" typeface="Microsoft New Tai Lue"/>
-        <a:font script="Tfng" typeface="Ebrima"/>
       </a:minorFont>
     </a:fontScheme>
-    <a:fmtScheme name="Office">
+    <a:fmtScheme name="Droplet">
       <a:fillStyleLst>
+        <a:solidFill>
+          <a:schemeClr val="phClr"/>
+        </a:solidFill>
+        <a:solidFill>
+          <a:schemeClr val="phClr">
+            <a:tint val="69000"/>
+            <a:satMod val="105000"/>
+            <a:lumMod val="110000"/>
+          </a:schemeClr>
+        </a:solidFill>
+        <a:gradFill rotWithShape="1">
+          <a:gsLst>
+            <a:gs pos="0">
+              <a:schemeClr val="phClr">
+                <a:tint val="94000"/>
+                <a:satMod val="100000"/>
+                <a:lumMod val="108000"/>
+              </a:schemeClr>
+            </a:gs>
+            <a:gs pos="50000">
+              <a:schemeClr val="phClr">
+                <a:tint val="98000"/>
+                <a:shade val="100000"/>
+                <a:satMod val="100000"/>
+                <a:lumMod val="100000"/>
+              </a:schemeClr>
+            </a:gs>
+            <a:gs pos="100000">
+              <a:schemeClr val="phClr">
+                <a:shade val="72000"/>
+                <a:satMod val="120000"/>
+                <a:lumMod val="100000"/>
+              </a:schemeClr>
+            </a:gs>
+          </a:gsLst>
+          <a:lin ang="5400000" scaled="0"/>
+        </a:gradFill>
+      </a:fillStyleLst>
+      <a:lnStyleLst>
+        <a:ln w="9525" cap="flat" cmpd="sng" algn="ctr">
+          <a:solidFill>
+            <a:schemeClr val="phClr">
+              <a:shade val="60000"/>
+            </a:schemeClr>
+          </a:solidFill>
+          <a:prstDash val="solid"/>
+        </a:ln>
+        <a:ln w="15875" cap="flat" cmpd="sng" algn="ctr">
+          <a:solidFill>
+            <a:schemeClr val="phClr"/>
+          </a:solidFill>
+          <a:prstDash val="solid"/>
+        </a:ln>
+        <a:ln w="22225" cap="flat" cmpd="sng" algn="ctr">
+          <a:solidFill>
+            <a:schemeClr val="phClr"/>
+          </a:solidFill>
+          <a:prstDash val="solid"/>
+        </a:ln>
+      </a:lnStyleLst>
+      <a:effectStyleLst>
+        <a:effectStyle>
+          <a:effectLst/>
+        </a:effectStyle>
+        <a:effectStyle>
+          <a:effectLst>
+            <a:outerShdw blurRad="50800" dist="25400" dir="5400000" rotWithShape="0">
+              <a:srgbClr val="000000">
+                <a:alpha val="28000"/>
+              </a:srgbClr>
+            </a:outerShdw>
+          </a:effectLst>
+        </a:effectStyle>
+        <a:effectStyle>
+          <a:effectLst>
+            <a:outerShdw blurRad="63500" dist="25400" dir="5400000" algn="ctr" rotWithShape="0">
+              <a:srgbClr val="000000">
+                <a:alpha val="69000"/>
+              </a:srgbClr>
+            </a:outerShdw>
+          </a:effectLst>
+          <a:scene3d>
+            <a:camera prst="orthographicFront">
+              <a:rot lat="0" lon="0" rev="0"/>
+            </a:camera>
+            <a:lightRig rig="balanced" dir="t">
+              <a:rot lat="0" lon="0" rev="1200000"/>
+            </a:lightRig>
+          </a:scene3d>
+          <a:sp3d prstMaterial="plastic">
+            <a:bevelT w="25400" h="25400"/>
+          </a:sp3d>
+        </a:effectStyle>
+      </a:effectStyleLst>
+      <a:bgFillStyleLst>
         <a:solidFill>
           <a:schemeClr val="phClr"/>
         </a:solidFill>
@@ -4908,23 +9530,14 @@
           <a:gsLst>
             <a:gs pos="0">
               <a:schemeClr val="phClr">
+                <a:tint val="90000"/>
                 <a:lumMod val="110000"/>
-                <a:satMod val="105000"/>
-                <a:tint val="67000"/>
-              </a:schemeClr>
-            </a:gs>
-            <a:gs pos="50000">
-              <a:schemeClr val="phClr">
-                <a:lumMod val="105000"/>
-                <a:satMod val="103000"/>
-                <a:tint val="73000"/>
               </a:schemeClr>
             </a:gs>
             <a:gs pos="100000">
               <a:schemeClr val="phClr">
-                <a:lumMod val="105000"/>
-                <a:satMod val="109000"/>
-                <a:tint val="81000"/>
+                <a:shade val="64000"/>
+                <a:lumMod val="88000"/>
               </a:schemeClr>
             </a:gs>
           </a:gsLst>
@@ -4934,101 +9547,18 @@
           <a:gsLst>
             <a:gs pos="0">
               <a:schemeClr val="phClr">
-                <a:satMod val="103000"/>
-                <a:lumMod val="102000"/>
-                <a:tint val="94000"/>
-              </a:schemeClr>
-            </a:gs>
-            <a:gs pos="50000">
-              <a:schemeClr val="phClr">
-                <a:satMod val="110000"/>
-                <a:lumMod val="100000"/>
+                <a:tint val="84000"/>
                 <a:shade val="100000"/>
+                <a:hueMod val="130000"/>
+                <a:satMod val="150000"/>
+                <a:lumMod val="112000"/>
               </a:schemeClr>
             </a:gs>
             <a:gs pos="100000">
               <a:schemeClr val="phClr">
-                <a:lumMod val="99000"/>
-                <a:satMod val="120000"/>
-                <a:shade val="78000"/>
-              </a:schemeClr>
-            </a:gs>
-          </a:gsLst>
-          <a:lin ang="5400000" scaled="0"/>
-        </a:gradFill>
-      </a:fillStyleLst>
-      <a:lnStyleLst>
-        <a:ln w="6350" cap="flat" cmpd="sng" algn="ctr">
-          <a:solidFill>
-            <a:schemeClr val="phClr"/>
-          </a:solidFill>
-          <a:prstDash val="solid"/>
-          <a:miter lim="800000"/>
-        </a:ln>
-        <a:ln w="12700" cap="flat" cmpd="sng" algn="ctr">
-          <a:solidFill>
-            <a:schemeClr val="phClr"/>
-          </a:solidFill>
-          <a:prstDash val="solid"/>
-          <a:miter lim="800000"/>
-        </a:ln>
-        <a:ln w="19050" cap="flat" cmpd="sng" algn="ctr">
-          <a:solidFill>
-            <a:schemeClr val="phClr"/>
-          </a:solidFill>
-          <a:prstDash val="solid"/>
-          <a:miter lim="800000"/>
-        </a:ln>
-      </a:lnStyleLst>
-      <a:effectStyleLst>
-        <a:effectStyle>
-          <a:effectLst/>
-        </a:effectStyle>
-        <a:effectStyle>
-          <a:effectLst/>
-        </a:effectStyle>
-        <a:effectStyle>
-          <a:effectLst>
-            <a:outerShdw blurRad="57150" dist="19050" dir="5400000" algn="ctr" rotWithShape="0">
-              <a:srgbClr val="000000">
-                <a:alpha val="63000"/>
-              </a:srgbClr>
-            </a:outerShdw>
-          </a:effectLst>
-        </a:effectStyle>
-      </a:effectStyleLst>
-      <a:bgFillStyleLst>
-        <a:solidFill>
-          <a:schemeClr val="phClr"/>
-        </a:solidFill>
-        <a:solidFill>
-          <a:schemeClr val="phClr">
-            <a:tint val="95000"/>
-            <a:satMod val="170000"/>
-          </a:schemeClr>
-        </a:solidFill>
-        <a:gradFill rotWithShape="1">
-          <a:gsLst>
-            <a:gs pos="0">
-              <a:schemeClr val="phClr">
-                <a:tint val="93000"/>
-                <a:satMod val="150000"/>
-                <a:shade val="98000"/>
-                <a:lumMod val="102000"/>
-              </a:schemeClr>
-            </a:gs>
-            <a:gs pos="50000">
-              <a:schemeClr val="phClr">
-                <a:tint val="98000"/>
-                <a:satMod val="130000"/>
-                <a:shade val="90000"/>
-                <a:lumMod val="103000"/>
-              </a:schemeClr>
-            </a:gs>
-            <a:gs pos="100000">
-              <a:schemeClr val="phClr">
-                <a:shade val="63000"/>
-                <a:satMod val="120000"/>
+                <a:shade val="92000"/>
+                <a:satMod val="140000"/>
+                <a:lumMod val="110000"/>
               </a:schemeClr>
             </a:gs>
           </a:gsLst>
@@ -5041,7 +9571,7 @@
   <a:extraClrSchemeLst/>
   <a:extLst>
     <a:ext uri="{05A4C25C-085E-4340-85A3-A5531E510DB2}">
-      <thm15:themeFamily xmlns:thm15="http://schemas.microsoft.com/office/thememl/2012/main" name="Office Theme" id="{62F939B6-93AF-4DB8-9C6B-D6C7DFDC589F}" vid="{4A3C46E8-61CC-4603-A589-7422A47A8E4A}"/>
+      <thm15:themeFamily xmlns:thm15="http://schemas.microsoft.com/office/thememl/2012/main" name="Droplet" id="{8984A317-299A-4E50-B45D-BFC9EDE2337A}" vid="{A633B6A3-9E7F-4C10-9C98-2517A3134361}"/>
     </a:ext>
   </a:extLst>
 </a:theme>

--- a/Final_presentation.pptx
+++ b/Final_presentation.pptx
@@ -4,6 +4,9 @@
   <p:sldMasterIdLst>
     <p:sldMasterId id="2147483740" r:id="rId1"/>
   </p:sldMasterIdLst>
+  <p:notesMasterIdLst>
+    <p:notesMasterId r:id="rId20"/>
+  </p:notesMasterIdLst>
   <p:sldIdLst>
     <p:sldId id="256" r:id="rId2"/>
     <p:sldId id="257" r:id="rId3"/>
@@ -17,6 +20,12 @@
     <p:sldId id="264" r:id="rId11"/>
     <p:sldId id="265" r:id="rId12"/>
     <p:sldId id="266" r:id="rId13"/>
+    <p:sldId id="269" r:id="rId14"/>
+    <p:sldId id="270" r:id="rId15"/>
+    <p:sldId id="271" r:id="rId16"/>
+    <p:sldId id="272" r:id="rId17"/>
+    <p:sldId id="273" r:id="rId18"/>
+    <p:sldId id="274" r:id="rId19"/>
   </p:sldIdLst>
   <p:sldSz cx="12192000" cy="6858000"/>
   <p:notesSz cx="6858000" cy="9144000"/>
@@ -121,6 +130,442 @@
     </p:ext>
   </p:extLst>
 </p:presentation>
+</file>
+
+<file path=ppt/notesMasters/notesMaster1.xml><?xml version="1.0" encoding="utf-8"?>
+<p:notesMaster xmlns:a="http://schemas.openxmlformats.org/drawingml/2006/main" xmlns:r="http://schemas.openxmlformats.org/officeDocument/2006/relationships" xmlns:p="http://schemas.openxmlformats.org/presentationml/2006/main">
+  <p:cSld>
+    <p:bg>
+      <p:bgRef idx="1001">
+        <a:schemeClr val="bg1"/>
+      </p:bgRef>
+    </p:bg>
+    <p:spTree>
+      <p:nvGrpSpPr>
+        <p:cNvPr id="1" name=""/>
+        <p:cNvGrpSpPr/>
+        <p:nvPr/>
+      </p:nvGrpSpPr>
+      <p:grpSpPr>
+        <a:xfrm>
+          <a:off x="0" y="0"/>
+          <a:ext cx="0" cy="0"/>
+          <a:chOff x="0" y="0"/>
+          <a:chExt cx="0" cy="0"/>
+        </a:xfrm>
+      </p:grpSpPr>
+      <p:sp>
+        <p:nvSpPr>
+          <p:cNvPr id="2" name="Header Placeholder 1"/>
+          <p:cNvSpPr>
+            <a:spLocks noGrp="1"/>
+          </p:cNvSpPr>
+          <p:nvPr>
+            <p:ph type="hdr" sz="quarter"/>
+          </p:nvPr>
+        </p:nvSpPr>
+        <p:spPr>
+          <a:xfrm>
+            <a:off x="0" y="0"/>
+            <a:ext cx="2971800" cy="458788"/>
+          </a:xfrm>
+          <a:prstGeom prst="rect">
+            <a:avLst/>
+          </a:prstGeom>
+        </p:spPr>
+        <p:txBody>
+          <a:bodyPr vert="horz" lIns="91440" tIns="45720" rIns="91440" bIns="45720" rtlCol="0"/>
+          <a:lstStyle>
+            <a:lvl1pPr algn="l">
+              <a:defRPr sz="1200"/>
+            </a:lvl1pPr>
+          </a:lstStyle>
+          <a:p>
+            <a:endParaRPr lang="en-US"/>
+          </a:p>
+        </p:txBody>
+      </p:sp>
+      <p:sp>
+        <p:nvSpPr>
+          <p:cNvPr id="3" name="Date Placeholder 2"/>
+          <p:cNvSpPr>
+            <a:spLocks noGrp="1"/>
+          </p:cNvSpPr>
+          <p:nvPr>
+            <p:ph type="dt" idx="1"/>
+          </p:nvPr>
+        </p:nvSpPr>
+        <p:spPr>
+          <a:xfrm>
+            <a:off x="3884613" y="0"/>
+            <a:ext cx="2971800" cy="458788"/>
+          </a:xfrm>
+          <a:prstGeom prst="rect">
+            <a:avLst/>
+          </a:prstGeom>
+        </p:spPr>
+        <p:txBody>
+          <a:bodyPr vert="horz" lIns="91440" tIns="45720" rIns="91440" bIns="45720" rtlCol="0"/>
+          <a:lstStyle>
+            <a:lvl1pPr algn="r">
+              <a:defRPr sz="1200"/>
+            </a:lvl1pPr>
+          </a:lstStyle>
+          <a:p>
+            <a:fld id="{AC5CF3C5-E65E-214D-9E13-10B682E05C2C}" type="datetimeFigureOut">
+              <a:rPr lang="en-US" smtClean="0"/>
+              <a:t>12/16/20</a:t>
+            </a:fld>
+            <a:endParaRPr lang="en-US"/>
+          </a:p>
+        </p:txBody>
+      </p:sp>
+      <p:sp>
+        <p:nvSpPr>
+          <p:cNvPr id="4" name="Slide Image Placeholder 3"/>
+          <p:cNvSpPr>
+            <a:spLocks noGrp="1" noRot="1" noChangeAspect="1"/>
+          </p:cNvSpPr>
+          <p:nvPr>
+            <p:ph type="sldImg" idx="2"/>
+          </p:nvPr>
+        </p:nvSpPr>
+        <p:spPr>
+          <a:xfrm>
+            <a:off x="685800" y="1143000"/>
+            <a:ext cx="5486400" cy="3086100"/>
+          </a:xfrm>
+          <a:prstGeom prst="rect">
+            <a:avLst/>
+          </a:prstGeom>
+          <a:noFill/>
+          <a:ln w="12700">
+            <a:solidFill>
+              <a:prstClr val="black"/>
+            </a:solidFill>
+          </a:ln>
+        </p:spPr>
+        <p:txBody>
+          <a:bodyPr vert="horz" lIns="91440" tIns="45720" rIns="91440" bIns="45720" rtlCol="0" anchor="ctr"/>
+          <a:lstStyle/>
+          <a:p>
+            <a:endParaRPr lang="en-US"/>
+          </a:p>
+        </p:txBody>
+      </p:sp>
+      <p:sp>
+        <p:nvSpPr>
+          <p:cNvPr id="5" name="Notes Placeholder 4"/>
+          <p:cNvSpPr>
+            <a:spLocks noGrp="1"/>
+          </p:cNvSpPr>
+          <p:nvPr>
+            <p:ph type="body" sz="quarter" idx="3"/>
+          </p:nvPr>
+        </p:nvSpPr>
+        <p:spPr>
+          <a:xfrm>
+            <a:off x="685800" y="4400550"/>
+            <a:ext cx="5486400" cy="3600450"/>
+          </a:xfrm>
+          <a:prstGeom prst="rect">
+            <a:avLst/>
+          </a:prstGeom>
+        </p:spPr>
+        <p:txBody>
+          <a:bodyPr vert="horz" lIns="91440" tIns="45720" rIns="91440" bIns="45720" rtlCol="0"/>
+          <a:lstStyle/>
+          <a:p>
+            <a:pPr lvl="0"/>
+            <a:r>
+              <a:rPr lang="en-US"/>
+              <a:t>Click to edit Master text styles</a:t>
+            </a:r>
+          </a:p>
+          <a:p>
+            <a:pPr lvl="1"/>
+            <a:r>
+              <a:rPr lang="en-US"/>
+              <a:t>Second level</a:t>
+            </a:r>
+          </a:p>
+          <a:p>
+            <a:pPr lvl="2"/>
+            <a:r>
+              <a:rPr lang="en-US"/>
+              <a:t>Third level</a:t>
+            </a:r>
+          </a:p>
+          <a:p>
+            <a:pPr lvl="3"/>
+            <a:r>
+              <a:rPr lang="en-US"/>
+              <a:t>Fourth level</a:t>
+            </a:r>
+          </a:p>
+          <a:p>
+            <a:pPr lvl="4"/>
+            <a:r>
+              <a:rPr lang="en-US"/>
+              <a:t>Fifth level</a:t>
+            </a:r>
+          </a:p>
+        </p:txBody>
+      </p:sp>
+      <p:sp>
+        <p:nvSpPr>
+          <p:cNvPr id="6" name="Footer Placeholder 5"/>
+          <p:cNvSpPr>
+            <a:spLocks noGrp="1"/>
+          </p:cNvSpPr>
+          <p:nvPr>
+            <p:ph type="ftr" sz="quarter" idx="4"/>
+          </p:nvPr>
+        </p:nvSpPr>
+        <p:spPr>
+          <a:xfrm>
+            <a:off x="0" y="8685213"/>
+            <a:ext cx="2971800" cy="458787"/>
+          </a:xfrm>
+          <a:prstGeom prst="rect">
+            <a:avLst/>
+          </a:prstGeom>
+        </p:spPr>
+        <p:txBody>
+          <a:bodyPr vert="horz" lIns="91440" tIns="45720" rIns="91440" bIns="45720" rtlCol="0" anchor="b"/>
+          <a:lstStyle>
+            <a:lvl1pPr algn="l">
+              <a:defRPr sz="1200"/>
+            </a:lvl1pPr>
+          </a:lstStyle>
+          <a:p>
+            <a:endParaRPr lang="en-US"/>
+          </a:p>
+        </p:txBody>
+      </p:sp>
+      <p:sp>
+        <p:nvSpPr>
+          <p:cNvPr id="7" name="Slide Number Placeholder 6"/>
+          <p:cNvSpPr>
+            <a:spLocks noGrp="1"/>
+          </p:cNvSpPr>
+          <p:nvPr>
+            <p:ph type="sldNum" sz="quarter" idx="5"/>
+          </p:nvPr>
+        </p:nvSpPr>
+        <p:spPr>
+          <a:xfrm>
+            <a:off x="3884613" y="8685213"/>
+            <a:ext cx="2971800" cy="458787"/>
+          </a:xfrm>
+          <a:prstGeom prst="rect">
+            <a:avLst/>
+          </a:prstGeom>
+        </p:spPr>
+        <p:txBody>
+          <a:bodyPr vert="horz" lIns="91440" tIns="45720" rIns="91440" bIns="45720" rtlCol="0" anchor="b"/>
+          <a:lstStyle>
+            <a:lvl1pPr algn="r">
+              <a:defRPr sz="1200"/>
+            </a:lvl1pPr>
+          </a:lstStyle>
+          <a:p>
+            <a:fld id="{4E2F5FFC-7E54-F340-AA92-0EA780FD2FFD}" type="slidenum">
+              <a:rPr lang="en-US" smtClean="0"/>
+              <a:t>‹#›</a:t>
+            </a:fld>
+            <a:endParaRPr lang="en-US"/>
+          </a:p>
+        </p:txBody>
+      </p:sp>
+    </p:spTree>
+    <p:extLst>
+      <p:ext uri="{BB962C8B-B14F-4D97-AF65-F5344CB8AC3E}">
+        <p14:creationId xmlns:p14="http://schemas.microsoft.com/office/powerpoint/2010/main" val="3371278839"/>
+      </p:ext>
+    </p:extLst>
+  </p:cSld>
+  <p:clrMap bg1="lt1" tx1="dk1" bg2="lt2" tx2="dk2" accent1="accent1" accent2="accent2" accent3="accent3" accent4="accent4" accent5="accent5" accent6="accent6" hlink="hlink" folHlink="folHlink"/>
+  <p:notesStyle>
+    <a:lvl1pPr marL="0" algn="l" defTabSz="914400" rtl="0" eaLnBrk="1" latinLnBrk="0" hangingPunct="1">
+      <a:defRPr sz="1200" kern="1200">
+        <a:solidFill>
+          <a:schemeClr val="tx1"/>
+        </a:solidFill>
+        <a:latin typeface="+mn-lt"/>
+        <a:ea typeface="+mn-ea"/>
+        <a:cs typeface="+mn-cs"/>
+      </a:defRPr>
+    </a:lvl1pPr>
+    <a:lvl2pPr marL="457200" algn="l" defTabSz="914400" rtl="0" eaLnBrk="1" latinLnBrk="0" hangingPunct="1">
+      <a:defRPr sz="1200" kern="1200">
+        <a:solidFill>
+          <a:schemeClr val="tx1"/>
+        </a:solidFill>
+        <a:latin typeface="+mn-lt"/>
+        <a:ea typeface="+mn-ea"/>
+        <a:cs typeface="+mn-cs"/>
+      </a:defRPr>
+    </a:lvl2pPr>
+    <a:lvl3pPr marL="914400" algn="l" defTabSz="914400" rtl="0" eaLnBrk="1" latinLnBrk="0" hangingPunct="1">
+      <a:defRPr sz="1200" kern="1200">
+        <a:solidFill>
+          <a:schemeClr val="tx1"/>
+        </a:solidFill>
+        <a:latin typeface="+mn-lt"/>
+        <a:ea typeface="+mn-ea"/>
+        <a:cs typeface="+mn-cs"/>
+      </a:defRPr>
+    </a:lvl3pPr>
+    <a:lvl4pPr marL="1371600" algn="l" defTabSz="914400" rtl="0" eaLnBrk="1" latinLnBrk="0" hangingPunct="1">
+      <a:defRPr sz="1200" kern="1200">
+        <a:solidFill>
+          <a:schemeClr val="tx1"/>
+        </a:solidFill>
+        <a:latin typeface="+mn-lt"/>
+        <a:ea typeface="+mn-ea"/>
+        <a:cs typeface="+mn-cs"/>
+      </a:defRPr>
+    </a:lvl4pPr>
+    <a:lvl5pPr marL="1828800" algn="l" defTabSz="914400" rtl="0" eaLnBrk="1" latinLnBrk="0" hangingPunct="1">
+      <a:defRPr sz="1200" kern="1200">
+        <a:solidFill>
+          <a:schemeClr val="tx1"/>
+        </a:solidFill>
+        <a:latin typeface="+mn-lt"/>
+        <a:ea typeface="+mn-ea"/>
+        <a:cs typeface="+mn-cs"/>
+      </a:defRPr>
+    </a:lvl5pPr>
+    <a:lvl6pPr marL="2286000" algn="l" defTabSz="914400" rtl="0" eaLnBrk="1" latinLnBrk="0" hangingPunct="1">
+      <a:defRPr sz="1200" kern="1200">
+        <a:solidFill>
+          <a:schemeClr val="tx1"/>
+        </a:solidFill>
+        <a:latin typeface="+mn-lt"/>
+        <a:ea typeface="+mn-ea"/>
+        <a:cs typeface="+mn-cs"/>
+      </a:defRPr>
+    </a:lvl6pPr>
+    <a:lvl7pPr marL="2743200" algn="l" defTabSz="914400" rtl="0" eaLnBrk="1" latinLnBrk="0" hangingPunct="1">
+      <a:defRPr sz="1200" kern="1200">
+        <a:solidFill>
+          <a:schemeClr val="tx1"/>
+        </a:solidFill>
+        <a:latin typeface="+mn-lt"/>
+        <a:ea typeface="+mn-ea"/>
+        <a:cs typeface="+mn-cs"/>
+      </a:defRPr>
+    </a:lvl7pPr>
+    <a:lvl8pPr marL="3200400" algn="l" defTabSz="914400" rtl="0" eaLnBrk="1" latinLnBrk="0" hangingPunct="1">
+      <a:defRPr sz="1200" kern="1200">
+        <a:solidFill>
+          <a:schemeClr val="tx1"/>
+        </a:solidFill>
+        <a:latin typeface="+mn-lt"/>
+        <a:ea typeface="+mn-ea"/>
+        <a:cs typeface="+mn-cs"/>
+      </a:defRPr>
+    </a:lvl8pPr>
+    <a:lvl9pPr marL="3657600" algn="l" defTabSz="914400" rtl="0" eaLnBrk="1" latinLnBrk="0" hangingPunct="1">
+      <a:defRPr sz="1200" kern="1200">
+        <a:solidFill>
+          <a:schemeClr val="tx1"/>
+        </a:solidFill>
+        <a:latin typeface="+mn-lt"/>
+        <a:ea typeface="+mn-ea"/>
+        <a:cs typeface="+mn-cs"/>
+      </a:defRPr>
+    </a:lvl9pPr>
+  </p:notesStyle>
+</p:notesMaster>
+</file>
+
+<file path=ppt/notesSlides/notesSlide1.xml><?xml version="1.0" encoding="utf-8"?>
+<p:notes xmlns:a="http://schemas.openxmlformats.org/drawingml/2006/main" xmlns:r="http://schemas.openxmlformats.org/officeDocument/2006/relationships" xmlns:p="http://schemas.openxmlformats.org/presentationml/2006/main">
+  <p:cSld>
+    <p:spTree>
+      <p:nvGrpSpPr>
+        <p:cNvPr id="1" name=""/>
+        <p:cNvGrpSpPr/>
+        <p:nvPr/>
+      </p:nvGrpSpPr>
+      <p:grpSpPr>
+        <a:xfrm>
+          <a:off x="0" y="0"/>
+          <a:ext cx="0" cy="0"/>
+          <a:chOff x="0" y="0"/>
+          <a:chExt cx="0" cy="0"/>
+        </a:xfrm>
+      </p:grpSpPr>
+      <p:sp>
+        <p:nvSpPr>
+          <p:cNvPr id="2" name="Slide Image Placeholder 1"/>
+          <p:cNvSpPr>
+            <a:spLocks noGrp="1" noRot="1" noChangeAspect="1"/>
+          </p:cNvSpPr>
+          <p:nvPr>
+            <p:ph type="sldImg"/>
+          </p:nvPr>
+        </p:nvSpPr>
+        <p:spPr/>
+      </p:sp>
+      <p:sp>
+        <p:nvSpPr>
+          <p:cNvPr id="3" name="Notes Placeholder 2"/>
+          <p:cNvSpPr>
+            <a:spLocks noGrp="1"/>
+          </p:cNvSpPr>
+          <p:nvPr>
+            <p:ph type="body" idx="1"/>
+          </p:nvPr>
+        </p:nvSpPr>
+        <p:spPr/>
+        <p:txBody>
+          <a:bodyPr/>
+          <a:lstStyle/>
+          <a:p>
+            <a:r>
+              <a:rPr lang="en-US" dirty="0"/>
+              <a:t>Data transformation </a:t>
+            </a:r>
+          </a:p>
+        </p:txBody>
+      </p:sp>
+      <p:sp>
+        <p:nvSpPr>
+          <p:cNvPr id="4" name="Slide Number Placeholder 3"/>
+          <p:cNvSpPr>
+            <a:spLocks noGrp="1"/>
+          </p:cNvSpPr>
+          <p:nvPr>
+            <p:ph type="sldNum" sz="quarter" idx="5"/>
+          </p:nvPr>
+        </p:nvSpPr>
+        <p:spPr/>
+        <p:txBody>
+          <a:bodyPr/>
+          <a:lstStyle/>
+          <a:p>
+            <a:fld id="{4E2F5FFC-7E54-F340-AA92-0EA780FD2FFD}" type="slidenum">
+              <a:rPr lang="en-US" smtClean="0"/>
+              <a:t>5</a:t>
+            </a:fld>
+            <a:endParaRPr lang="en-US"/>
+          </a:p>
+        </p:txBody>
+      </p:sp>
+    </p:spTree>
+    <p:extLst>
+      <p:ext uri="{BB962C8B-B14F-4D97-AF65-F5344CB8AC3E}">
+        <p14:creationId xmlns:p14="http://schemas.microsoft.com/office/powerpoint/2010/main" val="2714582184"/>
+      </p:ext>
+    </p:extLst>
+  </p:cSld>
+  <p:clrMapOvr>
+    <a:masterClrMapping/>
+  </p:clrMapOvr>
+</p:notes>
 </file>
 
 <file path=ppt/slideLayouts/slideLayout1.xml><?xml version="1.0" encoding="utf-8"?>
@@ -6881,10 +7326,22 @@
             </a:r>
           </a:p>
           <a:p>
+            <a:r>
+              <a:rPr lang="en-US" dirty="0"/>
+              <a:t>Importance of indexing and uniqueness constraints</a:t>
+            </a:r>
+          </a:p>
+          <a:p>
             <a:pPr lvl="1"/>
             <a:r>
               <a:rPr lang="en-US" dirty="0"/>
-              <a:t>Learned to work around directly importing that much data into Neo4j directly and all at once, instead created constraints to help unwind created Python data structures to more quickly import and establish the data into Neo4j</a:t>
+              <a:t>Speed up insertion and query times</a:t>
+            </a:r>
+          </a:p>
+          <a:p>
+            <a:r>
+              <a:rPr lang="en-US" dirty="0"/>
+              <a:t>Stay away from wrappers and object graph mapping when uploading bulk data</a:t>
             </a:r>
           </a:p>
           <a:p>
@@ -6983,7 +7440,7 @@
           <a:p>
             <a:r>
               <a:rPr lang="en-US" dirty="0"/>
-              <a:t>Implement a recommendation system based on county attributes to compare different geographical regions of similar number of infections and population</a:t>
+              <a:t>Implement a recommendation system based on county attributes to compare Similar geographical regions of similar number of infections and population</a:t>
             </a:r>
           </a:p>
           <a:p>
@@ -6998,6 +7455,762 @@
     <p:extLst>
       <p:ext uri="{BB962C8B-B14F-4D97-AF65-F5344CB8AC3E}">
         <p14:creationId xmlns:p14="http://schemas.microsoft.com/office/powerpoint/2010/main" val="3287585363"/>
+      </p:ext>
+    </p:extLst>
+  </p:cSld>
+  <p:clrMapOvr>
+    <a:masterClrMapping/>
+  </p:clrMapOvr>
+</p:sld>
+</file>
+
+<file path=ppt/slides/slide13.xml><?xml version="1.0" encoding="utf-8"?>
+<p:sld xmlns:a="http://schemas.openxmlformats.org/drawingml/2006/main" xmlns:r="http://schemas.openxmlformats.org/officeDocument/2006/relationships" xmlns:p="http://schemas.openxmlformats.org/presentationml/2006/main">
+  <p:cSld>
+    <p:spTree>
+      <p:nvGrpSpPr>
+        <p:cNvPr id="1" name=""/>
+        <p:cNvGrpSpPr/>
+        <p:nvPr/>
+      </p:nvGrpSpPr>
+      <p:grpSpPr>
+        <a:xfrm>
+          <a:off x="0" y="0"/>
+          <a:ext cx="0" cy="0"/>
+          <a:chOff x="0" y="0"/>
+          <a:chExt cx="0" cy="0"/>
+        </a:xfrm>
+      </p:grpSpPr>
+      <p:sp>
+        <p:nvSpPr>
+          <p:cNvPr id="2" name="Title 1">
+            <a:extLst>
+              <a:ext uri="{FF2B5EF4-FFF2-40B4-BE49-F238E27FC236}">
+                <a16:creationId xmlns:a16="http://schemas.microsoft.com/office/drawing/2014/main" id="{349EE869-B909-8348-8E8D-0E71CBB91041}"/>
+              </a:ext>
+            </a:extLst>
+          </p:cNvPr>
+          <p:cNvSpPr>
+            <a:spLocks noGrp="1"/>
+          </p:cNvSpPr>
+          <p:nvPr>
+            <p:ph type="title"/>
+          </p:nvPr>
+        </p:nvSpPr>
+        <p:spPr/>
+        <p:txBody>
+          <a:bodyPr/>
+          <a:lstStyle/>
+          <a:p>
+            <a:r>
+              <a:rPr lang="en-US" dirty="0"/>
+              <a:t>Query 1 Results</a:t>
+            </a:r>
+          </a:p>
+        </p:txBody>
+      </p:sp>
+      <p:pic>
+        <p:nvPicPr>
+          <p:cNvPr id="11" name="Content Placeholder 10">
+            <a:extLst>
+              <a:ext uri="{FF2B5EF4-FFF2-40B4-BE49-F238E27FC236}">
+                <a16:creationId xmlns:a16="http://schemas.microsoft.com/office/drawing/2014/main" id="{2144AEAE-D2D3-B745-BE88-E067EFFA1E8A}"/>
+              </a:ext>
+            </a:extLst>
+          </p:cNvPr>
+          <p:cNvPicPr>
+            <a:picLocks noGrp="1" noChangeAspect="1"/>
+          </p:cNvPicPr>
+          <p:nvPr>
+            <p:ph idx="1"/>
+          </p:nvPr>
+        </p:nvPicPr>
+        <p:blipFill>
+          <a:blip r:embed="rId2"/>
+          <a:stretch>
+            <a:fillRect/>
+          </a:stretch>
+        </p:blipFill>
+        <p:spPr>
+          <a:xfrm>
+            <a:off x="3003550" y="1898926"/>
+            <a:ext cx="6184900" cy="1333500"/>
+          </a:xfrm>
+        </p:spPr>
+      </p:pic>
+      <p:pic>
+        <p:nvPicPr>
+          <p:cNvPr id="13" name="Picture 12">
+            <a:extLst>
+              <a:ext uri="{FF2B5EF4-FFF2-40B4-BE49-F238E27FC236}">
+                <a16:creationId xmlns:a16="http://schemas.microsoft.com/office/drawing/2014/main" id="{0D4FB10B-12C1-A04D-B300-B41CD448B04F}"/>
+              </a:ext>
+            </a:extLst>
+          </p:cNvPr>
+          <p:cNvPicPr>
+            <a:picLocks noChangeAspect="1"/>
+          </p:cNvPicPr>
+          <p:nvPr/>
+        </p:nvPicPr>
+        <p:blipFill>
+          <a:blip r:embed="rId3"/>
+          <a:stretch>
+            <a:fillRect/>
+          </a:stretch>
+        </p:blipFill>
+        <p:spPr>
+          <a:xfrm>
+            <a:off x="3048000" y="2933700"/>
+            <a:ext cx="6096000" cy="990600"/>
+          </a:xfrm>
+          <a:prstGeom prst="rect">
+            <a:avLst/>
+          </a:prstGeom>
+        </p:spPr>
+      </p:pic>
+      <p:sp>
+        <p:nvSpPr>
+          <p:cNvPr id="16" name="Rectangle 15">
+            <a:extLst>
+              <a:ext uri="{FF2B5EF4-FFF2-40B4-BE49-F238E27FC236}">
+                <a16:creationId xmlns:a16="http://schemas.microsoft.com/office/drawing/2014/main" id="{282A6130-9633-EA4C-B7EB-6AE63D73DED0}"/>
+              </a:ext>
+            </a:extLst>
+          </p:cNvPr>
+          <p:cNvSpPr/>
+          <p:nvPr/>
+        </p:nvSpPr>
+        <p:spPr>
+          <a:xfrm>
+            <a:off x="3620655" y="2955636"/>
+            <a:ext cx="73890" cy="276790"/>
+          </a:xfrm>
+          <a:prstGeom prst="rect">
+            <a:avLst/>
+          </a:prstGeom>
+          <a:solidFill>
+            <a:schemeClr val="bg1"/>
+          </a:solidFill>
+          <a:ln>
+            <a:solidFill>
+              <a:schemeClr val="bg1"/>
+            </a:solidFill>
+          </a:ln>
+        </p:spPr>
+        <p:style>
+          <a:lnRef idx="2">
+            <a:schemeClr val="accent1">
+              <a:shade val="50000"/>
+            </a:schemeClr>
+          </a:lnRef>
+          <a:fillRef idx="1">
+            <a:schemeClr val="accent1"/>
+          </a:fillRef>
+          <a:effectRef idx="0">
+            <a:schemeClr val="accent1"/>
+          </a:effectRef>
+          <a:fontRef idx="minor">
+            <a:schemeClr val="lt1"/>
+          </a:fontRef>
+        </p:style>
+        <p:txBody>
+          <a:bodyPr rtlCol="0" anchor="ctr"/>
+          <a:lstStyle/>
+          <a:p>
+            <a:pPr algn="ctr"/>
+            <a:endParaRPr lang="en-US"/>
+          </a:p>
+        </p:txBody>
+      </p:sp>
+    </p:spTree>
+    <p:extLst>
+      <p:ext uri="{BB962C8B-B14F-4D97-AF65-F5344CB8AC3E}">
+        <p14:creationId xmlns:p14="http://schemas.microsoft.com/office/powerpoint/2010/main" val="2144534093"/>
+      </p:ext>
+    </p:extLst>
+  </p:cSld>
+  <p:clrMapOvr>
+    <a:masterClrMapping/>
+  </p:clrMapOvr>
+</p:sld>
+</file>
+
+<file path=ppt/slides/slide14.xml><?xml version="1.0" encoding="utf-8"?>
+<p:sld xmlns:a="http://schemas.openxmlformats.org/drawingml/2006/main" xmlns:r="http://schemas.openxmlformats.org/officeDocument/2006/relationships" xmlns:p="http://schemas.openxmlformats.org/presentationml/2006/main">
+  <p:cSld>
+    <p:spTree>
+      <p:nvGrpSpPr>
+        <p:cNvPr id="1" name=""/>
+        <p:cNvGrpSpPr/>
+        <p:nvPr/>
+      </p:nvGrpSpPr>
+      <p:grpSpPr>
+        <a:xfrm>
+          <a:off x="0" y="0"/>
+          <a:ext cx="0" cy="0"/>
+          <a:chOff x="0" y="0"/>
+          <a:chExt cx="0" cy="0"/>
+        </a:xfrm>
+      </p:grpSpPr>
+      <p:sp>
+        <p:nvSpPr>
+          <p:cNvPr id="2" name="Title 1">
+            <a:extLst>
+              <a:ext uri="{FF2B5EF4-FFF2-40B4-BE49-F238E27FC236}">
+                <a16:creationId xmlns:a16="http://schemas.microsoft.com/office/drawing/2014/main" id="{349EE869-B909-8348-8E8D-0E71CBB91041}"/>
+              </a:ext>
+            </a:extLst>
+          </p:cNvPr>
+          <p:cNvSpPr>
+            <a:spLocks noGrp="1"/>
+          </p:cNvSpPr>
+          <p:nvPr>
+            <p:ph type="title"/>
+          </p:nvPr>
+        </p:nvSpPr>
+        <p:spPr/>
+        <p:txBody>
+          <a:bodyPr/>
+          <a:lstStyle/>
+          <a:p>
+            <a:r>
+              <a:rPr lang="en-US" dirty="0"/>
+              <a:t>Query 2 Results</a:t>
+            </a:r>
+          </a:p>
+        </p:txBody>
+      </p:sp>
+      <p:pic>
+        <p:nvPicPr>
+          <p:cNvPr id="5" name="Content Placeholder 4" descr="Graphical user interface, application&#10;&#10;Description automatically generated">
+            <a:extLst>
+              <a:ext uri="{FF2B5EF4-FFF2-40B4-BE49-F238E27FC236}">
+                <a16:creationId xmlns:a16="http://schemas.microsoft.com/office/drawing/2014/main" id="{E92127AE-A6D5-B34D-8F31-95212451933C}"/>
+              </a:ext>
+            </a:extLst>
+          </p:cNvPr>
+          <p:cNvPicPr>
+            <a:picLocks noGrp="1" noChangeAspect="1"/>
+          </p:cNvPicPr>
+          <p:nvPr>
+            <p:ph idx="1"/>
+          </p:nvPr>
+        </p:nvPicPr>
+        <p:blipFill>
+          <a:blip r:embed="rId2"/>
+          <a:stretch>
+            <a:fillRect/>
+          </a:stretch>
+        </p:blipFill>
+        <p:spPr>
+          <a:xfrm>
+            <a:off x="2286000" y="2448862"/>
+            <a:ext cx="7620000" cy="1117600"/>
+          </a:xfrm>
+        </p:spPr>
+      </p:pic>
+      <p:pic>
+        <p:nvPicPr>
+          <p:cNvPr id="7" name="Picture 6">
+            <a:extLst>
+              <a:ext uri="{FF2B5EF4-FFF2-40B4-BE49-F238E27FC236}">
+                <a16:creationId xmlns:a16="http://schemas.microsoft.com/office/drawing/2014/main" id="{D46E441A-8452-214A-859C-6E62F3C658BA}"/>
+              </a:ext>
+            </a:extLst>
+          </p:cNvPr>
+          <p:cNvPicPr>
+            <a:picLocks noChangeAspect="1"/>
+          </p:cNvPicPr>
+          <p:nvPr/>
+        </p:nvPicPr>
+        <p:blipFill>
+          <a:blip r:embed="rId3"/>
+          <a:stretch>
+            <a:fillRect/>
+          </a:stretch>
+        </p:blipFill>
+        <p:spPr>
+          <a:xfrm>
+            <a:off x="2286000" y="3566462"/>
+            <a:ext cx="3175000" cy="685800"/>
+          </a:xfrm>
+          <a:prstGeom prst="rect">
+            <a:avLst/>
+          </a:prstGeom>
+        </p:spPr>
+      </p:pic>
+    </p:spTree>
+    <p:extLst>
+      <p:ext uri="{BB962C8B-B14F-4D97-AF65-F5344CB8AC3E}">
+        <p14:creationId xmlns:p14="http://schemas.microsoft.com/office/powerpoint/2010/main" val="898659448"/>
+      </p:ext>
+    </p:extLst>
+  </p:cSld>
+  <p:clrMapOvr>
+    <a:masterClrMapping/>
+  </p:clrMapOvr>
+</p:sld>
+</file>
+
+<file path=ppt/slides/slide15.xml><?xml version="1.0" encoding="utf-8"?>
+<p:sld xmlns:a="http://schemas.openxmlformats.org/drawingml/2006/main" xmlns:r="http://schemas.openxmlformats.org/officeDocument/2006/relationships" xmlns:p="http://schemas.openxmlformats.org/presentationml/2006/main">
+  <p:cSld>
+    <p:spTree>
+      <p:nvGrpSpPr>
+        <p:cNvPr id="1" name=""/>
+        <p:cNvGrpSpPr/>
+        <p:nvPr/>
+      </p:nvGrpSpPr>
+      <p:grpSpPr>
+        <a:xfrm>
+          <a:off x="0" y="0"/>
+          <a:ext cx="0" cy="0"/>
+          <a:chOff x="0" y="0"/>
+          <a:chExt cx="0" cy="0"/>
+        </a:xfrm>
+      </p:grpSpPr>
+      <p:sp>
+        <p:nvSpPr>
+          <p:cNvPr id="2" name="Title 1">
+            <a:extLst>
+              <a:ext uri="{FF2B5EF4-FFF2-40B4-BE49-F238E27FC236}">
+                <a16:creationId xmlns:a16="http://schemas.microsoft.com/office/drawing/2014/main" id="{349EE869-B909-8348-8E8D-0E71CBB91041}"/>
+              </a:ext>
+            </a:extLst>
+          </p:cNvPr>
+          <p:cNvSpPr>
+            <a:spLocks noGrp="1"/>
+          </p:cNvSpPr>
+          <p:nvPr>
+            <p:ph type="title"/>
+          </p:nvPr>
+        </p:nvSpPr>
+        <p:spPr/>
+        <p:txBody>
+          <a:bodyPr/>
+          <a:lstStyle/>
+          <a:p>
+            <a:r>
+              <a:rPr lang="en-US" dirty="0"/>
+              <a:t>Query 3 Results</a:t>
+            </a:r>
+          </a:p>
+        </p:txBody>
+      </p:sp>
+      <p:pic>
+        <p:nvPicPr>
+          <p:cNvPr id="5" name="Content Placeholder 4">
+            <a:extLst>
+              <a:ext uri="{FF2B5EF4-FFF2-40B4-BE49-F238E27FC236}">
+                <a16:creationId xmlns:a16="http://schemas.microsoft.com/office/drawing/2014/main" id="{A78FA5D3-7C1F-324D-955E-5704075E0299}"/>
+              </a:ext>
+            </a:extLst>
+          </p:cNvPr>
+          <p:cNvPicPr>
+            <a:picLocks noGrp="1" noChangeAspect="1"/>
+          </p:cNvPicPr>
+          <p:nvPr>
+            <p:ph idx="1"/>
+          </p:nvPr>
+        </p:nvPicPr>
+        <p:blipFill>
+          <a:blip r:embed="rId2"/>
+          <a:stretch>
+            <a:fillRect/>
+          </a:stretch>
+        </p:blipFill>
+        <p:spPr>
+          <a:xfrm>
+            <a:off x="2402609" y="1888908"/>
+            <a:ext cx="7239000" cy="482600"/>
+          </a:xfrm>
+        </p:spPr>
+      </p:pic>
+      <p:pic>
+        <p:nvPicPr>
+          <p:cNvPr id="7" name="Picture 6" descr="Text&#10;&#10;Description automatically generated">
+            <a:extLst>
+              <a:ext uri="{FF2B5EF4-FFF2-40B4-BE49-F238E27FC236}">
+                <a16:creationId xmlns:a16="http://schemas.microsoft.com/office/drawing/2014/main" id="{44B48D62-F908-E34B-A318-834AD20D12B2}"/>
+              </a:ext>
+            </a:extLst>
+          </p:cNvPr>
+          <p:cNvPicPr>
+            <a:picLocks noChangeAspect="1"/>
+          </p:cNvPicPr>
+          <p:nvPr/>
+        </p:nvPicPr>
+        <p:blipFill>
+          <a:blip r:embed="rId3"/>
+          <a:stretch>
+            <a:fillRect/>
+          </a:stretch>
+        </p:blipFill>
+        <p:spPr>
+          <a:xfrm>
+            <a:off x="2389909" y="2371508"/>
+            <a:ext cx="7251700" cy="1714500"/>
+          </a:xfrm>
+          <a:prstGeom prst="rect">
+            <a:avLst/>
+          </a:prstGeom>
+        </p:spPr>
+      </p:pic>
+    </p:spTree>
+    <p:extLst>
+      <p:ext uri="{BB962C8B-B14F-4D97-AF65-F5344CB8AC3E}">
+        <p14:creationId xmlns:p14="http://schemas.microsoft.com/office/powerpoint/2010/main" val="2480125069"/>
+      </p:ext>
+    </p:extLst>
+  </p:cSld>
+  <p:clrMapOvr>
+    <a:masterClrMapping/>
+  </p:clrMapOvr>
+</p:sld>
+</file>
+
+<file path=ppt/slides/slide16.xml><?xml version="1.0" encoding="utf-8"?>
+<p:sld xmlns:a="http://schemas.openxmlformats.org/drawingml/2006/main" xmlns:r="http://schemas.openxmlformats.org/officeDocument/2006/relationships" xmlns:p="http://schemas.openxmlformats.org/presentationml/2006/main">
+  <p:cSld>
+    <p:spTree>
+      <p:nvGrpSpPr>
+        <p:cNvPr id="1" name=""/>
+        <p:cNvGrpSpPr/>
+        <p:nvPr/>
+      </p:nvGrpSpPr>
+      <p:grpSpPr>
+        <a:xfrm>
+          <a:off x="0" y="0"/>
+          <a:ext cx="0" cy="0"/>
+          <a:chOff x="0" y="0"/>
+          <a:chExt cx="0" cy="0"/>
+        </a:xfrm>
+      </p:grpSpPr>
+      <p:sp>
+        <p:nvSpPr>
+          <p:cNvPr id="2" name="Title 1">
+            <a:extLst>
+              <a:ext uri="{FF2B5EF4-FFF2-40B4-BE49-F238E27FC236}">
+                <a16:creationId xmlns:a16="http://schemas.microsoft.com/office/drawing/2014/main" id="{349EE869-B909-8348-8E8D-0E71CBB91041}"/>
+              </a:ext>
+            </a:extLst>
+          </p:cNvPr>
+          <p:cNvSpPr>
+            <a:spLocks noGrp="1"/>
+          </p:cNvSpPr>
+          <p:nvPr>
+            <p:ph type="title"/>
+          </p:nvPr>
+        </p:nvSpPr>
+        <p:spPr/>
+        <p:txBody>
+          <a:bodyPr/>
+          <a:lstStyle/>
+          <a:p>
+            <a:r>
+              <a:rPr lang="en-US" dirty="0"/>
+              <a:t>Query 4 Results</a:t>
+            </a:r>
+          </a:p>
+        </p:txBody>
+      </p:sp>
+      <p:pic>
+        <p:nvPicPr>
+          <p:cNvPr id="5" name="Content Placeholder 4">
+            <a:extLst>
+              <a:ext uri="{FF2B5EF4-FFF2-40B4-BE49-F238E27FC236}">
+                <a16:creationId xmlns:a16="http://schemas.microsoft.com/office/drawing/2014/main" id="{F1261D22-4C8B-3E49-9AB8-CCAB01258937}"/>
+              </a:ext>
+            </a:extLst>
+          </p:cNvPr>
+          <p:cNvPicPr>
+            <a:picLocks noGrp="1" noChangeAspect="1"/>
+          </p:cNvPicPr>
+          <p:nvPr>
+            <p:ph idx="1"/>
+          </p:nvPr>
+        </p:nvPicPr>
+        <p:blipFill>
+          <a:blip r:embed="rId2"/>
+          <a:stretch>
+            <a:fillRect/>
+          </a:stretch>
+        </p:blipFill>
+        <p:spPr>
+          <a:xfrm>
+            <a:off x="2514600" y="1939131"/>
+            <a:ext cx="7162800" cy="1028700"/>
+          </a:xfrm>
+        </p:spPr>
+      </p:pic>
+      <p:pic>
+        <p:nvPicPr>
+          <p:cNvPr id="7" name="Picture 6" descr="Text&#10;&#10;Description automatically generated">
+            <a:extLst>
+              <a:ext uri="{FF2B5EF4-FFF2-40B4-BE49-F238E27FC236}">
+                <a16:creationId xmlns:a16="http://schemas.microsoft.com/office/drawing/2014/main" id="{CD3FF056-E6DB-C24C-8930-271378A8F783}"/>
+              </a:ext>
+            </a:extLst>
+          </p:cNvPr>
+          <p:cNvPicPr>
+            <a:picLocks noChangeAspect="1"/>
+          </p:cNvPicPr>
+          <p:nvPr/>
+        </p:nvPicPr>
+        <p:blipFill>
+          <a:blip r:embed="rId3"/>
+          <a:stretch>
+            <a:fillRect/>
+          </a:stretch>
+        </p:blipFill>
+        <p:spPr>
+          <a:xfrm>
+            <a:off x="2457450" y="2880170"/>
+            <a:ext cx="4229677" cy="3927030"/>
+          </a:xfrm>
+          <a:prstGeom prst="rect">
+            <a:avLst/>
+          </a:prstGeom>
+        </p:spPr>
+      </p:pic>
+    </p:spTree>
+    <p:extLst>
+      <p:ext uri="{BB962C8B-B14F-4D97-AF65-F5344CB8AC3E}">
+        <p14:creationId xmlns:p14="http://schemas.microsoft.com/office/powerpoint/2010/main" val="2937234608"/>
+      </p:ext>
+    </p:extLst>
+  </p:cSld>
+  <p:clrMapOvr>
+    <a:masterClrMapping/>
+  </p:clrMapOvr>
+</p:sld>
+</file>
+
+<file path=ppt/slides/slide17.xml><?xml version="1.0" encoding="utf-8"?>
+<p:sld xmlns:a="http://schemas.openxmlformats.org/drawingml/2006/main" xmlns:r="http://schemas.openxmlformats.org/officeDocument/2006/relationships" xmlns:p="http://schemas.openxmlformats.org/presentationml/2006/main">
+  <p:cSld>
+    <p:spTree>
+      <p:nvGrpSpPr>
+        <p:cNvPr id="1" name=""/>
+        <p:cNvGrpSpPr/>
+        <p:nvPr/>
+      </p:nvGrpSpPr>
+      <p:grpSpPr>
+        <a:xfrm>
+          <a:off x="0" y="0"/>
+          <a:ext cx="0" cy="0"/>
+          <a:chOff x="0" y="0"/>
+          <a:chExt cx="0" cy="0"/>
+        </a:xfrm>
+      </p:grpSpPr>
+      <p:sp>
+        <p:nvSpPr>
+          <p:cNvPr id="2" name="Title 1">
+            <a:extLst>
+              <a:ext uri="{FF2B5EF4-FFF2-40B4-BE49-F238E27FC236}">
+                <a16:creationId xmlns:a16="http://schemas.microsoft.com/office/drawing/2014/main" id="{349EE869-B909-8348-8E8D-0E71CBB91041}"/>
+              </a:ext>
+            </a:extLst>
+          </p:cNvPr>
+          <p:cNvSpPr>
+            <a:spLocks noGrp="1"/>
+          </p:cNvSpPr>
+          <p:nvPr>
+            <p:ph type="title"/>
+          </p:nvPr>
+        </p:nvSpPr>
+        <p:spPr/>
+        <p:txBody>
+          <a:bodyPr/>
+          <a:lstStyle/>
+          <a:p>
+            <a:r>
+              <a:rPr lang="en-US" dirty="0"/>
+              <a:t>Query 5 Results</a:t>
+            </a:r>
+          </a:p>
+        </p:txBody>
+      </p:sp>
+      <p:pic>
+        <p:nvPicPr>
+          <p:cNvPr id="5" name="Content Placeholder 4" descr="Graphical user interface, application&#10;&#10;Description automatically generated">
+            <a:extLst>
+              <a:ext uri="{FF2B5EF4-FFF2-40B4-BE49-F238E27FC236}">
+                <a16:creationId xmlns:a16="http://schemas.microsoft.com/office/drawing/2014/main" id="{BE8AE35E-D697-2347-9336-039699CF4A13}"/>
+              </a:ext>
+            </a:extLst>
+          </p:cNvPr>
+          <p:cNvPicPr>
+            <a:picLocks noGrp="1" noChangeAspect="1"/>
+          </p:cNvPicPr>
+          <p:nvPr>
+            <p:ph idx="1"/>
+          </p:nvPr>
+        </p:nvPicPr>
+        <p:blipFill>
+          <a:blip r:embed="rId2"/>
+          <a:stretch>
+            <a:fillRect/>
+          </a:stretch>
+        </p:blipFill>
+        <p:spPr>
+          <a:xfrm>
+            <a:off x="2501900" y="1970304"/>
+            <a:ext cx="7188200" cy="1206500"/>
+          </a:xfrm>
+        </p:spPr>
+      </p:pic>
+      <p:pic>
+        <p:nvPicPr>
+          <p:cNvPr id="7" name="Picture 6">
+            <a:extLst>
+              <a:ext uri="{FF2B5EF4-FFF2-40B4-BE49-F238E27FC236}">
+                <a16:creationId xmlns:a16="http://schemas.microsoft.com/office/drawing/2014/main" id="{6CE36C08-252E-3D41-8E68-F97FE8AA8379}"/>
+              </a:ext>
+            </a:extLst>
+          </p:cNvPr>
+          <p:cNvPicPr>
+            <a:picLocks noChangeAspect="1"/>
+          </p:cNvPicPr>
+          <p:nvPr/>
+        </p:nvPicPr>
+        <p:blipFill>
+          <a:blip r:embed="rId3"/>
+          <a:stretch>
+            <a:fillRect/>
+          </a:stretch>
+        </p:blipFill>
+        <p:spPr>
+          <a:xfrm>
+            <a:off x="2451100" y="3176804"/>
+            <a:ext cx="7239000" cy="3657600"/>
+          </a:xfrm>
+          <a:prstGeom prst="rect">
+            <a:avLst/>
+          </a:prstGeom>
+        </p:spPr>
+      </p:pic>
+    </p:spTree>
+    <p:extLst>
+      <p:ext uri="{BB962C8B-B14F-4D97-AF65-F5344CB8AC3E}">
+        <p14:creationId xmlns:p14="http://schemas.microsoft.com/office/powerpoint/2010/main" val="1304820301"/>
+      </p:ext>
+    </p:extLst>
+  </p:cSld>
+  <p:clrMapOvr>
+    <a:masterClrMapping/>
+  </p:clrMapOvr>
+</p:sld>
+</file>
+
+<file path=ppt/slides/slide18.xml><?xml version="1.0" encoding="utf-8"?>
+<p:sld xmlns:a="http://schemas.openxmlformats.org/drawingml/2006/main" xmlns:r="http://schemas.openxmlformats.org/officeDocument/2006/relationships" xmlns:p="http://schemas.openxmlformats.org/presentationml/2006/main">
+  <p:cSld>
+    <p:spTree>
+      <p:nvGrpSpPr>
+        <p:cNvPr id="1" name=""/>
+        <p:cNvGrpSpPr/>
+        <p:nvPr/>
+      </p:nvGrpSpPr>
+      <p:grpSpPr>
+        <a:xfrm>
+          <a:off x="0" y="0"/>
+          <a:ext cx="0" cy="0"/>
+          <a:chOff x="0" y="0"/>
+          <a:chExt cx="0" cy="0"/>
+        </a:xfrm>
+      </p:grpSpPr>
+      <p:sp>
+        <p:nvSpPr>
+          <p:cNvPr id="2" name="Title 1">
+            <a:extLst>
+              <a:ext uri="{FF2B5EF4-FFF2-40B4-BE49-F238E27FC236}">
+                <a16:creationId xmlns:a16="http://schemas.microsoft.com/office/drawing/2014/main" id="{349EE869-B909-8348-8E8D-0E71CBB91041}"/>
+              </a:ext>
+            </a:extLst>
+          </p:cNvPr>
+          <p:cNvSpPr>
+            <a:spLocks noGrp="1"/>
+          </p:cNvSpPr>
+          <p:nvPr>
+            <p:ph type="title"/>
+          </p:nvPr>
+        </p:nvSpPr>
+        <p:spPr/>
+        <p:txBody>
+          <a:bodyPr/>
+          <a:lstStyle/>
+          <a:p>
+            <a:r>
+              <a:rPr lang="en-US" dirty="0"/>
+              <a:t>Query 6 Results</a:t>
+            </a:r>
+          </a:p>
+        </p:txBody>
+      </p:sp>
+      <p:pic>
+        <p:nvPicPr>
+          <p:cNvPr id="5" name="Content Placeholder 4" descr="Graphical user interface&#10;&#10;Description automatically generated">
+            <a:extLst>
+              <a:ext uri="{FF2B5EF4-FFF2-40B4-BE49-F238E27FC236}">
+                <a16:creationId xmlns:a16="http://schemas.microsoft.com/office/drawing/2014/main" id="{4B924139-415C-8742-90F7-14D417CEBF35}"/>
+              </a:ext>
+            </a:extLst>
+          </p:cNvPr>
+          <p:cNvPicPr>
+            <a:picLocks noGrp="1" noChangeAspect="1"/>
+          </p:cNvPicPr>
+          <p:nvPr>
+            <p:ph idx="1"/>
+          </p:nvPr>
+        </p:nvPicPr>
+        <p:blipFill>
+          <a:blip r:embed="rId2"/>
+          <a:stretch>
+            <a:fillRect/>
+          </a:stretch>
+        </p:blipFill>
+        <p:spPr>
+          <a:xfrm>
+            <a:off x="2501900" y="1744794"/>
+            <a:ext cx="7188200" cy="939800"/>
+          </a:xfrm>
+        </p:spPr>
+      </p:pic>
+      <p:pic>
+        <p:nvPicPr>
+          <p:cNvPr id="7" name="Picture 6" descr="Text&#10;&#10;Description automatically generated">
+            <a:extLst>
+              <a:ext uri="{FF2B5EF4-FFF2-40B4-BE49-F238E27FC236}">
+                <a16:creationId xmlns:a16="http://schemas.microsoft.com/office/drawing/2014/main" id="{BCE6FAE1-401E-5442-8459-1379FFDFC391}"/>
+              </a:ext>
+            </a:extLst>
+          </p:cNvPr>
+          <p:cNvPicPr>
+            <a:picLocks noChangeAspect="1"/>
+          </p:cNvPicPr>
+          <p:nvPr/>
+        </p:nvPicPr>
+        <p:blipFill>
+          <a:blip r:embed="rId3"/>
+          <a:stretch>
+            <a:fillRect/>
+          </a:stretch>
+        </p:blipFill>
+        <p:spPr>
+          <a:xfrm>
+            <a:off x="2501900" y="2684595"/>
+            <a:ext cx="5256645" cy="4173850"/>
+          </a:xfrm>
+          <a:prstGeom prst="rect">
+            <a:avLst/>
+          </a:prstGeom>
+        </p:spPr>
+      </p:pic>
+    </p:spTree>
+    <p:extLst>
+      <p:ext uri="{BB962C8B-B14F-4D97-AF65-F5344CB8AC3E}">
+        <p14:creationId xmlns:p14="http://schemas.microsoft.com/office/powerpoint/2010/main" val="927594509"/>
       </p:ext>
     </p:extLst>
   </p:cSld>
@@ -7866,7 +9079,7 @@
             <a:pPr lvl="1"/>
             <a:r>
               <a:rPr lang="en-US" dirty="0"/>
-              <a:t>Data transformation occurs in py2neo and neo4j</a:t>
+              <a:t>Data transformation to Neo4j using py2neo</a:t>
             </a:r>
           </a:p>
           <a:p>
@@ -8036,7 +9249,7 @@
             </a:r>
             <a:r>
               <a:rPr lang="en-US" dirty="0" err="1"/>
-              <a:t>zipcodes</a:t>
+              <a:t>zips.json</a:t>
             </a:r>
             <a:r>
               <a:rPr lang="en-US" dirty="0"/>
@@ -8048,7 +9261,7 @@
             </a:r>
             <a:r>
               <a:rPr lang="en-US" dirty="0"/>
-              <a:t> codes using Zips2Fips.json dataset, starts creation of Neo4j data model</a:t>
+              <a:t> codes using Zips2Fips.csv, starts creation of Neo4j data model</a:t>
             </a:r>
           </a:p>
           <a:p>
@@ -8082,7 +9295,7 @@
             <a:pPr lvl="1"/>
             <a:r>
               <a:rPr lang="en-US" dirty="0"/>
-              <a:t>Created Neo4j constraints on each level of node in order to allow for quicker node-querying</a:t>
+              <a:t>Created Neo4j constraints on each level of geographic node in order to allow for quicker node-querying and data uploading</a:t>
             </a:r>
           </a:p>
           <a:p>
@@ -9130,7 +10343,7 @@
         <p:spPr/>
         <p:txBody>
           <a:bodyPr>
-            <a:normAutofit fontScale="92500" lnSpcReduction="10000"/>
+            <a:normAutofit/>
           </a:bodyPr>
           <a:lstStyle/>
           <a:p>
@@ -9158,13 +10371,6 @@
             <a:r>
               <a:rPr lang="en-US" dirty="0"/>
               <a:t>Created unique constraints on the Neo4j database, generated python data structure that unwinds based on the constraints in Neo4j (much quicker data upload)</a:t>
-            </a:r>
-          </a:p>
-          <a:p>
-            <a:pPr lvl="1"/>
-            <a:r>
-              <a:rPr lang="en-US" dirty="0"/>
-              <a:t>Main way for going from Mongo-&gt;Neo4j</a:t>
             </a:r>
           </a:p>
           <a:p>
@@ -9280,19 +10486,19 @@
           <a:p>
             <a:r>
               <a:rPr lang="en-US" dirty="0"/>
-              <a:t>Each query page contains dropdown menus for user input parameters for each specific query</a:t>
+              <a:t>Each query page contains dropdown menus for user input parameters </a:t>
+            </a:r>
+          </a:p>
+          <a:p>
+            <a:r>
+              <a:rPr lang="en-US" dirty="0"/>
+              <a:t>Dynamically load county data in a dropdown menu based on state selected</a:t>
             </a:r>
           </a:p>
           <a:p>
             <a:r>
               <a:rPr lang="en-US" dirty="0"/>
               <a:t>Results displayed from the query</a:t>
-            </a:r>
-          </a:p>
-          <a:p>
-            <a:r>
-              <a:rPr lang="en-US" dirty="0"/>
-              <a:t>Dynamically load county data in a dropdown menu based on state selected</a:t>
             </a:r>
           </a:p>
           <a:p>
@@ -9575,4 +10781,299 @@
     </a:ext>
   </a:extLst>
 </a:theme>
+</file>
+
+<file path=ppt/theme/theme2.xml><?xml version="1.0" encoding="utf-8"?>
+<a:theme xmlns:a="http://schemas.openxmlformats.org/drawingml/2006/main" name="Office Theme">
+  <a:themeElements>
+    <a:clrScheme name="Office">
+      <a:dk1>
+        <a:sysClr val="windowText" lastClr="000000"/>
+      </a:dk1>
+      <a:lt1>
+        <a:sysClr val="window" lastClr="FFFFFF"/>
+      </a:lt1>
+      <a:dk2>
+        <a:srgbClr val="44546A"/>
+      </a:dk2>
+      <a:lt2>
+        <a:srgbClr val="E7E6E6"/>
+      </a:lt2>
+      <a:accent1>
+        <a:srgbClr val="4472C4"/>
+      </a:accent1>
+      <a:accent2>
+        <a:srgbClr val="ED7D31"/>
+      </a:accent2>
+      <a:accent3>
+        <a:srgbClr val="A5A5A5"/>
+      </a:accent3>
+      <a:accent4>
+        <a:srgbClr val="FFC000"/>
+      </a:accent4>
+      <a:accent5>
+        <a:srgbClr val="5B9BD5"/>
+      </a:accent5>
+      <a:accent6>
+        <a:srgbClr val="70AD47"/>
+      </a:accent6>
+      <a:hlink>
+        <a:srgbClr val="0563C1"/>
+      </a:hlink>
+      <a:folHlink>
+        <a:srgbClr val="954F72"/>
+      </a:folHlink>
+    </a:clrScheme>
+    <a:fontScheme name="Office">
+      <a:majorFont>
+        <a:latin typeface="Calibri Light" panose="020F0302020204030204"/>
+        <a:ea typeface=""/>
+        <a:cs typeface=""/>
+        <a:font script="Jpan" typeface="游ゴシック Light"/>
+        <a:font script="Hang" typeface="맑은 고딕"/>
+        <a:font script="Hans" typeface="等线 Light"/>
+        <a:font script="Hant" typeface="新細明體"/>
+        <a:font script="Arab" typeface="Times New Roman"/>
+        <a:font script="Hebr" typeface="Times New Roman"/>
+        <a:font script="Thai" typeface="Angsana New"/>
+        <a:font script="Ethi" typeface="Nyala"/>
+        <a:font script="Beng" typeface="Vrinda"/>
+        <a:font script="Gujr" typeface="Shruti"/>
+        <a:font script="Khmr" typeface="MoolBoran"/>
+        <a:font script="Knda" typeface="Tunga"/>
+        <a:font script="Guru" typeface="Raavi"/>
+        <a:font script="Cans" typeface="Euphemia"/>
+        <a:font script="Cher" typeface="Plantagenet Cherokee"/>
+        <a:font script="Yiii" typeface="Microsoft Yi Baiti"/>
+        <a:font script="Tibt" typeface="Microsoft Himalaya"/>
+        <a:font script="Thaa" typeface="MV Boli"/>
+        <a:font script="Deva" typeface="Mangal"/>
+        <a:font script="Telu" typeface="Gautami"/>
+        <a:font script="Taml" typeface="Latha"/>
+        <a:font script="Syrc" typeface="Estrangelo Edessa"/>
+        <a:font script="Orya" typeface="Kalinga"/>
+        <a:font script="Mlym" typeface="Kartika"/>
+        <a:font script="Laoo" typeface="DokChampa"/>
+        <a:font script="Sinh" typeface="Iskoola Pota"/>
+        <a:font script="Mong" typeface="Mongolian Baiti"/>
+        <a:font script="Viet" typeface="Times New Roman"/>
+        <a:font script="Uigh" typeface="Microsoft Uighur"/>
+        <a:font script="Geor" typeface="Sylfaen"/>
+        <a:font script="Armn" typeface="Arial"/>
+        <a:font script="Bugi" typeface="Leelawadee UI"/>
+        <a:font script="Bopo" typeface="Microsoft JhengHei"/>
+        <a:font script="Java" typeface="Javanese Text"/>
+        <a:font script="Lisu" typeface="Segoe UI"/>
+        <a:font script="Mymr" typeface="Myanmar Text"/>
+        <a:font script="Nkoo" typeface="Ebrima"/>
+        <a:font script="Olck" typeface="Nirmala UI"/>
+        <a:font script="Osma" typeface="Ebrima"/>
+        <a:font script="Phag" typeface="Phagspa"/>
+        <a:font script="Syrn" typeface="Estrangelo Edessa"/>
+        <a:font script="Syrj" typeface="Estrangelo Edessa"/>
+        <a:font script="Syre" typeface="Estrangelo Edessa"/>
+        <a:font script="Sora" typeface="Nirmala UI"/>
+        <a:font script="Tale" typeface="Microsoft Tai Le"/>
+        <a:font script="Talu" typeface="Microsoft New Tai Lue"/>
+        <a:font script="Tfng" typeface="Ebrima"/>
+      </a:majorFont>
+      <a:minorFont>
+        <a:latin typeface="Calibri" panose="020F0502020204030204"/>
+        <a:ea typeface=""/>
+        <a:cs typeface=""/>
+        <a:font script="Jpan" typeface="游ゴシック"/>
+        <a:font script="Hang" typeface="맑은 고딕"/>
+        <a:font script="Hans" typeface="等线"/>
+        <a:font script="Hant" typeface="新細明體"/>
+        <a:font script="Arab" typeface="Arial"/>
+        <a:font script="Hebr" typeface="Arial"/>
+        <a:font script="Thai" typeface="Cordia New"/>
+        <a:font script="Ethi" typeface="Nyala"/>
+        <a:font script="Beng" typeface="Vrinda"/>
+        <a:font script="Gujr" typeface="Shruti"/>
+        <a:font script="Khmr" typeface="DaunPenh"/>
+        <a:font script="Knda" typeface="Tunga"/>
+        <a:font script="Guru" typeface="Raavi"/>
+        <a:font script="Cans" typeface="Euphemia"/>
+        <a:font script="Cher" typeface="Plantagenet Cherokee"/>
+        <a:font script="Yiii" typeface="Microsoft Yi Baiti"/>
+        <a:font script="Tibt" typeface="Microsoft Himalaya"/>
+        <a:font script="Thaa" typeface="MV Boli"/>
+        <a:font script="Deva" typeface="Mangal"/>
+        <a:font script="Telu" typeface="Gautami"/>
+        <a:font script="Taml" typeface="Latha"/>
+        <a:font script="Syrc" typeface="Estrangelo Edessa"/>
+        <a:font script="Orya" typeface="Kalinga"/>
+        <a:font script="Mlym" typeface="Kartika"/>
+        <a:font script="Laoo" typeface="DokChampa"/>
+        <a:font script="Sinh" typeface="Iskoola Pota"/>
+        <a:font script="Mong" typeface="Mongolian Baiti"/>
+        <a:font script="Viet" typeface="Arial"/>
+        <a:font script="Uigh" typeface="Microsoft Uighur"/>
+        <a:font script="Geor" typeface="Sylfaen"/>
+        <a:font script="Armn" typeface="Arial"/>
+        <a:font script="Bugi" typeface="Leelawadee UI"/>
+        <a:font script="Bopo" typeface="Microsoft JhengHei"/>
+        <a:font script="Java" typeface="Javanese Text"/>
+        <a:font script="Lisu" typeface="Segoe UI"/>
+        <a:font script="Mymr" typeface="Myanmar Text"/>
+        <a:font script="Nkoo" typeface="Ebrima"/>
+        <a:font script="Olck" typeface="Nirmala UI"/>
+        <a:font script="Osma" typeface="Ebrima"/>
+        <a:font script="Phag" typeface="Phagspa"/>
+        <a:font script="Syrn" typeface="Estrangelo Edessa"/>
+        <a:font script="Syrj" typeface="Estrangelo Edessa"/>
+        <a:font script="Syre" typeface="Estrangelo Edessa"/>
+        <a:font script="Sora" typeface="Nirmala UI"/>
+        <a:font script="Tale" typeface="Microsoft Tai Le"/>
+        <a:font script="Talu" typeface="Microsoft New Tai Lue"/>
+        <a:font script="Tfng" typeface="Ebrima"/>
+      </a:minorFont>
+    </a:fontScheme>
+    <a:fmtScheme name="Office">
+      <a:fillStyleLst>
+        <a:solidFill>
+          <a:schemeClr val="phClr"/>
+        </a:solidFill>
+        <a:gradFill rotWithShape="1">
+          <a:gsLst>
+            <a:gs pos="0">
+              <a:schemeClr val="phClr">
+                <a:lumMod val="110000"/>
+                <a:satMod val="105000"/>
+                <a:tint val="67000"/>
+              </a:schemeClr>
+            </a:gs>
+            <a:gs pos="50000">
+              <a:schemeClr val="phClr">
+                <a:lumMod val="105000"/>
+                <a:satMod val="103000"/>
+                <a:tint val="73000"/>
+              </a:schemeClr>
+            </a:gs>
+            <a:gs pos="100000">
+              <a:schemeClr val="phClr">
+                <a:lumMod val="105000"/>
+                <a:satMod val="109000"/>
+                <a:tint val="81000"/>
+              </a:schemeClr>
+            </a:gs>
+          </a:gsLst>
+          <a:lin ang="5400000" scaled="0"/>
+        </a:gradFill>
+        <a:gradFill rotWithShape="1">
+          <a:gsLst>
+            <a:gs pos="0">
+              <a:schemeClr val="phClr">
+                <a:satMod val="103000"/>
+                <a:lumMod val="102000"/>
+                <a:tint val="94000"/>
+              </a:schemeClr>
+            </a:gs>
+            <a:gs pos="50000">
+              <a:schemeClr val="phClr">
+                <a:satMod val="110000"/>
+                <a:lumMod val="100000"/>
+                <a:shade val="100000"/>
+              </a:schemeClr>
+            </a:gs>
+            <a:gs pos="100000">
+              <a:schemeClr val="phClr">
+                <a:lumMod val="99000"/>
+                <a:satMod val="120000"/>
+                <a:shade val="78000"/>
+              </a:schemeClr>
+            </a:gs>
+          </a:gsLst>
+          <a:lin ang="5400000" scaled="0"/>
+        </a:gradFill>
+      </a:fillStyleLst>
+      <a:lnStyleLst>
+        <a:ln w="6350" cap="flat" cmpd="sng" algn="ctr">
+          <a:solidFill>
+            <a:schemeClr val="phClr"/>
+          </a:solidFill>
+          <a:prstDash val="solid"/>
+          <a:miter lim="800000"/>
+        </a:ln>
+        <a:ln w="12700" cap="flat" cmpd="sng" algn="ctr">
+          <a:solidFill>
+            <a:schemeClr val="phClr"/>
+          </a:solidFill>
+          <a:prstDash val="solid"/>
+          <a:miter lim="800000"/>
+        </a:ln>
+        <a:ln w="19050" cap="flat" cmpd="sng" algn="ctr">
+          <a:solidFill>
+            <a:schemeClr val="phClr"/>
+          </a:solidFill>
+          <a:prstDash val="solid"/>
+          <a:miter lim="800000"/>
+        </a:ln>
+      </a:lnStyleLst>
+      <a:effectStyleLst>
+        <a:effectStyle>
+          <a:effectLst/>
+        </a:effectStyle>
+        <a:effectStyle>
+          <a:effectLst/>
+        </a:effectStyle>
+        <a:effectStyle>
+          <a:effectLst>
+            <a:outerShdw blurRad="57150" dist="19050" dir="5400000" algn="ctr" rotWithShape="0">
+              <a:srgbClr val="000000">
+                <a:alpha val="63000"/>
+              </a:srgbClr>
+            </a:outerShdw>
+          </a:effectLst>
+        </a:effectStyle>
+      </a:effectStyleLst>
+      <a:bgFillStyleLst>
+        <a:solidFill>
+          <a:schemeClr val="phClr"/>
+        </a:solidFill>
+        <a:solidFill>
+          <a:schemeClr val="phClr">
+            <a:tint val="95000"/>
+            <a:satMod val="170000"/>
+          </a:schemeClr>
+        </a:solidFill>
+        <a:gradFill rotWithShape="1">
+          <a:gsLst>
+            <a:gs pos="0">
+              <a:schemeClr val="phClr">
+                <a:tint val="93000"/>
+                <a:satMod val="150000"/>
+                <a:shade val="98000"/>
+                <a:lumMod val="102000"/>
+              </a:schemeClr>
+            </a:gs>
+            <a:gs pos="50000">
+              <a:schemeClr val="phClr">
+                <a:tint val="98000"/>
+                <a:satMod val="130000"/>
+                <a:shade val="90000"/>
+                <a:lumMod val="103000"/>
+              </a:schemeClr>
+            </a:gs>
+            <a:gs pos="100000">
+              <a:schemeClr val="phClr">
+                <a:shade val="63000"/>
+                <a:satMod val="120000"/>
+              </a:schemeClr>
+            </a:gs>
+          </a:gsLst>
+          <a:lin ang="5400000" scaled="0"/>
+        </a:gradFill>
+      </a:bgFillStyleLst>
+    </a:fmtScheme>
+  </a:themeElements>
+  <a:objectDefaults/>
+  <a:extraClrSchemeLst/>
+  <a:extLst>
+    <a:ext uri="{05A4C25C-085E-4340-85A3-A5531E510DB2}">
+      <thm15:themeFamily xmlns:thm15="http://schemas.microsoft.com/office/thememl/2012/main" name="Office Theme" id="{62F939B6-93AF-4DB8-9C6B-D6C7DFDC589F}" vid="{4A3C46E8-61CC-4603-A589-7422A47A8E4A}"/>
+    </a:ext>
+  </a:extLst>
+</a:theme>
 </file>